--- a/coro_present/coro.pptx
+++ b/coro_present/coro.pptx
@@ -8,7 +8,7 @@
     <p:sldMasterId id="2147484685" r:id="rId4"/>
   </p:sldMasterIdLst>
   <p:notesMasterIdLst>
-    <p:notesMasterId r:id="rId42"/>
+    <p:notesMasterId r:id="rId50"/>
   </p:notesMasterIdLst>
   <p:sldIdLst>
     <p:sldId id="261" r:id="rId5"/>
@@ -47,7 +47,15 @@
     <p:sldId id="294" r:id="rId38"/>
     <p:sldId id="295" r:id="rId39"/>
     <p:sldId id="296" r:id="rId40"/>
-    <p:sldId id="297" r:id="rId41"/>
+    <p:sldId id="298" r:id="rId41"/>
+    <p:sldId id="299" r:id="rId42"/>
+    <p:sldId id="300" r:id="rId43"/>
+    <p:sldId id="301" r:id="rId44"/>
+    <p:sldId id="302" r:id="rId45"/>
+    <p:sldId id="303" r:id="rId46"/>
+    <p:sldId id="304" r:id="rId47"/>
+    <p:sldId id="305" r:id="rId48"/>
+    <p:sldId id="297" r:id="rId49"/>
   </p:sldIdLst>
   <p:sldSz cx="12192000" cy="6858000"/>
   <p:notesSz cx="6858000" cy="9144000"/>
@@ -279,7 +287,7 @@
           <a:p>
             <a:fld id="{4B495064-212B-4CC3-AB4F-A1B421A70097}" type="datetimeFigureOut">
               <a:rPr lang="ru-RU" smtClean="0"/>
-              <a:t>25.12.2021</a:t>
+              <a:t>26.04.2022</a:t>
             </a:fld>
             <a:endParaRPr lang="ru-RU"/>
           </a:p>
@@ -1079,7 +1087,7 @@
           <a:p>
             <a:fld id="{E3530E06-3A5C-4B21-8E13-A8F3D6BBB009}" type="datetimeFigureOut">
               <a:rPr lang="ru-RU" smtClean="0"/>
-              <a:t>25.12.2021</a:t>
+              <a:t>26.04.2022</a:t>
             </a:fld>
             <a:endParaRPr lang="ru-RU" dirty="0"/>
           </a:p>
@@ -1300,7 +1308,7 @@
           <a:p>
             <a:fld id="{E3530E06-3A5C-4B21-8E13-A8F3D6BBB009}" type="datetimeFigureOut">
               <a:rPr lang="ru-RU" smtClean="0"/>
-              <a:t>25.12.2021</a:t>
+              <a:t>26.04.2022</a:t>
             </a:fld>
             <a:endParaRPr lang="ru-RU" dirty="0"/>
           </a:p>
@@ -1480,7 +1488,7 @@
           <a:p>
             <a:fld id="{E3530E06-3A5C-4B21-8E13-A8F3D6BBB009}" type="datetimeFigureOut">
               <a:rPr lang="ru-RU" smtClean="0"/>
-              <a:t>25.12.2021</a:t>
+              <a:t>26.04.2022</a:t>
             </a:fld>
             <a:endParaRPr lang="ru-RU" dirty="0"/>
           </a:p>
@@ -1737,7 +1745,7 @@
           <a:p>
             <a:fld id="{E3530E06-3A5C-4B21-8E13-A8F3D6BBB009}" type="datetimeFigureOut">
               <a:rPr lang="ru-RU" smtClean="0"/>
-              <a:t>25.12.2021</a:t>
+              <a:t>26.04.2022</a:t>
             </a:fld>
             <a:endParaRPr lang="ru-RU" dirty="0"/>
           </a:p>
@@ -1958,7 +1966,7 @@
           <a:p>
             <a:fld id="{E3530E06-3A5C-4B21-8E13-A8F3D6BBB009}" type="datetimeFigureOut">
               <a:rPr lang="ru-RU" smtClean="0"/>
-              <a:t>25.12.2021</a:t>
+              <a:t>26.04.2022</a:t>
             </a:fld>
             <a:endParaRPr lang="ru-RU" dirty="0"/>
           </a:p>
@@ -2209,7 +2217,7 @@
           <a:p>
             <a:fld id="{E3530E06-3A5C-4B21-8E13-A8F3D6BBB009}" type="datetimeFigureOut">
               <a:rPr lang="ru-RU" smtClean="0"/>
-              <a:t>25.12.2021</a:t>
+              <a:t>26.04.2022</a:t>
             </a:fld>
             <a:endParaRPr lang="ru-RU" dirty="0"/>
           </a:p>
@@ -2532,7 +2540,7 @@
           <a:p>
             <a:fld id="{E3530E06-3A5C-4B21-8E13-A8F3D6BBB009}" type="datetimeFigureOut">
               <a:rPr lang="ru-RU" smtClean="0"/>
-              <a:t>25.12.2021</a:t>
+              <a:t>26.04.2022</a:t>
             </a:fld>
             <a:endParaRPr lang="ru-RU" dirty="0"/>
           </a:p>
@@ -2956,7 +2964,7 @@
           <a:p>
             <a:fld id="{E3530E06-3A5C-4B21-8E13-A8F3D6BBB009}" type="datetimeFigureOut">
               <a:rPr lang="ru-RU" smtClean="0"/>
-              <a:t>25.12.2021</a:t>
+              <a:t>26.04.2022</a:t>
             </a:fld>
             <a:endParaRPr lang="ru-RU" dirty="0"/>
           </a:p>
@@ -3074,7 +3082,7 @@
           <a:p>
             <a:fld id="{E3530E06-3A5C-4B21-8E13-A8F3D6BBB009}" type="datetimeFigureOut">
               <a:rPr lang="ru-RU" smtClean="0"/>
-              <a:t>25.12.2021</a:t>
+              <a:t>26.04.2022</a:t>
             </a:fld>
             <a:endParaRPr lang="ru-RU" dirty="0"/>
           </a:p>
@@ -3169,7 +3177,7 @@
           <a:p>
             <a:fld id="{E3530E06-3A5C-4B21-8E13-A8F3D6BBB009}" type="datetimeFigureOut">
               <a:rPr lang="ru-RU" smtClean="0"/>
-              <a:t>25.12.2021</a:t>
+              <a:t>26.04.2022</a:t>
             </a:fld>
             <a:endParaRPr lang="ru-RU" dirty="0"/>
           </a:p>
@@ -3459,7 +3467,7 @@
           <a:p>
             <a:fld id="{E3530E06-3A5C-4B21-8E13-A8F3D6BBB009}" type="datetimeFigureOut">
               <a:rPr lang="ru-RU" smtClean="0"/>
-              <a:t>25.12.2021</a:t>
+              <a:t>26.04.2022</a:t>
             </a:fld>
             <a:endParaRPr lang="ru-RU" dirty="0"/>
           </a:p>
@@ -3629,7 +3637,7 @@
           <a:p>
             <a:fld id="{E3530E06-3A5C-4B21-8E13-A8F3D6BBB009}" type="datetimeFigureOut">
               <a:rPr lang="ru-RU" smtClean="0"/>
-              <a:t>25.12.2021</a:t>
+              <a:t>26.04.2022</a:t>
             </a:fld>
             <a:endParaRPr lang="ru-RU" dirty="0"/>
           </a:p>
@@ -3901,7 +3909,7 @@
           <a:p>
             <a:fld id="{E3530E06-3A5C-4B21-8E13-A8F3D6BBB009}" type="datetimeFigureOut">
               <a:rPr lang="ru-RU" smtClean="0"/>
-              <a:t>25.12.2021</a:t>
+              <a:t>26.04.2022</a:t>
             </a:fld>
             <a:endParaRPr lang="ru-RU" dirty="0"/>
           </a:p>
@@ -4071,7 +4079,7 @@
           <a:p>
             <a:fld id="{E3530E06-3A5C-4B21-8E13-A8F3D6BBB009}" type="datetimeFigureOut">
               <a:rPr lang="ru-RU" smtClean="0"/>
-              <a:t>25.12.2021</a:t>
+              <a:t>26.04.2022</a:t>
             </a:fld>
             <a:endParaRPr lang="ru-RU" dirty="0"/>
           </a:p>
@@ -4251,7 +4259,7 @@
           <a:p>
             <a:fld id="{E3530E06-3A5C-4B21-8E13-A8F3D6BBB009}" type="datetimeFigureOut">
               <a:rPr lang="ru-RU" smtClean="0"/>
-              <a:t>25.12.2021</a:t>
+              <a:t>26.04.2022</a:t>
             </a:fld>
             <a:endParaRPr lang="ru-RU" dirty="0"/>
           </a:p>
@@ -4508,7 +4516,7 @@
           <a:p>
             <a:fld id="{E3530E06-3A5C-4B21-8E13-A8F3D6BBB009}" type="datetimeFigureOut">
               <a:rPr lang="ru-RU" smtClean="0"/>
-              <a:t>25.12.2021</a:t>
+              <a:t>26.04.2022</a:t>
             </a:fld>
             <a:endParaRPr lang="ru-RU" dirty="0"/>
           </a:p>
@@ -4729,7 +4737,7 @@
           <a:p>
             <a:fld id="{E3530E06-3A5C-4B21-8E13-A8F3D6BBB009}" type="datetimeFigureOut">
               <a:rPr lang="ru-RU" smtClean="0"/>
-              <a:t>25.12.2021</a:t>
+              <a:t>26.04.2022</a:t>
             </a:fld>
             <a:endParaRPr lang="ru-RU" dirty="0"/>
           </a:p>
@@ -4980,7 +4988,7 @@
           <a:p>
             <a:fld id="{E3530E06-3A5C-4B21-8E13-A8F3D6BBB009}" type="datetimeFigureOut">
               <a:rPr lang="ru-RU" smtClean="0"/>
-              <a:t>25.12.2021</a:t>
+              <a:t>26.04.2022</a:t>
             </a:fld>
             <a:endParaRPr lang="ru-RU" dirty="0"/>
           </a:p>
@@ -5303,7 +5311,7 @@
           <a:p>
             <a:fld id="{E3530E06-3A5C-4B21-8E13-A8F3D6BBB009}" type="datetimeFigureOut">
               <a:rPr lang="ru-RU" smtClean="0"/>
-              <a:t>25.12.2021</a:t>
+              <a:t>26.04.2022</a:t>
             </a:fld>
             <a:endParaRPr lang="ru-RU" dirty="0"/>
           </a:p>
@@ -5727,7 +5735,7 @@
           <a:p>
             <a:fld id="{E3530E06-3A5C-4B21-8E13-A8F3D6BBB009}" type="datetimeFigureOut">
               <a:rPr lang="ru-RU" smtClean="0"/>
-              <a:t>25.12.2021</a:t>
+              <a:t>26.04.2022</a:t>
             </a:fld>
             <a:endParaRPr lang="ru-RU" dirty="0"/>
           </a:p>
@@ -5845,7 +5853,7 @@
           <a:p>
             <a:fld id="{E3530E06-3A5C-4B21-8E13-A8F3D6BBB009}" type="datetimeFigureOut">
               <a:rPr lang="ru-RU" smtClean="0"/>
-              <a:t>25.12.2021</a:t>
+              <a:t>26.04.2022</a:t>
             </a:fld>
             <a:endParaRPr lang="ru-RU" dirty="0"/>
           </a:p>
@@ -5940,7 +5948,7 @@
           <a:p>
             <a:fld id="{E3530E06-3A5C-4B21-8E13-A8F3D6BBB009}" type="datetimeFigureOut">
               <a:rPr lang="ru-RU" smtClean="0"/>
-              <a:t>25.12.2021</a:t>
+              <a:t>26.04.2022</a:t>
             </a:fld>
             <a:endParaRPr lang="ru-RU" dirty="0"/>
           </a:p>
@@ -6191,7 +6199,7 @@
           <a:p>
             <a:fld id="{E3530E06-3A5C-4B21-8E13-A8F3D6BBB009}" type="datetimeFigureOut">
               <a:rPr lang="ru-RU" smtClean="0"/>
-              <a:t>25.12.2021</a:t>
+              <a:t>26.04.2022</a:t>
             </a:fld>
             <a:endParaRPr lang="ru-RU" dirty="0"/>
           </a:p>
@@ -6516,7 +6524,7 @@
           <a:p>
             <a:fld id="{E3530E06-3A5C-4B21-8E13-A8F3D6BBB009}" type="datetimeFigureOut">
               <a:rPr lang="ru-RU" smtClean="0"/>
-              <a:t>25.12.2021</a:t>
+              <a:t>26.04.2022</a:t>
             </a:fld>
             <a:endParaRPr lang="ru-RU" dirty="0"/>
           </a:p>
@@ -6788,7 +6796,7 @@
           <a:p>
             <a:fld id="{E3530E06-3A5C-4B21-8E13-A8F3D6BBB009}" type="datetimeFigureOut">
               <a:rPr lang="ru-RU" smtClean="0"/>
-              <a:t>25.12.2021</a:t>
+              <a:t>26.04.2022</a:t>
             </a:fld>
             <a:endParaRPr lang="ru-RU" dirty="0"/>
           </a:p>
@@ -6958,7 +6966,7 @@
           <a:p>
             <a:fld id="{E3530E06-3A5C-4B21-8E13-A8F3D6BBB009}" type="datetimeFigureOut">
               <a:rPr lang="ru-RU" smtClean="0"/>
-              <a:t>25.12.2021</a:t>
+              <a:t>26.04.2022</a:t>
             </a:fld>
             <a:endParaRPr lang="ru-RU" dirty="0"/>
           </a:p>
@@ -7138,7 +7146,7 @@
           <a:p>
             <a:fld id="{E3530E06-3A5C-4B21-8E13-A8F3D6BBB009}" type="datetimeFigureOut">
               <a:rPr lang="ru-RU" smtClean="0"/>
-              <a:t>25.12.2021</a:t>
+              <a:t>26.04.2022</a:t>
             </a:fld>
             <a:endParaRPr lang="ru-RU" dirty="0"/>
           </a:p>
@@ -7395,7 +7403,7 @@
           <a:p>
             <a:fld id="{E3530E06-3A5C-4B21-8E13-A8F3D6BBB009}" type="datetimeFigureOut">
               <a:rPr lang="ru-RU" smtClean="0"/>
-              <a:t>25.12.2021</a:t>
+              <a:t>26.04.2022</a:t>
             </a:fld>
             <a:endParaRPr lang="ru-RU" dirty="0"/>
           </a:p>
@@ -7616,7 +7624,7 @@
           <a:p>
             <a:fld id="{E3530E06-3A5C-4B21-8E13-A8F3D6BBB009}" type="datetimeFigureOut">
               <a:rPr lang="ru-RU" smtClean="0"/>
-              <a:t>25.12.2021</a:t>
+              <a:t>26.04.2022</a:t>
             </a:fld>
             <a:endParaRPr lang="ru-RU" dirty="0"/>
           </a:p>
@@ -7867,7 +7875,7 @@
           <a:p>
             <a:fld id="{E3530E06-3A5C-4B21-8E13-A8F3D6BBB009}" type="datetimeFigureOut">
               <a:rPr lang="ru-RU" smtClean="0"/>
-              <a:t>25.12.2021</a:t>
+              <a:t>26.04.2022</a:t>
             </a:fld>
             <a:endParaRPr lang="ru-RU" dirty="0"/>
           </a:p>
@@ -8190,7 +8198,7 @@
           <a:p>
             <a:fld id="{E3530E06-3A5C-4B21-8E13-A8F3D6BBB009}" type="datetimeFigureOut">
               <a:rPr lang="ru-RU" smtClean="0"/>
-              <a:t>25.12.2021</a:t>
+              <a:t>26.04.2022</a:t>
             </a:fld>
             <a:endParaRPr lang="ru-RU" dirty="0"/>
           </a:p>
@@ -8614,7 +8622,7 @@
           <a:p>
             <a:fld id="{E3530E06-3A5C-4B21-8E13-A8F3D6BBB009}" type="datetimeFigureOut">
               <a:rPr lang="ru-RU" smtClean="0"/>
-              <a:t>25.12.2021</a:t>
+              <a:t>26.04.2022</a:t>
             </a:fld>
             <a:endParaRPr lang="ru-RU" dirty="0"/>
           </a:p>
@@ -8732,7 +8740,7 @@
           <a:p>
             <a:fld id="{E3530E06-3A5C-4B21-8E13-A8F3D6BBB009}" type="datetimeFigureOut">
               <a:rPr lang="ru-RU" smtClean="0"/>
-              <a:t>25.12.2021</a:t>
+              <a:t>26.04.2022</a:t>
             </a:fld>
             <a:endParaRPr lang="ru-RU" dirty="0"/>
           </a:p>
@@ -9020,7 +9028,7 @@
           <a:p>
             <a:fld id="{E3530E06-3A5C-4B21-8E13-A8F3D6BBB009}" type="datetimeFigureOut">
               <a:rPr lang="ru-RU" smtClean="0"/>
-              <a:t>25.12.2021</a:t>
+              <a:t>26.04.2022</a:t>
             </a:fld>
             <a:endParaRPr lang="ru-RU" dirty="0"/>
           </a:p>
@@ -9115,7 +9123,7 @@
           <a:p>
             <a:fld id="{E3530E06-3A5C-4B21-8E13-A8F3D6BBB009}" type="datetimeFigureOut">
               <a:rPr lang="ru-RU" smtClean="0"/>
-              <a:t>25.12.2021</a:t>
+              <a:t>26.04.2022</a:t>
             </a:fld>
             <a:endParaRPr lang="ru-RU" dirty="0"/>
           </a:p>
@@ -9405,7 +9413,7 @@
           <a:p>
             <a:fld id="{E3530E06-3A5C-4B21-8E13-A8F3D6BBB009}" type="datetimeFigureOut">
               <a:rPr lang="ru-RU" smtClean="0"/>
-              <a:t>25.12.2021</a:t>
+              <a:t>26.04.2022</a:t>
             </a:fld>
             <a:endParaRPr lang="ru-RU" dirty="0"/>
           </a:p>
@@ -9677,7 +9685,7 @@
           <a:p>
             <a:fld id="{E3530E06-3A5C-4B21-8E13-A8F3D6BBB009}" type="datetimeFigureOut">
               <a:rPr lang="ru-RU" smtClean="0"/>
-              <a:t>25.12.2021</a:t>
+              <a:t>26.04.2022</a:t>
             </a:fld>
             <a:endParaRPr lang="ru-RU" dirty="0"/>
           </a:p>
@@ -9847,7 +9855,7 @@
           <a:p>
             <a:fld id="{E3530E06-3A5C-4B21-8E13-A8F3D6BBB009}" type="datetimeFigureOut">
               <a:rPr lang="ru-RU" smtClean="0"/>
-              <a:t>25.12.2021</a:t>
+              <a:t>26.04.2022</a:t>
             </a:fld>
             <a:endParaRPr lang="ru-RU" dirty="0"/>
           </a:p>
@@ -10027,7 +10035,7 @@
           <a:p>
             <a:fld id="{E3530E06-3A5C-4B21-8E13-A8F3D6BBB009}" type="datetimeFigureOut">
               <a:rPr lang="ru-RU" smtClean="0"/>
-              <a:t>25.12.2021</a:t>
+              <a:t>26.04.2022</a:t>
             </a:fld>
             <a:endParaRPr lang="ru-RU" dirty="0"/>
           </a:p>
@@ -10451,7 +10459,7 @@
           <a:p>
             <a:fld id="{E3530E06-3A5C-4B21-8E13-A8F3D6BBB009}" type="datetimeFigureOut">
               <a:rPr lang="ru-RU" smtClean="0"/>
-              <a:t>25.12.2021</a:t>
+              <a:t>26.04.2022</a:t>
             </a:fld>
             <a:endParaRPr lang="ru-RU" dirty="0"/>
           </a:p>
@@ -10569,7 +10577,7 @@
           <a:p>
             <a:fld id="{E3530E06-3A5C-4B21-8E13-A8F3D6BBB009}" type="datetimeFigureOut">
               <a:rPr lang="ru-RU" smtClean="0"/>
-              <a:t>25.12.2021</a:t>
+              <a:t>26.04.2022</a:t>
             </a:fld>
             <a:endParaRPr lang="ru-RU" dirty="0"/>
           </a:p>
@@ -10664,7 +10672,7 @@
           <a:p>
             <a:fld id="{E3530E06-3A5C-4B21-8E13-A8F3D6BBB009}" type="datetimeFigureOut">
               <a:rPr lang="ru-RU" smtClean="0"/>
-              <a:t>25.12.2021</a:t>
+              <a:t>26.04.2022</a:t>
             </a:fld>
             <a:endParaRPr lang="ru-RU" dirty="0"/>
           </a:p>
@@ -10954,7 +10962,7 @@
           <a:p>
             <a:fld id="{E3530E06-3A5C-4B21-8E13-A8F3D6BBB009}" type="datetimeFigureOut">
               <a:rPr lang="ru-RU" smtClean="0"/>
-              <a:t>25.12.2021</a:t>
+              <a:t>26.04.2022</a:t>
             </a:fld>
             <a:endParaRPr lang="ru-RU" dirty="0"/>
           </a:p>
@@ -11226,7 +11234,7 @@
           <a:p>
             <a:fld id="{E3530E06-3A5C-4B21-8E13-A8F3D6BBB009}" type="datetimeFigureOut">
               <a:rPr lang="ru-RU" smtClean="0"/>
-              <a:t>25.12.2021</a:t>
+              <a:t>26.04.2022</a:t>
             </a:fld>
             <a:endParaRPr lang="ru-RU" dirty="0"/>
           </a:p>
@@ -11479,7 +11487,7 @@
           <a:p>
             <a:fld id="{E3530E06-3A5C-4B21-8E13-A8F3D6BBB009}" type="datetimeFigureOut">
               <a:rPr lang="ru-RU" smtClean="0"/>
-              <a:t>25.12.2021</a:t>
+              <a:t>26.04.2022</a:t>
             </a:fld>
             <a:endParaRPr lang="ru-RU" dirty="0"/>
           </a:p>
@@ -12120,7 +12128,7 @@
           <a:p>
             <a:fld id="{E3530E06-3A5C-4B21-8E13-A8F3D6BBB009}" type="datetimeFigureOut">
               <a:rPr lang="ru-RU" smtClean="0"/>
-              <a:t>25.12.2021</a:t>
+              <a:t>26.04.2022</a:t>
             </a:fld>
             <a:endParaRPr lang="ru-RU" dirty="0"/>
           </a:p>
@@ -12761,7 +12769,7 @@
           <a:p>
             <a:fld id="{E3530E06-3A5C-4B21-8E13-A8F3D6BBB009}" type="datetimeFigureOut">
               <a:rPr lang="ru-RU" smtClean="0"/>
-              <a:t>25.12.2021</a:t>
+              <a:t>26.04.2022</a:t>
             </a:fld>
             <a:endParaRPr lang="ru-RU" dirty="0"/>
           </a:p>
@@ -13402,7 +13410,7 @@
           <a:p>
             <a:fld id="{E3530E06-3A5C-4B21-8E13-A8F3D6BBB009}" type="datetimeFigureOut">
               <a:rPr lang="ru-RU" smtClean="0"/>
-              <a:t>25.12.2021</a:t>
+              <a:t>26.04.2022</a:t>
             </a:fld>
             <a:endParaRPr lang="ru-RU" dirty="0"/>
           </a:p>
@@ -13968,17 +13976,7 @@
                 <a:latin typeface="Cambria Math" panose="02040503050406030204" pitchFamily="18" charset="0"/>
                 <a:ea typeface="Cambria Math" panose="02040503050406030204" pitchFamily="18" charset="0"/>
               </a:rPr>
-              <a:t>едят</a:t>
-            </a:r>
-            <a:r>
-              <a:rPr lang="ru-RU" sz="4400" dirty="0" smtClean="0">
-                <a:solidFill>
-                  <a:schemeClr val="tx1"/>
-                </a:solidFill>
-                <a:latin typeface="Cambria Math" panose="02040503050406030204" pitchFamily="18" charset="0"/>
-                <a:ea typeface="Cambria Math" panose="02040503050406030204" pitchFamily="18" charset="0"/>
-              </a:rPr>
-              <a:t>?</a:t>
+              <a:t>едят?</a:t>
             </a:r>
             <a:r>
               <a:rPr lang="en-US" sz="4400" dirty="0" smtClean="0">
@@ -19513,29 +19511,314 @@
             <p:ph type="title"/>
           </p:nvPr>
         </p:nvSpPr>
-        <p:spPr>
-          <a:xfrm>
-            <a:off x="439615" y="460131"/>
-            <a:ext cx="9875520" cy="1356360"/>
-          </a:xfrm>
-        </p:spPr>
+        <p:spPr/>
         <p:txBody>
           <a:bodyPr/>
           <a:lstStyle/>
           <a:p>
             <a:r>
+              <a:rPr lang="ru-RU" dirty="0" smtClean="0"/>
+              <a:t>В качестве примера рассмотрим реализацию </a:t>
+            </a:r>
+            <a:r>
               <a:rPr lang="en-US" dirty="0" smtClean="0"/>
-              <a:t>			</a:t>
+              <a:t>proxy</a:t>
             </a:r>
             <a:r>
               <a:rPr lang="ru-RU" dirty="0" smtClean="0"/>
-              <a:t>     </a:t>
-            </a:r>
-            <a:r>
-              <a:rPr lang="en-US" sz="6600" dirty="0" smtClean="0"/>
-              <a:t>That’s All!</a:t>
-            </a:r>
-            <a:endParaRPr lang="ru-RU" sz="6600" dirty="0"/>
+              <a:t> сервера.</a:t>
+            </a:r>
+            <a:endParaRPr lang="ru-RU" dirty="0"/>
+          </a:p>
+        </p:txBody>
+      </p:sp>
+      <p:sp>
+        <p:nvSpPr>
+          <p:cNvPr id="3" name="Объект 2"/>
+          <p:cNvSpPr>
+            <a:spLocks noGrp="1"/>
+          </p:cNvSpPr>
+          <p:nvPr>
+            <p:ph idx="1"/>
+          </p:nvPr>
+        </p:nvSpPr>
+        <p:spPr/>
+        <p:txBody>
+          <a:bodyPr>
+            <a:normAutofit/>
+          </a:bodyPr>
+          <a:lstStyle/>
+          <a:p>
+            <a:pPr marL="45720" indent="0">
+              <a:buNone/>
+            </a:pPr>
+            <a:r>
+              <a:rPr lang="ru-RU" sz="2800" dirty="0" smtClean="0"/>
+              <a:t> </a:t>
+            </a:r>
+          </a:p>
+          <a:p>
+            <a:pPr marL="45720" indent="0">
+              <a:buNone/>
+            </a:pPr>
+            <a:r>
+              <a:rPr lang="en-US" sz="2800" dirty="0" smtClean="0"/>
+              <a:t>Proxy </a:t>
+            </a:r>
+            <a:r>
+              <a:rPr lang="ru-RU" sz="2800" dirty="0" smtClean="0"/>
+              <a:t>сервер - </a:t>
+            </a:r>
+            <a:r>
+              <a:rPr lang="ru-RU" sz="2400" dirty="0" smtClean="0"/>
+              <a:t>промежуточный </a:t>
+            </a:r>
+            <a:r>
+              <a:rPr lang="ru-RU" sz="2400" dirty="0"/>
+              <a:t>сервер в компьютерных сетях, выполняющий роль посредника между пользователем и целевым сервером, позволяющий клиентам как выполнять косвенные запросы к другим сетевым службам, так и получать ответы</a:t>
+            </a:r>
+            <a:r>
+              <a:rPr lang="ru-RU" sz="2400" dirty="0" smtClean="0"/>
+              <a:t>.</a:t>
+            </a:r>
+          </a:p>
+          <a:p>
+            <a:pPr marL="45720" indent="0">
+              <a:buNone/>
+            </a:pPr>
+            <a:r>
+              <a:rPr lang="ru-RU" sz="2400" dirty="0" smtClean="0"/>
+              <a:t>На его примере можно по-настоящему увидеть все достоинства  корутин, позволяющий писать элегантный и производительный код.</a:t>
+            </a:r>
+            <a:endParaRPr lang="ru-RU" sz="2400" dirty="0"/>
+          </a:p>
+        </p:txBody>
+      </p:sp>
+    </p:spTree>
+    <p:extLst>
+      <p:ext uri="{BB962C8B-B14F-4D97-AF65-F5344CB8AC3E}">
+        <p14:creationId xmlns:p14="http://schemas.microsoft.com/office/powerpoint/2010/main" val="1348075904"/>
+      </p:ext>
+    </p:extLst>
+  </p:cSld>
+  <p:clrMapOvr>
+    <a:masterClrMapping/>
+  </p:clrMapOvr>
+  <p:timing>
+    <p:tnLst>
+      <p:par>
+        <p:cTn id="1" dur="indefinite" restart="never" nodeType="tmRoot"/>
+      </p:par>
+    </p:tnLst>
+  </p:timing>
+</p:sld>
+</file>
+
+<file path=ppt/slides/slide38.xml><?xml version="1.0" encoding="utf-8"?>
+<p:sld xmlns:a="http://schemas.openxmlformats.org/drawingml/2006/main" xmlns:r="http://schemas.openxmlformats.org/officeDocument/2006/relationships" xmlns:p="http://schemas.openxmlformats.org/presentationml/2006/main">
+  <p:cSld>
+    <p:spTree>
+      <p:nvGrpSpPr>
+        <p:cNvPr id="1" name=""/>
+        <p:cNvGrpSpPr/>
+        <p:nvPr/>
+      </p:nvGrpSpPr>
+      <p:grpSpPr>
+        <a:xfrm>
+          <a:off x="0" y="0"/>
+          <a:ext cx="0" cy="0"/>
+          <a:chOff x="0" y="0"/>
+          <a:chExt cx="0" cy="0"/>
+        </a:xfrm>
+      </p:grpSpPr>
+      <p:sp>
+        <p:nvSpPr>
+          <p:cNvPr id="3" name="Объект 2"/>
+          <p:cNvSpPr>
+            <a:spLocks noGrp="1"/>
+          </p:cNvSpPr>
+          <p:nvPr>
+            <p:ph idx="1"/>
+          </p:nvPr>
+        </p:nvSpPr>
+        <p:spPr>
+          <a:xfrm>
+            <a:off x="747346" y="756138"/>
+            <a:ext cx="9872871" cy="2303585"/>
+          </a:xfrm>
+        </p:spPr>
+        <p:txBody>
+          <a:bodyPr/>
+          <a:lstStyle/>
+          <a:p>
+            <a:r>
+              <a:rPr lang="ru-RU" dirty="0" smtClean="0"/>
+              <a:t>Для чистоты эксперимента я привел 2 варианта реализации нашего </a:t>
+            </a:r>
+            <a:r>
+              <a:rPr lang="en-US" dirty="0" smtClean="0"/>
+              <a:t>proxy:</a:t>
+            </a:r>
+          </a:p>
+          <a:p>
+            <a:r>
+              <a:rPr lang="en-US" dirty="0" smtClean="0"/>
+              <a:t>1) </a:t>
+            </a:r>
+            <a:r>
+              <a:rPr lang="ru-RU" dirty="0" smtClean="0"/>
+              <a:t>путем вызова </a:t>
+            </a:r>
+            <a:r>
+              <a:rPr lang="en-US" dirty="0" smtClean="0"/>
+              <a:t>callback’</a:t>
+            </a:r>
+            <a:r>
+              <a:rPr lang="ru-RU" dirty="0" err="1" smtClean="0"/>
+              <a:t>ов</a:t>
+            </a:r>
+            <a:r>
+              <a:rPr lang="ru-RU" dirty="0" smtClean="0"/>
+              <a:t> по готовности асинхронной операции (подключение клиента, чтение и запись по сокету).</a:t>
+            </a:r>
+          </a:p>
+          <a:p>
+            <a:r>
+              <a:rPr lang="ru-RU" dirty="0" smtClean="0"/>
+              <a:t>2) путем использования основной фишки сопрограмм – возможность осуществлять прерывание и продолжение исполнения асинхронной логики.</a:t>
+            </a:r>
+          </a:p>
+          <a:p>
+            <a:endParaRPr lang="ru-RU" dirty="0" smtClean="0"/>
+          </a:p>
+          <a:p>
+            <a:endParaRPr lang="ru-RU" dirty="0"/>
+          </a:p>
+        </p:txBody>
+      </p:sp>
+      <p:pic>
+        <p:nvPicPr>
+          <p:cNvPr id="4" name="Рисунок 3"/>
+          <p:cNvPicPr>
+            <a:picLocks noChangeAspect="1"/>
+          </p:cNvPicPr>
+          <p:nvPr/>
+        </p:nvPicPr>
+        <p:blipFill>
+          <a:blip r:embed="rId2">
+            <a:extLst>
+              <a:ext uri="{28A0092B-C50C-407E-A947-70E740481C1C}">
+                <a14:useLocalDpi xmlns:a14="http://schemas.microsoft.com/office/drawing/2010/main" val="0"/>
+              </a:ext>
+            </a:extLst>
+          </a:blip>
+          <a:stretch>
+            <a:fillRect/>
+          </a:stretch>
+        </p:blipFill>
+        <p:spPr>
+          <a:xfrm>
+            <a:off x="1346752" y="2664070"/>
+            <a:ext cx="8674057" cy="3798278"/>
+          </a:xfrm>
+          <a:prstGeom prst="rect">
+            <a:avLst/>
+          </a:prstGeom>
+        </p:spPr>
+      </p:pic>
+    </p:spTree>
+    <p:extLst>
+      <p:ext uri="{BB962C8B-B14F-4D97-AF65-F5344CB8AC3E}">
+        <p14:creationId xmlns:p14="http://schemas.microsoft.com/office/powerpoint/2010/main" val="291032307"/>
+      </p:ext>
+    </p:extLst>
+  </p:cSld>
+  <p:clrMapOvr>
+    <a:masterClrMapping/>
+  </p:clrMapOvr>
+  <p:timing>
+    <p:tnLst>
+      <p:par>
+        <p:cTn id="1" dur="indefinite" restart="never" nodeType="tmRoot"/>
+      </p:par>
+    </p:tnLst>
+  </p:timing>
+</p:sld>
+</file>
+
+<file path=ppt/slides/slide39.xml><?xml version="1.0" encoding="utf-8"?>
+<p:sld xmlns:a="http://schemas.openxmlformats.org/drawingml/2006/main" xmlns:r="http://schemas.openxmlformats.org/officeDocument/2006/relationships" xmlns:p="http://schemas.openxmlformats.org/presentationml/2006/main">
+  <p:cSld>
+    <p:spTree>
+      <p:nvGrpSpPr>
+        <p:cNvPr id="1" name=""/>
+        <p:cNvGrpSpPr/>
+        <p:nvPr/>
+      </p:nvGrpSpPr>
+      <p:grpSpPr>
+        <a:xfrm>
+          <a:off x="0" y="0"/>
+          <a:ext cx="0" cy="0"/>
+          <a:chOff x="0" y="0"/>
+          <a:chExt cx="0" cy="0"/>
+        </a:xfrm>
+      </p:grpSpPr>
+      <p:sp>
+        <p:nvSpPr>
+          <p:cNvPr id="2" name="Заголовок 1"/>
+          <p:cNvSpPr>
+            <a:spLocks noGrp="1"/>
+          </p:cNvSpPr>
+          <p:nvPr>
+            <p:ph type="title"/>
+          </p:nvPr>
+        </p:nvSpPr>
+        <p:spPr/>
+        <p:txBody>
+          <a:bodyPr/>
+          <a:lstStyle/>
+          <a:p>
+            <a:r>
+              <a:rPr lang="ru-RU" dirty="0" smtClean="0"/>
+              <a:t>				   Итак!</a:t>
+            </a:r>
+            <a:endParaRPr lang="ru-RU" dirty="0"/>
+          </a:p>
+        </p:txBody>
+      </p:sp>
+      <p:sp>
+        <p:nvSpPr>
+          <p:cNvPr id="3" name="Объект 2"/>
+          <p:cNvSpPr>
+            <a:spLocks noGrp="1"/>
+          </p:cNvSpPr>
+          <p:nvPr>
+            <p:ph idx="1"/>
+          </p:nvPr>
+        </p:nvSpPr>
+        <p:spPr>
+          <a:xfrm>
+            <a:off x="518746" y="1811216"/>
+            <a:ext cx="11122269" cy="413238"/>
+          </a:xfrm>
+        </p:spPr>
+        <p:txBody>
+          <a:bodyPr/>
+          <a:lstStyle/>
+          <a:p>
+            <a:r>
+              <a:rPr lang="ru-RU" dirty="0" smtClean="0"/>
+              <a:t>Дубль 1й! (</a:t>
+            </a:r>
+            <a:r>
+              <a:rPr lang="en-US" dirty="0" smtClean="0"/>
+              <a:t>callback’</a:t>
+            </a:r>
+            <a:r>
+              <a:rPr lang="ru-RU" dirty="0" smtClean="0"/>
+              <a:t>и)</a:t>
+            </a:r>
+            <a:endParaRPr lang="en-US" dirty="0" smtClean="0"/>
           </a:p>
         </p:txBody>
       </p:sp>
@@ -19547,8 +19830,8 @@
         </p:nvSpPr>
         <p:spPr>
           <a:xfrm>
-            <a:off x="1125415" y="2329961"/>
-            <a:ext cx="10635761" cy="1815882"/>
+            <a:off x="10291429" y="6145823"/>
+            <a:ext cx="1454181" cy="369332"/>
           </a:xfrm>
           <a:prstGeom prst="rect">
             <a:avLst/>
@@ -19556,38 +19839,20 @@
           <a:noFill/>
         </p:spPr>
         <p:txBody>
-          <a:bodyPr wrap="square" rtlCol="0">
+          <a:bodyPr wrap="none" rtlCol="0">
             <a:spAutoFit/>
           </a:bodyPr>
           <a:lstStyle/>
           <a:p>
             <a:r>
-              <a:rPr lang="ru-RU" sz="2800" dirty="0" smtClean="0"/>
-              <a:t>Немного полезной информации : </a:t>
-            </a:r>
-          </a:p>
-          <a:p>
-            <a:r>
-              <a:rPr lang="ru-RU" sz="2800" dirty="0" smtClean="0"/>
-              <a:t>Если появится желание разобраться с корутинами или же использовать готовые </a:t>
-            </a:r>
-            <a:r>
-              <a:rPr lang="en-US" sz="2800" dirty="0" smtClean="0"/>
-              <a:t>awaitable/</a:t>
-            </a:r>
-            <a:r>
-              <a:rPr lang="ru-RU" sz="2800" dirty="0" smtClean="0"/>
-              <a:t> </a:t>
-            </a:r>
-            <a:r>
-              <a:rPr lang="en-US" sz="2800" dirty="0" smtClean="0"/>
-              <a:t>resumable </a:t>
-            </a:r>
-            <a:r>
-              <a:rPr lang="ru-RU" sz="2800" dirty="0" smtClean="0"/>
-              <a:t>типы, то могу посоветовать отличную библиотеку : </a:t>
-            </a:r>
-            <a:endParaRPr lang="ru-RU" sz="2800" dirty="0"/>
+              <a:rPr lang="en-US" dirty="0"/>
+              <a:t>c</a:t>
+            </a:r>
+            <a:r>
+              <a:rPr lang="en-US" dirty="0" smtClean="0"/>
+              <a:t>b_proxy.cpp</a:t>
+            </a:r>
+            <a:endParaRPr lang="ru-RU" dirty="0"/>
           </a:p>
         </p:txBody>
       </p:sp>
@@ -19599,8 +19864,8 @@
         </p:nvSpPr>
         <p:spPr>
           <a:xfrm>
-            <a:off x="975946" y="5301761"/>
-            <a:ext cx="10691446" cy="830997"/>
+            <a:off x="518746" y="2611316"/>
+            <a:ext cx="9554219" cy="1200329"/>
           </a:xfrm>
           <a:prstGeom prst="rect">
             <a:avLst/>
@@ -19608,23 +19873,119 @@
           <a:noFill/>
         </p:spPr>
         <p:txBody>
+          <a:bodyPr wrap="none" rtlCol="0">
+            <a:spAutoFit/>
+          </a:bodyPr>
+          <a:lstStyle/>
+          <a:p>
+            <a:r>
+              <a:rPr lang="ru-RU" dirty="0"/>
+              <a:t>Минусы данного подхода</a:t>
+            </a:r>
+          </a:p>
+          <a:p>
+            <a:pPr marL="285750" indent="-285750">
+              <a:buFontTx/>
+              <a:buChar char="-"/>
+            </a:pPr>
+            <a:r>
+              <a:rPr lang="ru-RU" dirty="0" smtClean="0"/>
+              <a:t>Кода довольно много для такой тривиальной задачи</a:t>
+            </a:r>
+          </a:p>
+          <a:p>
+            <a:pPr marL="285750" indent="-285750">
+              <a:buFontTx/>
+              <a:buChar char="-"/>
+            </a:pPr>
+            <a:r>
+              <a:rPr lang="ru-RU" dirty="0" smtClean="0"/>
+              <a:t>Весьма сложно понимать ход логической цепочки асинхронных операций</a:t>
+            </a:r>
+          </a:p>
+          <a:p>
+            <a:pPr marL="285750" indent="-285750">
+              <a:buFontTx/>
+              <a:buChar char="-"/>
+            </a:pPr>
+            <a:r>
+              <a:rPr lang="ru-RU" dirty="0" smtClean="0"/>
+              <a:t>Приходится постоянно «прыгать», чтобы отлавливать ошибки и анализировать программу</a:t>
+            </a:r>
+            <a:endParaRPr lang="ru-RU" dirty="0"/>
+          </a:p>
+        </p:txBody>
+      </p:sp>
+      <p:sp>
+        <p:nvSpPr>
+          <p:cNvPr id="6" name="TextBox 5"/>
+          <p:cNvSpPr txBox="1"/>
+          <p:nvPr/>
+        </p:nvSpPr>
+        <p:spPr>
+          <a:xfrm>
+            <a:off x="518746" y="4040217"/>
+            <a:ext cx="5725991" cy="646331"/>
+          </a:xfrm>
+          <a:prstGeom prst="rect">
+            <a:avLst/>
+          </a:prstGeom>
+          <a:noFill/>
+        </p:spPr>
+        <p:txBody>
+          <a:bodyPr wrap="none" rtlCol="0">
+            <a:spAutoFit/>
+          </a:bodyPr>
+          <a:lstStyle/>
+          <a:p>
+            <a:r>
+              <a:rPr lang="ru-RU" dirty="0" smtClean="0"/>
+              <a:t>Плюсы</a:t>
+            </a:r>
+          </a:p>
+          <a:p>
+            <a:r>
+              <a:rPr lang="ru-RU" dirty="0" smtClean="0"/>
+              <a:t>-Несложно писать, однако хочется чего-то поудобнее…</a:t>
+            </a:r>
+            <a:endParaRPr lang="ru-RU" dirty="0"/>
+          </a:p>
+        </p:txBody>
+      </p:sp>
+      <p:sp>
+        <p:nvSpPr>
+          <p:cNvPr id="7" name="TextBox 6"/>
+          <p:cNvSpPr txBox="1"/>
+          <p:nvPr/>
+        </p:nvSpPr>
+        <p:spPr>
+          <a:xfrm>
+            <a:off x="5143500" y="5512777"/>
+            <a:ext cx="3191608" cy="523220"/>
+          </a:xfrm>
+          <a:prstGeom prst="rect">
+            <a:avLst/>
+          </a:prstGeom>
+          <a:noFill/>
+        </p:spPr>
+        <p:txBody>
           <a:bodyPr wrap="square" rtlCol="0">
             <a:spAutoFit/>
           </a:bodyPr>
           <a:lstStyle/>
           <a:p>
             <a:r>
-              <a:rPr lang="en-US" sz="4800" dirty="0"/>
-              <a:t>https://github.com/lewissbaker/cppcoro</a:t>
-            </a:r>
-            <a:endParaRPr lang="ru-RU" sz="4800" dirty="0"/>
+              <a:rPr lang="ru-RU" sz="2800" dirty="0" smtClean="0"/>
+              <a:t>Выход есть!!</a:t>
+            </a:r>
+            <a:endParaRPr lang="ru-RU" sz="2800" dirty="0"/>
           </a:p>
         </p:txBody>
       </p:sp>
     </p:spTree>
     <p:extLst>
       <p:ext uri="{BB962C8B-B14F-4D97-AF65-F5344CB8AC3E}">
-        <p14:creationId xmlns:p14="http://schemas.microsoft.com/office/powerpoint/2010/main" val="3265416940"/>
+        <p14:creationId xmlns:p14="http://schemas.microsoft.com/office/powerpoint/2010/main" val="1373730199"/>
       </p:ext>
     </p:extLst>
   </p:cSld>
@@ -19957,6 +20318,860 @@
     <p:extLst>
       <p:ext uri="{BB962C8B-B14F-4D97-AF65-F5344CB8AC3E}">
         <p14:creationId xmlns:p14="http://schemas.microsoft.com/office/powerpoint/2010/main" val="260636642"/>
+      </p:ext>
+    </p:extLst>
+  </p:cSld>
+  <p:clrMapOvr>
+    <a:masterClrMapping/>
+  </p:clrMapOvr>
+  <p:timing>
+    <p:tnLst>
+      <p:par>
+        <p:cTn id="1" dur="indefinite" restart="never" nodeType="tmRoot"/>
+      </p:par>
+    </p:tnLst>
+  </p:timing>
+</p:sld>
+</file>
+
+<file path=ppt/slides/slide40.xml><?xml version="1.0" encoding="utf-8"?>
+<p:sld xmlns:a="http://schemas.openxmlformats.org/drawingml/2006/main" xmlns:r="http://schemas.openxmlformats.org/officeDocument/2006/relationships" xmlns:p="http://schemas.openxmlformats.org/presentationml/2006/main">
+  <p:cSld>
+    <p:spTree>
+      <p:nvGrpSpPr>
+        <p:cNvPr id="1" name=""/>
+        <p:cNvGrpSpPr/>
+        <p:nvPr/>
+      </p:nvGrpSpPr>
+      <p:grpSpPr>
+        <a:xfrm>
+          <a:off x="0" y="0"/>
+          <a:ext cx="0" cy="0"/>
+          <a:chOff x="0" y="0"/>
+          <a:chExt cx="0" cy="0"/>
+        </a:xfrm>
+      </p:grpSpPr>
+      <p:sp>
+        <p:nvSpPr>
+          <p:cNvPr id="3" name="Объект 2"/>
+          <p:cNvSpPr>
+            <a:spLocks noGrp="1"/>
+          </p:cNvSpPr>
+          <p:nvPr>
+            <p:ph idx="1"/>
+          </p:nvPr>
+        </p:nvSpPr>
+        <p:spPr>
+          <a:xfrm>
+            <a:off x="545123" y="817684"/>
+            <a:ext cx="9872871" cy="1019908"/>
+          </a:xfrm>
+        </p:spPr>
+        <p:txBody>
+          <a:bodyPr/>
+          <a:lstStyle/>
+          <a:p>
+            <a:r>
+              <a:rPr lang="ru-RU" dirty="0" smtClean="0"/>
+              <a:t>Дубль 2!(сопрограммы)</a:t>
+            </a:r>
+            <a:endParaRPr lang="ru-RU" dirty="0"/>
+          </a:p>
+        </p:txBody>
+      </p:sp>
+      <p:sp>
+        <p:nvSpPr>
+          <p:cNvPr id="4" name="TextBox 3"/>
+          <p:cNvSpPr txBox="1"/>
+          <p:nvPr/>
+        </p:nvSpPr>
+        <p:spPr>
+          <a:xfrm>
+            <a:off x="10181492" y="6005146"/>
+            <a:ext cx="1654556" cy="646331"/>
+          </a:xfrm>
+          <a:prstGeom prst="rect">
+            <a:avLst/>
+          </a:prstGeom>
+          <a:noFill/>
+        </p:spPr>
+        <p:txBody>
+          <a:bodyPr wrap="none" rtlCol="0">
+            <a:spAutoFit/>
+          </a:bodyPr>
+          <a:lstStyle/>
+          <a:p>
+            <a:r>
+              <a:rPr lang="en-US" dirty="0" smtClean="0"/>
+              <a:t>Best_proxy.cpp</a:t>
+            </a:r>
+          </a:p>
+          <a:p>
+            <a:endParaRPr lang="ru-RU" dirty="0"/>
+          </a:p>
+        </p:txBody>
+      </p:sp>
+      <p:sp>
+        <p:nvSpPr>
+          <p:cNvPr id="5" name="TextBox 4"/>
+          <p:cNvSpPr txBox="1"/>
+          <p:nvPr/>
+        </p:nvSpPr>
+        <p:spPr>
+          <a:xfrm>
+            <a:off x="791308" y="2391508"/>
+            <a:ext cx="10598094" cy="2031325"/>
+          </a:xfrm>
+          <a:prstGeom prst="rect">
+            <a:avLst/>
+          </a:prstGeom>
+          <a:noFill/>
+        </p:spPr>
+        <p:txBody>
+          <a:bodyPr wrap="none" rtlCol="0">
+            <a:spAutoFit/>
+          </a:bodyPr>
+          <a:lstStyle/>
+          <a:p>
+            <a:r>
+              <a:rPr lang="ru-RU" dirty="0" smtClean="0"/>
+              <a:t>Плюсы подхода</a:t>
+            </a:r>
+          </a:p>
+          <a:p>
+            <a:pPr marL="285750" indent="-285750">
+              <a:buFontTx/>
+              <a:buChar char="-"/>
+            </a:pPr>
+            <a:r>
+              <a:rPr lang="ru-RU" dirty="0" smtClean="0"/>
+              <a:t>Крайне легко писать логику программы</a:t>
+            </a:r>
+          </a:p>
+          <a:p>
+            <a:pPr marL="285750" indent="-285750">
+              <a:buFontTx/>
+              <a:buChar char="-"/>
+            </a:pPr>
+            <a:r>
+              <a:rPr lang="ru-RU" dirty="0" smtClean="0"/>
+              <a:t>Код  аккуратен и производителен</a:t>
+            </a:r>
+          </a:p>
+          <a:p>
+            <a:pPr marL="285750" indent="-285750">
+              <a:buFontTx/>
+              <a:buChar char="-"/>
+            </a:pPr>
+            <a:r>
+              <a:rPr lang="ru-RU" dirty="0" smtClean="0"/>
+              <a:t>Логика собрана практически в одном месте</a:t>
+            </a:r>
+          </a:p>
+          <a:p>
+            <a:pPr marL="285750" indent="-285750">
+              <a:buFontTx/>
+              <a:buChar char="-"/>
+            </a:pPr>
+            <a:r>
+              <a:rPr lang="ru-RU" dirty="0" smtClean="0"/>
+              <a:t>Легко понимать и выстраивать логическую цепь исполнения в голове</a:t>
+            </a:r>
+          </a:p>
+          <a:p>
+            <a:r>
+              <a:rPr lang="ru-RU" dirty="0" smtClean="0"/>
+              <a:t>Минусы</a:t>
+            </a:r>
+          </a:p>
+          <a:p>
+            <a:r>
+              <a:rPr lang="ru-RU" dirty="0" smtClean="0"/>
+              <a:t>-Для создания шедевров этим подходом, необходимо тщательно разобраться в устройстве сопрограмм</a:t>
+            </a:r>
+            <a:endParaRPr lang="ru-RU" dirty="0"/>
+          </a:p>
+        </p:txBody>
+      </p:sp>
+    </p:spTree>
+    <p:extLst>
+      <p:ext uri="{BB962C8B-B14F-4D97-AF65-F5344CB8AC3E}">
+        <p14:creationId xmlns:p14="http://schemas.microsoft.com/office/powerpoint/2010/main" val="1802910467"/>
+      </p:ext>
+    </p:extLst>
+  </p:cSld>
+  <p:clrMapOvr>
+    <a:masterClrMapping/>
+  </p:clrMapOvr>
+  <p:timing>
+    <p:tnLst>
+      <p:par>
+        <p:cTn id="1" dur="indefinite" restart="never" nodeType="tmRoot"/>
+      </p:par>
+    </p:tnLst>
+  </p:timing>
+</p:sld>
+</file>
+
+<file path=ppt/slides/slide41.xml><?xml version="1.0" encoding="utf-8"?>
+<p:sld xmlns:a="http://schemas.openxmlformats.org/drawingml/2006/main" xmlns:r="http://schemas.openxmlformats.org/officeDocument/2006/relationships" xmlns:p="http://schemas.openxmlformats.org/presentationml/2006/main">
+  <p:cSld>
+    <p:spTree>
+      <p:nvGrpSpPr>
+        <p:cNvPr id="1" name=""/>
+        <p:cNvGrpSpPr/>
+        <p:nvPr/>
+      </p:nvGrpSpPr>
+      <p:grpSpPr>
+        <a:xfrm>
+          <a:off x="0" y="0"/>
+          <a:ext cx="0" cy="0"/>
+          <a:chOff x="0" y="0"/>
+          <a:chExt cx="0" cy="0"/>
+        </a:xfrm>
+      </p:grpSpPr>
+      <p:sp>
+        <p:nvSpPr>
+          <p:cNvPr id="4" name="TextBox 3"/>
+          <p:cNvSpPr txBox="1"/>
+          <p:nvPr/>
+        </p:nvSpPr>
+        <p:spPr>
+          <a:xfrm>
+            <a:off x="195446" y="588222"/>
+            <a:ext cx="11996554" cy="2246769"/>
+          </a:xfrm>
+          <a:prstGeom prst="rect">
+            <a:avLst/>
+          </a:prstGeom>
+          <a:noFill/>
+        </p:spPr>
+        <p:txBody>
+          <a:bodyPr wrap="none" rtlCol="0">
+            <a:spAutoFit/>
+          </a:bodyPr>
+          <a:lstStyle/>
+          <a:p>
+            <a:r>
+              <a:rPr lang="ru-RU" sz="2800" dirty="0" smtClean="0"/>
+              <a:t>Исходя и всего вышесказанного, можно понять, что потенциал сопрограмм </a:t>
+            </a:r>
+          </a:p>
+          <a:p>
+            <a:r>
+              <a:rPr lang="ru-RU" sz="2800" dirty="0" smtClean="0"/>
+              <a:t>крайне велик. </a:t>
+            </a:r>
+          </a:p>
+          <a:p>
+            <a:r>
+              <a:rPr lang="ru-RU" sz="2800" dirty="0" smtClean="0"/>
+              <a:t>Все больше и больше компаний переходят с </a:t>
+            </a:r>
+            <a:r>
+              <a:rPr lang="en-US" sz="2800" dirty="0" smtClean="0"/>
+              <a:t>callback’</a:t>
+            </a:r>
+            <a:r>
+              <a:rPr lang="ru-RU" sz="2800" dirty="0" smtClean="0"/>
+              <a:t>ов на корутины,</a:t>
+            </a:r>
+          </a:p>
+          <a:p>
+            <a:r>
+              <a:rPr lang="ru-RU" sz="2800" dirty="0" smtClean="0"/>
+              <a:t>стараясь по максимуму улучшить работу</a:t>
+            </a:r>
+          </a:p>
+          <a:p>
+            <a:r>
+              <a:rPr lang="ru-RU" sz="2800" dirty="0" smtClean="0"/>
+              <a:t>асинхронных движков и бизнес логики.</a:t>
+            </a:r>
+            <a:endParaRPr lang="ru-RU" sz="2800" dirty="0"/>
+          </a:p>
+        </p:txBody>
+      </p:sp>
+      <p:sp>
+        <p:nvSpPr>
+          <p:cNvPr id="5" name="TextBox 4"/>
+          <p:cNvSpPr txBox="1"/>
+          <p:nvPr/>
+        </p:nvSpPr>
+        <p:spPr>
+          <a:xfrm>
+            <a:off x="767141" y="3496234"/>
+            <a:ext cx="11424859" cy="1384995"/>
+          </a:xfrm>
+          <a:prstGeom prst="rect">
+            <a:avLst/>
+          </a:prstGeom>
+          <a:noFill/>
+        </p:spPr>
+        <p:txBody>
+          <a:bodyPr wrap="none" rtlCol="0">
+            <a:spAutoFit/>
+          </a:bodyPr>
+          <a:lstStyle/>
+          <a:p>
+            <a:r>
+              <a:rPr lang="ru-RU" sz="2800" dirty="0" smtClean="0"/>
+              <a:t>Теперь предлагаю взглянуть на результат работы нашего асинхронного </a:t>
+            </a:r>
+          </a:p>
+          <a:p>
+            <a:r>
+              <a:rPr lang="en-US" sz="2800" dirty="0" smtClean="0"/>
+              <a:t>proxy-server’</a:t>
+            </a:r>
+            <a:r>
+              <a:rPr lang="ru-RU" sz="2800" dirty="0" smtClean="0"/>
+              <a:t>а и убедиться в его</a:t>
+            </a:r>
+          </a:p>
+          <a:p>
+            <a:r>
+              <a:rPr lang="ru-RU" sz="2800" dirty="0" smtClean="0"/>
+              <a:t>работоспособности.</a:t>
+            </a:r>
+            <a:endParaRPr lang="ru-RU" sz="2800" dirty="0"/>
+          </a:p>
+        </p:txBody>
+      </p:sp>
+    </p:spTree>
+    <p:extLst>
+      <p:ext uri="{BB962C8B-B14F-4D97-AF65-F5344CB8AC3E}">
+        <p14:creationId xmlns:p14="http://schemas.microsoft.com/office/powerpoint/2010/main" val="3704892837"/>
+      </p:ext>
+    </p:extLst>
+  </p:cSld>
+  <p:clrMapOvr>
+    <a:masterClrMapping/>
+  </p:clrMapOvr>
+  <p:timing>
+    <p:tnLst>
+      <p:par>
+        <p:cTn id="1" dur="indefinite" restart="never" nodeType="tmRoot"/>
+      </p:par>
+    </p:tnLst>
+  </p:timing>
+</p:sld>
+</file>
+
+<file path=ppt/slides/slide42.xml><?xml version="1.0" encoding="utf-8"?>
+<p:sld xmlns:a="http://schemas.openxmlformats.org/drawingml/2006/main" xmlns:r="http://schemas.openxmlformats.org/officeDocument/2006/relationships" xmlns:p="http://schemas.openxmlformats.org/presentationml/2006/main">
+  <p:cSld>
+    <p:spTree>
+      <p:nvGrpSpPr>
+        <p:cNvPr id="1" name=""/>
+        <p:cNvGrpSpPr/>
+        <p:nvPr/>
+      </p:nvGrpSpPr>
+      <p:grpSpPr>
+        <a:xfrm>
+          <a:off x="0" y="0"/>
+          <a:ext cx="0" cy="0"/>
+          <a:chOff x="0" y="0"/>
+          <a:chExt cx="0" cy="0"/>
+        </a:xfrm>
+      </p:grpSpPr>
+      <p:pic>
+        <p:nvPicPr>
+          <p:cNvPr id="5" name="Рисунок 4"/>
+          <p:cNvPicPr>
+            <a:picLocks noChangeAspect="1"/>
+          </p:cNvPicPr>
+          <p:nvPr/>
+        </p:nvPicPr>
+        <p:blipFill>
+          <a:blip r:embed="rId2">
+            <a:extLst>
+              <a:ext uri="{28A0092B-C50C-407E-A947-70E740481C1C}">
+                <a14:useLocalDpi xmlns:a14="http://schemas.microsoft.com/office/drawing/2010/main" val="0"/>
+              </a:ext>
+            </a:extLst>
+          </a:blip>
+          <a:stretch>
+            <a:fillRect/>
+          </a:stretch>
+        </p:blipFill>
+        <p:spPr>
+          <a:xfrm>
+            <a:off x="334108" y="225845"/>
+            <a:ext cx="10058400" cy="3689399"/>
+          </a:xfrm>
+          <a:prstGeom prst="rect">
+            <a:avLst/>
+          </a:prstGeom>
+        </p:spPr>
+      </p:pic>
+      <p:sp>
+        <p:nvSpPr>
+          <p:cNvPr id="6" name="TextBox 5"/>
+          <p:cNvSpPr txBox="1"/>
+          <p:nvPr/>
+        </p:nvSpPr>
+        <p:spPr>
+          <a:xfrm>
+            <a:off x="1160585" y="3654751"/>
+            <a:ext cx="9913035" cy="1569660"/>
+          </a:xfrm>
+          <a:prstGeom prst="rect">
+            <a:avLst/>
+          </a:prstGeom>
+          <a:noFill/>
+        </p:spPr>
+        <p:txBody>
+          <a:bodyPr wrap="none" rtlCol="0">
+            <a:spAutoFit/>
+          </a:bodyPr>
+          <a:lstStyle/>
+          <a:p>
+            <a:r>
+              <a:rPr lang="ru-RU" sz="3200" dirty="0" smtClean="0"/>
+              <a:t>Путем отправки обычного </a:t>
+            </a:r>
+            <a:r>
+              <a:rPr lang="en-US" sz="3200" dirty="0" smtClean="0"/>
+              <a:t>GET </a:t>
+            </a:r>
+            <a:r>
+              <a:rPr lang="ru-RU" sz="3200" dirty="0" smtClean="0"/>
+              <a:t>запроса по протоколу </a:t>
+            </a:r>
+            <a:endParaRPr lang="en-US" sz="3200" dirty="0" smtClean="0"/>
+          </a:p>
+          <a:p>
+            <a:r>
+              <a:rPr lang="en-US" sz="3200" dirty="0" smtClean="0"/>
+              <a:t>TCP </a:t>
+            </a:r>
+            <a:r>
+              <a:rPr lang="ru-RU" sz="3200" dirty="0" smtClean="0"/>
+              <a:t>на наш прокси сервер, мы получили ответ от </a:t>
+            </a:r>
+            <a:r>
+              <a:rPr lang="en-US" sz="3200" dirty="0" smtClean="0"/>
+              <a:t>web</a:t>
+            </a:r>
+          </a:p>
+          <a:p>
+            <a:r>
+              <a:rPr lang="ru-RU" sz="3200" dirty="0" smtClean="0"/>
+              <a:t>сервера</a:t>
+            </a:r>
+            <a:r>
+              <a:rPr lang="en-US" sz="3200" dirty="0" smtClean="0"/>
+              <a:t>(http)</a:t>
+            </a:r>
+            <a:r>
+              <a:rPr lang="ru-RU" sz="3200" dirty="0" smtClean="0"/>
+              <a:t>  с доменом </a:t>
+            </a:r>
+            <a:r>
+              <a:rPr lang="en-US" sz="3200" dirty="0" smtClean="0">
+                <a:hlinkClick r:id="rId3"/>
+              </a:rPr>
+              <a:t>www.boost.org</a:t>
+            </a:r>
+            <a:r>
+              <a:rPr lang="en-US" sz="3200" dirty="0" smtClean="0"/>
+              <a:t>. </a:t>
+            </a:r>
+            <a:endParaRPr lang="ru-RU" sz="3200" dirty="0"/>
+          </a:p>
+        </p:txBody>
+      </p:sp>
+    </p:spTree>
+    <p:extLst>
+      <p:ext uri="{BB962C8B-B14F-4D97-AF65-F5344CB8AC3E}">
+        <p14:creationId xmlns:p14="http://schemas.microsoft.com/office/powerpoint/2010/main" val="1575227950"/>
+      </p:ext>
+    </p:extLst>
+  </p:cSld>
+  <p:clrMapOvr>
+    <a:masterClrMapping/>
+  </p:clrMapOvr>
+  <p:timing>
+    <p:tnLst>
+      <p:par>
+        <p:cTn id="1" dur="indefinite" restart="never" nodeType="tmRoot"/>
+      </p:par>
+    </p:tnLst>
+  </p:timing>
+</p:sld>
+</file>
+
+<file path=ppt/slides/slide43.xml><?xml version="1.0" encoding="utf-8"?>
+<p:sld xmlns:a="http://schemas.openxmlformats.org/drawingml/2006/main" xmlns:r="http://schemas.openxmlformats.org/officeDocument/2006/relationships" xmlns:p="http://schemas.openxmlformats.org/presentationml/2006/main">
+  <p:cSld>
+    <p:spTree>
+      <p:nvGrpSpPr>
+        <p:cNvPr id="1" name=""/>
+        <p:cNvGrpSpPr/>
+        <p:nvPr/>
+      </p:nvGrpSpPr>
+      <p:grpSpPr>
+        <a:xfrm>
+          <a:off x="0" y="0"/>
+          <a:ext cx="0" cy="0"/>
+          <a:chOff x="0" y="0"/>
+          <a:chExt cx="0" cy="0"/>
+        </a:xfrm>
+      </p:grpSpPr>
+      <p:sp>
+        <p:nvSpPr>
+          <p:cNvPr id="3" name="Объект 2"/>
+          <p:cNvSpPr>
+            <a:spLocks noGrp="1"/>
+          </p:cNvSpPr>
+          <p:nvPr>
+            <p:ph idx="1"/>
+          </p:nvPr>
+        </p:nvSpPr>
+        <p:spPr>
+          <a:xfrm>
+            <a:off x="1134207" y="650630"/>
+            <a:ext cx="9872871" cy="4038600"/>
+          </a:xfrm>
+        </p:spPr>
+        <p:txBody>
+          <a:bodyPr>
+            <a:normAutofit/>
+          </a:bodyPr>
+          <a:lstStyle/>
+          <a:p>
+            <a:r>
+              <a:rPr lang="ru-RU" sz="2800" dirty="0" smtClean="0"/>
+              <a:t>Прокси сервера – неотъемлемая часть большинства клиент-серверных архитектур. Благодаря </a:t>
+            </a:r>
+            <a:r>
+              <a:rPr lang="en-US" sz="2800" dirty="0" smtClean="0"/>
+              <a:t>proxy </a:t>
+            </a:r>
+            <a:r>
+              <a:rPr lang="ru-RU" sz="2800" dirty="0" smtClean="0"/>
+              <a:t>серверам пользователям не приходится опасаться за свою безопасность и анонимность, ведь именно </a:t>
+            </a:r>
+            <a:r>
+              <a:rPr lang="en-US" sz="2800" dirty="0" smtClean="0"/>
+              <a:t>proxy </a:t>
+            </a:r>
+            <a:r>
+              <a:rPr lang="ru-RU" sz="2800" dirty="0" smtClean="0"/>
+              <a:t>берет на себя ответственность за все это.</a:t>
+            </a:r>
+            <a:endParaRPr lang="ru-RU" sz="2800" dirty="0"/>
+          </a:p>
+        </p:txBody>
+      </p:sp>
+      <p:pic>
+        <p:nvPicPr>
+          <p:cNvPr id="4" name="Рисунок 3"/>
+          <p:cNvPicPr>
+            <a:picLocks noChangeAspect="1"/>
+          </p:cNvPicPr>
+          <p:nvPr/>
+        </p:nvPicPr>
+        <p:blipFill>
+          <a:blip r:embed="rId2">
+            <a:extLst>
+              <a:ext uri="{28A0092B-C50C-407E-A947-70E740481C1C}">
+                <a14:useLocalDpi xmlns:a14="http://schemas.microsoft.com/office/drawing/2010/main" val="0"/>
+              </a:ext>
+            </a:extLst>
+          </a:blip>
+          <a:stretch>
+            <a:fillRect/>
+          </a:stretch>
+        </p:blipFill>
+        <p:spPr>
+          <a:xfrm>
+            <a:off x="3481754" y="3323494"/>
+            <a:ext cx="3971557" cy="1717430"/>
+          </a:xfrm>
+          <a:prstGeom prst="rect">
+            <a:avLst/>
+          </a:prstGeom>
+        </p:spPr>
+      </p:pic>
+    </p:spTree>
+    <p:extLst>
+      <p:ext uri="{BB962C8B-B14F-4D97-AF65-F5344CB8AC3E}">
+        <p14:creationId xmlns:p14="http://schemas.microsoft.com/office/powerpoint/2010/main" val="732304036"/>
+      </p:ext>
+    </p:extLst>
+  </p:cSld>
+  <p:clrMapOvr>
+    <a:masterClrMapping/>
+  </p:clrMapOvr>
+  <p:timing>
+    <p:tnLst>
+      <p:par>
+        <p:cTn id="1" dur="indefinite" restart="never" nodeType="tmRoot"/>
+      </p:par>
+    </p:tnLst>
+  </p:timing>
+</p:sld>
+</file>
+
+<file path=ppt/slides/slide44.xml><?xml version="1.0" encoding="utf-8"?>
+<p:sld xmlns:a="http://schemas.openxmlformats.org/drawingml/2006/main" xmlns:r="http://schemas.openxmlformats.org/officeDocument/2006/relationships" xmlns:p="http://schemas.openxmlformats.org/presentationml/2006/main">
+  <p:cSld>
+    <p:spTree>
+      <p:nvGrpSpPr>
+        <p:cNvPr id="1" name=""/>
+        <p:cNvGrpSpPr/>
+        <p:nvPr/>
+      </p:nvGrpSpPr>
+      <p:grpSpPr>
+        <a:xfrm>
+          <a:off x="0" y="0"/>
+          <a:ext cx="0" cy="0"/>
+          <a:chOff x="0" y="0"/>
+          <a:chExt cx="0" cy="0"/>
+        </a:xfrm>
+      </p:grpSpPr>
+      <p:sp>
+        <p:nvSpPr>
+          <p:cNvPr id="2" name="Заголовок 1"/>
+          <p:cNvSpPr>
+            <a:spLocks noGrp="1"/>
+          </p:cNvSpPr>
+          <p:nvPr>
+            <p:ph type="title"/>
+          </p:nvPr>
+        </p:nvSpPr>
+        <p:spPr/>
+        <p:txBody>
+          <a:bodyPr/>
+          <a:lstStyle/>
+          <a:p>
+            <a:r>
+              <a:rPr lang="ru-RU" dirty="0" smtClean="0"/>
+              <a:t>			Подводя итоги!</a:t>
+            </a:r>
+            <a:endParaRPr lang="ru-RU" dirty="0"/>
+          </a:p>
+        </p:txBody>
+      </p:sp>
+      <p:sp>
+        <p:nvSpPr>
+          <p:cNvPr id="3" name="Объект 2"/>
+          <p:cNvSpPr>
+            <a:spLocks noGrp="1"/>
+          </p:cNvSpPr>
+          <p:nvPr>
+            <p:ph idx="1"/>
+          </p:nvPr>
+        </p:nvSpPr>
+        <p:spPr>
+          <a:xfrm>
+            <a:off x="1063870" y="1965960"/>
+            <a:ext cx="9872871" cy="4038600"/>
+          </a:xfrm>
+        </p:spPr>
+        <p:txBody>
+          <a:bodyPr/>
+          <a:lstStyle/>
+          <a:p>
+            <a:r>
+              <a:rPr lang="ru-RU" dirty="0" smtClean="0"/>
+              <a:t>Мною были опрошены 125 программистов, большинство из которых( 94%) отдало свое предпочтение сопрограммам. И их выбор вполне обоснован.</a:t>
+            </a:r>
+            <a:endParaRPr lang="ru-RU" dirty="0"/>
+          </a:p>
+        </p:txBody>
+      </p:sp>
+      <p:pic>
+        <p:nvPicPr>
+          <p:cNvPr id="4" name="Рисунок 3"/>
+          <p:cNvPicPr>
+            <a:picLocks noChangeAspect="1"/>
+          </p:cNvPicPr>
+          <p:nvPr/>
+        </p:nvPicPr>
+        <p:blipFill>
+          <a:blip r:embed="rId2">
+            <a:extLst>
+              <a:ext uri="{28A0092B-C50C-407E-A947-70E740481C1C}">
+                <a14:useLocalDpi xmlns:a14="http://schemas.microsoft.com/office/drawing/2010/main" val="0"/>
+              </a:ext>
+            </a:extLst>
+          </a:blip>
+          <a:stretch>
+            <a:fillRect/>
+          </a:stretch>
+        </p:blipFill>
+        <p:spPr>
+          <a:xfrm>
+            <a:off x="2048608" y="2693377"/>
+            <a:ext cx="7620000" cy="3810000"/>
+          </a:xfrm>
+          <a:prstGeom prst="rect">
+            <a:avLst/>
+          </a:prstGeom>
+        </p:spPr>
+      </p:pic>
+    </p:spTree>
+    <p:extLst>
+      <p:ext uri="{BB962C8B-B14F-4D97-AF65-F5344CB8AC3E}">
+        <p14:creationId xmlns:p14="http://schemas.microsoft.com/office/powerpoint/2010/main" val="3991538631"/>
+      </p:ext>
+    </p:extLst>
+  </p:cSld>
+  <p:clrMapOvr>
+    <a:masterClrMapping/>
+  </p:clrMapOvr>
+  <p:timing>
+    <p:tnLst>
+      <p:par>
+        <p:cTn id="1" dur="indefinite" restart="never" nodeType="tmRoot"/>
+      </p:par>
+    </p:tnLst>
+  </p:timing>
+</p:sld>
+</file>
+
+<file path=ppt/slides/slide45.xml><?xml version="1.0" encoding="utf-8"?>
+<p:sld xmlns:a="http://schemas.openxmlformats.org/drawingml/2006/main" xmlns:r="http://schemas.openxmlformats.org/officeDocument/2006/relationships" xmlns:p="http://schemas.openxmlformats.org/presentationml/2006/main">
+  <p:cSld>
+    <p:spTree>
+      <p:nvGrpSpPr>
+        <p:cNvPr id="1" name=""/>
+        <p:cNvGrpSpPr/>
+        <p:nvPr/>
+      </p:nvGrpSpPr>
+      <p:grpSpPr>
+        <a:xfrm>
+          <a:off x="0" y="0"/>
+          <a:ext cx="0" cy="0"/>
+          <a:chOff x="0" y="0"/>
+          <a:chExt cx="0" cy="0"/>
+        </a:xfrm>
+      </p:grpSpPr>
+      <p:sp>
+        <p:nvSpPr>
+          <p:cNvPr id="2" name="Заголовок 1"/>
+          <p:cNvSpPr>
+            <a:spLocks noGrp="1"/>
+          </p:cNvSpPr>
+          <p:nvPr>
+            <p:ph type="title"/>
+          </p:nvPr>
+        </p:nvSpPr>
+        <p:spPr>
+          <a:xfrm>
+            <a:off x="439615" y="460131"/>
+            <a:ext cx="9875520" cy="1356360"/>
+          </a:xfrm>
+        </p:spPr>
+        <p:txBody>
+          <a:bodyPr/>
+          <a:lstStyle/>
+          <a:p>
+            <a:r>
+              <a:rPr lang="en-US" dirty="0" smtClean="0"/>
+              <a:t>			</a:t>
+            </a:r>
+            <a:r>
+              <a:rPr lang="ru-RU" dirty="0" smtClean="0"/>
+              <a:t>     </a:t>
+            </a:r>
+            <a:r>
+              <a:rPr lang="en-US" sz="6600" dirty="0" smtClean="0"/>
+              <a:t>That’s All!</a:t>
+            </a:r>
+            <a:endParaRPr lang="ru-RU" sz="6600" dirty="0"/>
+          </a:p>
+        </p:txBody>
+      </p:sp>
+      <p:sp>
+        <p:nvSpPr>
+          <p:cNvPr id="4" name="TextBox 3"/>
+          <p:cNvSpPr txBox="1"/>
+          <p:nvPr/>
+        </p:nvSpPr>
+        <p:spPr>
+          <a:xfrm>
+            <a:off x="1125415" y="2329961"/>
+            <a:ext cx="10635761" cy="1815882"/>
+          </a:xfrm>
+          <a:prstGeom prst="rect">
+            <a:avLst/>
+          </a:prstGeom>
+          <a:noFill/>
+        </p:spPr>
+        <p:txBody>
+          <a:bodyPr wrap="square" rtlCol="0">
+            <a:spAutoFit/>
+          </a:bodyPr>
+          <a:lstStyle/>
+          <a:p>
+            <a:r>
+              <a:rPr lang="ru-RU" sz="2800" dirty="0" smtClean="0"/>
+              <a:t>Немного полезной информации : </a:t>
+            </a:r>
+          </a:p>
+          <a:p>
+            <a:r>
+              <a:rPr lang="ru-RU" sz="2800" dirty="0" smtClean="0"/>
+              <a:t>Если появится желание разобраться с корутинами или же использовать готовые </a:t>
+            </a:r>
+            <a:r>
+              <a:rPr lang="en-US" sz="2800" dirty="0" smtClean="0"/>
+              <a:t>awaitable/</a:t>
+            </a:r>
+            <a:r>
+              <a:rPr lang="ru-RU" sz="2800" dirty="0" smtClean="0"/>
+              <a:t> </a:t>
+            </a:r>
+            <a:r>
+              <a:rPr lang="en-US" sz="2800" dirty="0" smtClean="0"/>
+              <a:t>resumable </a:t>
+            </a:r>
+            <a:r>
+              <a:rPr lang="ru-RU" sz="2800" dirty="0" smtClean="0"/>
+              <a:t>типы, то могу посоветовать отличную библиотеку : </a:t>
+            </a:r>
+            <a:endParaRPr lang="ru-RU" sz="2800" dirty="0"/>
+          </a:p>
+        </p:txBody>
+      </p:sp>
+      <p:sp>
+        <p:nvSpPr>
+          <p:cNvPr id="5" name="TextBox 4"/>
+          <p:cNvSpPr txBox="1"/>
+          <p:nvPr/>
+        </p:nvSpPr>
+        <p:spPr>
+          <a:xfrm>
+            <a:off x="975946" y="5301761"/>
+            <a:ext cx="10691446" cy="830997"/>
+          </a:xfrm>
+          <a:prstGeom prst="rect">
+            <a:avLst/>
+          </a:prstGeom>
+          <a:noFill/>
+        </p:spPr>
+        <p:txBody>
+          <a:bodyPr wrap="square" rtlCol="0">
+            <a:spAutoFit/>
+          </a:bodyPr>
+          <a:lstStyle/>
+          <a:p>
+            <a:r>
+              <a:rPr lang="en-US" sz="4800" dirty="0"/>
+              <a:t>https://github.com/lewissbaker/cppcoro</a:t>
+            </a:r>
+            <a:endParaRPr lang="ru-RU" sz="4800" dirty="0"/>
+          </a:p>
+        </p:txBody>
+      </p:sp>
+    </p:spTree>
+    <p:extLst>
+      <p:ext uri="{BB962C8B-B14F-4D97-AF65-F5344CB8AC3E}">
+        <p14:creationId xmlns:p14="http://schemas.microsoft.com/office/powerpoint/2010/main" val="3265416940"/>
       </p:ext>
     </p:extLst>
   </p:cSld>
@@ -20539,11 +21754,7 @@
             </a:r>
             <a:r>
               <a:rPr lang="en-US" sz="2400" dirty="0" smtClean="0"/>
-              <a:t> promise.return_void</a:t>
-            </a:r>
-            <a:r>
-              <a:rPr lang="en-US" sz="2400" dirty="0" smtClean="0"/>
-              <a:t>()</a:t>
+              <a:t> promise.return_void()</a:t>
             </a:r>
           </a:p>
           <a:p>
@@ -20575,15 +21786,7 @@
             </a:r>
             <a:r>
               <a:rPr lang="en-US" sz="2400" dirty="0" smtClean="0"/>
-              <a:t>  </a:t>
-            </a:r>
-            <a:r>
-              <a:rPr lang="en-US" sz="2400" dirty="0" smtClean="0"/>
-              <a:t>promise.return_value</a:t>
-            </a:r>
-            <a:r>
-              <a:rPr lang="en-US" sz="2400" dirty="0" smtClean="0"/>
-              <a:t>( </a:t>
+              <a:t>  promise.return_value( </a:t>
             </a:r>
             <a:r>
               <a:rPr lang="en-US" sz="2400" dirty="0" smtClean="0">

--- a/coro_present/coro.pptx
+++ b/coro_present/coro.pptx
@@ -8,54 +8,55 @@
     <p:sldMasterId id="2147484685" r:id="rId4"/>
   </p:sldMasterIdLst>
   <p:notesMasterIdLst>
-    <p:notesMasterId r:id="rId50"/>
+    <p:notesMasterId r:id="rId51"/>
   </p:notesMasterIdLst>
   <p:sldIdLst>
     <p:sldId id="261" r:id="rId5"/>
     <p:sldId id="262" r:id="rId6"/>
-    <p:sldId id="258" r:id="rId7"/>
-    <p:sldId id="259" r:id="rId8"/>
-    <p:sldId id="260" r:id="rId9"/>
-    <p:sldId id="268" r:id="rId10"/>
-    <p:sldId id="263" r:id="rId11"/>
-    <p:sldId id="264" r:id="rId12"/>
-    <p:sldId id="265" r:id="rId13"/>
-    <p:sldId id="269" r:id="rId14"/>
-    <p:sldId id="270" r:id="rId15"/>
-    <p:sldId id="271" r:id="rId16"/>
-    <p:sldId id="272" r:id="rId17"/>
-    <p:sldId id="273" r:id="rId18"/>
-    <p:sldId id="274" r:id="rId19"/>
-    <p:sldId id="275" r:id="rId20"/>
-    <p:sldId id="276" r:id="rId21"/>
-    <p:sldId id="277" r:id="rId22"/>
-    <p:sldId id="278" r:id="rId23"/>
-    <p:sldId id="279" r:id="rId24"/>
-    <p:sldId id="280" r:id="rId25"/>
-    <p:sldId id="281" r:id="rId26"/>
-    <p:sldId id="282" r:id="rId27"/>
-    <p:sldId id="283" r:id="rId28"/>
-    <p:sldId id="284" r:id="rId29"/>
-    <p:sldId id="285" r:id="rId30"/>
-    <p:sldId id="286" r:id="rId31"/>
-    <p:sldId id="287" r:id="rId32"/>
-    <p:sldId id="288" r:id="rId33"/>
-    <p:sldId id="289" r:id="rId34"/>
-    <p:sldId id="290" r:id="rId35"/>
-    <p:sldId id="291" r:id="rId36"/>
-    <p:sldId id="292" r:id="rId37"/>
-    <p:sldId id="294" r:id="rId38"/>
-    <p:sldId id="295" r:id="rId39"/>
-    <p:sldId id="296" r:id="rId40"/>
-    <p:sldId id="298" r:id="rId41"/>
-    <p:sldId id="299" r:id="rId42"/>
-    <p:sldId id="300" r:id="rId43"/>
-    <p:sldId id="301" r:id="rId44"/>
-    <p:sldId id="302" r:id="rId45"/>
-    <p:sldId id="303" r:id="rId46"/>
-    <p:sldId id="304" r:id="rId47"/>
-    <p:sldId id="305" r:id="rId48"/>
-    <p:sldId id="297" r:id="rId49"/>
+    <p:sldId id="306" r:id="rId7"/>
+    <p:sldId id="258" r:id="rId8"/>
+    <p:sldId id="259" r:id="rId9"/>
+    <p:sldId id="260" r:id="rId10"/>
+    <p:sldId id="268" r:id="rId11"/>
+    <p:sldId id="263" r:id="rId12"/>
+    <p:sldId id="264" r:id="rId13"/>
+    <p:sldId id="265" r:id="rId14"/>
+    <p:sldId id="269" r:id="rId15"/>
+    <p:sldId id="270" r:id="rId16"/>
+    <p:sldId id="271" r:id="rId17"/>
+    <p:sldId id="272" r:id="rId18"/>
+    <p:sldId id="273" r:id="rId19"/>
+    <p:sldId id="274" r:id="rId20"/>
+    <p:sldId id="275" r:id="rId21"/>
+    <p:sldId id="276" r:id="rId22"/>
+    <p:sldId id="277" r:id="rId23"/>
+    <p:sldId id="278" r:id="rId24"/>
+    <p:sldId id="279" r:id="rId25"/>
+    <p:sldId id="280" r:id="rId26"/>
+    <p:sldId id="281" r:id="rId27"/>
+    <p:sldId id="282" r:id="rId28"/>
+    <p:sldId id="283" r:id="rId29"/>
+    <p:sldId id="284" r:id="rId30"/>
+    <p:sldId id="285" r:id="rId31"/>
+    <p:sldId id="286" r:id="rId32"/>
+    <p:sldId id="287" r:id="rId33"/>
+    <p:sldId id="288" r:id="rId34"/>
+    <p:sldId id="289" r:id="rId35"/>
+    <p:sldId id="290" r:id="rId36"/>
+    <p:sldId id="291" r:id="rId37"/>
+    <p:sldId id="292" r:id="rId38"/>
+    <p:sldId id="294" r:id="rId39"/>
+    <p:sldId id="295" r:id="rId40"/>
+    <p:sldId id="296" r:id="rId41"/>
+    <p:sldId id="298" r:id="rId42"/>
+    <p:sldId id="299" r:id="rId43"/>
+    <p:sldId id="300" r:id="rId44"/>
+    <p:sldId id="301" r:id="rId45"/>
+    <p:sldId id="302" r:id="rId46"/>
+    <p:sldId id="303" r:id="rId47"/>
+    <p:sldId id="304" r:id="rId48"/>
+    <p:sldId id="305" r:id="rId49"/>
+    <p:sldId id="297" r:id="rId50"/>
   </p:sldIdLst>
   <p:sldSz cx="12192000" cy="6858000"/>
   <p:notesSz cx="6858000" cy="9144000"/>
@@ -287,7 +288,7 @@
           <a:p>
             <a:fld id="{4B495064-212B-4CC3-AB4F-A1B421A70097}" type="datetimeFigureOut">
               <a:rPr lang="ru-RU" smtClean="0"/>
-              <a:t>26.04.2022</a:t>
+              <a:t>28.04.2022</a:t>
             </a:fld>
             <a:endParaRPr lang="ru-RU"/>
           </a:p>
@@ -704,7 +705,7 @@
           <a:p>
             <a:fld id="{23CB97DB-EFA1-4848-9116-4A5D2B155B41}" type="slidenum">
               <a:rPr lang="ru-RU" smtClean="0"/>
-              <a:t>3</a:t>
+              <a:t>4</a:t>
             </a:fld>
             <a:endParaRPr lang="ru-RU"/>
           </a:p>
@@ -788,7 +789,7 @@
           <a:p>
             <a:fld id="{23CB97DB-EFA1-4848-9116-4A5D2B155B41}" type="slidenum">
               <a:rPr lang="ru-RU" smtClean="0"/>
-              <a:t>18</a:t>
+              <a:t>19</a:t>
             </a:fld>
             <a:endParaRPr lang="ru-RU"/>
           </a:p>
@@ -872,7 +873,7 @@
           <a:p>
             <a:fld id="{23CB97DB-EFA1-4848-9116-4A5D2B155B41}" type="slidenum">
               <a:rPr lang="ru-RU" smtClean="0"/>
-              <a:t>32</a:t>
+              <a:t>33</a:t>
             </a:fld>
             <a:endParaRPr lang="ru-RU"/>
           </a:p>
@@ -1087,7 +1088,7 @@
           <a:p>
             <a:fld id="{E3530E06-3A5C-4B21-8E13-A8F3D6BBB009}" type="datetimeFigureOut">
               <a:rPr lang="ru-RU" smtClean="0"/>
-              <a:t>26.04.2022</a:t>
+              <a:t>28.04.2022</a:t>
             </a:fld>
             <a:endParaRPr lang="ru-RU" dirty="0"/>
           </a:p>
@@ -1308,7 +1309,7 @@
           <a:p>
             <a:fld id="{E3530E06-3A5C-4B21-8E13-A8F3D6BBB009}" type="datetimeFigureOut">
               <a:rPr lang="ru-RU" smtClean="0"/>
-              <a:t>26.04.2022</a:t>
+              <a:t>28.04.2022</a:t>
             </a:fld>
             <a:endParaRPr lang="ru-RU" dirty="0"/>
           </a:p>
@@ -1488,7 +1489,7 @@
           <a:p>
             <a:fld id="{E3530E06-3A5C-4B21-8E13-A8F3D6BBB009}" type="datetimeFigureOut">
               <a:rPr lang="ru-RU" smtClean="0"/>
-              <a:t>26.04.2022</a:t>
+              <a:t>28.04.2022</a:t>
             </a:fld>
             <a:endParaRPr lang="ru-RU" dirty="0"/>
           </a:p>
@@ -1745,7 +1746,7 @@
           <a:p>
             <a:fld id="{E3530E06-3A5C-4B21-8E13-A8F3D6BBB009}" type="datetimeFigureOut">
               <a:rPr lang="ru-RU" smtClean="0"/>
-              <a:t>26.04.2022</a:t>
+              <a:t>28.04.2022</a:t>
             </a:fld>
             <a:endParaRPr lang="ru-RU" dirty="0"/>
           </a:p>
@@ -1966,7 +1967,7 @@
           <a:p>
             <a:fld id="{E3530E06-3A5C-4B21-8E13-A8F3D6BBB009}" type="datetimeFigureOut">
               <a:rPr lang="ru-RU" smtClean="0"/>
-              <a:t>26.04.2022</a:t>
+              <a:t>28.04.2022</a:t>
             </a:fld>
             <a:endParaRPr lang="ru-RU" dirty="0"/>
           </a:p>
@@ -2217,7 +2218,7 @@
           <a:p>
             <a:fld id="{E3530E06-3A5C-4B21-8E13-A8F3D6BBB009}" type="datetimeFigureOut">
               <a:rPr lang="ru-RU" smtClean="0"/>
-              <a:t>26.04.2022</a:t>
+              <a:t>28.04.2022</a:t>
             </a:fld>
             <a:endParaRPr lang="ru-RU" dirty="0"/>
           </a:p>
@@ -2540,7 +2541,7 @@
           <a:p>
             <a:fld id="{E3530E06-3A5C-4B21-8E13-A8F3D6BBB009}" type="datetimeFigureOut">
               <a:rPr lang="ru-RU" smtClean="0"/>
-              <a:t>26.04.2022</a:t>
+              <a:t>28.04.2022</a:t>
             </a:fld>
             <a:endParaRPr lang="ru-RU" dirty="0"/>
           </a:p>
@@ -2964,7 +2965,7 @@
           <a:p>
             <a:fld id="{E3530E06-3A5C-4B21-8E13-A8F3D6BBB009}" type="datetimeFigureOut">
               <a:rPr lang="ru-RU" smtClean="0"/>
-              <a:t>26.04.2022</a:t>
+              <a:t>28.04.2022</a:t>
             </a:fld>
             <a:endParaRPr lang="ru-RU" dirty="0"/>
           </a:p>
@@ -3082,7 +3083,7 @@
           <a:p>
             <a:fld id="{E3530E06-3A5C-4B21-8E13-A8F3D6BBB009}" type="datetimeFigureOut">
               <a:rPr lang="ru-RU" smtClean="0"/>
-              <a:t>26.04.2022</a:t>
+              <a:t>28.04.2022</a:t>
             </a:fld>
             <a:endParaRPr lang="ru-RU" dirty="0"/>
           </a:p>
@@ -3177,7 +3178,7 @@
           <a:p>
             <a:fld id="{E3530E06-3A5C-4B21-8E13-A8F3D6BBB009}" type="datetimeFigureOut">
               <a:rPr lang="ru-RU" smtClean="0"/>
-              <a:t>26.04.2022</a:t>
+              <a:t>28.04.2022</a:t>
             </a:fld>
             <a:endParaRPr lang="ru-RU" dirty="0"/>
           </a:p>
@@ -3467,7 +3468,7 @@
           <a:p>
             <a:fld id="{E3530E06-3A5C-4B21-8E13-A8F3D6BBB009}" type="datetimeFigureOut">
               <a:rPr lang="ru-RU" smtClean="0"/>
-              <a:t>26.04.2022</a:t>
+              <a:t>28.04.2022</a:t>
             </a:fld>
             <a:endParaRPr lang="ru-RU" dirty="0"/>
           </a:p>
@@ -3637,7 +3638,7 @@
           <a:p>
             <a:fld id="{E3530E06-3A5C-4B21-8E13-A8F3D6BBB009}" type="datetimeFigureOut">
               <a:rPr lang="ru-RU" smtClean="0"/>
-              <a:t>26.04.2022</a:t>
+              <a:t>28.04.2022</a:t>
             </a:fld>
             <a:endParaRPr lang="ru-RU" dirty="0"/>
           </a:p>
@@ -3909,7 +3910,7 @@
           <a:p>
             <a:fld id="{E3530E06-3A5C-4B21-8E13-A8F3D6BBB009}" type="datetimeFigureOut">
               <a:rPr lang="ru-RU" smtClean="0"/>
-              <a:t>26.04.2022</a:t>
+              <a:t>28.04.2022</a:t>
             </a:fld>
             <a:endParaRPr lang="ru-RU" dirty="0"/>
           </a:p>
@@ -4079,7 +4080,7 @@
           <a:p>
             <a:fld id="{E3530E06-3A5C-4B21-8E13-A8F3D6BBB009}" type="datetimeFigureOut">
               <a:rPr lang="ru-RU" smtClean="0"/>
-              <a:t>26.04.2022</a:t>
+              <a:t>28.04.2022</a:t>
             </a:fld>
             <a:endParaRPr lang="ru-RU" dirty="0"/>
           </a:p>
@@ -4259,7 +4260,7 @@
           <a:p>
             <a:fld id="{E3530E06-3A5C-4B21-8E13-A8F3D6BBB009}" type="datetimeFigureOut">
               <a:rPr lang="ru-RU" smtClean="0"/>
-              <a:t>26.04.2022</a:t>
+              <a:t>28.04.2022</a:t>
             </a:fld>
             <a:endParaRPr lang="ru-RU" dirty="0"/>
           </a:p>
@@ -4516,7 +4517,7 @@
           <a:p>
             <a:fld id="{E3530E06-3A5C-4B21-8E13-A8F3D6BBB009}" type="datetimeFigureOut">
               <a:rPr lang="ru-RU" smtClean="0"/>
-              <a:t>26.04.2022</a:t>
+              <a:t>28.04.2022</a:t>
             </a:fld>
             <a:endParaRPr lang="ru-RU" dirty="0"/>
           </a:p>
@@ -4737,7 +4738,7 @@
           <a:p>
             <a:fld id="{E3530E06-3A5C-4B21-8E13-A8F3D6BBB009}" type="datetimeFigureOut">
               <a:rPr lang="ru-RU" smtClean="0"/>
-              <a:t>26.04.2022</a:t>
+              <a:t>28.04.2022</a:t>
             </a:fld>
             <a:endParaRPr lang="ru-RU" dirty="0"/>
           </a:p>
@@ -4988,7 +4989,7 @@
           <a:p>
             <a:fld id="{E3530E06-3A5C-4B21-8E13-A8F3D6BBB009}" type="datetimeFigureOut">
               <a:rPr lang="ru-RU" smtClean="0"/>
-              <a:t>26.04.2022</a:t>
+              <a:t>28.04.2022</a:t>
             </a:fld>
             <a:endParaRPr lang="ru-RU" dirty="0"/>
           </a:p>
@@ -5311,7 +5312,7 @@
           <a:p>
             <a:fld id="{E3530E06-3A5C-4B21-8E13-A8F3D6BBB009}" type="datetimeFigureOut">
               <a:rPr lang="ru-RU" smtClean="0"/>
-              <a:t>26.04.2022</a:t>
+              <a:t>28.04.2022</a:t>
             </a:fld>
             <a:endParaRPr lang="ru-RU" dirty="0"/>
           </a:p>
@@ -5735,7 +5736,7 @@
           <a:p>
             <a:fld id="{E3530E06-3A5C-4B21-8E13-A8F3D6BBB009}" type="datetimeFigureOut">
               <a:rPr lang="ru-RU" smtClean="0"/>
-              <a:t>26.04.2022</a:t>
+              <a:t>28.04.2022</a:t>
             </a:fld>
             <a:endParaRPr lang="ru-RU" dirty="0"/>
           </a:p>
@@ -5853,7 +5854,7 @@
           <a:p>
             <a:fld id="{E3530E06-3A5C-4B21-8E13-A8F3D6BBB009}" type="datetimeFigureOut">
               <a:rPr lang="ru-RU" smtClean="0"/>
-              <a:t>26.04.2022</a:t>
+              <a:t>28.04.2022</a:t>
             </a:fld>
             <a:endParaRPr lang="ru-RU" dirty="0"/>
           </a:p>
@@ -5948,7 +5949,7 @@
           <a:p>
             <a:fld id="{E3530E06-3A5C-4B21-8E13-A8F3D6BBB009}" type="datetimeFigureOut">
               <a:rPr lang="ru-RU" smtClean="0"/>
-              <a:t>26.04.2022</a:t>
+              <a:t>28.04.2022</a:t>
             </a:fld>
             <a:endParaRPr lang="ru-RU" dirty="0"/>
           </a:p>
@@ -6199,7 +6200,7 @@
           <a:p>
             <a:fld id="{E3530E06-3A5C-4B21-8E13-A8F3D6BBB009}" type="datetimeFigureOut">
               <a:rPr lang="ru-RU" smtClean="0"/>
-              <a:t>26.04.2022</a:t>
+              <a:t>28.04.2022</a:t>
             </a:fld>
             <a:endParaRPr lang="ru-RU" dirty="0"/>
           </a:p>
@@ -6524,7 +6525,7 @@
           <a:p>
             <a:fld id="{E3530E06-3A5C-4B21-8E13-A8F3D6BBB009}" type="datetimeFigureOut">
               <a:rPr lang="ru-RU" smtClean="0"/>
-              <a:t>26.04.2022</a:t>
+              <a:t>28.04.2022</a:t>
             </a:fld>
             <a:endParaRPr lang="ru-RU" dirty="0"/>
           </a:p>
@@ -6796,7 +6797,7 @@
           <a:p>
             <a:fld id="{E3530E06-3A5C-4B21-8E13-A8F3D6BBB009}" type="datetimeFigureOut">
               <a:rPr lang="ru-RU" smtClean="0"/>
-              <a:t>26.04.2022</a:t>
+              <a:t>28.04.2022</a:t>
             </a:fld>
             <a:endParaRPr lang="ru-RU" dirty="0"/>
           </a:p>
@@ -6966,7 +6967,7 @@
           <a:p>
             <a:fld id="{E3530E06-3A5C-4B21-8E13-A8F3D6BBB009}" type="datetimeFigureOut">
               <a:rPr lang="ru-RU" smtClean="0"/>
-              <a:t>26.04.2022</a:t>
+              <a:t>28.04.2022</a:t>
             </a:fld>
             <a:endParaRPr lang="ru-RU" dirty="0"/>
           </a:p>
@@ -7146,7 +7147,7 @@
           <a:p>
             <a:fld id="{E3530E06-3A5C-4B21-8E13-A8F3D6BBB009}" type="datetimeFigureOut">
               <a:rPr lang="ru-RU" smtClean="0"/>
-              <a:t>26.04.2022</a:t>
+              <a:t>28.04.2022</a:t>
             </a:fld>
             <a:endParaRPr lang="ru-RU" dirty="0"/>
           </a:p>
@@ -7403,7 +7404,7 @@
           <a:p>
             <a:fld id="{E3530E06-3A5C-4B21-8E13-A8F3D6BBB009}" type="datetimeFigureOut">
               <a:rPr lang="ru-RU" smtClean="0"/>
-              <a:t>26.04.2022</a:t>
+              <a:t>28.04.2022</a:t>
             </a:fld>
             <a:endParaRPr lang="ru-RU" dirty="0"/>
           </a:p>
@@ -7624,7 +7625,7 @@
           <a:p>
             <a:fld id="{E3530E06-3A5C-4B21-8E13-A8F3D6BBB009}" type="datetimeFigureOut">
               <a:rPr lang="ru-RU" smtClean="0"/>
-              <a:t>26.04.2022</a:t>
+              <a:t>28.04.2022</a:t>
             </a:fld>
             <a:endParaRPr lang="ru-RU" dirty="0"/>
           </a:p>
@@ -7875,7 +7876,7 @@
           <a:p>
             <a:fld id="{E3530E06-3A5C-4B21-8E13-A8F3D6BBB009}" type="datetimeFigureOut">
               <a:rPr lang="ru-RU" smtClean="0"/>
-              <a:t>26.04.2022</a:t>
+              <a:t>28.04.2022</a:t>
             </a:fld>
             <a:endParaRPr lang="ru-RU" dirty="0"/>
           </a:p>
@@ -8198,7 +8199,7 @@
           <a:p>
             <a:fld id="{E3530E06-3A5C-4B21-8E13-A8F3D6BBB009}" type="datetimeFigureOut">
               <a:rPr lang="ru-RU" smtClean="0"/>
-              <a:t>26.04.2022</a:t>
+              <a:t>28.04.2022</a:t>
             </a:fld>
             <a:endParaRPr lang="ru-RU" dirty="0"/>
           </a:p>
@@ -8622,7 +8623,7 @@
           <a:p>
             <a:fld id="{E3530E06-3A5C-4B21-8E13-A8F3D6BBB009}" type="datetimeFigureOut">
               <a:rPr lang="ru-RU" smtClean="0"/>
-              <a:t>26.04.2022</a:t>
+              <a:t>28.04.2022</a:t>
             </a:fld>
             <a:endParaRPr lang="ru-RU" dirty="0"/>
           </a:p>
@@ -8740,7 +8741,7 @@
           <a:p>
             <a:fld id="{E3530E06-3A5C-4B21-8E13-A8F3D6BBB009}" type="datetimeFigureOut">
               <a:rPr lang="ru-RU" smtClean="0"/>
-              <a:t>26.04.2022</a:t>
+              <a:t>28.04.2022</a:t>
             </a:fld>
             <a:endParaRPr lang="ru-RU" dirty="0"/>
           </a:p>
@@ -9028,7 +9029,7 @@
           <a:p>
             <a:fld id="{E3530E06-3A5C-4B21-8E13-A8F3D6BBB009}" type="datetimeFigureOut">
               <a:rPr lang="ru-RU" smtClean="0"/>
-              <a:t>26.04.2022</a:t>
+              <a:t>28.04.2022</a:t>
             </a:fld>
             <a:endParaRPr lang="ru-RU" dirty="0"/>
           </a:p>
@@ -9123,7 +9124,7 @@
           <a:p>
             <a:fld id="{E3530E06-3A5C-4B21-8E13-A8F3D6BBB009}" type="datetimeFigureOut">
               <a:rPr lang="ru-RU" smtClean="0"/>
-              <a:t>26.04.2022</a:t>
+              <a:t>28.04.2022</a:t>
             </a:fld>
             <a:endParaRPr lang="ru-RU" dirty="0"/>
           </a:p>
@@ -9413,7 +9414,7 @@
           <a:p>
             <a:fld id="{E3530E06-3A5C-4B21-8E13-A8F3D6BBB009}" type="datetimeFigureOut">
               <a:rPr lang="ru-RU" smtClean="0"/>
-              <a:t>26.04.2022</a:t>
+              <a:t>28.04.2022</a:t>
             </a:fld>
             <a:endParaRPr lang="ru-RU" dirty="0"/>
           </a:p>
@@ -9685,7 +9686,7 @@
           <a:p>
             <a:fld id="{E3530E06-3A5C-4B21-8E13-A8F3D6BBB009}" type="datetimeFigureOut">
               <a:rPr lang="ru-RU" smtClean="0"/>
-              <a:t>26.04.2022</a:t>
+              <a:t>28.04.2022</a:t>
             </a:fld>
             <a:endParaRPr lang="ru-RU" dirty="0"/>
           </a:p>
@@ -9855,7 +9856,7 @@
           <a:p>
             <a:fld id="{E3530E06-3A5C-4B21-8E13-A8F3D6BBB009}" type="datetimeFigureOut">
               <a:rPr lang="ru-RU" smtClean="0"/>
-              <a:t>26.04.2022</a:t>
+              <a:t>28.04.2022</a:t>
             </a:fld>
             <a:endParaRPr lang="ru-RU" dirty="0"/>
           </a:p>
@@ -10035,7 +10036,7 @@
           <a:p>
             <a:fld id="{E3530E06-3A5C-4B21-8E13-A8F3D6BBB009}" type="datetimeFigureOut">
               <a:rPr lang="ru-RU" smtClean="0"/>
-              <a:t>26.04.2022</a:t>
+              <a:t>28.04.2022</a:t>
             </a:fld>
             <a:endParaRPr lang="ru-RU" dirty="0"/>
           </a:p>
@@ -10459,7 +10460,7 @@
           <a:p>
             <a:fld id="{E3530E06-3A5C-4B21-8E13-A8F3D6BBB009}" type="datetimeFigureOut">
               <a:rPr lang="ru-RU" smtClean="0"/>
-              <a:t>26.04.2022</a:t>
+              <a:t>28.04.2022</a:t>
             </a:fld>
             <a:endParaRPr lang="ru-RU" dirty="0"/>
           </a:p>
@@ -10577,7 +10578,7 @@
           <a:p>
             <a:fld id="{E3530E06-3A5C-4B21-8E13-A8F3D6BBB009}" type="datetimeFigureOut">
               <a:rPr lang="ru-RU" smtClean="0"/>
-              <a:t>26.04.2022</a:t>
+              <a:t>28.04.2022</a:t>
             </a:fld>
             <a:endParaRPr lang="ru-RU" dirty="0"/>
           </a:p>
@@ -10672,7 +10673,7 @@
           <a:p>
             <a:fld id="{E3530E06-3A5C-4B21-8E13-A8F3D6BBB009}" type="datetimeFigureOut">
               <a:rPr lang="ru-RU" smtClean="0"/>
-              <a:t>26.04.2022</a:t>
+              <a:t>28.04.2022</a:t>
             </a:fld>
             <a:endParaRPr lang="ru-RU" dirty="0"/>
           </a:p>
@@ -10962,7 +10963,7 @@
           <a:p>
             <a:fld id="{E3530E06-3A5C-4B21-8E13-A8F3D6BBB009}" type="datetimeFigureOut">
               <a:rPr lang="ru-RU" smtClean="0"/>
-              <a:t>26.04.2022</a:t>
+              <a:t>28.04.2022</a:t>
             </a:fld>
             <a:endParaRPr lang="ru-RU" dirty="0"/>
           </a:p>
@@ -11234,7 +11235,7 @@
           <a:p>
             <a:fld id="{E3530E06-3A5C-4B21-8E13-A8F3D6BBB009}" type="datetimeFigureOut">
               <a:rPr lang="ru-RU" smtClean="0"/>
-              <a:t>26.04.2022</a:t>
+              <a:t>28.04.2022</a:t>
             </a:fld>
             <a:endParaRPr lang="ru-RU" dirty="0"/>
           </a:p>
@@ -11487,7 +11488,7 @@
           <a:p>
             <a:fld id="{E3530E06-3A5C-4B21-8E13-A8F3D6BBB009}" type="datetimeFigureOut">
               <a:rPr lang="ru-RU" smtClean="0"/>
-              <a:t>26.04.2022</a:t>
+              <a:t>28.04.2022</a:t>
             </a:fld>
             <a:endParaRPr lang="ru-RU" dirty="0"/>
           </a:p>
@@ -12128,7 +12129,7 @@
           <a:p>
             <a:fld id="{E3530E06-3A5C-4B21-8E13-A8F3D6BBB009}" type="datetimeFigureOut">
               <a:rPr lang="ru-RU" smtClean="0"/>
-              <a:t>26.04.2022</a:t>
+              <a:t>28.04.2022</a:t>
             </a:fld>
             <a:endParaRPr lang="ru-RU" dirty="0"/>
           </a:p>
@@ -12769,7 +12770,7 @@
           <a:p>
             <a:fld id="{E3530E06-3A5C-4B21-8E13-A8F3D6BBB009}" type="datetimeFigureOut">
               <a:rPr lang="ru-RU" smtClean="0"/>
-              <a:t>26.04.2022</a:t>
+              <a:t>28.04.2022</a:t>
             </a:fld>
             <a:endParaRPr lang="ru-RU" dirty="0"/>
           </a:p>
@@ -13410,7 +13411,7 @@
           <a:p>
             <a:fld id="{E3530E06-3A5C-4B21-8E13-A8F3D6BBB009}" type="datetimeFigureOut">
               <a:rPr lang="ru-RU" smtClean="0"/>
-              <a:t>26.04.2022</a:t>
+              <a:t>28.04.2022</a:t>
             </a:fld>
             <a:endParaRPr lang="ru-RU" dirty="0"/>
           </a:p>
@@ -14021,6 +14022,14 @@
 <file path=ppt/slides/slide10.xml><?xml version="1.0" encoding="utf-8"?>
 <p:sld xmlns:a="http://schemas.openxmlformats.org/drawingml/2006/main" xmlns:r="http://schemas.openxmlformats.org/officeDocument/2006/relationships" xmlns:p="http://schemas.openxmlformats.org/presentationml/2006/main">
   <p:cSld>
+    <p:bg>
+      <p:bgPr>
+        <a:solidFill>
+          <a:schemeClr val="bg1"/>
+        </a:solidFill>
+        <a:effectLst/>
+      </p:bgPr>
+    </p:bg>
     <p:spTree>
       <p:nvGrpSpPr>
         <p:cNvPr id="1" name=""/>
@@ -14037,257 +14046,81 @@
       </p:grpSpPr>
       <p:sp>
         <p:nvSpPr>
-          <p:cNvPr id="3" name="Объект 2"/>
-          <p:cNvSpPr>
-            <a:spLocks noGrp="1"/>
-          </p:cNvSpPr>
+          <p:cNvPr id="2" name="Заголовок 1"/>
+          <p:cNvSpPr>
+            <a:spLocks noGrp="1"/>
+          </p:cNvSpPr>
+          <p:nvPr>
+            <p:ph type="title"/>
+          </p:nvPr>
+        </p:nvSpPr>
+        <p:spPr>
+          <a:xfrm>
+            <a:off x="190500" y="289570"/>
+            <a:ext cx="10058400" cy="713522"/>
+          </a:xfrm>
+        </p:spPr>
+        <p:txBody>
+          <a:bodyPr>
+            <a:normAutofit/>
+          </a:bodyPr>
+          <a:lstStyle/>
+          <a:p>
+            <a:r>
+              <a:rPr lang="en-US" dirty="0" smtClean="0"/>
+              <a:t> </a:t>
+            </a:r>
+            <a:r>
+              <a:rPr lang="en-US" b="1" dirty="0" smtClean="0"/>
+              <a:t>Lvl 1</a:t>
+            </a:r>
+            <a:r>
+              <a:rPr lang="ru-RU" b="1" dirty="0" smtClean="0"/>
+              <a:t>	</a:t>
+            </a:r>
+            <a:endParaRPr lang="ru-RU" b="1" dirty="0"/>
+          </a:p>
+        </p:txBody>
+      </p:sp>
+      <p:pic>
+        <p:nvPicPr>
+          <p:cNvPr id="4" name="Объект 3"/>
+          <p:cNvPicPr>
+            <a:picLocks noGrp="1" noChangeAspect="1"/>
+          </p:cNvPicPr>
           <p:nvPr>
             <p:ph idx="1"/>
           </p:nvPr>
-        </p:nvSpPr>
-        <p:spPr>
-          <a:xfrm>
-            <a:off x="771525" y="1777999"/>
-            <a:ext cx="10515600" cy="4298951"/>
-          </a:xfrm>
-        </p:spPr>
-        <p:txBody>
-          <a:bodyPr/>
-          <a:lstStyle/>
-          <a:p>
-            <a:r>
-              <a:rPr lang="en-US" sz="2400" dirty="0" smtClean="0">
-                <a:solidFill>
-                  <a:srgbClr val="FF0000"/>
-                </a:solidFill>
-              </a:rPr>
-              <a:t>&lt;awaitable_type&gt; </a:t>
-            </a:r>
-            <a:r>
-              <a:rPr lang="en-US" sz="2400" dirty="0" smtClean="0">
-                <a:solidFill>
-                  <a:srgbClr val="0070C0"/>
-                </a:solidFill>
-              </a:rPr>
-              <a:t>initial_suspend() </a:t>
-            </a:r>
-            <a:r>
-              <a:rPr lang="en-US" sz="2400" dirty="0" smtClean="0"/>
-              <a:t>–</a:t>
-            </a:r>
-            <a:r>
-              <a:rPr lang="ru-RU" sz="2400" dirty="0" smtClean="0"/>
-              <a:t> прерывание корутины в самом начале(до исполнения тела).</a:t>
-            </a:r>
-          </a:p>
-          <a:p>
-            <a:r>
-              <a:rPr lang="en-US" sz="2400" dirty="0" smtClean="0">
-                <a:solidFill>
-                  <a:srgbClr val="FF0000"/>
-                </a:solidFill>
-              </a:rPr>
-              <a:t>&lt;awaitable_type&gt; </a:t>
-            </a:r>
-            <a:r>
-              <a:rPr lang="en-US" sz="2400" dirty="0" smtClean="0">
-                <a:solidFill>
-                  <a:srgbClr val="0070C0"/>
-                </a:solidFill>
-              </a:rPr>
-              <a:t>final_suspend() </a:t>
-            </a:r>
-            <a:r>
-              <a:rPr lang="en-US" sz="2400" dirty="0" smtClean="0"/>
-              <a:t>– </a:t>
-            </a:r>
-            <a:r>
-              <a:rPr lang="ru-RU" sz="2400" dirty="0" smtClean="0"/>
-              <a:t>прерывание корутины в самом конце(перед самым завершением).</a:t>
-            </a:r>
-          </a:p>
-          <a:p>
-            <a:r>
-              <a:rPr lang="en-US" sz="2400" dirty="0" smtClean="0">
-                <a:solidFill>
-                  <a:srgbClr val="FF0000"/>
-                </a:solidFill>
-              </a:rPr>
-              <a:t>auto</a:t>
-            </a:r>
-            <a:r>
-              <a:rPr lang="en-US" sz="2400" dirty="0" smtClean="0"/>
-              <a:t> </a:t>
-            </a:r>
-            <a:r>
-              <a:rPr lang="en-US" sz="2400" dirty="0" smtClean="0">
-                <a:solidFill>
-                  <a:srgbClr val="0070C0"/>
-                </a:solidFill>
-              </a:rPr>
-              <a:t>get_return_object() </a:t>
-            </a:r>
-            <a:r>
-              <a:rPr lang="ru-RU" sz="2400" dirty="0" smtClean="0"/>
-              <a:t>–</a:t>
-            </a:r>
-            <a:r>
-              <a:rPr lang="en-US" sz="2400" dirty="0" smtClean="0"/>
-              <a:t> </a:t>
-            </a:r>
-            <a:r>
-              <a:rPr lang="ru-RU" sz="2400" dirty="0" smtClean="0"/>
-              <a:t>возвр</a:t>
-            </a:r>
-            <a:r>
-              <a:rPr lang="ru-RU" sz="2400" dirty="0"/>
-              <a:t>а</a:t>
-            </a:r>
-            <a:r>
-              <a:rPr lang="ru-RU" sz="2400" dirty="0" smtClean="0"/>
-              <a:t>щает </a:t>
-            </a:r>
-            <a:r>
-              <a:rPr lang="en-US" sz="2400" dirty="0" smtClean="0"/>
-              <a:t>coroutine_handle</a:t>
-            </a:r>
-            <a:r>
-              <a:rPr lang="ru-RU" sz="2400" dirty="0" smtClean="0"/>
-              <a:t> для управления.</a:t>
-            </a:r>
-          </a:p>
-          <a:p>
-            <a:r>
-              <a:rPr lang="en-US" sz="2400" dirty="0" smtClean="0">
-                <a:solidFill>
-                  <a:srgbClr val="FF0000"/>
-                </a:solidFill>
-              </a:rPr>
-              <a:t>&lt;awaitable_type&gt; </a:t>
-            </a:r>
-            <a:r>
-              <a:rPr lang="en-US" sz="2400" dirty="0" smtClean="0">
-                <a:solidFill>
-                  <a:srgbClr val="0070C0"/>
-                </a:solidFill>
-              </a:rPr>
-              <a:t>yield_value() </a:t>
-            </a:r>
-            <a:r>
-              <a:rPr lang="en-US" sz="2400" dirty="0" smtClean="0"/>
-              <a:t>–</a:t>
-            </a:r>
-            <a:r>
-              <a:rPr lang="ru-RU" sz="2400" dirty="0" smtClean="0"/>
-              <a:t> возвращает значение и прерывает исполнение корутины.</a:t>
-            </a:r>
-          </a:p>
-          <a:p>
-            <a:r>
-              <a:rPr lang="en-US" sz="2400" dirty="0" smtClean="0">
-                <a:solidFill>
-                  <a:srgbClr val="FF0000"/>
-                </a:solidFill>
-              </a:rPr>
-              <a:t>void</a:t>
-            </a:r>
-            <a:r>
-              <a:rPr lang="en-US" sz="2400" dirty="0" smtClean="0"/>
-              <a:t> </a:t>
-            </a:r>
-            <a:r>
-              <a:rPr lang="en-US" sz="2400" dirty="0" smtClean="0">
-                <a:solidFill>
-                  <a:srgbClr val="0070C0"/>
-                </a:solidFill>
-              </a:rPr>
-              <a:t>return_void()</a:t>
-            </a:r>
-            <a:r>
-              <a:rPr lang="en-US" sz="2400" dirty="0" smtClean="0"/>
-              <a:t>, </a:t>
-            </a:r>
-            <a:r>
-              <a:rPr lang="en-US" sz="2400" dirty="0" smtClean="0">
-                <a:solidFill>
-                  <a:srgbClr val="FF0000"/>
-                </a:solidFill>
-              </a:rPr>
-              <a:t>void </a:t>
-            </a:r>
-            <a:r>
-              <a:rPr lang="en-US" sz="2400" dirty="0" smtClean="0">
-                <a:solidFill>
-                  <a:srgbClr val="0070C0"/>
-                </a:solidFill>
-              </a:rPr>
-              <a:t>return_value(value)</a:t>
-            </a:r>
-            <a:r>
-              <a:rPr lang="en-US" sz="2400" dirty="0" smtClean="0"/>
-              <a:t> </a:t>
-            </a:r>
-            <a:r>
-              <a:rPr lang="ru-RU" sz="2400" dirty="0" smtClean="0"/>
-              <a:t>– возвр</a:t>
-            </a:r>
-            <a:r>
-              <a:rPr lang="ru-RU" sz="2400" dirty="0"/>
-              <a:t>а</a:t>
-            </a:r>
-            <a:r>
-              <a:rPr lang="ru-RU" sz="2400" dirty="0" smtClean="0"/>
-              <a:t>щают значение перед завершением корутины.</a:t>
-            </a:r>
-          </a:p>
-          <a:p>
-            <a:r>
-              <a:rPr lang="en-US" sz="2400" dirty="0" smtClean="0">
-                <a:solidFill>
-                  <a:srgbClr val="FF0000"/>
-                </a:solidFill>
-              </a:rPr>
-              <a:t>void</a:t>
-            </a:r>
-            <a:r>
-              <a:rPr lang="en-US" sz="2400" dirty="0" smtClean="0"/>
-              <a:t> </a:t>
-            </a:r>
-            <a:r>
-              <a:rPr lang="en-US" sz="2400" dirty="0" smtClean="0">
-                <a:solidFill>
-                  <a:srgbClr val="0070C0"/>
-                </a:solidFill>
-              </a:rPr>
-              <a:t>unhandled_exception() </a:t>
-            </a:r>
-            <a:r>
-              <a:rPr lang="en-US" sz="2400" dirty="0" smtClean="0"/>
-              <a:t>– </a:t>
-            </a:r>
-            <a:r>
-              <a:rPr lang="ru-RU" sz="2400" dirty="0" smtClean="0"/>
-              <a:t>и так все понятно</a:t>
-            </a:r>
-          </a:p>
-          <a:p>
-            <a:endParaRPr lang="en-US" dirty="0" smtClean="0"/>
-          </a:p>
-          <a:p>
-            <a:endParaRPr lang="en-US" dirty="0" smtClean="0"/>
-          </a:p>
-        </p:txBody>
-      </p:sp>
-      <p:sp>
-        <p:nvSpPr>
-          <p:cNvPr id="4" name="TextBox 3"/>
+        </p:nvPicPr>
+        <p:blipFill>
+          <a:blip r:embed="rId2">
+            <a:extLst>
+              <a:ext uri="{28A0092B-C50C-407E-A947-70E740481C1C}">
+                <a14:useLocalDpi xmlns:a14="http://schemas.microsoft.com/office/drawing/2010/main" val="0"/>
+              </a:ext>
+            </a:extLst>
+          </a:blip>
+          <a:stretch>
+            <a:fillRect/>
+          </a:stretch>
+        </p:blipFill>
+        <p:spPr>
+          <a:xfrm>
+            <a:off x="411783" y="1706612"/>
+            <a:ext cx="3333333" cy="1914286"/>
+          </a:xfrm>
+        </p:spPr>
+      </p:pic>
+      <p:sp>
+        <p:nvSpPr>
+          <p:cNvPr id="5" name="TextBox 4"/>
           <p:cNvSpPr txBox="1"/>
           <p:nvPr/>
         </p:nvSpPr>
         <p:spPr>
           <a:xfrm>
-            <a:off x="1885950" y="228600"/>
-            <a:ext cx="9401175" cy="1200329"/>
+            <a:off x="-471330" y="4100987"/>
+            <a:ext cx="5276850" cy="954107"/>
           </a:xfrm>
           <a:prstGeom prst="rect">
             <a:avLst/>
@@ -14301,33 +14134,137 @@
           <a:lstStyle/>
           <a:p>
             <a:r>
-              <a:rPr lang="ru-RU" sz="2400" dirty="0" smtClean="0"/>
-              <a:t>Прежде чем копнуть еще глубже , предлагаю разобрать 	предназначение каждого метода в структуре </a:t>
-            </a:r>
-            <a:r>
-              <a:rPr lang="en-US" sz="2400" dirty="0" smtClean="0"/>
-              <a:t>				  </a:t>
-            </a:r>
-            <a:r>
-              <a:rPr lang="ru-RU" sz="2400" dirty="0" smtClean="0"/>
-              <a:t>		  </a:t>
-            </a:r>
-            <a:r>
-              <a:rPr lang="en-US" sz="2400" dirty="0" smtClean="0"/>
-              <a:t>promise_type</a:t>
-            </a:r>
-            <a:r>
-              <a:rPr lang="en-US" sz="2400" dirty="0"/>
-              <a:t>.</a:t>
-            </a:r>
-            <a:endParaRPr lang="ru-RU" sz="2400" dirty="0"/>
+              <a:rPr lang="ru-RU" sz="2800" dirty="0" smtClean="0"/>
+              <a:t>	Теперь понятный и </a:t>
+            </a:r>
+          </a:p>
+          <a:p>
+            <a:r>
+              <a:rPr lang="ru-RU" sz="2800" dirty="0"/>
+              <a:t>	</a:t>
+            </a:r>
+            <a:r>
+              <a:rPr lang="ru-RU" sz="2800" dirty="0" smtClean="0"/>
+              <a:t>привычный код!</a:t>
+            </a:r>
+            <a:endParaRPr lang="ru-RU" sz="2800" dirty="0"/>
+          </a:p>
+        </p:txBody>
+      </p:sp>
+      <p:sp>
+        <p:nvSpPr>
+          <p:cNvPr id="6" name="Стрелка вверх 5"/>
+          <p:cNvSpPr/>
+          <p:nvPr/>
+        </p:nvSpPr>
+        <p:spPr>
+          <a:xfrm>
+            <a:off x="1561891" y="3729512"/>
+            <a:ext cx="438150" cy="371475"/>
+          </a:xfrm>
+          <a:prstGeom prst="upArrow">
+            <a:avLst/>
+          </a:prstGeom>
+        </p:spPr>
+        <p:style>
+          <a:lnRef idx="2">
+            <a:schemeClr val="accent1">
+              <a:shade val="50000"/>
+            </a:schemeClr>
+          </a:lnRef>
+          <a:fillRef idx="1">
+            <a:schemeClr val="accent1"/>
+          </a:fillRef>
+          <a:effectRef idx="0">
+            <a:schemeClr val="accent1"/>
+          </a:effectRef>
+          <a:fontRef idx="minor">
+            <a:schemeClr val="lt1"/>
+          </a:fontRef>
+        </p:style>
+        <p:txBody>
+          <a:bodyPr rtlCol="0" anchor="ctr"/>
+          <a:lstStyle/>
+          <a:p>
+            <a:pPr algn="ctr"/>
+            <a:endParaRPr lang="ru-RU"/>
+          </a:p>
+        </p:txBody>
+      </p:sp>
+      <p:pic>
+        <p:nvPicPr>
+          <p:cNvPr id="8" name="Рисунок 7"/>
+          <p:cNvPicPr>
+            <a:picLocks noChangeAspect="1"/>
+          </p:cNvPicPr>
+          <p:nvPr/>
+        </p:nvPicPr>
+        <p:blipFill>
+          <a:blip r:embed="rId3">
+            <a:extLst>
+              <a:ext uri="{28A0092B-C50C-407E-A947-70E740481C1C}">
+                <a14:useLocalDpi xmlns:a14="http://schemas.microsoft.com/office/drawing/2010/main" val="0"/>
+              </a:ext>
+            </a:extLst>
+          </a:blip>
+          <a:stretch>
+            <a:fillRect/>
+          </a:stretch>
+        </p:blipFill>
+        <p:spPr>
+          <a:xfrm>
+            <a:off x="5627484" y="385328"/>
+            <a:ext cx="6034634" cy="5715001"/>
+          </a:xfrm>
+          <a:prstGeom prst="rect">
+            <a:avLst/>
+          </a:prstGeom>
+        </p:spPr>
+      </p:pic>
+      <p:sp>
+        <p:nvSpPr>
+          <p:cNvPr id="3" name="Стрелка вправо 2"/>
+          <p:cNvSpPr/>
+          <p:nvPr/>
+        </p:nvSpPr>
+        <p:spPr>
+          <a:xfrm>
+            <a:off x="3886200" y="2206869"/>
+            <a:ext cx="1600200" cy="914400"/>
+          </a:xfrm>
+          <a:prstGeom prst="rightArrow">
+            <a:avLst/>
+          </a:prstGeom>
+        </p:spPr>
+        <p:style>
+          <a:lnRef idx="2">
+            <a:schemeClr val="accent1">
+              <a:shade val="50000"/>
+            </a:schemeClr>
+          </a:lnRef>
+          <a:fillRef idx="1">
+            <a:schemeClr val="accent1"/>
+          </a:fillRef>
+          <a:effectRef idx="0">
+            <a:schemeClr val="accent1"/>
+          </a:effectRef>
+          <a:fontRef idx="minor">
+            <a:schemeClr val="lt1"/>
+          </a:fontRef>
+        </p:style>
+        <p:txBody>
+          <a:bodyPr rtlCol="0" anchor="ctr"/>
+          <a:lstStyle/>
+          <a:p>
+            <a:pPr algn="ctr"/>
+            <a:endParaRPr lang="ru-RU"/>
           </a:p>
         </p:txBody>
       </p:sp>
     </p:spTree>
     <p:extLst>
       <p:ext uri="{BB962C8B-B14F-4D97-AF65-F5344CB8AC3E}">
-        <p14:creationId xmlns:p14="http://schemas.microsoft.com/office/powerpoint/2010/main" val="2159990947"/>
+        <p14:creationId xmlns:p14="http://schemas.microsoft.com/office/powerpoint/2010/main" val="145152068"/>
       </p:ext>
     </p:extLst>
   </p:cSld>
@@ -14363,6 +14300,332 @@
       </p:grpSpPr>
       <p:sp>
         <p:nvSpPr>
+          <p:cNvPr id="3" name="Объект 2"/>
+          <p:cNvSpPr>
+            <a:spLocks noGrp="1"/>
+          </p:cNvSpPr>
+          <p:nvPr>
+            <p:ph idx="1"/>
+          </p:nvPr>
+        </p:nvSpPr>
+        <p:spPr>
+          <a:xfrm>
+            <a:off x="771525" y="1777999"/>
+            <a:ext cx="10515600" cy="4298951"/>
+          </a:xfrm>
+        </p:spPr>
+        <p:txBody>
+          <a:bodyPr/>
+          <a:lstStyle/>
+          <a:p>
+            <a:r>
+              <a:rPr lang="en-US" sz="2400" dirty="0" smtClean="0">
+                <a:solidFill>
+                  <a:srgbClr val="FF0000"/>
+                </a:solidFill>
+              </a:rPr>
+              <a:t>&lt;awaitable_type&gt; </a:t>
+            </a:r>
+            <a:r>
+              <a:rPr lang="en-US" sz="2400" dirty="0" smtClean="0">
+                <a:solidFill>
+                  <a:srgbClr val="0070C0"/>
+                </a:solidFill>
+              </a:rPr>
+              <a:t>initial_suspend() </a:t>
+            </a:r>
+            <a:r>
+              <a:rPr lang="en-US" sz="2400" dirty="0" smtClean="0"/>
+              <a:t>–</a:t>
+            </a:r>
+            <a:r>
+              <a:rPr lang="ru-RU" sz="2400" dirty="0" smtClean="0"/>
+              <a:t> прерывание корутины в самом начале(до исполнения тела).</a:t>
+            </a:r>
+          </a:p>
+          <a:p>
+            <a:r>
+              <a:rPr lang="en-US" sz="2400" dirty="0" smtClean="0">
+                <a:solidFill>
+                  <a:srgbClr val="FF0000"/>
+                </a:solidFill>
+              </a:rPr>
+              <a:t>&lt;awaitable_type&gt; </a:t>
+            </a:r>
+            <a:r>
+              <a:rPr lang="en-US" sz="2400" dirty="0" smtClean="0">
+                <a:solidFill>
+                  <a:srgbClr val="0070C0"/>
+                </a:solidFill>
+              </a:rPr>
+              <a:t>final_suspend() </a:t>
+            </a:r>
+            <a:r>
+              <a:rPr lang="en-US" sz="2400" dirty="0" smtClean="0"/>
+              <a:t>– </a:t>
+            </a:r>
+            <a:r>
+              <a:rPr lang="ru-RU" sz="2400" dirty="0" smtClean="0"/>
+              <a:t>прерывание корутины в самом конце(перед самым завершением).</a:t>
+            </a:r>
+          </a:p>
+          <a:p>
+            <a:r>
+              <a:rPr lang="en-US" sz="2400" dirty="0" smtClean="0">
+                <a:solidFill>
+                  <a:srgbClr val="FF0000"/>
+                </a:solidFill>
+              </a:rPr>
+              <a:t>auto</a:t>
+            </a:r>
+            <a:r>
+              <a:rPr lang="en-US" sz="2400" dirty="0" smtClean="0"/>
+              <a:t> </a:t>
+            </a:r>
+            <a:r>
+              <a:rPr lang="en-US" sz="2400" dirty="0" smtClean="0">
+                <a:solidFill>
+                  <a:srgbClr val="0070C0"/>
+                </a:solidFill>
+              </a:rPr>
+              <a:t>get_return_object() </a:t>
+            </a:r>
+            <a:r>
+              <a:rPr lang="ru-RU" sz="2400" dirty="0" smtClean="0"/>
+              <a:t>–</a:t>
+            </a:r>
+            <a:r>
+              <a:rPr lang="en-US" sz="2400" dirty="0" smtClean="0"/>
+              <a:t> </a:t>
+            </a:r>
+            <a:r>
+              <a:rPr lang="ru-RU" sz="2400" dirty="0" smtClean="0"/>
+              <a:t>возвр</a:t>
+            </a:r>
+            <a:r>
+              <a:rPr lang="ru-RU" sz="2400" dirty="0"/>
+              <a:t>а</a:t>
+            </a:r>
+            <a:r>
+              <a:rPr lang="ru-RU" sz="2400" dirty="0" smtClean="0"/>
+              <a:t>щает </a:t>
+            </a:r>
+            <a:r>
+              <a:rPr lang="en-US" sz="2400" dirty="0" smtClean="0"/>
+              <a:t>coroutine_handle</a:t>
+            </a:r>
+            <a:r>
+              <a:rPr lang="ru-RU" sz="2400" dirty="0" smtClean="0"/>
+              <a:t> для управления.</a:t>
+            </a:r>
+          </a:p>
+          <a:p>
+            <a:r>
+              <a:rPr lang="en-US" sz="2400" dirty="0" smtClean="0">
+                <a:solidFill>
+                  <a:srgbClr val="FF0000"/>
+                </a:solidFill>
+              </a:rPr>
+              <a:t>&lt;awaitable_type&gt; </a:t>
+            </a:r>
+            <a:r>
+              <a:rPr lang="en-US" sz="2400" dirty="0" smtClean="0">
+                <a:solidFill>
+                  <a:srgbClr val="0070C0"/>
+                </a:solidFill>
+              </a:rPr>
+              <a:t>yield_value() </a:t>
+            </a:r>
+            <a:r>
+              <a:rPr lang="en-US" sz="2400" dirty="0" smtClean="0"/>
+              <a:t>–</a:t>
+            </a:r>
+            <a:r>
+              <a:rPr lang="ru-RU" sz="2400" dirty="0" smtClean="0"/>
+              <a:t> возвращает значение и прерывает исполнение корутины.</a:t>
+            </a:r>
+          </a:p>
+          <a:p>
+            <a:r>
+              <a:rPr lang="en-US" sz="2400" dirty="0" smtClean="0">
+                <a:solidFill>
+                  <a:srgbClr val="FF0000"/>
+                </a:solidFill>
+              </a:rPr>
+              <a:t>void</a:t>
+            </a:r>
+            <a:r>
+              <a:rPr lang="en-US" sz="2400" dirty="0" smtClean="0"/>
+              <a:t> </a:t>
+            </a:r>
+            <a:r>
+              <a:rPr lang="en-US" sz="2400" dirty="0" smtClean="0">
+                <a:solidFill>
+                  <a:srgbClr val="0070C0"/>
+                </a:solidFill>
+              </a:rPr>
+              <a:t>return_void()</a:t>
+            </a:r>
+            <a:r>
+              <a:rPr lang="en-US" sz="2400" dirty="0" smtClean="0"/>
+              <a:t>, </a:t>
+            </a:r>
+            <a:r>
+              <a:rPr lang="en-US" sz="2400" dirty="0" smtClean="0">
+                <a:solidFill>
+                  <a:srgbClr val="FF0000"/>
+                </a:solidFill>
+              </a:rPr>
+              <a:t>void </a:t>
+            </a:r>
+            <a:r>
+              <a:rPr lang="en-US" sz="2400" dirty="0" smtClean="0">
+                <a:solidFill>
+                  <a:srgbClr val="0070C0"/>
+                </a:solidFill>
+              </a:rPr>
+              <a:t>return_value(value)</a:t>
+            </a:r>
+            <a:r>
+              <a:rPr lang="en-US" sz="2400" dirty="0" smtClean="0"/>
+              <a:t> </a:t>
+            </a:r>
+            <a:r>
+              <a:rPr lang="ru-RU" sz="2400" dirty="0" smtClean="0"/>
+              <a:t>– возвр</a:t>
+            </a:r>
+            <a:r>
+              <a:rPr lang="ru-RU" sz="2400" dirty="0"/>
+              <a:t>а</a:t>
+            </a:r>
+            <a:r>
+              <a:rPr lang="ru-RU" sz="2400" dirty="0" smtClean="0"/>
+              <a:t>щают значение перед завершением корутины.</a:t>
+            </a:r>
+          </a:p>
+          <a:p>
+            <a:r>
+              <a:rPr lang="en-US" sz="2400" dirty="0" smtClean="0">
+                <a:solidFill>
+                  <a:srgbClr val="FF0000"/>
+                </a:solidFill>
+              </a:rPr>
+              <a:t>void</a:t>
+            </a:r>
+            <a:r>
+              <a:rPr lang="en-US" sz="2400" dirty="0" smtClean="0"/>
+              <a:t> </a:t>
+            </a:r>
+            <a:r>
+              <a:rPr lang="en-US" sz="2400" dirty="0" smtClean="0">
+                <a:solidFill>
+                  <a:srgbClr val="0070C0"/>
+                </a:solidFill>
+              </a:rPr>
+              <a:t>unhandled_exception() </a:t>
+            </a:r>
+            <a:r>
+              <a:rPr lang="en-US" sz="2400" dirty="0" smtClean="0"/>
+              <a:t>– </a:t>
+            </a:r>
+            <a:r>
+              <a:rPr lang="ru-RU" sz="2400" dirty="0" smtClean="0"/>
+              <a:t>и так все понятно</a:t>
+            </a:r>
+          </a:p>
+          <a:p>
+            <a:endParaRPr lang="en-US" dirty="0" smtClean="0"/>
+          </a:p>
+          <a:p>
+            <a:endParaRPr lang="en-US" dirty="0" smtClean="0"/>
+          </a:p>
+        </p:txBody>
+      </p:sp>
+      <p:sp>
+        <p:nvSpPr>
+          <p:cNvPr id="4" name="TextBox 3"/>
+          <p:cNvSpPr txBox="1"/>
+          <p:nvPr/>
+        </p:nvSpPr>
+        <p:spPr>
+          <a:xfrm>
+            <a:off x="1885950" y="228600"/>
+            <a:ext cx="9401175" cy="1200329"/>
+          </a:xfrm>
+          <a:prstGeom prst="rect">
+            <a:avLst/>
+          </a:prstGeom>
+          <a:noFill/>
+        </p:spPr>
+        <p:txBody>
+          <a:bodyPr wrap="square" rtlCol="0">
+            <a:spAutoFit/>
+          </a:bodyPr>
+          <a:lstStyle/>
+          <a:p>
+            <a:r>
+              <a:rPr lang="ru-RU" sz="2400" dirty="0" smtClean="0"/>
+              <a:t>Прежде чем копнуть еще глубже , предлагаю разобрать 	предназначение каждого метода в структуре </a:t>
+            </a:r>
+            <a:r>
+              <a:rPr lang="en-US" sz="2400" dirty="0" smtClean="0"/>
+              <a:t>				  </a:t>
+            </a:r>
+            <a:r>
+              <a:rPr lang="ru-RU" sz="2400" dirty="0" smtClean="0"/>
+              <a:t>		  </a:t>
+            </a:r>
+            <a:r>
+              <a:rPr lang="en-US" sz="2400" dirty="0" smtClean="0"/>
+              <a:t>promise_type</a:t>
+            </a:r>
+            <a:r>
+              <a:rPr lang="en-US" sz="2400" dirty="0"/>
+              <a:t>.</a:t>
+            </a:r>
+            <a:endParaRPr lang="ru-RU" sz="2400" dirty="0"/>
+          </a:p>
+        </p:txBody>
+      </p:sp>
+    </p:spTree>
+    <p:extLst>
+      <p:ext uri="{BB962C8B-B14F-4D97-AF65-F5344CB8AC3E}">
+        <p14:creationId xmlns:p14="http://schemas.microsoft.com/office/powerpoint/2010/main" val="2159990947"/>
+      </p:ext>
+    </p:extLst>
+  </p:cSld>
+  <p:clrMapOvr>
+    <a:masterClrMapping/>
+  </p:clrMapOvr>
+  <p:timing>
+    <p:tnLst>
+      <p:par>
+        <p:cTn id="1" dur="indefinite" restart="never" nodeType="tmRoot"/>
+      </p:par>
+    </p:tnLst>
+  </p:timing>
+</p:sld>
+</file>
+
+<file path=ppt/slides/slide12.xml><?xml version="1.0" encoding="utf-8"?>
+<p:sld xmlns:a="http://schemas.openxmlformats.org/drawingml/2006/main" xmlns:r="http://schemas.openxmlformats.org/officeDocument/2006/relationships" xmlns:p="http://schemas.openxmlformats.org/presentationml/2006/main">
+  <p:cSld>
+    <p:spTree>
+      <p:nvGrpSpPr>
+        <p:cNvPr id="1" name=""/>
+        <p:cNvGrpSpPr/>
+        <p:nvPr/>
+      </p:nvGrpSpPr>
+      <p:grpSpPr>
+        <a:xfrm>
+          <a:off x="0" y="0"/>
+          <a:ext cx="0" cy="0"/>
+          <a:chOff x="0" y="0"/>
+          <a:chExt cx="0" cy="0"/>
+        </a:xfrm>
+      </p:grpSpPr>
+      <p:sp>
+        <p:nvSpPr>
           <p:cNvPr id="2" name="Заголовок 1"/>
           <p:cNvSpPr>
             <a:spLocks noGrp="1"/>
@@ -14550,7 +14813,7 @@
 </p:sld>
 </file>
 
-<file path=ppt/slides/slide12.xml><?xml version="1.0" encoding="utf-8"?>
+<file path=ppt/slides/slide13.xml><?xml version="1.0" encoding="utf-8"?>
 <p:sld xmlns:a="http://schemas.openxmlformats.org/drawingml/2006/main" xmlns:r="http://schemas.openxmlformats.org/officeDocument/2006/relationships" xmlns:p="http://schemas.openxmlformats.org/presentationml/2006/main">
   <p:cSld>
     <p:spTree>
@@ -14617,7 +14880,7 @@
 </p:sld>
 </file>
 
-<file path=ppt/slides/slide13.xml><?xml version="1.0" encoding="utf-8"?>
+<file path=ppt/slides/slide14.xml><?xml version="1.0" encoding="utf-8"?>
 <p:sld xmlns:a="http://schemas.openxmlformats.org/drawingml/2006/main" xmlns:r="http://schemas.openxmlformats.org/officeDocument/2006/relationships" xmlns:p="http://schemas.openxmlformats.org/presentationml/2006/main">
   <p:cSld>
     <p:spTree>
@@ -14684,7 +14947,7 @@
 </p:sld>
 </file>
 
-<file path=ppt/slides/slide14.xml><?xml version="1.0" encoding="utf-8"?>
+<file path=ppt/slides/slide15.xml><?xml version="1.0" encoding="utf-8"?>
 <p:sld xmlns:a="http://schemas.openxmlformats.org/drawingml/2006/main" xmlns:r="http://schemas.openxmlformats.org/officeDocument/2006/relationships" xmlns:p="http://schemas.openxmlformats.org/presentationml/2006/main">
   <p:cSld>
     <p:spTree>
@@ -14808,7 +15071,7 @@
 </p:sld>
 </file>
 
-<file path=ppt/slides/slide15.xml><?xml version="1.0" encoding="utf-8"?>
+<file path=ppt/slides/slide16.xml><?xml version="1.0" encoding="utf-8"?>
 <p:sld xmlns:a="http://schemas.openxmlformats.org/drawingml/2006/main" xmlns:r="http://schemas.openxmlformats.org/officeDocument/2006/relationships" xmlns:p="http://schemas.openxmlformats.org/presentationml/2006/main">
   <p:cSld>
     <p:spTree>
@@ -14875,7 +15138,7 @@
 </p:sld>
 </file>
 
-<file path=ppt/slides/slide16.xml><?xml version="1.0" encoding="utf-8"?>
+<file path=ppt/slides/slide17.xml><?xml version="1.0" encoding="utf-8"?>
 <p:sld xmlns:a="http://schemas.openxmlformats.org/drawingml/2006/main" xmlns:r="http://schemas.openxmlformats.org/officeDocument/2006/relationships" xmlns:p="http://schemas.openxmlformats.org/presentationml/2006/main">
   <p:cSld>
     <p:spTree>
@@ -15089,400 +15352,6 @@
     <p:extLst>
       <p:ext uri="{BB962C8B-B14F-4D97-AF65-F5344CB8AC3E}">
         <p14:creationId xmlns:p14="http://schemas.microsoft.com/office/powerpoint/2010/main" val="352495866"/>
-      </p:ext>
-    </p:extLst>
-  </p:cSld>
-  <p:clrMapOvr>
-    <a:masterClrMapping/>
-  </p:clrMapOvr>
-  <p:timing>
-    <p:tnLst>
-      <p:par>
-        <p:cTn id="1" dur="indefinite" restart="never" nodeType="tmRoot"/>
-      </p:par>
-    </p:tnLst>
-  </p:timing>
-</p:sld>
-</file>
-
-<file path=ppt/slides/slide17.xml><?xml version="1.0" encoding="utf-8"?>
-<p:sld xmlns:a="http://schemas.openxmlformats.org/drawingml/2006/main" xmlns:r="http://schemas.openxmlformats.org/officeDocument/2006/relationships" xmlns:p="http://schemas.openxmlformats.org/presentationml/2006/main">
-  <p:cSld>
-    <p:spTree>
-      <p:nvGrpSpPr>
-        <p:cNvPr id="1" name=""/>
-        <p:cNvGrpSpPr/>
-        <p:nvPr/>
-      </p:nvGrpSpPr>
-      <p:grpSpPr>
-        <a:xfrm>
-          <a:off x="0" y="0"/>
-          <a:ext cx="0" cy="0"/>
-          <a:chOff x="0" y="0"/>
-          <a:chExt cx="0" cy="0"/>
-        </a:xfrm>
-      </p:grpSpPr>
-      <p:sp>
-        <p:nvSpPr>
-          <p:cNvPr id="2" name="Заголовок 1"/>
-          <p:cNvSpPr>
-            <a:spLocks noGrp="1"/>
-          </p:cNvSpPr>
-          <p:nvPr>
-            <p:ph type="title"/>
-          </p:nvPr>
-        </p:nvSpPr>
-        <p:spPr>
-          <a:xfrm>
-            <a:off x="1097280" y="-135428"/>
-            <a:ext cx="10058400" cy="1450757"/>
-          </a:xfrm>
-        </p:spPr>
-        <p:txBody>
-          <a:bodyPr>
-            <a:normAutofit/>
-          </a:bodyPr>
-          <a:lstStyle/>
-          <a:p>
-            <a:r>
-              <a:rPr lang="ru-RU" b="1" dirty="0" smtClean="0"/>
-              <a:t>Ну а теперь самый сок моего доклада!</a:t>
-            </a:r>
-            <a:endParaRPr lang="ru-RU" b="1" dirty="0"/>
-          </a:p>
-        </p:txBody>
-      </p:sp>
-      <p:sp>
-        <p:nvSpPr>
-          <p:cNvPr id="3" name="Объект 2"/>
-          <p:cNvSpPr>
-            <a:spLocks noGrp="1"/>
-          </p:cNvSpPr>
-          <p:nvPr>
-            <p:ph idx="1"/>
-          </p:nvPr>
-        </p:nvSpPr>
-        <p:spPr/>
-        <p:txBody>
-          <a:bodyPr>
-            <a:normAutofit/>
-          </a:bodyPr>
-          <a:lstStyle/>
-          <a:p>
-            <a:pPr marL="0" indent="0">
-              <a:buNone/>
-            </a:pPr>
-            <a:endParaRPr lang="ru-RU" dirty="0" smtClean="0"/>
-          </a:p>
-          <a:p>
-            <a:pPr marL="0" indent="0">
-              <a:buNone/>
-            </a:pPr>
-            <a:r>
-              <a:rPr lang="ru-RU" dirty="0" smtClean="0"/>
-              <a:t>Данный оператор является унарным и имеет вид: </a:t>
-            </a:r>
-            <a:r>
-              <a:rPr lang="en-US" dirty="0" smtClean="0">
-                <a:solidFill>
-                  <a:srgbClr val="0070C0"/>
-                </a:solidFill>
-              </a:rPr>
-              <a:t>co_await</a:t>
-            </a:r>
-            <a:r>
-              <a:rPr lang="en-US" dirty="0" smtClean="0"/>
-              <a:t> </a:t>
-            </a:r>
-            <a:r>
-              <a:rPr lang="en-US" dirty="0" smtClean="0">
-                <a:solidFill>
-                  <a:srgbClr val="FF0000"/>
-                </a:solidFill>
-              </a:rPr>
-              <a:t>&lt;expr&gt;</a:t>
-            </a:r>
-            <a:r>
-              <a:rPr lang="ru-RU" dirty="0" smtClean="0">
-                <a:solidFill>
-                  <a:srgbClr val="FF0000"/>
-                </a:solidFill>
-              </a:rPr>
-              <a:t> </a:t>
-            </a:r>
-            <a:r>
-              <a:rPr lang="ru-RU" dirty="0" smtClean="0">
-                <a:solidFill>
-                  <a:schemeClr val="tx1"/>
-                </a:solidFill>
-              </a:rPr>
-              <a:t>(как было сказано ранее).Его функцией является приостановка корутины и передача управления вызывающей стороне(и не только </a:t>
-            </a:r>
-            <a:r>
-              <a:rPr lang="ru-RU" dirty="0" smtClean="0">
-                <a:solidFill>
-                  <a:schemeClr val="tx1"/>
-                </a:solidFill>
-                <a:sym typeface="Wingdings" panose="05000000000000000000" pitchFamily="2" charset="2"/>
-              </a:rPr>
-              <a:t></a:t>
-            </a:r>
-            <a:r>
-              <a:rPr lang="ru-RU" dirty="0" smtClean="0">
-                <a:solidFill>
-                  <a:schemeClr val="tx1"/>
-                </a:solidFill>
-              </a:rPr>
-              <a:t>). Но есть одно «но»! </a:t>
-            </a:r>
-            <a:r>
-              <a:rPr lang="en-US" dirty="0" smtClean="0">
-                <a:solidFill>
-                  <a:srgbClr val="FF0000"/>
-                </a:solidFill>
-              </a:rPr>
-              <a:t>&lt;expr&gt;</a:t>
-            </a:r>
-            <a:r>
-              <a:rPr lang="ru-RU" dirty="0" smtClean="0">
-                <a:solidFill>
-                  <a:srgbClr val="FF0000"/>
-                </a:solidFill>
-              </a:rPr>
-              <a:t> </a:t>
-            </a:r>
-            <a:r>
-              <a:rPr lang="en-US" dirty="0" smtClean="0">
-                <a:solidFill>
-                  <a:srgbClr val="FF0000"/>
-                </a:solidFill>
-              </a:rPr>
-              <a:t> </a:t>
-            </a:r>
-            <a:r>
-              <a:rPr lang="ru-RU" dirty="0" smtClean="0">
-                <a:solidFill>
-                  <a:schemeClr val="tx1"/>
-                </a:solidFill>
-              </a:rPr>
-              <a:t>обязано реализовывать интерфейс </a:t>
-            </a:r>
-            <a:r>
-              <a:rPr lang="en-US" dirty="0" smtClean="0">
-                <a:solidFill>
-                  <a:srgbClr val="00B050"/>
-                </a:solidFill>
-              </a:rPr>
-              <a:t>awaitable</a:t>
-            </a:r>
-            <a:r>
-              <a:rPr lang="en-US" dirty="0" smtClean="0">
-                <a:solidFill>
-                  <a:schemeClr val="tx1"/>
-                </a:solidFill>
-              </a:rPr>
-              <a:t> </a:t>
-            </a:r>
-            <a:r>
-              <a:rPr lang="ru-RU" dirty="0" smtClean="0">
-                <a:solidFill>
-                  <a:schemeClr val="tx1"/>
-                </a:solidFill>
-              </a:rPr>
-              <a:t>типа(об этом немного позже). Стандарт С++20 предоставляет 2 готовых </a:t>
-            </a:r>
-            <a:r>
-              <a:rPr lang="en-US" dirty="0" smtClean="0">
-                <a:solidFill>
-                  <a:srgbClr val="FF0000"/>
-                </a:solidFill>
-              </a:rPr>
-              <a:t>&lt;expr&gt; </a:t>
-            </a:r>
-            <a:r>
-              <a:rPr lang="ru-RU" dirty="0" smtClean="0">
-                <a:solidFill>
-                  <a:schemeClr val="tx1"/>
-                </a:solidFill>
-              </a:rPr>
-              <a:t>,удовлетворяющих интерфейсу </a:t>
-            </a:r>
-            <a:r>
-              <a:rPr lang="en-US" dirty="0" smtClean="0">
-                <a:solidFill>
-                  <a:srgbClr val="00B050"/>
-                </a:solidFill>
-              </a:rPr>
-              <a:t>awaitable</a:t>
-            </a:r>
-            <a:r>
-              <a:rPr lang="en-US" dirty="0" smtClean="0">
-                <a:solidFill>
-                  <a:schemeClr val="tx1"/>
-                </a:solidFill>
-              </a:rPr>
-              <a:t> </a:t>
-            </a:r>
-            <a:r>
-              <a:rPr lang="ru-RU" dirty="0" smtClean="0">
-                <a:solidFill>
-                  <a:schemeClr val="tx1"/>
-                </a:solidFill>
-              </a:rPr>
-              <a:t>типа.</a:t>
-            </a:r>
-          </a:p>
-          <a:p>
-            <a:pPr marL="0" indent="0">
-              <a:buNone/>
-            </a:pPr>
-            <a:endParaRPr lang="ru-RU" dirty="0" smtClean="0">
-              <a:solidFill>
-                <a:schemeClr val="tx1"/>
-              </a:solidFill>
-            </a:endParaRPr>
-          </a:p>
-        </p:txBody>
-      </p:sp>
-      <p:sp>
-        <p:nvSpPr>
-          <p:cNvPr id="5" name="TextBox 4"/>
-          <p:cNvSpPr txBox="1"/>
-          <p:nvPr/>
-        </p:nvSpPr>
-        <p:spPr>
-          <a:xfrm>
-            <a:off x="4017815" y="1153007"/>
-            <a:ext cx="3786910" cy="523220"/>
-          </a:xfrm>
-          <a:prstGeom prst="rect">
-            <a:avLst/>
-          </a:prstGeom>
-          <a:noFill/>
-        </p:spPr>
-        <p:txBody>
-          <a:bodyPr wrap="square" rtlCol="0">
-            <a:spAutoFit/>
-          </a:bodyPr>
-          <a:lstStyle/>
-          <a:p>
-            <a:r>
-              <a:rPr lang="ru-RU" sz="2800" dirty="0" smtClean="0">
-                <a:solidFill>
-                  <a:srgbClr val="C00000"/>
-                </a:solidFill>
-              </a:rPr>
-              <a:t>Оператор </a:t>
-            </a:r>
-            <a:r>
-              <a:rPr lang="en-US" sz="2800" dirty="0" smtClean="0">
-                <a:solidFill>
-                  <a:srgbClr val="C00000"/>
-                </a:solidFill>
-              </a:rPr>
-              <a:t>co_await</a:t>
-            </a:r>
-            <a:r>
-              <a:rPr lang="ru-RU" sz="2800" dirty="0" smtClean="0">
-                <a:solidFill>
-                  <a:srgbClr val="C00000"/>
-                </a:solidFill>
-              </a:rPr>
-              <a:t>!</a:t>
-            </a:r>
-            <a:endParaRPr lang="ru-RU" sz="2800" dirty="0">
-              <a:solidFill>
-                <a:srgbClr val="C00000"/>
-              </a:solidFill>
-            </a:endParaRPr>
-          </a:p>
-        </p:txBody>
-      </p:sp>
-      <p:sp>
-        <p:nvSpPr>
-          <p:cNvPr id="6" name="TextBox 5"/>
-          <p:cNvSpPr txBox="1"/>
-          <p:nvPr/>
-        </p:nvSpPr>
-        <p:spPr>
-          <a:xfrm>
-            <a:off x="1616328" y="4490105"/>
-            <a:ext cx="4001654" cy="584775"/>
-          </a:xfrm>
-          <a:prstGeom prst="rect">
-            <a:avLst/>
-          </a:prstGeom>
-          <a:noFill/>
-        </p:spPr>
-        <p:txBody>
-          <a:bodyPr wrap="square" rtlCol="0">
-            <a:spAutoFit/>
-          </a:bodyPr>
-          <a:lstStyle/>
-          <a:p>
-            <a:r>
-              <a:rPr lang="en-US" sz="3200" dirty="0" smtClean="0">
-                <a:solidFill>
-                  <a:schemeClr val="accent6">
-                    <a:lumMod val="75000"/>
-                  </a:schemeClr>
-                </a:solidFill>
-              </a:rPr>
-              <a:t>std::suspend_always</a:t>
-            </a:r>
-          </a:p>
-        </p:txBody>
-      </p:sp>
-      <p:sp>
-        <p:nvSpPr>
-          <p:cNvPr id="7" name="TextBox 6"/>
-          <p:cNvSpPr txBox="1"/>
-          <p:nvPr/>
-        </p:nvSpPr>
-        <p:spPr>
-          <a:xfrm>
-            <a:off x="6126480" y="4490105"/>
-            <a:ext cx="4230255" cy="584775"/>
-          </a:xfrm>
-          <a:prstGeom prst="rect">
-            <a:avLst/>
-          </a:prstGeom>
-          <a:noFill/>
-        </p:spPr>
-        <p:txBody>
-          <a:bodyPr wrap="square" rtlCol="0">
-            <a:spAutoFit/>
-          </a:bodyPr>
-          <a:lstStyle/>
-          <a:p>
-            <a:r>
-              <a:rPr lang="en-US" sz="3200" dirty="0">
-                <a:solidFill>
-                  <a:srgbClr val="FFC000"/>
-                </a:solidFill>
-              </a:rPr>
-              <a:t>s</a:t>
-            </a:r>
-            <a:r>
-              <a:rPr lang="en-US" sz="3200" dirty="0" smtClean="0">
-                <a:solidFill>
-                  <a:srgbClr val="FFC000"/>
-                </a:solidFill>
-              </a:rPr>
-              <a:t>td::suspend_never</a:t>
-            </a:r>
-            <a:endParaRPr lang="ru-RU" sz="3200" dirty="0">
-              <a:solidFill>
-                <a:srgbClr val="FFC000"/>
-              </a:solidFill>
-            </a:endParaRPr>
-          </a:p>
-        </p:txBody>
-      </p:sp>
-    </p:spTree>
-    <p:extLst>
-      <p:ext uri="{BB962C8B-B14F-4D97-AF65-F5344CB8AC3E}">
-        <p14:creationId xmlns:p14="http://schemas.microsoft.com/office/powerpoint/2010/main" val="1143819851"/>
       </p:ext>
     </p:extLst>
   </p:cSld>
@@ -15528,8 +15397,8 @@
         </p:nvSpPr>
         <p:spPr>
           <a:xfrm>
-            <a:off x="1002323" y="358450"/>
-            <a:ext cx="9875520" cy="1356360"/>
+            <a:off x="1097280" y="-135428"/>
+            <a:ext cx="10058400" cy="1450757"/>
           </a:xfrm>
         </p:spPr>
         <p:txBody>
@@ -15539,85 +15408,344 @@
           <a:lstStyle/>
           <a:p>
             <a:r>
+              <a:rPr lang="ru-RU" b="1" dirty="0" smtClean="0"/>
+              <a:t>Ну а теперь самый сок моего доклада!</a:t>
+            </a:r>
+            <a:endParaRPr lang="ru-RU" b="1" dirty="0"/>
+          </a:p>
+        </p:txBody>
+      </p:sp>
+      <p:sp>
+        <p:nvSpPr>
+          <p:cNvPr id="3" name="Объект 2"/>
+          <p:cNvSpPr>
+            <a:spLocks noGrp="1"/>
+          </p:cNvSpPr>
+          <p:nvPr>
+            <p:ph idx="1"/>
+          </p:nvPr>
+        </p:nvSpPr>
+        <p:spPr/>
+        <p:txBody>
+          <a:bodyPr>
+            <a:normAutofit/>
+          </a:bodyPr>
+          <a:lstStyle/>
+          <a:p>
+            <a:pPr marL="0" indent="0">
+              <a:buNone/>
+            </a:pPr>
+            <a:endParaRPr lang="ru-RU" dirty="0" smtClean="0"/>
+          </a:p>
+          <a:p>
+            <a:pPr marL="0" indent="0">
+              <a:buNone/>
+            </a:pPr>
+            <a:r>
               <a:rPr lang="ru-RU" dirty="0" smtClean="0"/>
-              <a:t>	Посмотрим подробнее на эти 2   		</a:t>
+              <a:t>Данный оператор является унарным и имеет вид: </a:t>
+            </a:r>
+            <a:r>
+              <a:rPr lang="en-US" dirty="0" smtClean="0">
+                <a:solidFill>
+                  <a:srgbClr val="0070C0"/>
+                </a:solidFill>
+              </a:rPr>
+              <a:t>co_await</a:t>
             </a:r>
             <a:r>
               <a:rPr lang="en-US" dirty="0" smtClean="0"/>
-              <a:t> 	</a:t>
-            </a:r>
-            <a:r>
-              <a:rPr lang="ru-RU" dirty="0" smtClean="0"/>
-              <a:t>стандартных примитива!</a:t>
-            </a:r>
-            <a:endParaRPr lang="ru-RU" dirty="0"/>
-          </a:p>
-        </p:txBody>
-      </p:sp>
-      <p:pic>
-        <p:nvPicPr>
-          <p:cNvPr id="4" name="Рисунок 3"/>
-          <p:cNvPicPr>
-            <a:picLocks noChangeAspect="1"/>
-          </p:cNvPicPr>
+              <a:t> </a:t>
+            </a:r>
+            <a:r>
+              <a:rPr lang="en-US" dirty="0" smtClean="0">
+                <a:solidFill>
+                  <a:srgbClr val="FF0000"/>
+                </a:solidFill>
+              </a:rPr>
+              <a:t>&lt;expr&gt;</a:t>
+            </a:r>
+            <a:r>
+              <a:rPr lang="ru-RU" dirty="0" smtClean="0">
+                <a:solidFill>
+                  <a:srgbClr val="FF0000"/>
+                </a:solidFill>
+              </a:rPr>
+              <a:t> </a:t>
+            </a:r>
+            <a:r>
+              <a:rPr lang="ru-RU" dirty="0" smtClean="0">
+                <a:solidFill>
+                  <a:schemeClr val="tx1"/>
+                </a:solidFill>
+              </a:rPr>
+              <a:t>(как было сказано ранее).Его функцией является приостановка корутины и передача управления вызывающей стороне(и не только </a:t>
+            </a:r>
+            <a:r>
+              <a:rPr lang="ru-RU" dirty="0" smtClean="0">
+                <a:solidFill>
+                  <a:schemeClr val="tx1"/>
+                </a:solidFill>
+                <a:sym typeface="Wingdings" panose="05000000000000000000" pitchFamily="2" charset="2"/>
+              </a:rPr>
+              <a:t></a:t>
+            </a:r>
+            <a:r>
+              <a:rPr lang="ru-RU" dirty="0" smtClean="0">
+                <a:solidFill>
+                  <a:schemeClr val="tx1"/>
+                </a:solidFill>
+              </a:rPr>
+              <a:t>). Но есть одно «но»! </a:t>
+            </a:r>
+            <a:r>
+              <a:rPr lang="en-US" dirty="0" smtClean="0">
+                <a:solidFill>
+                  <a:srgbClr val="FF0000"/>
+                </a:solidFill>
+              </a:rPr>
+              <a:t>&lt;expr&gt;</a:t>
+            </a:r>
+            <a:r>
+              <a:rPr lang="ru-RU" dirty="0" smtClean="0">
+                <a:solidFill>
+                  <a:srgbClr val="FF0000"/>
+                </a:solidFill>
+              </a:rPr>
+              <a:t> </a:t>
+            </a:r>
+            <a:r>
+              <a:rPr lang="en-US" dirty="0" smtClean="0">
+                <a:solidFill>
+                  <a:srgbClr val="FF0000"/>
+                </a:solidFill>
+              </a:rPr>
+              <a:t> </a:t>
+            </a:r>
+            <a:r>
+              <a:rPr lang="ru-RU" dirty="0" smtClean="0">
+                <a:solidFill>
+                  <a:schemeClr val="tx1"/>
+                </a:solidFill>
+              </a:rPr>
+              <a:t>обязано реализовывать интерфейс </a:t>
+            </a:r>
+            <a:r>
+              <a:rPr lang="en-US" dirty="0" smtClean="0">
+                <a:solidFill>
+                  <a:srgbClr val="00B050"/>
+                </a:solidFill>
+              </a:rPr>
+              <a:t>awaitable</a:t>
+            </a:r>
+            <a:r>
+              <a:rPr lang="en-US" dirty="0" smtClean="0">
+                <a:solidFill>
+                  <a:schemeClr val="tx1"/>
+                </a:solidFill>
+              </a:rPr>
+              <a:t> </a:t>
+            </a:r>
+            <a:r>
+              <a:rPr lang="ru-RU" dirty="0" smtClean="0">
+                <a:solidFill>
+                  <a:schemeClr val="tx1"/>
+                </a:solidFill>
+              </a:rPr>
+              <a:t>типа(об этом немного позже). Стандарт С++20 предоставляет 2 готовых </a:t>
+            </a:r>
+            <a:r>
+              <a:rPr lang="en-US" dirty="0" smtClean="0">
+                <a:solidFill>
+                  <a:srgbClr val="FF0000"/>
+                </a:solidFill>
+              </a:rPr>
+              <a:t>&lt;expr&gt; </a:t>
+            </a:r>
+            <a:r>
+              <a:rPr lang="ru-RU" dirty="0" smtClean="0">
+                <a:solidFill>
+                  <a:schemeClr val="tx1"/>
+                </a:solidFill>
+              </a:rPr>
+              <a:t>,удовлетворяющих интерфейсу </a:t>
+            </a:r>
+            <a:r>
+              <a:rPr lang="en-US" dirty="0" smtClean="0">
+                <a:solidFill>
+                  <a:srgbClr val="00B050"/>
+                </a:solidFill>
+              </a:rPr>
+              <a:t>awaitable</a:t>
+            </a:r>
+            <a:r>
+              <a:rPr lang="en-US" dirty="0" smtClean="0">
+                <a:solidFill>
+                  <a:schemeClr val="tx1"/>
+                </a:solidFill>
+              </a:rPr>
+              <a:t> </a:t>
+            </a:r>
+            <a:r>
+              <a:rPr lang="ru-RU" dirty="0" smtClean="0">
+                <a:solidFill>
+                  <a:schemeClr val="tx1"/>
+                </a:solidFill>
+              </a:rPr>
+              <a:t>типа.</a:t>
+            </a:r>
+          </a:p>
+          <a:p>
+            <a:pPr marL="0" indent="0">
+              <a:buNone/>
+            </a:pPr>
+            <a:endParaRPr lang="ru-RU" dirty="0" smtClean="0">
+              <a:solidFill>
+                <a:schemeClr val="tx1"/>
+              </a:solidFill>
+            </a:endParaRPr>
+          </a:p>
+        </p:txBody>
+      </p:sp>
+      <p:sp>
+        <p:nvSpPr>
+          <p:cNvPr id="5" name="TextBox 4"/>
+          <p:cNvSpPr txBox="1"/>
           <p:nvPr/>
-        </p:nvPicPr>
-        <p:blipFill>
-          <a:blip r:embed="rId3">
-            <a:extLst>
-              <a:ext uri="{28A0092B-C50C-407E-A947-70E740481C1C}">
-                <a14:useLocalDpi xmlns:a14="http://schemas.microsoft.com/office/drawing/2010/main" val="0"/>
-              </a:ext>
-            </a:extLst>
-          </a:blip>
-          <a:stretch>
-            <a:fillRect/>
-          </a:stretch>
-        </p:blipFill>
-        <p:spPr>
-          <a:xfrm>
-            <a:off x="1217353" y="1714810"/>
-            <a:ext cx="10058400" cy="2228850"/>
+        </p:nvSpPr>
+        <p:spPr>
+          <a:xfrm>
+            <a:off x="4017815" y="1153007"/>
+            <a:ext cx="3786910" cy="523220"/>
           </a:xfrm>
           <a:prstGeom prst="rect">
             <a:avLst/>
           </a:prstGeom>
-        </p:spPr>
-      </p:pic>
-      <p:pic>
-        <p:nvPicPr>
-          <p:cNvPr id="5" name="Рисунок 4"/>
-          <p:cNvPicPr>
-            <a:picLocks noChangeAspect="1"/>
-          </p:cNvPicPr>
+          <a:noFill/>
+        </p:spPr>
+        <p:txBody>
+          <a:bodyPr wrap="square" rtlCol="0">
+            <a:spAutoFit/>
+          </a:bodyPr>
+          <a:lstStyle/>
+          <a:p>
+            <a:r>
+              <a:rPr lang="ru-RU" sz="2800" dirty="0" smtClean="0">
+                <a:solidFill>
+                  <a:srgbClr val="C00000"/>
+                </a:solidFill>
+              </a:rPr>
+              <a:t>Оператор </a:t>
+            </a:r>
+            <a:r>
+              <a:rPr lang="en-US" sz="2800" dirty="0" smtClean="0">
+                <a:solidFill>
+                  <a:srgbClr val="C00000"/>
+                </a:solidFill>
+              </a:rPr>
+              <a:t>co_await</a:t>
+            </a:r>
+            <a:r>
+              <a:rPr lang="ru-RU" sz="2800" dirty="0" smtClean="0">
+                <a:solidFill>
+                  <a:srgbClr val="C00000"/>
+                </a:solidFill>
+              </a:rPr>
+              <a:t>!</a:t>
+            </a:r>
+            <a:endParaRPr lang="ru-RU" sz="2800" dirty="0">
+              <a:solidFill>
+                <a:srgbClr val="C00000"/>
+              </a:solidFill>
+            </a:endParaRPr>
+          </a:p>
+        </p:txBody>
+      </p:sp>
+      <p:sp>
+        <p:nvSpPr>
+          <p:cNvPr id="6" name="TextBox 5"/>
+          <p:cNvSpPr txBox="1"/>
           <p:nvPr/>
-        </p:nvPicPr>
-        <p:blipFill>
-          <a:blip r:embed="rId4">
-            <a:extLst>
-              <a:ext uri="{28A0092B-C50C-407E-A947-70E740481C1C}">
-                <a14:useLocalDpi xmlns:a14="http://schemas.microsoft.com/office/drawing/2010/main" val="0"/>
-              </a:ext>
-            </a:extLst>
-          </a:blip>
-          <a:stretch>
-            <a:fillRect/>
-          </a:stretch>
-        </p:blipFill>
-        <p:spPr>
-          <a:xfrm>
-            <a:off x="1217353" y="3967782"/>
-            <a:ext cx="10058400" cy="2633174"/>
+        </p:nvSpPr>
+        <p:spPr>
+          <a:xfrm>
+            <a:off x="1616328" y="4490105"/>
+            <a:ext cx="4001654" cy="584775"/>
           </a:xfrm>
           <a:prstGeom prst="rect">
             <a:avLst/>
           </a:prstGeom>
-        </p:spPr>
-      </p:pic>
+          <a:noFill/>
+        </p:spPr>
+        <p:txBody>
+          <a:bodyPr wrap="square" rtlCol="0">
+            <a:spAutoFit/>
+          </a:bodyPr>
+          <a:lstStyle/>
+          <a:p>
+            <a:r>
+              <a:rPr lang="en-US" sz="3200" dirty="0" smtClean="0">
+                <a:solidFill>
+                  <a:schemeClr val="accent6">
+                    <a:lumMod val="75000"/>
+                  </a:schemeClr>
+                </a:solidFill>
+              </a:rPr>
+              <a:t>std::suspend_always</a:t>
+            </a:r>
+          </a:p>
+        </p:txBody>
+      </p:sp>
+      <p:sp>
+        <p:nvSpPr>
+          <p:cNvPr id="7" name="TextBox 6"/>
+          <p:cNvSpPr txBox="1"/>
+          <p:nvPr/>
+        </p:nvSpPr>
+        <p:spPr>
+          <a:xfrm>
+            <a:off x="6126480" y="4490105"/>
+            <a:ext cx="4230255" cy="584775"/>
+          </a:xfrm>
+          <a:prstGeom prst="rect">
+            <a:avLst/>
+          </a:prstGeom>
+          <a:noFill/>
+        </p:spPr>
+        <p:txBody>
+          <a:bodyPr wrap="square" rtlCol="0">
+            <a:spAutoFit/>
+          </a:bodyPr>
+          <a:lstStyle/>
+          <a:p>
+            <a:r>
+              <a:rPr lang="en-US" sz="3200" dirty="0">
+                <a:solidFill>
+                  <a:srgbClr val="FFC000"/>
+                </a:solidFill>
+              </a:rPr>
+              <a:t>s</a:t>
+            </a:r>
+            <a:r>
+              <a:rPr lang="en-US" sz="3200" dirty="0" smtClean="0">
+                <a:solidFill>
+                  <a:srgbClr val="FFC000"/>
+                </a:solidFill>
+              </a:rPr>
+              <a:t>td::suspend_never</a:t>
+            </a:r>
+            <a:endParaRPr lang="ru-RU" sz="3200" dirty="0">
+              <a:solidFill>
+                <a:srgbClr val="FFC000"/>
+              </a:solidFill>
+            </a:endParaRPr>
+          </a:p>
+        </p:txBody>
+      </p:sp>
     </p:spTree>
     <p:extLst>
       <p:ext uri="{BB962C8B-B14F-4D97-AF65-F5344CB8AC3E}">
-        <p14:creationId xmlns:p14="http://schemas.microsoft.com/office/powerpoint/2010/main" val="2562551370"/>
+        <p14:creationId xmlns:p14="http://schemas.microsoft.com/office/powerpoint/2010/main" val="1143819851"/>
       </p:ext>
     </p:extLst>
   </p:cSld>
@@ -15663,190 +15791,29 @@
         </p:nvSpPr>
         <p:spPr>
           <a:xfrm>
-            <a:off x="1097280" y="286603"/>
-            <a:ext cx="10058400" cy="847605"/>
-          </a:xfrm>
-        </p:spPr>
-        <p:txBody>
-          <a:bodyPr/>
-          <a:lstStyle/>
-          <a:p>
-            <a:r>
-              <a:rPr lang="ru-RU" dirty="0"/>
-              <a:t>	</a:t>
-            </a:r>
+            <a:off x="1002323" y="358450"/>
+            <a:ext cx="9875520" cy="1356360"/>
+          </a:xfrm>
+        </p:spPr>
+        <p:txBody>
+          <a:bodyPr>
+            <a:normAutofit/>
+          </a:bodyPr>
+          <a:lstStyle/>
+          <a:p>
             <a:r>
               <a:rPr lang="ru-RU" dirty="0" smtClean="0"/>
-              <a:t>	</a:t>
+              <a:t>	Посмотрим подробнее на эти 2   		</a:t>
             </a:r>
             <a:r>
               <a:rPr lang="en-US" dirty="0" smtClean="0"/>
-              <a:t>Awaitable </a:t>
+              <a:t> 	</a:t>
             </a:r>
             <a:r>
               <a:rPr lang="ru-RU" dirty="0" smtClean="0"/>
-              <a:t>интерфейс</a:t>
+              <a:t>стандартных примитива!</a:t>
             </a:r>
             <a:endParaRPr lang="ru-RU" dirty="0"/>
-          </a:p>
-        </p:txBody>
-      </p:sp>
-      <p:sp>
-        <p:nvSpPr>
-          <p:cNvPr id="3" name="Объект 2"/>
-          <p:cNvSpPr>
-            <a:spLocks noGrp="1"/>
-          </p:cNvSpPr>
-          <p:nvPr>
-            <p:ph idx="1"/>
-          </p:nvPr>
-        </p:nvSpPr>
-        <p:spPr/>
-        <p:txBody>
-          <a:bodyPr>
-            <a:normAutofit lnSpcReduction="10000"/>
-          </a:bodyPr>
-          <a:lstStyle/>
-          <a:p>
-            <a:r>
-              <a:rPr lang="ru-RU" dirty="0" smtClean="0"/>
-              <a:t>Смотря на предыдущий слайд , можно понять,</a:t>
-            </a:r>
-            <a:r>
-              <a:rPr lang="en-US" dirty="0" smtClean="0"/>
-              <a:t> </a:t>
-            </a:r>
-            <a:r>
-              <a:rPr lang="ru-RU" dirty="0" smtClean="0"/>
-              <a:t>что для применения</a:t>
-            </a:r>
-            <a:r>
-              <a:rPr lang="en-US" dirty="0" smtClean="0"/>
-              <a:t> co_await </a:t>
-            </a:r>
-            <a:r>
-              <a:rPr lang="ru-RU" dirty="0" smtClean="0"/>
-              <a:t>оператора тип правостороннего выражения должен содержать минимум 3 специальных </a:t>
-            </a:r>
-            <a:r>
-              <a:rPr lang="en-US" dirty="0" smtClean="0"/>
-              <a:t>member-</a:t>
-            </a:r>
-            <a:r>
-              <a:rPr lang="ru-RU" dirty="0" smtClean="0"/>
-              <a:t>функции :</a:t>
-            </a:r>
-          </a:p>
-          <a:p>
-            <a:r>
-              <a:rPr lang="ru-RU" dirty="0" smtClean="0"/>
-              <a:t>- </a:t>
-            </a:r>
-            <a:r>
-              <a:rPr lang="en-US" dirty="0" smtClean="0">
-                <a:solidFill>
-                  <a:srgbClr val="00B050"/>
-                </a:solidFill>
-              </a:rPr>
-              <a:t>bool  await_ready()</a:t>
-            </a:r>
-          </a:p>
-          <a:p>
-            <a:r>
-              <a:rPr lang="en-US" dirty="0" smtClean="0"/>
-              <a:t>- </a:t>
-            </a:r>
-            <a:r>
-              <a:rPr lang="en-US" dirty="0" smtClean="0">
-                <a:solidFill>
-                  <a:srgbClr val="FFC000"/>
-                </a:solidFill>
-              </a:rPr>
-              <a:t>auto await_suspend(coro_handle)</a:t>
-            </a:r>
-          </a:p>
-          <a:p>
-            <a:r>
-              <a:rPr lang="en-US" dirty="0"/>
-              <a:t>-</a:t>
-            </a:r>
-            <a:r>
-              <a:rPr lang="ru-RU" dirty="0" smtClean="0"/>
-              <a:t> </a:t>
-            </a:r>
-            <a:r>
-              <a:rPr lang="en-US" dirty="0" smtClean="0">
-                <a:solidFill>
-                  <a:srgbClr val="0070C0"/>
-                </a:solidFill>
-              </a:rPr>
-              <a:t>auto await_resume()</a:t>
-            </a:r>
-          </a:p>
-          <a:p>
-            <a:r>
-              <a:rPr lang="ru-RU" dirty="0" smtClean="0">
-                <a:solidFill>
-                  <a:schemeClr val="tx1"/>
-                </a:solidFill>
-              </a:rPr>
-              <a:t>Именно это и является минимумом , для корректной работы </a:t>
-            </a:r>
-            <a:r>
-              <a:rPr lang="en-US" dirty="0" smtClean="0">
-                <a:solidFill>
-                  <a:schemeClr val="tx1"/>
-                </a:solidFill>
-              </a:rPr>
-              <a:t>co_await</a:t>
-            </a:r>
-            <a:r>
-              <a:rPr lang="ru-RU" dirty="0" smtClean="0">
-                <a:solidFill>
-                  <a:schemeClr val="tx1"/>
-                </a:solidFill>
-              </a:rPr>
-              <a:t> оператора.</a:t>
-            </a:r>
-          </a:p>
-          <a:p>
-            <a:r>
-              <a:rPr lang="ru-RU" sz="2800" dirty="0">
-                <a:solidFill>
-                  <a:schemeClr val="tx1"/>
-                </a:solidFill>
-              </a:rPr>
-              <a:t> </a:t>
-            </a:r>
-            <a:r>
-              <a:rPr lang="ru-RU" sz="2800" dirty="0" smtClean="0">
-                <a:solidFill>
-                  <a:schemeClr val="tx1"/>
-                </a:solidFill>
-              </a:rPr>
-              <a:t>       Ну а теперь можно и посмотреть на работу </a:t>
-            </a:r>
-            <a:r>
-              <a:rPr lang="en-US" sz="2800" dirty="0" smtClean="0">
-                <a:solidFill>
-                  <a:schemeClr val="tx1"/>
-                </a:solidFill>
-              </a:rPr>
-              <a:t>co_await </a:t>
-            </a:r>
-            <a:r>
-              <a:rPr lang="ru-RU" sz="2800" dirty="0" smtClean="0">
-                <a:solidFill>
-                  <a:schemeClr val="tx1"/>
-                </a:solidFill>
-              </a:rPr>
-              <a:t>на 					 практике!</a:t>
-            </a:r>
-            <a:endParaRPr lang="ru-RU" sz="2800" dirty="0">
-              <a:solidFill>
-                <a:schemeClr val="tx1"/>
-              </a:solidFill>
-            </a:endParaRPr>
           </a:p>
         </p:txBody>
       </p:sp>
@@ -15859,7 +15826,7 @@
           <p:nvPr/>
         </p:nvPicPr>
         <p:blipFill>
-          <a:blip r:embed="rId2">
+          <a:blip r:embed="rId3">
             <a:extLst>
               <a:ext uri="{28A0092B-C50C-407E-A947-70E740481C1C}">
                 <a14:useLocalDpi xmlns:a14="http://schemas.microsoft.com/office/drawing/2010/main" val="0"/>
@@ -15872,50 +15839,48 @@
         </p:blipFill>
         <p:spPr>
           <a:xfrm>
-            <a:off x="8606569" y="419833"/>
-            <a:ext cx="3190875" cy="1428750"/>
+            <a:off x="1217353" y="1714810"/>
+            <a:ext cx="10058400" cy="2228850"/>
           </a:xfrm>
           <a:prstGeom prst="rect">
             <a:avLst/>
           </a:prstGeom>
         </p:spPr>
       </p:pic>
-      <p:sp>
-        <p:nvSpPr>
-          <p:cNvPr id="5" name="TextBox 4"/>
-          <p:cNvSpPr txBox="1"/>
+      <p:pic>
+        <p:nvPicPr>
+          <p:cNvPr id="5" name="Рисунок 4"/>
+          <p:cNvPicPr>
+            <a:picLocks noChangeAspect="1"/>
+          </p:cNvPicPr>
           <p:nvPr/>
-        </p:nvSpPr>
-        <p:spPr>
-          <a:xfrm>
-            <a:off x="9653954" y="6096000"/>
-            <a:ext cx="2321170" cy="646331"/>
+        </p:nvPicPr>
+        <p:blipFill>
+          <a:blip r:embed="rId4">
+            <a:extLst>
+              <a:ext uri="{28A0092B-C50C-407E-A947-70E740481C1C}">
+                <a14:useLocalDpi xmlns:a14="http://schemas.microsoft.com/office/drawing/2010/main" val="0"/>
+              </a:ext>
+            </a:extLst>
+          </a:blip>
+          <a:stretch>
+            <a:fillRect/>
+          </a:stretch>
+        </p:blipFill>
+        <p:spPr>
+          <a:xfrm>
+            <a:off x="1217353" y="3967782"/>
+            <a:ext cx="10058400" cy="2633174"/>
           </a:xfrm>
           <a:prstGeom prst="rect">
             <a:avLst/>
           </a:prstGeom>
-          <a:noFill/>
-        </p:spPr>
-        <p:txBody>
-          <a:bodyPr wrap="square" rtlCol="0">
-            <a:spAutoFit/>
-          </a:bodyPr>
-          <a:lstStyle/>
-          <a:p>
-            <a:r>
-              <a:rPr lang="en-US" dirty="0" smtClean="0"/>
-              <a:t>simple_co_await.cpp</a:t>
-            </a:r>
-          </a:p>
-          <a:p>
-            <a:endParaRPr lang="ru-RU" dirty="0"/>
-          </a:p>
-        </p:txBody>
-      </p:sp>
+        </p:spPr>
+      </p:pic>
     </p:spTree>
     <p:extLst>
       <p:ext uri="{BB962C8B-B14F-4D97-AF65-F5344CB8AC3E}">
-        <p14:creationId xmlns:p14="http://schemas.microsoft.com/office/powerpoint/2010/main" val="139415235"/>
+        <p14:creationId xmlns:p14="http://schemas.microsoft.com/office/powerpoint/2010/main" val="2562551370"/>
       </p:ext>
     </p:extLst>
   </p:cSld>
@@ -15966,7 +15931,11 @@
           <a:p>
             <a:r>
               <a:rPr lang="ru-RU" dirty="0" smtClean="0"/>
-              <a:t>План </a:t>
+              <a:t>			   Цель доклада</a:t>
+            </a:r>
+            <a:r>
+              <a:rPr lang="ru-RU" dirty="0" smtClean="0"/>
+              <a:t> </a:t>
             </a:r>
             <a:endParaRPr lang="ru-RU" dirty="0"/>
           </a:p>
@@ -15989,11 +15958,31 @@
           <a:p>
             <a:r>
               <a:rPr lang="ru-RU" dirty="0" smtClean="0"/>
-              <a:t>// </a:t>
-            </a:r>
-            <a:r>
-              <a:rPr lang="en-US" dirty="0" smtClean="0"/>
-              <a:t>TODO : write plan</a:t>
+              <a:t>Обсудить нововведенную фичу в язык с++ в 20 стандарте</a:t>
+            </a:r>
+          </a:p>
+          <a:p>
+            <a:r>
+              <a:rPr lang="ru-RU" dirty="0" smtClean="0"/>
+              <a:t>Понять наконец, что же лучше: асинхронный код на коллбэках или корутинах</a:t>
+            </a:r>
+          </a:p>
+          <a:p>
+            <a:r>
+              <a:rPr lang="ru-RU" dirty="0" smtClean="0"/>
+              <a:t>Выявить плюсы и минусы сопрограмм</a:t>
+            </a:r>
+          </a:p>
+          <a:p>
+            <a:r>
+              <a:rPr lang="ru-RU" dirty="0" smtClean="0"/>
+              <a:t>Изучить перспективы использования подобного механизма на примерах</a:t>
+            </a:r>
+          </a:p>
+          <a:p>
+            <a:r>
+              <a:rPr lang="ru-RU" dirty="0" smtClean="0"/>
+              <a:t>Понять практический смысл нововведенного механизма</a:t>
             </a:r>
             <a:endParaRPr lang="ru-RU" dirty="0"/>
           </a:p>
@@ -16046,46 +16035,86 @@
             <p:ph type="title"/>
           </p:nvPr>
         </p:nvSpPr>
+        <p:spPr>
+          <a:xfrm>
+            <a:off x="1097280" y="286603"/>
+            <a:ext cx="10058400" cy="847605"/>
+          </a:xfrm>
+        </p:spPr>
+        <p:txBody>
+          <a:bodyPr/>
+          <a:lstStyle/>
+          <a:p>
+            <a:r>
+              <a:rPr lang="ru-RU" dirty="0"/>
+              <a:t>	</a:t>
+            </a:r>
+            <a:r>
+              <a:rPr lang="ru-RU" dirty="0" smtClean="0"/>
+              <a:t>	</a:t>
+            </a:r>
+            <a:r>
+              <a:rPr lang="en-US" dirty="0" smtClean="0"/>
+              <a:t>Awaitable </a:t>
+            </a:r>
+            <a:r>
+              <a:rPr lang="ru-RU" dirty="0" smtClean="0"/>
+              <a:t>интерфейс</a:t>
+            </a:r>
+            <a:endParaRPr lang="ru-RU" dirty="0"/>
+          </a:p>
+        </p:txBody>
+      </p:sp>
+      <p:sp>
+        <p:nvSpPr>
+          <p:cNvPr id="3" name="Объект 2"/>
+          <p:cNvSpPr>
+            <a:spLocks noGrp="1"/>
+          </p:cNvSpPr>
+          <p:nvPr>
+            <p:ph idx="1"/>
+          </p:nvPr>
+        </p:nvSpPr>
         <p:spPr/>
         <p:txBody>
-          <a:bodyPr/>
+          <a:bodyPr>
+            <a:normAutofit lnSpcReduction="10000"/>
+          </a:bodyPr>
           <a:lstStyle/>
           <a:p>
             <a:r>
               <a:rPr lang="ru-RU" dirty="0" smtClean="0"/>
-              <a:t>Поговорим о каждом волшебном 					  методе!</a:t>
-            </a:r>
-            <a:endParaRPr lang="ru-RU" dirty="0"/>
-          </a:p>
-        </p:txBody>
-      </p:sp>
-      <p:sp>
-        <p:nvSpPr>
-          <p:cNvPr id="3" name="Объект 2"/>
-          <p:cNvSpPr>
-            <a:spLocks noGrp="1"/>
-          </p:cNvSpPr>
-          <p:nvPr>
-            <p:ph idx="1"/>
-          </p:nvPr>
-        </p:nvSpPr>
-        <p:spPr>
-          <a:xfrm>
-            <a:off x="1145649" y="2268415"/>
-            <a:ext cx="9872871" cy="4038600"/>
-          </a:xfrm>
-        </p:spPr>
-        <p:txBody>
-          <a:bodyPr/>
-          <a:lstStyle/>
-          <a:p>
-            <a:r>
-              <a:rPr lang="en-US" dirty="0">
-                <a:solidFill>
-                  <a:srgbClr val="00B050"/>
-                </a:solidFill>
-              </a:rPr>
-              <a:t>b</a:t>
+              <a:t>Смотря на предыдущий слайд , можно понять,</a:t>
+            </a:r>
+            <a:r>
+              <a:rPr lang="en-US" dirty="0" smtClean="0"/>
+              <a:t> </a:t>
+            </a:r>
+            <a:r>
+              <a:rPr lang="ru-RU" dirty="0" smtClean="0"/>
+              <a:t>что для применения</a:t>
+            </a:r>
+            <a:r>
+              <a:rPr lang="en-US" dirty="0" smtClean="0"/>
+              <a:t> co_await </a:t>
+            </a:r>
+            <a:r>
+              <a:rPr lang="ru-RU" dirty="0" smtClean="0"/>
+              <a:t>оператора тип правостороннего выражения должен содержать минимум 3 специальных </a:t>
+            </a:r>
+            <a:r>
+              <a:rPr lang="en-US" dirty="0" smtClean="0"/>
+              <a:t>member-</a:t>
+            </a:r>
+            <a:r>
+              <a:rPr lang="ru-RU" dirty="0" smtClean="0"/>
+              <a:t>функции :</a:t>
+            </a:r>
+          </a:p>
+          <a:p>
+            <a:r>
+              <a:rPr lang="ru-RU" dirty="0" smtClean="0"/>
+              <a:t>- </a:t>
             </a:r>
             <a:r>
               <a:rPr lang="en-US" dirty="0" smtClean="0">
@@ -16093,77 +16122,105 @@
                   <a:srgbClr val="00B050"/>
                 </a:solidFill>
               </a:rPr>
-              <a:t>ool await_ready() </a:t>
-            </a:r>
+              <a:t>bool  await_ready()</a:t>
+            </a:r>
+          </a:p>
+          <a:p>
             <a:r>
               <a:rPr lang="en-US" dirty="0" smtClean="0"/>
-              <a:t>–</a:t>
-            </a:r>
-            <a:r>
-              <a:rPr lang="ru-RU" dirty="0" smtClean="0"/>
-              <a:t> проверяет готовность результата правостороннего выражения.(далее поймем его предназначение)</a:t>
-            </a:r>
-          </a:p>
-          <a:p>
+              <a:t>- </a:t>
+            </a:r>
             <a:r>
               <a:rPr lang="en-US" dirty="0" smtClean="0">
                 <a:solidFill>
                   <a:srgbClr val="FFC000"/>
                 </a:solidFill>
               </a:rPr>
-              <a:t>auto await_suspend(</a:t>
-            </a:r>
-            <a:r>
-              <a:rPr lang="ru-RU" dirty="0" smtClean="0">
-                <a:solidFill>
-                  <a:srgbClr val="FFC000"/>
-                </a:solidFill>
-              </a:rPr>
-              <a:t>…</a:t>
-            </a:r>
-            <a:r>
-              <a:rPr lang="en-US" dirty="0" smtClean="0">
-                <a:solidFill>
-                  <a:srgbClr val="FFC000"/>
-                </a:solidFill>
-              </a:rPr>
-              <a:t>) </a:t>
-            </a:r>
-            <a:r>
-              <a:rPr lang="en-US" dirty="0" smtClean="0"/>
-              <a:t>– </a:t>
+              <a:t>auto await_suspend(coro_handle)</a:t>
+            </a:r>
+          </a:p>
+          <a:p>
+            <a:r>
+              <a:rPr lang="en-US" dirty="0"/>
+              <a:t>-</a:t>
             </a:r>
             <a:r>
               <a:rPr lang="ru-RU" dirty="0" smtClean="0"/>
-              <a:t>вызывается в момент прерывания корутины</a:t>
-            </a:r>
-          </a:p>
-          <a:p>
+              <a:t> </a:t>
+            </a:r>
             <a:r>
               <a:rPr lang="en-US" dirty="0" smtClean="0">
                 <a:solidFill>
                   <a:srgbClr val="0070C0"/>
                 </a:solidFill>
               </a:rPr>
-              <a:t>auto await_resume() </a:t>
-            </a:r>
-            <a:r>
-              <a:rPr lang="en-US" dirty="0" smtClean="0"/>
-              <a:t>– </a:t>
-            </a:r>
-            <a:r>
-              <a:rPr lang="ru-RU" dirty="0" smtClean="0"/>
-              <a:t>возвращает результат</a:t>
-            </a:r>
-            <a:r>
-              <a:rPr lang="en-US" dirty="0" smtClean="0"/>
-              <a:t> &lt;expr&gt;</a:t>
-            </a:r>
-            <a:r>
-              <a:rPr lang="ru-RU" dirty="0" smtClean="0"/>
-              <a:t>(подробнее о нем позже)</a:t>
-            </a:r>
-            <a:endParaRPr lang="en-US" dirty="0" smtClean="0"/>
+              <a:t>auto await_resume()</a:t>
+            </a:r>
+          </a:p>
+          <a:p>
+            <a:r>
+              <a:rPr lang="ru-RU" dirty="0" smtClean="0">
+                <a:solidFill>
+                  <a:schemeClr val="tx1"/>
+                </a:solidFill>
+              </a:rPr>
+              <a:t>Именно это и является минимумом , для корректной работы </a:t>
+            </a:r>
+            <a:r>
+              <a:rPr lang="en-US" dirty="0" smtClean="0">
+                <a:solidFill>
+                  <a:schemeClr val="tx1"/>
+                </a:solidFill>
+              </a:rPr>
+              <a:t>co_await</a:t>
+            </a:r>
+            <a:r>
+              <a:rPr lang="ru-RU" dirty="0" smtClean="0">
+                <a:solidFill>
+                  <a:schemeClr val="tx1"/>
+                </a:solidFill>
+              </a:rPr>
+              <a:t> оператора.</a:t>
+            </a:r>
+          </a:p>
+          <a:p>
+            <a:r>
+              <a:rPr lang="ru-RU" sz="2800" dirty="0">
+                <a:solidFill>
+                  <a:schemeClr val="tx1"/>
+                </a:solidFill>
+              </a:rPr>
+              <a:t> </a:t>
+            </a:r>
+            <a:r>
+              <a:rPr lang="ru-RU" sz="2800" dirty="0" smtClean="0">
+                <a:solidFill>
+                  <a:schemeClr val="tx1"/>
+                </a:solidFill>
+              </a:rPr>
+              <a:t>       Ну а теперь можно и посмотреть на работу </a:t>
+            </a:r>
+            <a:r>
+              <a:rPr lang="en-US" sz="2800" dirty="0" smtClean="0">
+                <a:solidFill>
+                  <a:schemeClr val="tx1"/>
+                </a:solidFill>
+              </a:rPr>
+              <a:t>co_await </a:t>
+            </a:r>
+            <a:r>
+              <a:rPr lang="ru-RU" sz="2800" dirty="0" smtClean="0">
+                <a:solidFill>
+                  <a:schemeClr val="tx1"/>
+                </a:solidFill>
+              </a:rPr>
+              <a:t>на 					 практике!</a:t>
+            </a:r>
+            <a:endParaRPr lang="ru-RU" sz="2800" dirty="0">
+              <a:solidFill>
+                <a:schemeClr val="tx1"/>
+              </a:solidFill>
+            </a:endParaRPr>
           </a:p>
         </p:txBody>
       </p:sp>
@@ -16189,18 +16246,50 @@
         </p:blipFill>
         <p:spPr>
           <a:xfrm>
-            <a:off x="5042535" y="4106740"/>
-            <a:ext cx="2076450" cy="2200275"/>
+            <a:off x="8606569" y="419833"/>
+            <a:ext cx="3190875" cy="1428750"/>
           </a:xfrm>
           <a:prstGeom prst="rect">
             <a:avLst/>
           </a:prstGeom>
         </p:spPr>
       </p:pic>
+      <p:sp>
+        <p:nvSpPr>
+          <p:cNvPr id="5" name="TextBox 4"/>
+          <p:cNvSpPr txBox="1"/>
+          <p:nvPr/>
+        </p:nvSpPr>
+        <p:spPr>
+          <a:xfrm>
+            <a:off x="9653954" y="6096000"/>
+            <a:ext cx="2321170" cy="646331"/>
+          </a:xfrm>
+          <a:prstGeom prst="rect">
+            <a:avLst/>
+          </a:prstGeom>
+          <a:noFill/>
+        </p:spPr>
+        <p:txBody>
+          <a:bodyPr wrap="square" rtlCol="0">
+            <a:spAutoFit/>
+          </a:bodyPr>
+          <a:lstStyle/>
+          <a:p>
+            <a:r>
+              <a:rPr lang="en-US" dirty="0" smtClean="0"/>
+              <a:t>simple_co_await.cpp</a:t>
+            </a:r>
+          </a:p>
+          <a:p>
+            <a:endParaRPr lang="ru-RU" dirty="0"/>
+          </a:p>
+        </p:txBody>
+      </p:sp>
     </p:spTree>
     <p:extLst>
       <p:ext uri="{BB962C8B-B14F-4D97-AF65-F5344CB8AC3E}">
-        <p14:creationId xmlns:p14="http://schemas.microsoft.com/office/powerpoint/2010/main" val="3157592335"/>
+        <p14:creationId xmlns:p14="http://schemas.microsoft.com/office/powerpoint/2010/main" val="139415235"/>
       </p:ext>
     </p:extLst>
   </p:cSld>
@@ -16236,6 +16325,204 @@
       </p:grpSpPr>
       <p:sp>
         <p:nvSpPr>
+          <p:cNvPr id="2" name="Заголовок 1"/>
+          <p:cNvSpPr>
+            <a:spLocks noGrp="1"/>
+          </p:cNvSpPr>
+          <p:nvPr>
+            <p:ph type="title"/>
+          </p:nvPr>
+        </p:nvSpPr>
+        <p:spPr/>
+        <p:txBody>
+          <a:bodyPr/>
+          <a:lstStyle/>
+          <a:p>
+            <a:r>
+              <a:rPr lang="ru-RU" dirty="0" smtClean="0"/>
+              <a:t>Поговорим о каждом волшебном 					  методе!</a:t>
+            </a:r>
+            <a:endParaRPr lang="ru-RU" dirty="0"/>
+          </a:p>
+        </p:txBody>
+      </p:sp>
+      <p:sp>
+        <p:nvSpPr>
+          <p:cNvPr id="3" name="Объект 2"/>
+          <p:cNvSpPr>
+            <a:spLocks noGrp="1"/>
+          </p:cNvSpPr>
+          <p:nvPr>
+            <p:ph idx="1"/>
+          </p:nvPr>
+        </p:nvSpPr>
+        <p:spPr>
+          <a:xfrm>
+            <a:off x="1145649" y="2268415"/>
+            <a:ext cx="9872871" cy="4038600"/>
+          </a:xfrm>
+        </p:spPr>
+        <p:txBody>
+          <a:bodyPr/>
+          <a:lstStyle/>
+          <a:p>
+            <a:r>
+              <a:rPr lang="en-US" dirty="0">
+                <a:solidFill>
+                  <a:srgbClr val="00B050"/>
+                </a:solidFill>
+              </a:rPr>
+              <a:t>b</a:t>
+            </a:r>
+            <a:r>
+              <a:rPr lang="en-US" dirty="0" smtClean="0">
+                <a:solidFill>
+                  <a:srgbClr val="00B050"/>
+                </a:solidFill>
+              </a:rPr>
+              <a:t>ool await_ready() </a:t>
+            </a:r>
+            <a:r>
+              <a:rPr lang="en-US" dirty="0" smtClean="0"/>
+              <a:t>–</a:t>
+            </a:r>
+            <a:r>
+              <a:rPr lang="ru-RU" dirty="0" smtClean="0"/>
+              <a:t> проверяет готовность результата правостороннего выражения.(далее поймем его предназначение)</a:t>
+            </a:r>
+          </a:p>
+          <a:p>
+            <a:r>
+              <a:rPr lang="en-US" dirty="0" smtClean="0">
+                <a:solidFill>
+                  <a:srgbClr val="FFC000"/>
+                </a:solidFill>
+              </a:rPr>
+              <a:t>auto await_suspend(</a:t>
+            </a:r>
+            <a:r>
+              <a:rPr lang="ru-RU" dirty="0" smtClean="0">
+                <a:solidFill>
+                  <a:srgbClr val="FFC000"/>
+                </a:solidFill>
+              </a:rPr>
+              <a:t>…</a:t>
+            </a:r>
+            <a:r>
+              <a:rPr lang="en-US" dirty="0" smtClean="0">
+                <a:solidFill>
+                  <a:srgbClr val="FFC000"/>
+                </a:solidFill>
+              </a:rPr>
+              <a:t>) </a:t>
+            </a:r>
+            <a:r>
+              <a:rPr lang="en-US" dirty="0" smtClean="0"/>
+              <a:t>– </a:t>
+            </a:r>
+            <a:r>
+              <a:rPr lang="ru-RU" dirty="0" smtClean="0"/>
+              <a:t>вызывается в момент прерывания корутины</a:t>
+            </a:r>
+          </a:p>
+          <a:p>
+            <a:r>
+              <a:rPr lang="en-US" dirty="0" smtClean="0">
+                <a:solidFill>
+                  <a:srgbClr val="0070C0"/>
+                </a:solidFill>
+              </a:rPr>
+              <a:t>auto await_resume() </a:t>
+            </a:r>
+            <a:r>
+              <a:rPr lang="en-US" dirty="0" smtClean="0"/>
+              <a:t>– </a:t>
+            </a:r>
+            <a:r>
+              <a:rPr lang="ru-RU" dirty="0" smtClean="0"/>
+              <a:t>возвращает результат</a:t>
+            </a:r>
+            <a:r>
+              <a:rPr lang="en-US" dirty="0" smtClean="0"/>
+              <a:t> &lt;expr&gt;</a:t>
+            </a:r>
+            <a:r>
+              <a:rPr lang="ru-RU" dirty="0" smtClean="0"/>
+              <a:t>(подробнее о нем позже)</a:t>
+            </a:r>
+            <a:endParaRPr lang="en-US" dirty="0" smtClean="0"/>
+          </a:p>
+        </p:txBody>
+      </p:sp>
+      <p:pic>
+        <p:nvPicPr>
+          <p:cNvPr id="4" name="Рисунок 3"/>
+          <p:cNvPicPr>
+            <a:picLocks noChangeAspect="1"/>
+          </p:cNvPicPr>
+          <p:nvPr/>
+        </p:nvPicPr>
+        <p:blipFill>
+          <a:blip r:embed="rId2">
+            <a:extLst>
+              <a:ext uri="{28A0092B-C50C-407E-A947-70E740481C1C}">
+                <a14:useLocalDpi xmlns:a14="http://schemas.microsoft.com/office/drawing/2010/main" val="0"/>
+              </a:ext>
+            </a:extLst>
+          </a:blip>
+          <a:stretch>
+            <a:fillRect/>
+          </a:stretch>
+        </p:blipFill>
+        <p:spPr>
+          <a:xfrm>
+            <a:off x="5042535" y="4106740"/>
+            <a:ext cx="2076450" cy="2200275"/>
+          </a:xfrm>
+          <a:prstGeom prst="rect">
+            <a:avLst/>
+          </a:prstGeom>
+        </p:spPr>
+      </p:pic>
+    </p:spTree>
+    <p:extLst>
+      <p:ext uri="{BB962C8B-B14F-4D97-AF65-F5344CB8AC3E}">
+        <p14:creationId xmlns:p14="http://schemas.microsoft.com/office/powerpoint/2010/main" val="3157592335"/>
+      </p:ext>
+    </p:extLst>
+  </p:cSld>
+  <p:clrMapOvr>
+    <a:masterClrMapping/>
+  </p:clrMapOvr>
+  <p:timing>
+    <p:tnLst>
+      <p:par>
+        <p:cTn id="1" dur="indefinite" restart="never" nodeType="tmRoot"/>
+      </p:par>
+    </p:tnLst>
+  </p:timing>
+</p:sld>
+</file>
+
+<file path=ppt/slides/slide22.xml><?xml version="1.0" encoding="utf-8"?>
+<p:sld xmlns:a="http://schemas.openxmlformats.org/drawingml/2006/main" xmlns:r="http://schemas.openxmlformats.org/officeDocument/2006/relationships" xmlns:p="http://schemas.openxmlformats.org/presentationml/2006/main">
+  <p:cSld>
+    <p:spTree>
+      <p:nvGrpSpPr>
+        <p:cNvPr id="1" name=""/>
+        <p:cNvGrpSpPr/>
+        <p:nvPr/>
+      </p:nvGrpSpPr>
+      <p:grpSpPr>
+        <a:xfrm>
+          <a:off x="0" y="0"/>
+          <a:ext cx="0" cy="0"/>
+          <a:chOff x="0" y="0"/>
+          <a:chExt cx="0" cy="0"/>
+        </a:xfrm>
+      </p:grpSpPr>
+      <p:sp>
+        <p:nvSpPr>
           <p:cNvPr id="4" name="TextBox 3"/>
           <p:cNvSpPr txBox="1"/>
           <p:nvPr/>
@@ -16392,7 +16679,7 @@
 </p:sld>
 </file>
 
-<file path=ppt/slides/slide22.xml><?xml version="1.0" encoding="utf-8"?>
+<file path=ppt/slides/slide23.xml><?xml version="1.0" encoding="utf-8"?>
 <p:sld xmlns:a="http://schemas.openxmlformats.org/drawingml/2006/main" xmlns:r="http://schemas.openxmlformats.org/officeDocument/2006/relationships" xmlns:p="http://schemas.openxmlformats.org/presentationml/2006/main">
   <p:cSld>
     <p:spTree>
@@ -16545,7 +16832,7 @@
 </p:sld>
 </file>
 
-<file path=ppt/slides/slide23.xml><?xml version="1.0" encoding="utf-8"?>
+<file path=ppt/slides/slide24.xml><?xml version="1.0" encoding="utf-8"?>
 <p:sld xmlns:a="http://schemas.openxmlformats.org/drawingml/2006/main" xmlns:r="http://schemas.openxmlformats.org/officeDocument/2006/relationships" xmlns:p="http://schemas.openxmlformats.org/presentationml/2006/main">
   <p:cSld>
     <p:spTree>
@@ -16661,368 +16948,6 @@
     <p:extLst>
       <p:ext uri="{BB962C8B-B14F-4D97-AF65-F5344CB8AC3E}">
         <p14:creationId xmlns:p14="http://schemas.microsoft.com/office/powerpoint/2010/main" val="1525213859"/>
-      </p:ext>
-    </p:extLst>
-  </p:cSld>
-  <p:clrMapOvr>
-    <a:masterClrMapping/>
-  </p:clrMapOvr>
-  <p:timing>
-    <p:tnLst>
-      <p:par>
-        <p:cTn id="1" dur="indefinite" restart="never" nodeType="tmRoot"/>
-      </p:par>
-    </p:tnLst>
-  </p:timing>
-</p:sld>
-</file>
-
-<file path=ppt/slides/slide24.xml><?xml version="1.0" encoding="utf-8"?>
-<p:sld xmlns:a="http://schemas.openxmlformats.org/drawingml/2006/main" xmlns:r="http://schemas.openxmlformats.org/officeDocument/2006/relationships" xmlns:p="http://schemas.openxmlformats.org/presentationml/2006/main">
-  <p:cSld>
-    <p:spTree>
-      <p:nvGrpSpPr>
-        <p:cNvPr id="1" name=""/>
-        <p:cNvGrpSpPr/>
-        <p:nvPr/>
-      </p:nvGrpSpPr>
-      <p:grpSpPr>
-        <a:xfrm>
-          <a:off x="0" y="0"/>
-          <a:ext cx="0" cy="0"/>
-          <a:chOff x="0" y="0"/>
-          <a:chExt cx="0" cy="0"/>
-        </a:xfrm>
-      </p:grpSpPr>
-      <p:sp>
-        <p:nvSpPr>
-          <p:cNvPr id="5" name="TextBox 4"/>
-          <p:cNvSpPr txBox="1"/>
-          <p:nvPr/>
-        </p:nvSpPr>
-        <p:spPr>
-          <a:xfrm>
-            <a:off x="360485" y="386862"/>
-            <a:ext cx="7441653" cy="646331"/>
-          </a:xfrm>
-          <a:prstGeom prst="rect">
-            <a:avLst/>
-          </a:prstGeom>
-          <a:noFill/>
-        </p:spPr>
-        <p:txBody>
-          <a:bodyPr wrap="none" rtlCol="0">
-            <a:spAutoFit/>
-          </a:bodyPr>
-          <a:lstStyle/>
-          <a:p>
-            <a:r>
-              <a:rPr lang="ru-RU" sz="3600" dirty="0" smtClean="0"/>
-              <a:t>Но есть одна небольшая проблемка.</a:t>
-            </a:r>
-            <a:endParaRPr lang="ru-RU" sz="3600" dirty="0"/>
-          </a:p>
-        </p:txBody>
-      </p:sp>
-      <p:pic>
-        <p:nvPicPr>
-          <p:cNvPr id="6" name="Рисунок 5"/>
-          <p:cNvPicPr>
-            <a:picLocks noChangeAspect="1"/>
-          </p:cNvPicPr>
-          <p:nvPr/>
-        </p:nvPicPr>
-        <p:blipFill>
-          <a:blip r:embed="rId2">
-            <a:extLst>
-              <a:ext uri="{28A0092B-C50C-407E-A947-70E740481C1C}">
-                <a14:useLocalDpi xmlns:a14="http://schemas.microsoft.com/office/drawing/2010/main" val="0"/>
-              </a:ext>
-            </a:extLst>
-          </a:blip>
-          <a:stretch>
-            <a:fillRect/>
-          </a:stretch>
-        </p:blipFill>
-        <p:spPr>
-          <a:xfrm>
-            <a:off x="9200783" y="479914"/>
-            <a:ext cx="2371725" cy="1924050"/>
-          </a:xfrm>
-          <a:prstGeom prst="rect">
-            <a:avLst/>
-          </a:prstGeom>
-        </p:spPr>
-      </p:pic>
-      <p:sp>
-        <p:nvSpPr>
-          <p:cNvPr id="8" name="TextBox 7"/>
-          <p:cNvSpPr txBox="1"/>
-          <p:nvPr/>
-        </p:nvSpPr>
-        <p:spPr>
-          <a:xfrm>
-            <a:off x="492369" y="1529862"/>
-            <a:ext cx="5468816" cy="1200329"/>
-          </a:xfrm>
-          <a:prstGeom prst="rect">
-            <a:avLst/>
-          </a:prstGeom>
-          <a:noFill/>
-        </p:spPr>
-        <p:txBody>
-          <a:bodyPr wrap="square" rtlCol="0">
-            <a:spAutoFit/>
-          </a:bodyPr>
-          <a:lstStyle/>
-          <a:p>
-            <a:r>
-              <a:rPr lang="ru-RU" sz="2400" dirty="0" smtClean="0"/>
-              <a:t>Нам теперь всегда придется таскать этот </a:t>
-            </a:r>
-            <a:r>
-              <a:rPr lang="en-US" sz="2400" dirty="0" smtClean="0"/>
-              <a:t>awaiter </a:t>
-            </a:r>
-            <a:r>
-              <a:rPr lang="ru-RU" sz="2400" dirty="0" smtClean="0"/>
-              <a:t>с собой в открытом и общедоступном виде…</a:t>
-            </a:r>
-            <a:endParaRPr lang="ru-RU" sz="2400" dirty="0"/>
-          </a:p>
-        </p:txBody>
-      </p:sp>
-      <p:sp>
-        <p:nvSpPr>
-          <p:cNvPr id="9" name="TextBox 8"/>
-          <p:cNvSpPr txBox="1"/>
-          <p:nvPr/>
-        </p:nvSpPr>
-        <p:spPr>
-          <a:xfrm>
-            <a:off x="360485" y="3226860"/>
-            <a:ext cx="3657600" cy="954107"/>
-          </a:xfrm>
-          <a:prstGeom prst="rect">
-            <a:avLst/>
-          </a:prstGeom>
-          <a:noFill/>
-        </p:spPr>
-        <p:txBody>
-          <a:bodyPr wrap="square" rtlCol="0">
-            <a:spAutoFit/>
-          </a:bodyPr>
-          <a:lstStyle/>
-          <a:p>
-            <a:r>
-              <a:rPr lang="ru-RU" sz="2800" dirty="0" smtClean="0"/>
-              <a:t>Есть 2 пути решения этой проблемы :</a:t>
-            </a:r>
-            <a:endParaRPr lang="ru-RU" sz="2800" dirty="0"/>
-          </a:p>
-        </p:txBody>
-      </p:sp>
-      <p:sp>
-        <p:nvSpPr>
-          <p:cNvPr id="10" name="TextBox 9"/>
-          <p:cNvSpPr txBox="1"/>
-          <p:nvPr/>
-        </p:nvSpPr>
-        <p:spPr>
-          <a:xfrm>
-            <a:off x="360485" y="4273135"/>
-            <a:ext cx="5846885" cy="1200329"/>
-          </a:xfrm>
-          <a:prstGeom prst="rect">
-            <a:avLst/>
-          </a:prstGeom>
-          <a:noFill/>
-        </p:spPr>
-        <p:txBody>
-          <a:bodyPr wrap="square" rtlCol="0">
-            <a:spAutoFit/>
-          </a:bodyPr>
-          <a:lstStyle/>
-          <a:p>
-            <a:pPr marL="342900" indent="-342900">
-              <a:buAutoNum type="arabicParenR"/>
-            </a:pPr>
-            <a:r>
-              <a:rPr lang="ru-RU" sz="2400" dirty="0" smtClean="0"/>
-              <a:t>Перегрузка оператора </a:t>
-            </a:r>
-            <a:r>
-              <a:rPr lang="en-US" sz="2400" dirty="0" smtClean="0"/>
-              <a:t>co_await</a:t>
-            </a:r>
-            <a:endParaRPr lang="en-US" sz="2400" dirty="0"/>
-          </a:p>
-          <a:p>
-            <a:pPr marL="342900" indent="-342900">
-              <a:buAutoNum type="arabicParenR"/>
-            </a:pPr>
-            <a:r>
-              <a:rPr lang="ru-RU" sz="2400" dirty="0" smtClean="0"/>
-              <a:t>Реализация метода </a:t>
-            </a:r>
-            <a:r>
-              <a:rPr lang="en-US" sz="2400" dirty="0" smtClean="0"/>
-              <a:t>await_transform </a:t>
-            </a:r>
-            <a:r>
-              <a:rPr lang="ru-RU" sz="2400" dirty="0" smtClean="0"/>
-              <a:t>в нашем </a:t>
-            </a:r>
-            <a:r>
-              <a:rPr lang="en-US" sz="2400" dirty="0" smtClean="0"/>
-              <a:t>promise_type</a:t>
-            </a:r>
-            <a:endParaRPr lang="ru-RU" sz="2400" dirty="0"/>
-          </a:p>
-        </p:txBody>
-      </p:sp>
-      <p:pic>
-        <p:nvPicPr>
-          <p:cNvPr id="11" name="Рисунок 10"/>
-          <p:cNvPicPr>
-            <a:picLocks noChangeAspect="1"/>
-          </p:cNvPicPr>
-          <p:nvPr/>
-        </p:nvPicPr>
-        <p:blipFill>
-          <a:blip r:embed="rId3">
-            <a:extLst>
-              <a:ext uri="{28A0092B-C50C-407E-A947-70E740481C1C}">
-                <a14:useLocalDpi xmlns:a14="http://schemas.microsoft.com/office/drawing/2010/main" val="0"/>
-              </a:ext>
-            </a:extLst>
-          </a:blip>
-          <a:stretch>
-            <a:fillRect/>
-          </a:stretch>
-        </p:blipFill>
-        <p:spPr>
-          <a:xfrm>
-            <a:off x="8079031" y="2752217"/>
-            <a:ext cx="3190875" cy="1428750"/>
-          </a:xfrm>
-          <a:prstGeom prst="rect">
-            <a:avLst/>
-          </a:prstGeom>
-        </p:spPr>
-      </p:pic>
-      <p:sp>
-        <p:nvSpPr>
-          <p:cNvPr id="12" name="TextBox 11"/>
-          <p:cNvSpPr txBox="1"/>
-          <p:nvPr/>
-        </p:nvSpPr>
-        <p:spPr>
-          <a:xfrm>
-            <a:off x="8079031" y="4596300"/>
-            <a:ext cx="3009157" cy="923330"/>
-          </a:xfrm>
-          <a:prstGeom prst="rect">
-            <a:avLst/>
-          </a:prstGeom>
-          <a:noFill/>
-        </p:spPr>
-        <p:txBody>
-          <a:bodyPr wrap="none" rtlCol="0">
-            <a:spAutoFit/>
-          </a:bodyPr>
-          <a:lstStyle/>
-          <a:p>
-            <a:r>
-              <a:rPr lang="en-US" sz="5400" dirty="0" smtClean="0">
-                <a:solidFill>
-                  <a:srgbClr val="FF0000"/>
-                </a:solidFill>
-              </a:rPr>
-              <a:t>Lets do it!</a:t>
-            </a:r>
-            <a:endParaRPr lang="ru-RU" sz="5400" dirty="0">
-              <a:solidFill>
-                <a:srgbClr val="FF0000"/>
-              </a:solidFill>
-            </a:endParaRPr>
-          </a:p>
-        </p:txBody>
-      </p:sp>
-      <p:sp>
-        <p:nvSpPr>
-          <p:cNvPr id="13" name="TextBox 12"/>
-          <p:cNvSpPr txBox="1"/>
-          <p:nvPr/>
-        </p:nvSpPr>
-        <p:spPr>
-          <a:xfrm>
-            <a:off x="296170" y="6189968"/>
-            <a:ext cx="3786229" cy="369332"/>
-          </a:xfrm>
-          <a:prstGeom prst="rect">
-            <a:avLst/>
-          </a:prstGeom>
-          <a:noFill/>
-        </p:spPr>
-        <p:txBody>
-          <a:bodyPr wrap="none" rtlCol="0">
-            <a:spAutoFit/>
-          </a:bodyPr>
-          <a:lstStyle/>
-          <a:p>
-            <a:r>
-              <a:rPr lang="ru-RU" dirty="0" smtClean="0"/>
-              <a:t>(</a:t>
-            </a:r>
-            <a:r>
-              <a:rPr lang="ru-RU" dirty="0"/>
-              <a:t>р</a:t>
-            </a:r>
-            <a:r>
-              <a:rPr lang="ru-RU" dirty="0" smtClean="0"/>
-              <a:t>ешим проблему двумя способами)</a:t>
-            </a:r>
-            <a:endParaRPr lang="ru-RU" dirty="0"/>
-          </a:p>
-        </p:txBody>
-      </p:sp>
-      <p:sp>
-        <p:nvSpPr>
-          <p:cNvPr id="2" name="TextBox 1"/>
-          <p:cNvSpPr txBox="1"/>
-          <p:nvPr/>
-        </p:nvSpPr>
-        <p:spPr>
-          <a:xfrm>
-            <a:off x="9744364" y="6189968"/>
-            <a:ext cx="2130711" cy="646331"/>
-          </a:xfrm>
-          <a:prstGeom prst="rect">
-            <a:avLst/>
-          </a:prstGeom>
-          <a:noFill/>
-        </p:spPr>
-        <p:txBody>
-          <a:bodyPr wrap="none" rtlCol="0">
-            <a:spAutoFit/>
-          </a:bodyPr>
-          <a:lstStyle/>
-          <a:p>
-            <a:r>
-              <a:rPr lang="en-US" dirty="0" smtClean="0"/>
-              <a:t>await_op_transform</a:t>
-            </a:r>
-          </a:p>
-          <a:p>
-            <a:endParaRPr lang="ru-RU" dirty="0"/>
-          </a:p>
-        </p:txBody>
-      </p:sp>
-    </p:spTree>
-    <p:extLst>
-      <p:ext uri="{BB962C8B-B14F-4D97-AF65-F5344CB8AC3E}">
-        <p14:creationId xmlns:p14="http://schemas.microsoft.com/office/powerpoint/2010/main" val="2456901388"/>
       </p:ext>
     </p:extLst>
   </p:cSld>
@@ -17058,14 +16983,14 @@
       </p:grpSpPr>
       <p:sp>
         <p:nvSpPr>
-          <p:cNvPr id="4" name="TextBox 3"/>
+          <p:cNvPr id="5" name="TextBox 4"/>
           <p:cNvSpPr txBox="1"/>
           <p:nvPr/>
         </p:nvSpPr>
         <p:spPr>
           <a:xfrm>
-            <a:off x="1389184" y="430823"/>
-            <a:ext cx="9453294" cy="523220"/>
+            <a:off x="360485" y="386862"/>
+            <a:ext cx="7441653" cy="646331"/>
           </a:xfrm>
           <a:prstGeom prst="rect">
             <a:avLst/>
@@ -17079,45 +17004,16 @@
           <a:lstStyle/>
           <a:p>
             <a:r>
-              <a:rPr lang="ru-RU" sz="2800" dirty="0" smtClean="0"/>
-              <a:t>Рассмотрим следующий пример, не отходя далеко от темы!</a:t>
-            </a:r>
-            <a:endParaRPr lang="ru-RU" sz="2800" dirty="0"/>
-          </a:p>
-        </p:txBody>
-      </p:sp>
-      <p:sp>
-        <p:nvSpPr>
-          <p:cNvPr id="5" name="TextBox 4"/>
-          <p:cNvSpPr txBox="1"/>
-          <p:nvPr/>
-        </p:nvSpPr>
-        <p:spPr>
-          <a:xfrm>
-            <a:off x="307730" y="1688124"/>
-            <a:ext cx="9283888" cy="461665"/>
-          </a:xfrm>
-          <a:prstGeom prst="rect">
-            <a:avLst/>
-          </a:prstGeom>
-          <a:noFill/>
-        </p:spPr>
-        <p:txBody>
-          <a:bodyPr wrap="none" rtlCol="0">
-            <a:spAutoFit/>
-          </a:bodyPr>
-          <a:lstStyle/>
-          <a:p>
-            <a:r>
-              <a:rPr lang="ru-RU" sz="2400" dirty="0" smtClean="0"/>
-              <a:t>Идея : что ,если совместить свойства корутины и обычной функции?</a:t>
-            </a:r>
+              <a:rPr lang="ru-RU" sz="3600" dirty="0" smtClean="0"/>
+              <a:t>Но есть одна небольшая проблемка.</a:t>
+            </a:r>
+            <a:endParaRPr lang="ru-RU" sz="3600" dirty="0"/>
           </a:p>
         </p:txBody>
       </p:sp>
       <p:pic>
         <p:nvPicPr>
-          <p:cNvPr id="7" name="Рисунок 6"/>
+          <p:cNvPr id="6" name="Рисунок 5"/>
           <p:cNvPicPr>
             <a:picLocks noChangeAspect="1"/>
           </p:cNvPicPr>
@@ -17137,8 +17033,8 @@
         </p:blipFill>
         <p:spPr>
           <a:xfrm>
-            <a:off x="4469789" y="2268416"/>
-            <a:ext cx="2847975" cy="1600200"/>
+            <a:off x="9200783" y="479914"/>
+            <a:ext cx="2371725" cy="1924050"/>
           </a:xfrm>
           <a:prstGeom prst="rect">
             <a:avLst/>
@@ -17153,8 +17049,8 @@
         </p:nvSpPr>
         <p:spPr>
           <a:xfrm>
-            <a:off x="3595264" y="4149970"/>
-            <a:ext cx="5468816" cy="707886"/>
+            <a:off x="492369" y="1529862"/>
+            <a:ext cx="5468816" cy="1200329"/>
           </a:xfrm>
           <a:prstGeom prst="rect">
             <a:avLst/>
@@ -17168,16 +17064,113 @@
           <a:lstStyle/>
           <a:p>
             <a:r>
-              <a:rPr lang="ru-RU" sz="4000" dirty="0" smtClean="0"/>
-              <a:t>Конечно возможно!!</a:t>
-            </a:r>
-            <a:endParaRPr lang="ru-RU" sz="4000" dirty="0"/>
+              <a:rPr lang="ru-RU" sz="2400" dirty="0" smtClean="0"/>
+              <a:t>Нам теперь всегда придется таскать этот </a:t>
+            </a:r>
+            <a:r>
+              <a:rPr lang="en-US" sz="2400" dirty="0" smtClean="0"/>
+              <a:t>awaiter </a:t>
+            </a:r>
+            <a:r>
+              <a:rPr lang="ru-RU" sz="2400" dirty="0" smtClean="0"/>
+              <a:t>с собой в открытом и общедоступном виде…</a:t>
+            </a:r>
+            <a:endParaRPr lang="ru-RU" sz="2400" dirty="0"/>
+          </a:p>
+        </p:txBody>
+      </p:sp>
+      <p:sp>
+        <p:nvSpPr>
+          <p:cNvPr id="9" name="TextBox 8"/>
+          <p:cNvSpPr txBox="1"/>
+          <p:nvPr/>
+        </p:nvSpPr>
+        <p:spPr>
+          <a:xfrm>
+            <a:off x="360485" y="3226860"/>
+            <a:ext cx="3657600" cy="954107"/>
+          </a:xfrm>
+          <a:prstGeom prst="rect">
+            <a:avLst/>
+          </a:prstGeom>
+          <a:noFill/>
+        </p:spPr>
+        <p:txBody>
+          <a:bodyPr wrap="square" rtlCol="0">
+            <a:spAutoFit/>
+          </a:bodyPr>
+          <a:lstStyle/>
+          <a:p>
+            <a:r>
+              <a:rPr lang="ru-RU" sz="2800" dirty="0" smtClean="0"/>
+              <a:t>Есть 2 пути решения этой проблемы :</a:t>
+            </a:r>
+            <a:endParaRPr lang="ru-RU" sz="2800" dirty="0"/>
+          </a:p>
+        </p:txBody>
+      </p:sp>
+      <p:sp>
+        <p:nvSpPr>
+          <p:cNvPr id="10" name="TextBox 9"/>
+          <p:cNvSpPr txBox="1"/>
+          <p:nvPr/>
+        </p:nvSpPr>
+        <p:spPr>
+          <a:xfrm>
+            <a:off x="360485" y="4273135"/>
+            <a:ext cx="5846885" cy="1200329"/>
+          </a:xfrm>
+          <a:prstGeom prst="rect">
+            <a:avLst/>
+          </a:prstGeom>
+          <a:noFill/>
+        </p:spPr>
+        <p:txBody>
+          <a:bodyPr wrap="square" rtlCol="0">
+            <a:spAutoFit/>
+          </a:bodyPr>
+          <a:lstStyle/>
+          <a:p>
+            <a:pPr marL="342900" indent="-342900">
+              <a:buAutoNum type="arabicParenR"/>
+            </a:pPr>
+            <a:r>
+              <a:rPr lang="ru-RU" sz="2400" dirty="0" smtClean="0"/>
+              <a:t>Перегрузка оператора </a:t>
+            </a:r>
+            <a:r>
+              <a:rPr lang="en-US" sz="2400" dirty="0" smtClean="0"/>
+              <a:t>co_await</a:t>
+            </a:r>
+            <a:endParaRPr lang="en-US" sz="2400" dirty="0"/>
+          </a:p>
+          <a:p>
+            <a:pPr marL="342900" indent="-342900">
+              <a:buAutoNum type="arabicParenR"/>
+            </a:pPr>
+            <a:r>
+              <a:rPr lang="ru-RU" sz="2400" dirty="0" smtClean="0"/>
+              <a:t>Реализация метода </a:t>
+            </a:r>
+            <a:r>
+              <a:rPr lang="en-US" sz="2400" dirty="0" smtClean="0"/>
+              <a:t>await_transform </a:t>
+            </a:r>
+            <a:r>
+              <a:rPr lang="ru-RU" sz="2400" dirty="0" smtClean="0"/>
+              <a:t>в нашем </a:t>
+            </a:r>
+            <a:r>
+              <a:rPr lang="en-US" sz="2400" dirty="0" smtClean="0"/>
+              <a:t>promise_type</a:t>
+            </a:r>
+            <a:endParaRPr lang="ru-RU" sz="2400" dirty="0"/>
           </a:p>
         </p:txBody>
       </p:sp>
       <p:pic>
         <p:nvPicPr>
-          <p:cNvPr id="9" name="Рисунок 8"/>
+          <p:cNvPr id="11" name="Рисунок 10"/>
           <p:cNvPicPr>
             <a:picLocks noChangeAspect="1"/>
           </p:cNvPicPr>
@@ -17197,7 +17190,7 @@
         </p:blipFill>
         <p:spPr>
           <a:xfrm>
-            <a:off x="307730" y="5079756"/>
+            <a:off x="8079031" y="2752217"/>
             <a:ext cx="3190875" cy="1428750"/>
           </a:xfrm>
           <a:prstGeom prst="rect">
@@ -17207,14 +17200,14 @@
       </p:pic>
       <p:sp>
         <p:nvSpPr>
-          <p:cNvPr id="10" name="TextBox 9"/>
+          <p:cNvPr id="12" name="TextBox 11"/>
           <p:cNvSpPr txBox="1"/>
           <p:nvPr/>
         </p:nvSpPr>
         <p:spPr>
           <a:xfrm>
-            <a:off x="10295792" y="6139174"/>
-            <a:ext cx="2734407" cy="369332"/>
+            <a:off x="8079031" y="4596300"/>
+            <a:ext cx="3009157" cy="923330"/>
           </a:xfrm>
           <a:prstGeom prst="rect">
             <a:avLst/>
@@ -17222,15 +17215,93 @@
           <a:noFill/>
         </p:spPr>
         <p:txBody>
-          <a:bodyPr wrap="square" rtlCol="0">
+          <a:bodyPr wrap="none" rtlCol="0">
             <a:spAutoFit/>
           </a:bodyPr>
           <a:lstStyle/>
           <a:p>
             <a:r>
+              <a:rPr lang="en-US" sz="5400" dirty="0" smtClean="0">
+                <a:solidFill>
+                  <a:srgbClr val="FF0000"/>
+                </a:solidFill>
+              </a:rPr>
+              <a:t>Lets do it!</a:t>
+            </a:r>
+            <a:endParaRPr lang="ru-RU" sz="5400" dirty="0">
+              <a:solidFill>
+                <a:srgbClr val="FF0000"/>
+              </a:solidFill>
+            </a:endParaRPr>
+          </a:p>
+        </p:txBody>
+      </p:sp>
+      <p:sp>
+        <p:nvSpPr>
+          <p:cNvPr id="13" name="TextBox 12"/>
+          <p:cNvSpPr txBox="1"/>
+          <p:nvPr/>
+        </p:nvSpPr>
+        <p:spPr>
+          <a:xfrm>
+            <a:off x="296170" y="6189968"/>
+            <a:ext cx="3786229" cy="369332"/>
+          </a:xfrm>
+          <a:prstGeom prst="rect">
+            <a:avLst/>
+          </a:prstGeom>
+          <a:noFill/>
+        </p:spPr>
+        <p:txBody>
+          <a:bodyPr wrap="none" rtlCol="0">
+            <a:spAutoFit/>
+          </a:bodyPr>
+          <a:lstStyle/>
+          <a:p>
+            <a:r>
+              <a:rPr lang="ru-RU" dirty="0" smtClean="0"/>
+              <a:t>(</a:t>
+            </a:r>
+            <a:r>
+              <a:rPr lang="ru-RU" dirty="0"/>
+              <a:t>р</a:t>
+            </a:r>
+            <a:r>
+              <a:rPr lang="ru-RU" dirty="0" smtClean="0"/>
+              <a:t>ешим проблему двумя способами)</a:t>
+            </a:r>
+            <a:endParaRPr lang="ru-RU" dirty="0"/>
+          </a:p>
+        </p:txBody>
+      </p:sp>
+      <p:sp>
+        <p:nvSpPr>
+          <p:cNvPr id="2" name="TextBox 1"/>
+          <p:cNvSpPr txBox="1"/>
+          <p:nvPr/>
+        </p:nvSpPr>
+        <p:spPr>
+          <a:xfrm>
+            <a:off x="9744364" y="6189968"/>
+            <a:ext cx="2130711" cy="646331"/>
+          </a:xfrm>
+          <a:prstGeom prst="rect">
+            <a:avLst/>
+          </a:prstGeom>
+          <a:noFill/>
+        </p:spPr>
+        <p:txBody>
+          <a:bodyPr wrap="none" rtlCol="0">
+            <a:spAutoFit/>
+          </a:bodyPr>
+          <a:lstStyle/>
+          <a:p>
+            <a:r>
               <a:rPr lang="en-US" dirty="0" smtClean="0"/>
-              <a:t>cancellable</a:t>
-            </a:r>
+              <a:t>await_op_transform</a:t>
+            </a:r>
+          </a:p>
+          <a:p>
             <a:endParaRPr lang="ru-RU" dirty="0"/>
           </a:p>
         </p:txBody>
@@ -17238,7 +17309,7 @@
     </p:spTree>
     <p:extLst>
       <p:ext uri="{BB962C8B-B14F-4D97-AF65-F5344CB8AC3E}">
-        <p14:creationId xmlns:p14="http://schemas.microsoft.com/office/powerpoint/2010/main" val="3463695512"/>
+        <p14:creationId xmlns:p14="http://schemas.microsoft.com/office/powerpoint/2010/main" val="2456901388"/>
       </p:ext>
     </p:extLst>
   </p:cSld>
@@ -17280,8 +17351,8 @@
         </p:nvSpPr>
         <p:spPr>
           <a:xfrm>
-            <a:off x="1242473" y="391862"/>
-            <a:ext cx="9625712" cy="954107"/>
+            <a:off x="1389184" y="430823"/>
+            <a:ext cx="9453294" cy="523220"/>
           </a:xfrm>
           <a:prstGeom prst="rect">
             <a:avLst/>
@@ -17296,50 +17367,44 @@
           <a:p>
             <a:r>
               <a:rPr lang="ru-RU" sz="2800" dirty="0" smtClean="0"/>
-              <a:t>Очередным интересным примером является </a:t>
-            </a:r>
-            <a:r>
-              <a:rPr lang="ru-RU" sz="2800" dirty="0"/>
-              <a:t>м</a:t>
-            </a:r>
-            <a:r>
-              <a:rPr lang="ru-RU" sz="2800" dirty="0" smtClean="0"/>
-              <a:t>онада </a:t>
-            </a:r>
-            <a:r>
-              <a:rPr lang="en-US" sz="2800" dirty="0" smtClean="0"/>
-              <a:t>maybe</a:t>
-            </a:r>
-            <a:r>
-              <a:rPr lang="ru-RU" sz="2800" dirty="0"/>
-              <a:t>,</a:t>
-            </a:r>
-            <a:endParaRPr lang="ru-RU" sz="2800" dirty="0" smtClean="0"/>
-          </a:p>
-          <a:p>
-            <a:r>
-              <a:rPr lang="ru-RU" sz="2800" dirty="0"/>
-              <a:t>	</a:t>
-            </a:r>
-            <a:r>
-              <a:rPr lang="ru-RU" sz="2800" dirty="0" smtClean="0"/>
-              <a:t>	реализованная с помощью корутин</a:t>
-            </a:r>
-            <a:r>
-              <a:rPr lang="en-US" sz="2800" dirty="0" smtClean="0"/>
-              <a:t> </a:t>
-            </a:r>
-            <a:r>
-              <a:rPr lang="ru-RU" sz="2800" dirty="0" smtClean="0"/>
-              <a:t> </a:t>
+              <a:t>Рассмотрим следующий пример, не отходя далеко от темы!</a:t>
             </a:r>
             <a:endParaRPr lang="ru-RU" sz="2800" dirty="0"/>
+          </a:p>
+        </p:txBody>
+      </p:sp>
+      <p:sp>
+        <p:nvSpPr>
+          <p:cNvPr id="5" name="TextBox 4"/>
+          <p:cNvSpPr txBox="1"/>
+          <p:nvPr/>
+        </p:nvSpPr>
+        <p:spPr>
+          <a:xfrm>
+            <a:off x="307730" y="1688124"/>
+            <a:ext cx="9283888" cy="461665"/>
+          </a:xfrm>
+          <a:prstGeom prst="rect">
+            <a:avLst/>
+          </a:prstGeom>
+          <a:noFill/>
+        </p:spPr>
+        <p:txBody>
+          <a:bodyPr wrap="none" rtlCol="0">
+            <a:spAutoFit/>
+          </a:bodyPr>
+          <a:lstStyle/>
+          <a:p>
+            <a:r>
+              <a:rPr lang="ru-RU" sz="2400" dirty="0" smtClean="0"/>
+              <a:t>Идея : что ,если совместить свойства корутины и обычной функции?</a:t>
+            </a:r>
           </a:p>
         </p:txBody>
       </p:sp>
       <p:pic>
         <p:nvPicPr>
-          <p:cNvPr id="5" name="Рисунок 4"/>
+          <p:cNvPr id="7" name="Рисунок 6"/>
           <p:cNvPicPr>
             <a:picLocks noChangeAspect="1"/>
           </p:cNvPicPr>
@@ -17359,8 +17424,8 @@
         </p:blipFill>
         <p:spPr>
           <a:xfrm>
-            <a:off x="2176219" y="1452365"/>
-            <a:ext cx="7857143" cy="2704762"/>
+            <a:off x="4469789" y="2268416"/>
+            <a:ext cx="2847975" cy="1600200"/>
           </a:xfrm>
           <a:prstGeom prst="rect">
             <a:avLst/>
@@ -17369,14 +17434,14 @@
       </p:pic>
       <p:sp>
         <p:nvSpPr>
-          <p:cNvPr id="6" name="TextBox 5"/>
+          <p:cNvPr id="8" name="TextBox 7"/>
           <p:cNvSpPr txBox="1"/>
           <p:nvPr/>
         </p:nvSpPr>
         <p:spPr>
           <a:xfrm>
-            <a:off x="422031" y="4607169"/>
-            <a:ext cx="8594148" cy="954107"/>
+            <a:off x="3595264" y="4149970"/>
+            <a:ext cx="5468816" cy="707886"/>
           </a:xfrm>
           <a:prstGeom prst="rect">
             <a:avLst/>
@@ -17384,28 +17449,22 @@
           <a:noFill/>
         </p:spPr>
         <p:txBody>
-          <a:bodyPr wrap="none" rtlCol="0">
+          <a:bodyPr wrap="square" rtlCol="0">
             <a:spAutoFit/>
           </a:bodyPr>
           <a:lstStyle/>
           <a:p>
             <a:r>
-              <a:rPr lang="ru-RU" sz="2800" dirty="0" smtClean="0"/>
-              <a:t>Весьма простой и понятный код, но мы же не слабаки!</a:t>
-            </a:r>
-          </a:p>
-          <a:p>
-            <a:r>
-              <a:rPr lang="ru-RU" sz="2800" dirty="0" smtClean="0"/>
-              <a:t>Перепишем его!</a:t>
-            </a:r>
-            <a:endParaRPr lang="ru-RU" sz="2800" dirty="0"/>
+              <a:rPr lang="ru-RU" sz="4000" dirty="0" smtClean="0"/>
+              <a:t>Конечно возможно!!</a:t>
+            </a:r>
+            <a:endParaRPr lang="ru-RU" sz="4000" dirty="0"/>
           </a:p>
         </p:txBody>
       </p:sp>
       <p:pic>
         <p:nvPicPr>
-          <p:cNvPr id="7" name="Рисунок 6"/>
+          <p:cNvPr id="9" name="Рисунок 8"/>
           <p:cNvPicPr>
             <a:picLocks noChangeAspect="1"/>
           </p:cNvPicPr>
@@ -17425,7 +17484,7 @@
         </p:blipFill>
         <p:spPr>
           <a:xfrm>
-            <a:off x="8729662" y="5150095"/>
+            <a:off x="307730" y="5079756"/>
             <a:ext cx="3190875" cy="1428750"/>
           </a:xfrm>
           <a:prstGeom prst="rect">
@@ -17435,14 +17494,14 @@
       </p:pic>
       <p:sp>
         <p:nvSpPr>
-          <p:cNvPr id="2" name="TextBox 1"/>
+          <p:cNvPr id="10" name="TextBox 9"/>
           <p:cNvSpPr txBox="1"/>
           <p:nvPr/>
         </p:nvSpPr>
         <p:spPr>
           <a:xfrm>
-            <a:off x="527538" y="6255679"/>
-            <a:ext cx="838691" cy="646331"/>
+            <a:off x="10295792" y="6139174"/>
+            <a:ext cx="2734407" cy="369332"/>
           </a:xfrm>
           <a:prstGeom prst="rect">
             <a:avLst/>
@@ -17450,21 +17509,15 @@
           <a:noFill/>
         </p:spPr>
         <p:txBody>
-          <a:bodyPr wrap="none" rtlCol="0">
+          <a:bodyPr wrap="square" rtlCol="0">
             <a:spAutoFit/>
           </a:bodyPr>
           <a:lstStyle/>
           <a:p>
             <a:r>
-              <a:rPr lang="en-US" dirty="0"/>
-              <a:t>m</a:t>
-            </a:r>
-            <a:r>
               <a:rPr lang="en-US" dirty="0" smtClean="0"/>
-              <a:t>aybe</a:t>
-            </a:r>
-          </a:p>
-          <a:p>
+              <a:t>cancellable</a:t>
+            </a:r>
             <a:endParaRPr lang="ru-RU" dirty="0"/>
           </a:p>
         </p:txBody>
@@ -17472,7 +17525,7 @@
     </p:spTree>
     <p:extLst>
       <p:ext uri="{BB962C8B-B14F-4D97-AF65-F5344CB8AC3E}">
-        <p14:creationId xmlns:p14="http://schemas.microsoft.com/office/powerpoint/2010/main" val="4156367334"/>
+        <p14:creationId xmlns:p14="http://schemas.microsoft.com/office/powerpoint/2010/main" val="3463695512"/>
       </p:ext>
     </p:extLst>
   </p:cSld>
@@ -17508,14 +17561,14 @@
       </p:grpSpPr>
       <p:sp>
         <p:nvSpPr>
-          <p:cNvPr id="2" name="TextBox 1"/>
+          <p:cNvPr id="4" name="TextBox 3"/>
           <p:cNvSpPr txBox="1"/>
           <p:nvPr/>
         </p:nvSpPr>
         <p:spPr>
           <a:xfrm>
-            <a:off x="815444" y="440994"/>
-            <a:ext cx="10904267" cy="523220"/>
+            <a:off x="1242473" y="391862"/>
+            <a:ext cx="9625712" cy="954107"/>
           </a:xfrm>
           <a:prstGeom prst="rect">
             <a:avLst/>
@@ -17530,45 +17583,50 @@
           <a:p>
             <a:r>
               <a:rPr lang="ru-RU" sz="2800" dirty="0" smtClean="0"/>
-              <a:t>Но по-настоящему корутины полезны в связке с асинхронным кодом!</a:t>
+              <a:t>Очередным интересным примером является </a:t>
+            </a:r>
+            <a:r>
+              <a:rPr lang="ru-RU" sz="2800" dirty="0"/>
+              <a:t>м</a:t>
+            </a:r>
+            <a:r>
+              <a:rPr lang="ru-RU" sz="2800" dirty="0" smtClean="0"/>
+              <a:t>онада </a:t>
+            </a:r>
+            <a:r>
+              <a:rPr lang="en-US" sz="2800" dirty="0" smtClean="0"/>
+              <a:t>maybe</a:t>
+            </a:r>
+            <a:r>
+              <a:rPr lang="ru-RU" sz="2800" dirty="0"/>
+              <a:t>,</a:t>
+            </a:r>
+            <a:endParaRPr lang="ru-RU" sz="2800" dirty="0" smtClean="0"/>
+          </a:p>
+          <a:p>
+            <a:r>
+              <a:rPr lang="ru-RU" sz="2800" dirty="0"/>
+              <a:t>	</a:t>
+            </a:r>
+            <a:r>
+              <a:rPr lang="ru-RU" sz="2800" dirty="0" smtClean="0"/>
+              <a:t>	реализованная с помощью корутин</a:t>
+            </a:r>
+            <a:r>
+              <a:rPr lang="en-US" sz="2800" dirty="0" smtClean="0"/>
+              <a:t> </a:t>
+            </a:r>
+            <a:r>
+              <a:rPr lang="ru-RU" sz="2800" dirty="0" smtClean="0"/>
+              <a:t> </a:t>
             </a:r>
             <a:endParaRPr lang="ru-RU" sz="2800" dirty="0"/>
-          </a:p>
-        </p:txBody>
-      </p:sp>
-      <p:sp>
-        <p:nvSpPr>
-          <p:cNvPr id="3" name="TextBox 2"/>
-          <p:cNvSpPr txBox="1"/>
-          <p:nvPr/>
-        </p:nvSpPr>
-        <p:spPr>
-          <a:xfrm>
-            <a:off x="982412" y="1174377"/>
-            <a:ext cx="9620134" cy="461665"/>
-          </a:xfrm>
-          <a:prstGeom prst="rect">
-            <a:avLst/>
-          </a:prstGeom>
-          <a:noFill/>
-        </p:spPr>
-        <p:txBody>
-          <a:bodyPr wrap="none" rtlCol="0">
-            <a:spAutoFit/>
-          </a:bodyPr>
-          <a:lstStyle/>
-          <a:p>
-            <a:r>
-              <a:rPr lang="ru-RU" sz="2400" dirty="0" smtClean="0"/>
-              <a:t>Ведь они позволяют делать асинхронный код синхронным(визуально)!</a:t>
-            </a:r>
-            <a:endParaRPr lang="ru-RU" sz="2400" dirty="0"/>
           </a:p>
         </p:txBody>
       </p:sp>
       <p:pic>
         <p:nvPicPr>
-          <p:cNvPr id="4" name="Рисунок 3"/>
+          <p:cNvPr id="5" name="Рисунок 4"/>
           <p:cNvPicPr>
             <a:picLocks noChangeAspect="1"/>
           </p:cNvPicPr>
@@ -17588,8 +17646,8 @@
         </p:blipFill>
         <p:spPr>
           <a:xfrm>
-            <a:off x="2249984" y="1769969"/>
-            <a:ext cx="7828571" cy="2761905"/>
+            <a:off x="2176219" y="1452365"/>
+            <a:ext cx="7857143" cy="2704762"/>
           </a:xfrm>
           <a:prstGeom prst="rect">
             <a:avLst/>
@@ -17598,14 +17656,14 @@
       </p:pic>
       <p:sp>
         <p:nvSpPr>
-          <p:cNvPr id="5" name="TextBox 4"/>
+          <p:cNvPr id="6" name="TextBox 5"/>
           <p:cNvSpPr txBox="1"/>
           <p:nvPr/>
         </p:nvSpPr>
         <p:spPr>
           <a:xfrm>
-            <a:off x="390741" y="4876800"/>
-            <a:ext cx="8060796" cy="1569660"/>
+            <a:off x="422031" y="4607169"/>
+            <a:ext cx="8594148" cy="954107"/>
           </a:xfrm>
           <a:prstGeom prst="rect">
             <a:avLst/>
@@ -17619,45 +17677,89 @@
           <a:lstStyle/>
           <a:p>
             <a:r>
-              <a:rPr lang="ru-RU" sz="3200" dirty="0" smtClean="0"/>
-              <a:t>Для этого нужно сделать:</a:t>
-            </a:r>
-          </a:p>
-          <a:p>
-            <a:r>
-              <a:rPr lang="ru-RU" sz="3200" dirty="0" smtClean="0"/>
-              <a:t>1) </a:t>
-            </a:r>
-            <a:r>
-              <a:rPr lang="en-US" sz="3200" dirty="0" smtClean="0"/>
-              <a:t>Future </a:t>
-            </a:r>
-            <a:r>
-              <a:rPr lang="ru-RU" sz="3200" dirty="0" smtClean="0"/>
-              <a:t>типом, совместимым  с корутинами</a:t>
-            </a:r>
-          </a:p>
-          <a:p>
-            <a:r>
-              <a:rPr lang="ru-RU" sz="3200" dirty="0" smtClean="0"/>
-              <a:t>2)</a:t>
-            </a:r>
-            <a:r>
-              <a:rPr lang="en-US" sz="3200" dirty="0" smtClean="0"/>
-              <a:t>Future awaitable</a:t>
-            </a:r>
-            <a:r>
-              <a:rPr lang="ru-RU" sz="3200" dirty="0" smtClean="0"/>
-              <a:t> типом</a:t>
-            </a:r>
-            <a:endParaRPr lang="ru-RU" sz="3200" dirty="0"/>
+              <a:rPr lang="ru-RU" sz="2800" dirty="0" smtClean="0"/>
+              <a:t>Весьма простой и понятный код, но мы же не слабаки!</a:t>
+            </a:r>
+          </a:p>
+          <a:p>
+            <a:r>
+              <a:rPr lang="ru-RU" sz="2800" dirty="0" smtClean="0"/>
+              <a:t>Перепишем его!</a:t>
+            </a:r>
+            <a:endParaRPr lang="ru-RU" sz="2800" dirty="0"/>
+          </a:p>
+        </p:txBody>
+      </p:sp>
+      <p:pic>
+        <p:nvPicPr>
+          <p:cNvPr id="7" name="Рисунок 6"/>
+          <p:cNvPicPr>
+            <a:picLocks noChangeAspect="1"/>
+          </p:cNvPicPr>
+          <p:nvPr/>
+        </p:nvPicPr>
+        <p:blipFill>
+          <a:blip r:embed="rId3">
+            <a:extLst>
+              <a:ext uri="{28A0092B-C50C-407E-A947-70E740481C1C}">
+                <a14:useLocalDpi xmlns:a14="http://schemas.microsoft.com/office/drawing/2010/main" val="0"/>
+              </a:ext>
+            </a:extLst>
+          </a:blip>
+          <a:stretch>
+            <a:fillRect/>
+          </a:stretch>
+        </p:blipFill>
+        <p:spPr>
+          <a:xfrm>
+            <a:off x="8729662" y="5150095"/>
+            <a:ext cx="3190875" cy="1428750"/>
+          </a:xfrm>
+          <a:prstGeom prst="rect">
+            <a:avLst/>
+          </a:prstGeom>
+        </p:spPr>
+      </p:pic>
+      <p:sp>
+        <p:nvSpPr>
+          <p:cNvPr id="2" name="TextBox 1"/>
+          <p:cNvSpPr txBox="1"/>
+          <p:nvPr/>
+        </p:nvSpPr>
+        <p:spPr>
+          <a:xfrm>
+            <a:off x="527538" y="6255679"/>
+            <a:ext cx="838691" cy="646331"/>
+          </a:xfrm>
+          <a:prstGeom prst="rect">
+            <a:avLst/>
+          </a:prstGeom>
+          <a:noFill/>
+        </p:spPr>
+        <p:txBody>
+          <a:bodyPr wrap="none" rtlCol="0">
+            <a:spAutoFit/>
+          </a:bodyPr>
+          <a:lstStyle/>
+          <a:p>
+            <a:r>
+              <a:rPr lang="en-US" dirty="0"/>
+              <a:t>m</a:t>
+            </a:r>
+            <a:r>
+              <a:rPr lang="en-US" dirty="0" smtClean="0"/>
+              <a:t>aybe</a:t>
+            </a:r>
+          </a:p>
+          <a:p>
+            <a:endParaRPr lang="ru-RU" dirty="0"/>
           </a:p>
         </p:txBody>
       </p:sp>
     </p:spTree>
     <p:extLst>
       <p:ext uri="{BB962C8B-B14F-4D97-AF65-F5344CB8AC3E}">
-        <p14:creationId xmlns:p14="http://schemas.microsoft.com/office/powerpoint/2010/main" val="2871960928"/>
+        <p14:creationId xmlns:p14="http://schemas.microsoft.com/office/powerpoint/2010/main" val="4156367334"/>
       </p:ext>
     </p:extLst>
   </p:cSld>
@@ -17693,35 +17795,61 @@
       </p:grpSpPr>
       <p:sp>
         <p:nvSpPr>
-          <p:cNvPr id="3" name="Объект 2"/>
-          <p:cNvSpPr>
-            <a:spLocks noGrp="1"/>
-          </p:cNvSpPr>
-          <p:nvPr>
-            <p:ph idx="1"/>
-          </p:nvPr>
-        </p:nvSpPr>
-        <p:spPr>
-          <a:xfrm>
-            <a:off x="606669" y="677008"/>
-            <a:ext cx="11175023" cy="1037492"/>
-          </a:xfrm>
-        </p:spPr>
-        <p:txBody>
-          <a:bodyPr>
-            <a:normAutofit/>
+          <p:cNvPr id="2" name="TextBox 1"/>
+          <p:cNvSpPr txBox="1"/>
+          <p:nvPr/>
+        </p:nvSpPr>
+        <p:spPr>
+          <a:xfrm>
+            <a:off x="815444" y="440994"/>
+            <a:ext cx="10904267" cy="523220"/>
+          </a:xfrm>
+          <a:prstGeom prst="rect">
+            <a:avLst/>
+          </a:prstGeom>
+          <a:noFill/>
+        </p:spPr>
+        <p:txBody>
+          <a:bodyPr wrap="none" rtlCol="0">
+            <a:spAutoFit/>
           </a:bodyPr>
           <a:lstStyle/>
           <a:p>
             <a:r>
-              <a:rPr lang="ru-RU" sz="3200" dirty="0" smtClean="0"/>
-              <a:t>Для подобных вещей стандарт предоставляет механизм : </a:t>
-            </a:r>
-            <a:r>
-              <a:rPr lang="en-US" sz="3200" dirty="0" smtClean="0"/>
-              <a:t>std::coroutine_traits</a:t>
-            </a:r>
-            <a:endParaRPr lang="ru-RU" sz="3200" dirty="0"/>
+              <a:rPr lang="ru-RU" sz="2800" dirty="0" smtClean="0"/>
+              <a:t>Но по-настоящему корутины полезны в связке с асинхронным кодом!</a:t>
+            </a:r>
+            <a:endParaRPr lang="ru-RU" sz="2800" dirty="0"/>
+          </a:p>
+        </p:txBody>
+      </p:sp>
+      <p:sp>
+        <p:nvSpPr>
+          <p:cNvPr id="3" name="TextBox 2"/>
+          <p:cNvSpPr txBox="1"/>
+          <p:nvPr/>
+        </p:nvSpPr>
+        <p:spPr>
+          <a:xfrm>
+            <a:off x="982412" y="1174377"/>
+            <a:ext cx="9620134" cy="461665"/>
+          </a:xfrm>
+          <a:prstGeom prst="rect">
+            <a:avLst/>
+          </a:prstGeom>
+          <a:noFill/>
+        </p:spPr>
+        <p:txBody>
+          <a:bodyPr wrap="none" rtlCol="0">
+            <a:spAutoFit/>
+          </a:bodyPr>
+          <a:lstStyle/>
+          <a:p>
+            <a:r>
+              <a:rPr lang="ru-RU" sz="2400" dirty="0" smtClean="0"/>
+              <a:t>Ведь они позволяют делать асинхронный код синхронным(визуально)!</a:t>
+            </a:r>
+            <a:endParaRPr lang="ru-RU" sz="2400" dirty="0"/>
           </a:p>
         </p:txBody>
       </p:sp>
@@ -17747,54 +17875,24 @@
         </p:blipFill>
         <p:spPr>
           <a:xfrm>
-            <a:off x="1571458" y="1806223"/>
-            <a:ext cx="9066667" cy="2190476"/>
+            <a:off x="2249984" y="1769969"/>
+            <a:ext cx="7828571" cy="2761905"/>
           </a:xfrm>
           <a:prstGeom prst="rect">
             <a:avLst/>
           </a:prstGeom>
         </p:spPr>
       </p:pic>
-      <p:pic>
-        <p:nvPicPr>
-          <p:cNvPr id="5" name="Рисунок 4"/>
-          <p:cNvPicPr>
-            <a:picLocks noChangeAspect="1"/>
-          </p:cNvPicPr>
-          <p:nvPr/>
-        </p:nvPicPr>
-        <p:blipFill>
-          <a:blip r:embed="rId3">
-            <a:extLst>
-              <a:ext uri="{28A0092B-C50C-407E-A947-70E740481C1C}">
-                <a14:useLocalDpi xmlns:a14="http://schemas.microsoft.com/office/drawing/2010/main" val="0"/>
-              </a:ext>
-            </a:extLst>
-          </a:blip>
-          <a:stretch>
-            <a:fillRect/>
-          </a:stretch>
-        </p:blipFill>
-        <p:spPr>
-          <a:xfrm>
-            <a:off x="4166454" y="4455503"/>
-            <a:ext cx="3190875" cy="1428750"/>
-          </a:xfrm>
-          <a:prstGeom prst="rect">
-            <a:avLst/>
-          </a:prstGeom>
-        </p:spPr>
-      </p:pic>
-      <p:sp>
-        <p:nvSpPr>
-          <p:cNvPr id="6" name="TextBox 5"/>
+      <p:sp>
+        <p:nvSpPr>
+          <p:cNvPr id="5" name="TextBox 4"/>
           <p:cNvSpPr txBox="1"/>
           <p:nvPr/>
         </p:nvSpPr>
         <p:spPr>
           <a:xfrm>
-            <a:off x="10172700" y="6137030"/>
-            <a:ext cx="1446230" cy="369332"/>
+            <a:off x="390741" y="4876800"/>
+            <a:ext cx="8060796" cy="1569660"/>
           </a:xfrm>
           <a:prstGeom prst="rect">
             <a:avLst/>
@@ -17808,21 +17906,45 @@
           <a:lstStyle/>
           <a:p>
             <a:r>
-              <a:rPr lang="en-US" dirty="0"/>
-              <a:t>a</a:t>
-            </a:r>
-            <a:r>
-              <a:rPr lang="en-US" dirty="0" smtClean="0"/>
-              <a:t>dopt_future</a:t>
-            </a:r>
-            <a:endParaRPr lang="ru-RU" dirty="0"/>
+              <a:rPr lang="ru-RU" sz="3200" dirty="0" smtClean="0"/>
+              <a:t>Для этого нужно сделать:</a:t>
+            </a:r>
+          </a:p>
+          <a:p>
+            <a:r>
+              <a:rPr lang="ru-RU" sz="3200" dirty="0" smtClean="0"/>
+              <a:t>1) </a:t>
+            </a:r>
+            <a:r>
+              <a:rPr lang="en-US" sz="3200" dirty="0" smtClean="0"/>
+              <a:t>Future </a:t>
+            </a:r>
+            <a:r>
+              <a:rPr lang="ru-RU" sz="3200" dirty="0" smtClean="0"/>
+              <a:t>типом, совместимым  с корутинами</a:t>
+            </a:r>
+          </a:p>
+          <a:p>
+            <a:r>
+              <a:rPr lang="ru-RU" sz="3200" dirty="0" smtClean="0"/>
+              <a:t>2)</a:t>
+            </a:r>
+            <a:r>
+              <a:rPr lang="en-US" sz="3200" dirty="0" smtClean="0"/>
+              <a:t>Future awaitable</a:t>
+            </a:r>
+            <a:r>
+              <a:rPr lang="ru-RU" sz="3200" dirty="0" smtClean="0"/>
+              <a:t> типом</a:t>
+            </a:r>
+            <a:endParaRPr lang="ru-RU" sz="3200" dirty="0"/>
           </a:p>
         </p:txBody>
       </p:sp>
     </p:spTree>
     <p:extLst>
       <p:ext uri="{BB962C8B-B14F-4D97-AF65-F5344CB8AC3E}">
-        <p14:creationId xmlns:p14="http://schemas.microsoft.com/office/powerpoint/2010/main" val="1837066491"/>
+        <p14:creationId xmlns:p14="http://schemas.microsoft.com/office/powerpoint/2010/main" val="2871960928"/>
       </p:ext>
     </p:extLst>
   </p:cSld>
@@ -17858,6 +17980,310 @@
       </p:grpSpPr>
       <p:sp>
         <p:nvSpPr>
+          <p:cNvPr id="3" name="Объект 2"/>
+          <p:cNvSpPr>
+            <a:spLocks noGrp="1"/>
+          </p:cNvSpPr>
+          <p:nvPr>
+            <p:ph idx="1"/>
+          </p:nvPr>
+        </p:nvSpPr>
+        <p:spPr>
+          <a:xfrm>
+            <a:off x="606669" y="677008"/>
+            <a:ext cx="11175023" cy="1037492"/>
+          </a:xfrm>
+        </p:spPr>
+        <p:txBody>
+          <a:bodyPr>
+            <a:normAutofit/>
+          </a:bodyPr>
+          <a:lstStyle/>
+          <a:p>
+            <a:r>
+              <a:rPr lang="ru-RU" sz="3200" dirty="0" smtClean="0"/>
+              <a:t>Для подобных вещей стандарт предоставляет механизм : </a:t>
+            </a:r>
+            <a:r>
+              <a:rPr lang="en-US" sz="3200" dirty="0" smtClean="0"/>
+              <a:t>std::coroutine_traits</a:t>
+            </a:r>
+            <a:endParaRPr lang="ru-RU" sz="3200" dirty="0"/>
+          </a:p>
+        </p:txBody>
+      </p:sp>
+      <p:pic>
+        <p:nvPicPr>
+          <p:cNvPr id="4" name="Рисунок 3"/>
+          <p:cNvPicPr>
+            <a:picLocks noChangeAspect="1"/>
+          </p:cNvPicPr>
+          <p:nvPr/>
+        </p:nvPicPr>
+        <p:blipFill>
+          <a:blip r:embed="rId2">
+            <a:extLst>
+              <a:ext uri="{28A0092B-C50C-407E-A947-70E740481C1C}">
+                <a14:useLocalDpi xmlns:a14="http://schemas.microsoft.com/office/drawing/2010/main" val="0"/>
+              </a:ext>
+            </a:extLst>
+          </a:blip>
+          <a:stretch>
+            <a:fillRect/>
+          </a:stretch>
+        </p:blipFill>
+        <p:spPr>
+          <a:xfrm>
+            <a:off x="1571458" y="1806223"/>
+            <a:ext cx="9066667" cy="2190476"/>
+          </a:xfrm>
+          <a:prstGeom prst="rect">
+            <a:avLst/>
+          </a:prstGeom>
+        </p:spPr>
+      </p:pic>
+      <p:pic>
+        <p:nvPicPr>
+          <p:cNvPr id="5" name="Рисунок 4"/>
+          <p:cNvPicPr>
+            <a:picLocks noChangeAspect="1"/>
+          </p:cNvPicPr>
+          <p:nvPr/>
+        </p:nvPicPr>
+        <p:blipFill>
+          <a:blip r:embed="rId3">
+            <a:extLst>
+              <a:ext uri="{28A0092B-C50C-407E-A947-70E740481C1C}">
+                <a14:useLocalDpi xmlns:a14="http://schemas.microsoft.com/office/drawing/2010/main" val="0"/>
+              </a:ext>
+            </a:extLst>
+          </a:blip>
+          <a:stretch>
+            <a:fillRect/>
+          </a:stretch>
+        </p:blipFill>
+        <p:spPr>
+          <a:xfrm>
+            <a:off x="4166454" y="4455503"/>
+            <a:ext cx="3190875" cy="1428750"/>
+          </a:xfrm>
+          <a:prstGeom prst="rect">
+            <a:avLst/>
+          </a:prstGeom>
+        </p:spPr>
+      </p:pic>
+      <p:sp>
+        <p:nvSpPr>
+          <p:cNvPr id="6" name="TextBox 5"/>
+          <p:cNvSpPr txBox="1"/>
+          <p:nvPr/>
+        </p:nvSpPr>
+        <p:spPr>
+          <a:xfrm>
+            <a:off x="10172700" y="6137030"/>
+            <a:ext cx="1446230" cy="369332"/>
+          </a:xfrm>
+          <a:prstGeom prst="rect">
+            <a:avLst/>
+          </a:prstGeom>
+          <a:noFill/>
+        </p:spPr>
+        <p:txBody>
+          <a:bodyPr wrap="none" rtlCol="0">
+            <a:spAutoFit/>
+          </a:bodyPr>
+          <a:lstStyle/>
+          <a:p>
+            <a:r>
+              <a:rPr lang="en-US" dirty="0"/>
+              <a:t>a</a:t>
+            </a:r>
+            <a:r>
+              <a:rPr lang="en-US" dirty="0" smtClean="0"/>
+              <a:t>dopt_future</a:t>
+            </a:r>
+            <a:endParaRPr lang="ru-RU" dirty="0"/>
+          </a:p>
+        </p:txBody>
+      </p:sp>
+    </p:spTree>
+    <p:extLst>
+      <p:ext uri="{BB962C8B-B14F-4D97-AF65-F5344CB8AC3E}">
+        <p14:creationId xmlns:p14="http://schemas.microsoft.com/office/powerpoint/2010/main" val="1837066491"/>
+      </p:ext>
+    </p:extLst>
+  </p:cSld>
+  <p:clrMapOvr>
+    <a:masterClrMapping/>
+  </p:clrMapOvr>
+  <p:timing>
+    <p:tnLst>
+      <p:par>
+        <p:cTn id="1" dur="indefinite" restart="never" nodeType="tmRoot"/>
+      </p:par>
+    </p:tnLst>
+  </p:timing>
+</p:sld>
+</file>
+
+<file path=ppt/slides/slide3.xml><?xml version="1.0" encoding="utf-8"?>
+<p:sld xmlns:a="http://schemas.openxmlformats.org/drawingml/2006/main" xmlns:r="http://schemas.openxmlformats.org/officeDocument/2006/relationships" xmlns:p="http://schemas.openxmlformats.org/presentationml/2006/main">
+  <p:cSld>
+    <p:spTree>
+      <p:nvGrpSpPr>
+        <p:cNvPr id="1" name=""/>
+        <p:cNvGrpSpPr/>
+        <p:nvPr/>
+      </p:nvGrpSpPr>
+      <p:grpSpPr>
+        <a:xfrm>
+          <a:off x="0" y="0"/>
+          <a:ext cx="0" cy="0"/>
+          <a:chOff x="0" y="0"/>
+          <a:chExt cx="0" cy="0"/>
+        </a:xfrm>
+      </p:grpSpPr>
+      <p:sp>
+        <p:nvSpPr>
+          <p:cNvPr id="2" name="Заголовок 1"/>
+          <p:cNvSpPr>
+            <a:spLocks noGrp="1"/>
+          </p:cNvSpPr>
+          <p:nvPr>
+            <p:ph type="title"/>
+          </p:nvPr>
+        </p:nvSpPr>
+        <p:spPr/>
+        <p:txBody>
+          <a:bodyPr/>
+          <a:lstStyle/>
+          <a:p>
+            <a:r>
+              <a:rPr lang="ru-RU" dirty="0" smtClean="0"/>
+              <a:t>План</a:t>
+            </a:r>
+            <a:endParaRPr lang="ru-RU" dirty="0"/>
+          </a:p>
+        </p:txBody>
+      </p:sp>
+      <p:sp>
+        <p:nvSpPr>
+          <p:cNvPr id="4" name="TextBox 3"/>
+          <p:cNvSpPr txBox="1"/>
+          <p:nvPr/>
+        </p:nvSpPr>
+        <p:spPr>
+          <a:xfrm>
+            <a:off x="1307123" y="2066194"/>
+            <a:ext cx="10445262" cy="3508653"/>
+          </a:xfrm>
+          <a:prstGeom prst="rect">
+            <a:avLst/>
+          </a:prstGeom>
+          <a:noFill/>
+        </p:spPr>
+        <p:txBody>
+          <a:bodyPr wrap="square" rtlCol="0">
+            <a:spAutoFit/>
+          </a:bodyPr>
+          <a:lstStyle/>
+          <a:p>
+            <a:pPr marL="342900" indent="-342900">
+              <a:buAutoNum type="arabicParenR"/>
+            </a:pPr>
+            <a:r>
+              <a:rPr lang="ru-RU" sz="2400" dirty="0" smtClean="0"/>
+              <a:t>Обсудить интерфейс сопрограммы</a:t>
+            </a:r>
+          </a:p>
+          <a:p>
+            <a:pPr marL="342900" indent="-342900">
+              <a:buAutoNum type="arabicParenR"/>
+            </a:pPr>
+            <a:r>
+              <a:rPr lang="ru-RU" sz="2400" dirty="0" smtClean="0"/>
+              <a:t>Разобрать внутреннее устройство этого механизма</a:t>
+            </a:r>
+          </a:p>
+          <a:p>
+            <a:pPr marL="342900" indent="-342900">
+              <a:buAutoNum type="arabicParenR"/>
+            </a:pPr>
+            <a:r>
+              <a:rPr lang="ru-RU" sz="2400" dirty="0" smtClean="0"/>
+              <a:t>Вдохновиться компиляторной магией</a:t>
+            </a:r>
+          </a:p>
+          <a:p>
+            <a:pPr marL="342900" indent="-342900">
+              <a:buAutoNum type="arabicParenR"/>
+            </a:pPr>
+            <a:r>
+              <a:rPr lang="ru-RU" sz="2400" dirty="0" smtClean="0"/>
+              <a:t>Изучить проектирование асинхронной логики с использованием сопрограмм</a:t>
+            </a:r>
+          </a:p>
+          <a:p>
+            <a:pPr marL="342900" indent="-342900">
+              <a:buAutoNum type="arabicParenR"/>
+            </a:pPr>
+            <a:r>
+              <a:rPr lang="ru-RU" sz="2400" dirty="0" smtClean="0"/>
+              <a:t>Взглянуть на пару интересных примеров, написанных с использованием корутин</a:t>
+            </a:r>
+          </a:p>
+          <a:p>
+            <a:pPr marL="342900" indent="-342900">
+              <a:buAutoNum type="arabicParenR"/>
+            </a:pPr>
+            <a:endParaRPr lang="ru-RU" dirty="0" smtClean="0"/>
+          </a:p>
+          <a:p>
+            <a:pPr marL="342900" indent="-342900">
+              <a:buAutoNum type="arabicParenR"/>
+            </a:pPr>
+            <a:endParaRPr lang="ru-RU" dirty="0" smtClean="0"/>
+          </a:p>
+          <a:p>
+            <a:pPr marL="342900" indent="-342900">
+              <a:buAutoNum type="arabicParenR"/>
+            </a:pPr>
+            <a:endParaRPr lang="ru-RU" dirty="0" smtClean="0"/>
+          </a:p>
+        </p:txBody>
+      </p:sp>
+    </p:spTree>
+    <p:extLst>
+      <p:ext uri="{BB962C8B-B14F-4D97-AF65-F5344CB8AC3E}">
+        <p14:creationId xmlns:p14="http://schemas.microsoft.com/office/powerpoint/2010/main" val="3632370584"/>
+      </p:ext>
+    </p:extLst>
+  </p:cSld>
+  <p:clrMapOvr>
+    <a:masterClrMapping/>
+  </p:clrMapOvr>
+</p:sld>
+</file>
+
+<file path=ppt/slides/slide30.xml><?xml version="1.0" encoding="utf-8"?>
+<p:sld xmlns:a="http://schemas.openxmlformats.org/drawingml/2006/main" xmlns:r="http://schemas.openxmlformats.org/officeDocument/2006/relationships" xmlns:p="http://schemas.openxmlformats.org/presentationml/2006/main">
+  <p:cSld>
+    <p:spTree>
+      <p:nvGrpSpPr>
+        <p:cNvPr id="1" name=""/>
+        <p:cNvGrpSpPr/>
+        <p:nvPr/>
+      </p:nvGrpSpPr>
+      <p:grpSpPr>
+        <a:xfrm>
+          <a:off x="0" y="0"/>
+          <a:ext cx="0" cy="0"/>
+          <a:chOff x="0" y="0"/>
+          <a:chExt cx="0" cy="0"/>
+        </a:xfrm>
+      </p:grpSpPr>
+      <p:sp>
+        <p:nvSpPr>
           <p:cNvPr id="2" name="Заголовок 1"/>
           <p:cNvSpPr>
             <a:spLocks noGrp="1"/>
@@ -18160,348 +18586,6 @@
 </p:sld>
 </file>
 
-<file path=ppt/slides/slide3.xml><?xml version="1.0" encoding="utf-8"?>
-<p:sld xmlns:a="http://schemas.openxmlformats.org/drawingml/2006/main" xmlns:r="http://schemas.openxmlformats.org/officeDocument/2006/relationships" xmlns:p="http://schemas.openxmlformats.org/presentationml/2006/main">
-  <p:cSld>
-    <p:spTree>
-      <p:nvGrpSpPr>
-        <p:cNvPr id="1" name=""/>
-        <p:cNvGrpSpPr/>
-        <p:nvPr/>
-      </p:nvGrpSpPr>
-      <p:grpSpPr>
-        <a:xfrm>
-          <a:off x="0" y="0"/>
-          <a:ext cx="0" cy="0"/>
-          <a:chOff x="0" y="0"/>
-          <a:chExt cx="0" cy="0"/>
-        </a:xfrm>
-      </p:grpSpPr>
-      <p:sp>
-        <p:nvSpPr>
-          <p:cNvPr id="2" name="Заголовок 1"/>
-          <p:cNvSpPr>
-            <a:spLocks noGrp="1"/>
-          </p:cNvSpPr>
-          <p:nvPr>
-            <p:ph type="title"/>
-          </p:nvPr>
-        </p:nvSpPr>
-        <p:spPr/>
-        <p:txBody>
-          <a:bodyPr/>
-          <a:lstStyle/>
-          <a:p>
-            <a:r>
-              <a:rPr lang="ru-RU" dirty="0" smtClean="0">
-                <a:solidFill>
-                  <a:schemeClr val="tx1"/>
-                </a:solidFill>
-              </a:rPr>
-              <a:t>Обсудим интерфейс обычной функции!</a:t>
-            </a:r>
-            <a:endParaRPr lang="ru-RU" dirty="0">
-              <a:solidFill>
-                <a:schemeClr val="tx1"/>
-              </a:solidFill>
-            </a:endParaRPr>
-          </a:p>
-        </p:txBody>
-      </p:sp>
-      <p:sp>
-        <p:nvSpPr>
-          <p:cNvPr id="8" name="Объект 7"/>
-          <p:cNvSpPr>
-            <a:spLocks noGrp="1"/>
-          </p:cNvSpPr>
-          <p:nvPr>
-            <p:ph idx="1"/>
-          </p:nvPr>
-        </p:nvSpPr>
-        <p:spPr>
-          <a:xfrm>
-            <a:off x="580620" y="2160588"/>
-            <a:ext cx="4114802" cy="3880773"/>
-          </a:xfrm>
-        </p:spPr>
-        <p:txBody>
-          <a:bodyPr>
-            <a:normAutofit/>
-          </a:bodyPr>
-          <a:lstStyle/>
-          <a:p>
-            <a:r>
-              <a:rPr lang="en-US" sz="3200" dirty="0" smtClean="0"/>
-              <a:t>-</a:t>
-            </a:r>
-            <a:r>
-              <a:rPr lang="ru-RU" sz="3200" dirty="0" smtClean="0"/>
-              <a:t>Вернуть результат</a:t>
-            </a:r>
-          </a:p>
-          <a:p>
-            <a:r>
-              <a:rPr lang="en-US" sz="3200" dirty="0" smtClean="0"/>
-              <a:t>-</a:t>
-            </a:r>
-            <a:r>
-              <a:rPr lang="ru-RU" sz="3200" dirty="0" smtClean="0"/>
-              <a:t>Вызвать</a:t>
-            </a:r>
-            <a:endParaRPr lang="ru-RU" sz="3200" dirty="0"/>
-          </a:p>
-        </p:txBody>
-      </p:sp>
-      <p:sp>
-        <p:nvSpPr>
-          <p:cNvPr id="9" name="TextBox 8"/>
-          <p:cNvSpPr txBox="1"/>
-          <p:nvPr/>
-        </p:nvSpPr>
-        <p:spPr>
-          <a:xfrm>
-            <a:off x="475112" y="4285613"/>
-            <a:ext cx="5785012" cy="1077218"/>
-          </a:xfrm>
-          <a:prstGeom prst="rect">
-            <a:avLst/>
-          </a:prstGeom>
-          <a:noFill/>
-        </p:spPr>
-        <p:txBody>
-          <a:bodyPr wrap="square" rtlCol="0">
-            <a:spAutoFit/>
-          </a:bodyPr>
-          <a:lstStyle/>
-          <a:p>
-            <a:r>
-              <a:rPr lang="ru-RU" sz="3200" dirty="0" smtClean="0"/>
-              <a:t>Но можно ли из этого скрафтить что-либо еще?</a:t>
-            </a:r>
-            <a:endParaRPr lang="ru-RU" sz="3200" dirty="0"/>
-          </a:p>
-        </p:txBody>
-      </p:sp>
-      <p:pic>
-        <p:nvPicPr>
-          <p:cNvPr id="3" name="Рисунок 2"/>
-          <p:cNvPicPr>
-            <a:picLocks noChangeAspect="1"/>
-          </p:cNvPicPr>
-          <p:nvPr/>
-        </p:nvPicPr>
-        <p:blipFill>
-          <a:blip r:embed="rId3">
-            <a:extLst>
-              <a:ext uri="{28A0092B-C50C-407E-A947-70E740481C1C}">
-                <a14:useLocalDpi xmlns:a14="http://schemas.microsoft.com/office/drawing/2010/main" val="0"/>
-              </a:ext>
-            </a:extLst>
-          </a:blip>
-          <a:stretch>
-            <a:fillRect/>
-          </a:stretch>
-        </p:blipFill>
-        <p:spPr>
-          <a:xfrm>
-            <a:off x="6558950" y="2160588"/>
-            <a:ext cx="4085714" cy="2542857"/>
-          </a:xfrm>
-          <a:prstGeom prst="rect">
-            <a:avLst/>
-          </a:prstGeom>
-        </p:spPr>
-      </p:pic>
-    </p:spTree>
-    <p:extLst>
-      <p:ext uri="{BB962C8B-B14F-4D97-AF65-F5344CB8AC3E}">
-        <p14:creationId xmlns:p14="http://schemas.microsoft.com/office/powerpoint/2010/main" val="1647948516"/>
-      </p:ext>
-    </p:extLst>
-  </p:cSld>
-  <p:clrMapOvr>
-    <a:masterClrMapping/>
-  </p:clrMapOvr>
-  <p:timing>
-    <p:tnLst>
-      <p:par>
-        <p:cTn id="1" dur="indefinite" restart="never" nodeType="tmRoot"/>
-      </p:par>
-    </p:tnLst>
-  </p:timing>
-</p:sld>
-</file>
-
-<file path=ppt/slides/slide30.xml><?xml version="1.0" encoding="utf-8"?>
-<p:sld xmlns:a="http://schemas.openxmlformats.org/drawingml/2006/main" xmlns:r="http://schemas.openxmlformats.org/officeDocument/2006/relationships" xmlns:p="http://schemas.openxmlformats.org/presentationml/2006/main">
-  <p:cSld>
-    <p:spTree>
-      <p:nvGrpSpPr>
-        <p:cNvPr id="1" name=""/>
-        <p:cNvGrpSpPr/>
-        <p:nvPr/>
-      </p:nvGrpSpPr>
-      <p:grpSpPr>
-        <a:xfrm>
-          <a:off x="0" y="0"/>
-          <a:ext cx="0" cy="0"/>
-          <a:chOff x="0" y="0"/>
-          <a:chExt cx="0" cy="0"/>
-        </a:xfrm>
-      </p:grpSpPr>
-      <p:sp>
-        <p:nvSpPr>
-          <p:cNvPr id="2" name="Заголовок 1"/>
-          <p:cNvSpPr>
-            <a:spLocks noGrp="1"/>
-          </p:cNvSpPr>
-          <p:nvPr>
-            <p:ph type="title"/>
-          </p:nvPr>
-        </p:nvSpPr>
-        <p:spPr/>
-        <p:txBody>
-          <a:bodyPr/>
-          <a:lstStyle/>
-          <a:p>
-            <a:r>
-              <a:rPr lang="ru-RU" dirty="0" smtClean="0"/>
-              <a:t>		Время квиза и решение 				 поставленной задачи!</a:t>
-            </a:r>
-            <a:endParaRPr lang="ru-RU" dirty="0"/>
-          </a:p>
-        </p:txBody>
-      </p:sp>
-      <p:pic>
-        <p:nvPicPr>
-          <p:cNvPr id="4" name="Объект 3"/>
-          <p:cNvPicPr>
-            <a:picLocks noGrp="1" noChangeAspect="1"/>
-          </p:cNvPicPr>
-          <p:nvPr>
-            <p:ph idx="1"/>
-          </p:nvPr>
-        </p:nvPicPr>
-        <p:blipFill>
-          <a:blip r:embed="rId2">
-            <a:extLst>
-              <a:ext uri="{28A0092B-C50C-407E-A947-70E740481C1C}">
-                <a14:useLocalDpi xmlns:a14="http://schemas.microsoft.com/office/drawing/2010/main" val="0"/>
-              </a:ext>
-            </a:extLst>
-          </a:blip>
-          <a:stretch>
-            <a:fillRect/>
-          </a:stretch>
-        </p:blipFill>
-        <p:spPr>
-          <a:xfrm>
-            <a:off x="3806886" y="2702902"/>
-            <a:ext cx="3190875" cy="1428750"/>
-          </a:xfrm>
-        </p:spPr>
-      </p:pic>
-      <p:sp>
-        <p:nvSpPr>
-          <p:cNvPr id="5" name="TextBox 4"/>
-          <p:cNvSpPr txBox="1"/>
-          <p:nvPr/>
-        </p:nvSpPr>
-        <p:spPr>
-          <a:xfrm>
-            <a:off x="3806886" y="5600699"/>
-            <a:ext cx="3382977" cy="523220"/>
-          </a:xfrm>
-          <a:prstGeom prst="rect">
-            <a:avLst/>
-          </a:prstGeom>
-          <a:noFill/>
-        </p:spPr>
-        <p:txBody>
-          <a:bodyPr wrap="none" rtlCol="0">
-            <a:spAutoFit/>
-          </a:bodyPr>
-          <a:lstStyle/>
-          <a:p>
-            <a:r>
-              <a:rPr lang="ru-RU" sz="2800" dirty="0" smtClean="0">
-                <a:solidFill>
-                  <a:srgbClr val="00B050"/>
-                </a:solidFill>
-              </a:rPr>
-              <a:t>Будет сложновато </a:t>
-            </a:r>
-            <a:r>
-              <a:rPr lang="ru-RU" sz="2800" dirty="0" smtClean="0">
-                <a:solidFill>
-                  <a:srgbClr val="00B050"/>
-                </a:solidFill>
-                <a:sym typeface="Wingdings" panose="05000000000000000000" pitchFamily="2" charset="2"/>
-              </a:rPr>
-              <a:t></a:t>
-            </a:r>
-            <a:endParaRPr lang="ru-RU" sz="2800" dirty="0">
-              <a:solidFill>
-                <a:srgbClr val="00B050"/>
-              </a:solidFill>
-            </a:endParaRPr>
-          </a:p>
-        </p:txBody>
-      </p:sp>
-      <p:sp>
-        <p:nvSpPr>
-          <p:cNvPr id="3" name="TextBox 2"/>
-          <p:cNvSpPr txBox="1"/>
-          <p:nvPr/>
-        </p:nvSpPr>
-        <p:spPr>
-          <a:xfrm>
-            <a:off x="9891346" y="6123919"/>
-            <a:ext cx="1662635" cy="369332"/>
-          </a:xfrm>
-          <a:prstGeom prst="rect">
-            <a:avLst/>
-          </a:prstGeom>
-          <a:noFill/>
-        </p:spPr>
-        <p:txBody>
-          <a:bodyPr wrap="none" rtlCol="0">
-            <a:spAutoFit/>
-          </a:bodyPr>
-          <a:lstStyle/>
-          <a:p>
-            <a:r>
-              <a:rPr lang="en-US" dirty="0"/>
-              <a:t>c</a:t>
-            </a:r>
-            <a:r>
-              <a:rPr lang="en-US" dirty="0" smtClean="0"/>
-              <a:t>ombine_comp</a:t>
-            </a:r>
-            <a:endParaRPr lang="ru-RU" dirty="0"/>
-          </a:p>
-        </p:txBody>
-      </p:sp>
-    </p:spTree>
-    <p:extLst>
-      <p:ext uri="{BB962C8B-B14F-4D97-AF65-F5344CB8AC3E}">
-        <p14:creationId xmlns:p14="http://schemas.microsoft.com/office/powerpoint/2010/main" val="1972346438"/>
-      </p:ext>
-    </p:extLst>
-  </p:cSld>
-  <p:clrMapOvr>
-    <a:masterClrMapping/>
-  </p:clrMapOvr>
-  <p:timing>
-    <p:tnLst>
-      <p:par>
-        <p:cTn id="1" dur="indefinite" restart="never" nodeType="tmRoot"/>
-      </p:par>
-    </p:tnLst>
-  </p:timing>
-</p:sld>
-</file>
-
 <file path=ppt/slides/slide31.xml><?xml version="1.0" encoding="utf-8"?>
 <p:sld xmlns:a="http://schemas.openxmlformats.org/drawingml/2006/main" xmlns:r="http://schemas.openxmlformats.org/officeDocument/2006/relationships" xmlns:p="http://schemas.openxmlformats.org/presentationml/2006/main">
   <p:cSld>
@@ -18529,102 +18613,22 @@
             <p:ph type="title"/>
           </p:nvPr>
         </p:nvSpPr>
-        <p:spPr>
-          <a:xfrm>
-            <a:off x="1140351" y="301869"/>
-            <a:ext cx="9875520" cy="1356360"/>
-          </a:xfrm>
-        </p:spPr>
-        <p:txBody>
-          <a:bodyPr>
-            <a:normAutofit/>
-          </a:bodyPr>
-          <a:lstStyle/>
-          <a:p>
-            <a:r>
-              <a:rPr lang="ru-RU" sz="3600" dirty="0" smtClean="0"/>
-              <a:t>	Стоит подметить одну очень интересную 					      деталь!</a:t>
-            </a:r>
-            <a:endParaRPr lang="ru-RU" sz="3600" dirty="0"/>
-          </a:p>
-        </p:txBody>
-      </p:sp>
-      <p:sp>
-        <p:nvSpPr>
-          <p:cNvPr id="5" name="TextBox 4"/>
-          <p:cNvSpPr txBox="1"/>
-          <p:nvPr/>
-        </p:nvSpPr>
-        <p:spPr>
-          <a:xfrm>
-            <a:off x="1589945" y="3652670"/>
-            <a:ext cx="9230732" cy="1569660"/>
-          </a:xfrm>
-          <a:prstGeom prst="rect">
-            <a:avLst/>
-          </a:prstGeom>
-          <a:noFill/>
-        </p:spPr>
-        <p:txBody>
-          <a:bodyPr wrap="none" rtlCol="0">
-            <a:spAutoFit/>
-          </a:bodyPr>
-          <a:lstStyle/>
-          <a:p>
-            <a:r>
-              <a:rPr lang="ru-RU" sz="2400" dirty="0" smtClean="0"/>
-              <a:t>Весь код, который идет после 1го </a:t>
-            </a:r>
-            <a:r>
-              <a:rPr lang="en-US" sz="2400" dirty="0" smtClean="0"/>
-              <a:t>co_await </a:t>
-            </a:r>
-            <a:r>
-              <a:rPr lang="ru-RU" sz="2400" dirty="0" smtClean="0"/>
-              <a:t>является </a:t>
-            </a:r>
-            <a:r>
-              <a:rPr lang="en-US" sz="2400" dirty="0" smtClean="0"/>
-              <a:t>callback’</a:t>
-            </a:r>
-            <a:r>
-              <a:rPr lang="ru-RU" sz="2400" dirty="0" smtClean="0"/>
-              <a:t>ом, </a:t>
-            </a:r>
-            <a:endParaRPr lang="en-US" sz="2400" dirty="0" smtClean="0"/>
-          </a:p>
-          <a:p>
-            <a:r>
-              <a:rPr lang="ru-RU" sz="2400" dirty="0" smtClean="0"/>
-              <a:t>который начнет исполнение  только тогда, </a:t>
-            </a:r>
-          </a:p>
-          <a:p>
-            <a:r>
-              <a:rPr lang="ru-RU" sz="2400" dirty="0" smtClean="0"/>
-              <a:t>когда будет вычислен </a:t>
-            </a:r>
-            <a:r>
-              <a:rPr lang="en-US" sz="2400" dirty="0" smtClean="0"/>
-              <a:t>result! </a:t>
-            </a:r>
-            <a:r>
-              <a:rPr lang="ru-RU" sz="2400" dirty="0" smtClean="0"/>
-              <a:t>Далее раскроется истинный потенциал</a:t>
-            </a:r>
-          </a:p>
-          <a:p>
-            <a:r>
-              <a:rPr lang="ru-RU" sz="2400" dirty="0" smtClean="0"/>
-              <a:t>данной особенности корутин !</a:t>
-            </a:r>
-            <a:endParaRPr lang="ru-RU" sz="2400" dirty="0"/>
+        <p:spPr/>
+        <p:txBody>
+          <a:bodyPr/>
+          <a:lstStyle/>
+          <a:p>
+            <a:r>
+              <a:rPr lang="ru-RU" dirty="0" smtClean="0"/>
+              <a:t>		Время квиза и решение 				 поставленной задачи!</a:t>
+            </a:r>
+            <a:endParaRPr lang="ru-RU" dirty="0"/>
           </a:p>
         </p:txBody>
       </p:sp>
       <p:pic>
         <p:nvPicPr>
-          <p:cNvPr id="7" name="Объект 6"/>
+          <p:cNvPr id="4" name="Объект 3"/>
           <p:cNvPicPr>
             <a:picLocks noGrp="1" noChangeAspect="1"/>
           </p:cNvPicPr>
@@ -18646,15 +18650,96 @@
         </p:blipFill>
         <p:spPr>
           <a:xfrm>
-            <a:off x="1143208" y="2064414"/>
-            <a:ext cx="9872663" cy="1182071"/>
+            <a:off x="3806886" y="2702902"/>
+            <a:ext cx="3190875" cy="1428750"/>
           </a:xfrm>
         </p:spPr>
       </p:pic>
+      <p:sp>
+        <p:nvSpPr>
+          <p:cNvPr id="5" name="TextBox 4"/>
+          <p:cNvSpPr txBox="1"/>
+          <p:nvPr/>
+        </p:nvSpPr>
+        <p:spPr>
+          <a:xfrm>
+            <a:off x="3806886" y="5600699"/>
+            <a:ext cx="3382977" cy="523220"/>
+          </a:xfrm>
+          <a:prstGeom prst="rect">
+            <a:avLst/>
+          </a:prstGeom>
+          <a:noFill/>
+        </p:spPr>
+        <p:txBody>
+          <a:bodyPr wrap="none" rtlCol="0">
+            <a:spAutoFit/>
+          </a:bodyPr>
+          <a:lstStyle/>
+          <a:p>
+            <a:r>
+              <a:rPr lang="ru-RU" sz="2800" dirty="0" smtClean="0">
+                <a:solidFill>
+                  <a:srgbClr val="00B050"/>
+                </a:solidFill>
+              </a:rPr>
+              <a:t>Будет сложновато </a:t>
+            </a:r>
+            <a:r>
+              <a:rPr lang="ru-RU" sz="2800" dirty="0" smtClean="0">
+                <a:solidFill>
+                  <a:srgbClr val="00B050"/>
+                </a:solidFill>
+                <a:sym typeface="Wingdings" panose="05000000000000000000" pitchFamily="2" charset="2"/>
+              </a:rPr>
+              <a:t></a:t>
+            </a:r>
+            <a:endParaRPr lang="ru-RU" sz="2800" dirty="0">
+              <a:solidFill>
+                <a:srgbClr val="00B050"/>
+              </a:solidFill>
+            </a:endParaRPr>
+          </a:p>
+        </p:txBody>
+      </p:sp>
+      <p:sp>
+        <p:nvSpPr>
+          <p:cNvPr id="3" name="TextBox 2"/>
+          <p:cNvSpPr txBox="1"/>
+          <p:nvPr/>
+        </p:nvSpPr>
+        <p:spPr>
+          <a:xfrm>
+            <a:off x="9891346" y="6123919"/>
+            <a:ext cx="1662635" cy="369332"/>
+          </a:xfrm>
+          <a:prstGeom prst="rect">
+            <a:avLst/>
+          </a:prstGeom>
+          <a:noFill/>
+        </p:spPr>
+        <p:txBody>
+          <a:bodyPr wrap="none" rtlCol="0">
+            <a:spAutoFit/>
+          </a:bodyPr>
+          <a:lstStyle/>
+          <a:p>
+            <a:r>
+              <a:rPr lang="en-US" dirty="0"/>
+              <a:t>c</a:t>
+            </a:r>
+            <a:r>
+              <a:rPr lang="en-US" dirty="0" smtClean="0"/>
+              <a:t>ombine_comp</a:t>
+            </a:r>
+            <a:endParaRPr lang="ru-RU" dirty="0"/>
+          </a:p>
+        </p:txBody>
+      </p:sp>
     </p:spTree>
     <p:extLst>
       <p:ext uri="{BB962C8B-B14F-4D97-AF65-F5344CB8AC3E}">
-        <p14:creationId xmlns:p14="http://schemas.microsoft.com/office/powerpoint/2010/main" val="670540857"/>
+        <p14:creationId xmlns:p14="http://schemas.microsoft.com/office/powerpoint/2010/main" val="1972346438"/>
       </p:ext>
     </p:extLst>
   </p:cSld>
@@ -18700,44 +18785,109 @@
         </p:nvSpPr>
         <p:spPr>
           <a:xfrm>
-            <a:off x="1201897" y="424961"/>
+            <a:off x="1140351" y="301869"/>
             <a:ext cx="9875520" cy="1356360"/>
           </a:xfrm>
         </p:spPr>
         <p:txBody>
-          <a:bodyPr/>
-          <a:lstStyle/>
-          <a:p>
-            <a:r>
-              <a:rPr lang="ru-RU" dirty="0" smtClean="0"/>
-              <a:t>	</a:t>
-            </a:r>
-            <a:r>
-              <a:rPr lang="ru-RU" sz="4800" dirty="0" smtClean="0">
-                <a:solidFill>
-                  <a:srgbClr val="0070C0"/>
-                </a:solidFill>
-              </a:rPr>
-              <a:t>Но стоит быть аккуратнее !</a:t>
-            </a:r>
-            <a:endParaRPr lang="ru-RU" sz="4800" dirty="0">
-              <a:solidFill>
-                <a:srgbClr val="0070C0"/>
-              </a:solidFill>
-            </a:endParaRPr>
+          <a:bodyPr>
+            <a:normAutofit/>
+          </a:bodyPr>
+          <a:lstStyle/>
+          <a:p>
+            <a:r>
+              <a:rPr lang="ru-RU" sz="3600" dirty="0" smtClean="0"/>
+              <a:t>	Стоит подметить одну очень интересную 					      деталь!</a:t>
+            </a:r>
+            <a:endParaRPr lang="ru-RU" sz="3600" dirty="0"/>
+          </a:p>
+        </p:txBody>
+      </p:sp>
+      <p:sp>
+        <p:nvSpPr>
+          <p:cNvPr id="5" name="TextBox 4"/>
+          <p:cNvSpPr txBox="1"/>
+          <p:nvPr/>
+        </p:nvSpPr>
+        <p:spPr>
+          <a:xfrm>
+            <a:off x="1589945" y="3652670"/>
+            <a:ext cx="9230732" cy="1569660"/>
+          </a:xfrm>
+          <a:prstGeom prst="rect">
+            <a:avLst/>
+          </a:prstGeom>
+          <a:noFill/>
+        </p:spPr>
+        <p:txBody>
+          <a:bodyPr wrap="none" rtlCol="0">
+            <a:spAutoFit/>
+          </a:bodyPr>
+          <a:lstStyle/>
+          <a:p>
+            <a:r>
+              <a:rPr lang="ru-RU" sz="2400" dirty="0" smtClean="0"/>
+              <a:t>Весь код, который идет после 1го </a:t>
+            </a:r>
+            <a:r>
+              <a:rPr lang="en-US" sz="2400" dirty="0" smtClean="0"/>
+              <a:t>co_await </a:t>
+            </a:r>
+            <a:r>
+              <a:rPr lang="ru-RU" sz="2400" dirty="0" smtClean="0"/>
+              <a:t>является </a:t>
+            </a:r>
+            <a:r>
+              <a:rPr lang="en-US" sz="2400" dirty="0" smtClean="0"/>
+              <a:t>callback’</a:t>
+            </a:r>
+            <a:r>
+              <a:rPr lang="ru-RU" sz="2400" dirty="0" smtClean="0"/>
+              <a:t>ом, </a:t>
+            </a:r>
+            <a:endParaRPr lang="en-US" sz="2400" dirty="0" smtClean="0"/>
+          </a:p>
+          <a:p>
+            <a:r>
+              <a:rPr lang="ru-RU" sz="2400" dirty="0" smtClean="0"/>
+              <a:t>который начнет исполнение  только тогда, </a:t>
+            </a:r>
+          </a:p>
+          <a:p>
+            <a:r>
+              <a:rPr lang="ru-RU" sz="2400" dirty="0" smtClean="0"/>
+              <a:t>когда будет вычислен </a:t>
+            </a:r>
+            <a:r>
+              <a:rPr lang="en-US" sz="2400" dirty="0" smtClean="0"/>
+              <a:t>result! </a:t>
+            </a:r>
+            <a:r>
+              <a:rPr lang="ru-RU" sz="2400" dirty="0" smtClean="0"/>
+              <a:t>Далее раскроется истинный потенциал</a:t>
+            </a:r>
+          </a:p>
+          <a:p>
+            <a:r>
+              <a:rPr lang="ru-RU" sz="2400" dirty="0" smtClean="0"/>
+              <a:t>данной особенности корутин !</a:t>
+            </a:r>
+            <a:endParaRPr lang="ru-RU" sz="2400" dirty="0"/>
           </a:p>
         </p:txBody>
       </p:sp>
       <p:pic>
         <p:nvPicPr>
-          <p:cNvPr id="4" name="Рисунок 3"/>
+          <p:cNvPr id="7" name="Объект 6"/>
           <p:cNvPicPr>
-            <a:picLocks noChangeAspect="1"/>
+            <a:picLocks noGrp="1" noChangeAspect="1"/>
           </p:cNvPicPr>
-          <p:nvPr/>
+          <p:nvPr>
+            <p:ph idx="1"/>
+          </p:nvPr>
         </p:nvPicPr>
         <p:blipFill>
-          <a:blip r:embed="rId3">
+          <a:blip r:embed="rId2">
             <a:extLst>
               <a:ext uri="{28A0092B-C50C-407E-A947-70E740481C1C}">
                 <a14:useLocalDpi xmlns:a14="http://schemas.microsoft.com/office/drawing/2010/main" val="0"/>
@@ -18750,78 +18900,15 @@
         </p:blipFill>
         <p:spPr>
           <a:xfrm>
-            <a:off x="1704018" y="1781321"/>
-            <a:ext cx="8133333" cy="2542857"/>
-          </a:xfrm>
-          <a:prstGeom prst="rect">
-            <a:avLst/>
-          </a:prstGeom>
+            <a:off x="1143208" y="2064414"/>
+            <a:ext cx="9872663" cy="1182071"/>
+          </a:xfrm>
         </p:spPr>
       </p:pic>
-      <p:sp>
-        <p:nvSpPr>
-          <p:cNvPr id="6" name="TextBox 5"/>
-          <p:cNvSpPr txBox="1"/>
-          <p:nvPr/>
-        </p:nvSpPr>
-        <p:spPr>
-          <a:xfrm>
-            <a:off x="1354015" y="5155910"/>
-            <a:ext cx="9019329" cy="584775"/>
-          </a:xfrm>
-          <a:prstGeom prst="rect">
-            <a:avLst/>
-          </a:prstGeom>
-          <a:noFill/>
-        </p:spPr>
-        <p:txBody>
-          <a:bodyPr wrap="none" rtlCol="0">
-            <a:spAutoFit/>
-          </a:bodyPr>
-          <a:lstStyle/>
-          <a:p>
-            <a:r>
-              <a:rPr lang="ru-RU" sz="3200" dirty="0" smtClean="0"/>
-              <a:t>Вам принесли данный код на ревью. Что скажете?</a:t>
-            </a:r>
-            <a:endParaRPr lang="ru-RU" sz="3200" dirty="0"/>
-          </a:p>
-        </p:txBody>
-      </p:sp>
-      <p:sp>
-        <p:nvSpPr>
-          <p:cNvPr id="7" name="TextBox 6"/>
-          <p:cNvSpPr txBox="1"/>
-          <p:nvPr/>
-        </p:nvSpPr>
-        <p:spPr>
-          <a:xfrm>
-            <a:off x="3853961" y="5820508"/>
-            <a:ext cx="3675185" cy="584775"/>
-          </a:xfrm>
-          <a:prstGeom prst="rect">
-            <a:avLst/>
-          </a:prstGeom>
-          <a:noFill/>
-        </p:spPr>
-        <p:txBody>
-          <a:bodyPr wrap="square" rtlCol="0">
-            <a:spAutoFit/>
-          </a:bodyPr>
-          <a:lstStyle/>
-          <a:p>
-            <a:r>
-              <a:rPr lang="ru-RU" sz="3200" dirty="0" smtClean="0"/>
-              <a:t>Как переписать?</a:t>
-            </a:r>
-            <a:endParaRPr lang="ru-RU" sz="3200" dirty="0"/>
-          </a:p>
-        </p:txBody>
-      </p:sp>
     </p:spTree>
     <p:extLst>
       <p:ext uri="{BB962C8B-B14F-4D97-AF65-F5344CB8AC3E}">
-        <p14:creationId xmlns:p14="http://schemas.microsoft.com/office/powerpoint/2010/main" val="2904296687"/>
+        <p14:creationId xmlns:p14="http://schemas.microsoft.com/office/powerpoint/2010/main" val="670540857"/>
       </p:ext>
     </p:extLst>
   </p:cSld>
@@ -18865,44 +18952,33 @@
             <p:ph type="title"/>
           </p:nvPr>
         </p:nvSpPr>
-        <p:spPr/>
+        <p:spPr>
+          <a:xfrm>
+            <a:off x="1201897" y="424961"/>
+            <a:ext cx="9875520" cy="1356360"/>
+          </a:xfrm>
+        </p:spPr>
         <p:txBody>
           <a:bodyPr/>
           <a:lstStyle/>
           <a:p>
             <a:r>
-              <a:rPr lang="ru-RU" dirty="0" smtClean="0">
+              <a:rPr lang="ru-RU" dirty="0" smtClean="0"/>
+              <a:t>	</a:t>
+            </a:r>
+            <a:r>
+              <a:rPr lang="ru-RU" sz="4800" dirty="0" smtClean="0">
                 <a:solidFill>
                   <a:srgbClr val="0070C0"/>
                 </a:solidFill>
               </a:rPr>
-              <a:t>	</a:t>
-            </a:r>
-            <a:r>
-              <a:rPr lang="en-US" dirty="0" smtClean="0">
-                <a:solidFill>
-                  <a:srgbClr val="0070C0"/>
-                </a:solidFill>
-              </a:rPr>
-              <a:t>  </a:t>
-            </a:r>
-            <a:r>
-              <a:rPr lang="ru-RU" dirty="0" smtClean="0">
-                <a:solidFill>
-                  <a:srgbClr val="0070C0"/>
-                </a:solidFill>
-              </a:rPr>
-              <a:t> Но </a:t>
-            </a:r>
-            <a:r>
-              <a:rPr lang="ru-RU" dirty="0">
-                <a:solidFill>
-                  <a:srgbClr val="0070C0"/>
-                </a:solidFill>
-              </a:rPr>
-              <a:t>стоит быть аккуратнее !</a:t>
-            </a:r>
-            <a:endParaRPr lang="ru-RU" dirty="0"/>
+              <a:t>Но стоит быть аккуратнее !</a:t>
+            </a:r>
+            <a:endParaRPr lang="ru-RU" sz="4800" dirty="0">
+              <a:solidFill>
+                <a:srgbClr val="0070C0"/>
+              </a:solidFill>
+            </a:endParaRPr>
           </a:p>
         </p:txBody>
       </p:sp>
@@ -18915,7 +18991,7 @@
           <p:nvPr/>
         </p:nvPicPr>
         <p:blipFill>
-          <a:blip r:embed="rId2">
+          <a:blip r:embed="rId3">
             <a:extLst>
               <a:ext uri="{28A0092B-C50C-407E-A947-70E740481C1C}">
                 <a14:useLocalDpi xmlns:a14="http://schemas.microsoft.com/office/drawing/2010/main" val="0"/>
@@ -18928,8 +19004,8 @@
         </p:blipFill>
         <p:spPr>
           <a:xfrm>
-            <a:off x="2416841" y="1801518"/>
-            <a:ext cx="6742857" cy="3114286"/>
+            <a:off x="1704018" y="1781321"/>
+            <a:ext cx="8133333" cy="2542857"/>
           </a:xfrm>
           <a:prstGeom prst="rect">
             <a:avLst/>
@@ -18938,14 +19014,14 @@
       </p:pic>
       <p:sp>
         <p:nvSpPr>
-          <p:cNvPr id="5" name="TextBox 4"/>
+          <p:cNvPr id="6" name="TextBox 5"/>
           <p:cNvSpPr txBox="1"/>
           <p:nvPr/>
         </p:nvSpPr>
         <p:spPr>
           <a:xfrm>
-            <a:off x="3745524" y="5609492"/>
-            <a:ext cx="3911648" cy="646331"/>
+            <a:off x="1354015" y="5155910"/>
+            <a:ext cx="9019329" cy="584775"/>
           </a:xfrm>
           <a:prstGeom prst="rect">
             <a:avLst/>
@@ -18959,25 +19035,47 @@
           <a:lstStyle/>
           <a:p>
             <a:r>
-              <a:rPr lang="ru-RU" sz="3600" dirty="0" smtClean="0">
-                <a:solidFill>
-                  <a:srgbClr val="FF0000"/>
-                </a:solidFill>
-              </a:rPr>
-              <a:t>Ускорение вдвое!! </a:t>
-            </a:r>
-            <a:endParaRPr lang="ru-RU" sz="3600" dirty="0">
-              <a:solidFill>
-                <a:srgbClr val="FF0000"/>
-              </a:solidFill>
-            </a:endParaRPr>
+              <a:rPr lang="ru-RU" sz="3200" dirty="0" smtClean="0"/>
+              <a:t>Вам принесли данный код на ревью. Что скажете?</a:t>
+            </a:r>
+            <a:endParaRPr lang="ru-RU" sz="3200" dirty="0"/>
+          </a:p>
+        </p:txBody>
+      </p:sp>
+      <p:sp>
+        <p:nvSpPr>
+          <p:cNvPr id="7" name="TextBox 6"/>
+          <p:cNvSpPr txBox="1"/>
+          <p:nvPr/>
+        </p:nvSpPr>
+        <p:spPr>
+          <a:xfrm>
+            <a:off x="3853961" y="5820508"/>
+            <a:ext cx="3675185" cy="584775"/>
+          </a:xfrm>
+          <a:prstGeom prst="rect">
+            <a:avLst/>
+          </a:prstGeom>
+          <a:noFill/>
+        </p:spPr>
+        <p:txBody>
+          <a:bodyPr wrap="square" rtlCol="0">
+            <a:spAutoFit/>
+          </a:bodyPr>
+          <a:lstStyle/>
+          <a:p>
+            <a:r>
+              <a:rPr lang="ru-RU" sz="3200" dirty="0" smtClean="0"/>
+              <a:t>Как переписать?</a:t>
+            </a:r>
+            <a:endParaRPr lang="ru-RU" sz="3200" dirty="0"/>
           </a:p>
         </p:txBody>
       </p:sp>
     </p:spTree>
     <p:extLst>
       <p:ext uri="{BB962C8B-B14F-4D97-AF65-F5344CB8AC3E}">
-        <p14:creationId xmlns:p14="http://schemas.microsoft.com/office/powerpoint/2010/main" val="3378389143"/>
+        <p14:creationId xmlns:p14="http://schemas.microsoft.com/office/powerpoint/2010/main" val="2904296687"/>
       </p:ext>
     </p:extLst>
   </p:cSld>
@@ -19027,8 +19125,36 @@
           <a:lstStyle/>
           <a:p>
             <a:r>
-              <a:rPr lang="ru-RU" dirty="0" smtClean="0"/>
-              <a:t>		Посмотрим на пример</a:t>
+              <a:rPr lang="ru-RU" dirty="0" smtClean="0">
+                <a:solidFill>
+                  <a:srgbClr val="0070C0"/>
+                </a:solidFill>
+              </a:rPr>
+              <a:t>	</a:t>
+            </a:r>
+            <a:r>
+              <a:rPr lang="en-US" dirty="0" smtClean="0">
+                <a:solidFill>
+                  <a:srgbClr val="0070C0"/>
+                </a:solidFill>
+              </a:rPr>
+              <a:t>  </a:t>
+            </a:r>
+            <a:r>
+              <a:rPr lang="ru-RU" dirty="0" smtClean="0">
+                <a:solidFill>
+                  <a:srgbClr val="0070C0"/>
+                </a:solidFill>
+              </a:rPr>
+              <a:t> Но </a:t>
+            </a:r>
+            <a:r>
+              <a:rPr lang="ru-RU" dirty="0">
+                <a:solidFill>
+                  <a:srgbClr val="0070C0"/>
+                </a:solidFill>
+              </a:rPr>
+              <a:t>стоит быть аккуратнее !</a:t>
             </a:r>
             <a:endParaRPr lang="ru-RU" dirty="0"/>
           </a:p>
@@ -19056,8 +19182,8 @@
         </p:blipFill>
         <p:spPr>
           <a:xfrm>
-            <a:off x="4060947" y="2459648"/>
-            <a:ext cx="3190875" cy="1428750"/>
+            <a:off x="2416841" y="1801518"/>
+            <a:ext cx="6742857" cy="3114286"/>
           </a:xfrm>
           <a:prstGeom prst="rect">
             <a:avLst/>
@@ -19072,8 +19198,8 @@
         </p:nvSpPr>
         <p:spPr>
           <a:xfrm>
-            <a:off x="9988061" y="6101861"/>
-            <a:ext cx="1537600" cy="369332"/>
+            <a:off x="3745524" y="5609492"/>
+            <a:ext cx="3911648" cy="646331"/>
           </a:xfrm>
           <a:prstGeom prst="rect">
             <a:avLst/>
@@ -19087,21 +19213,25 @@
           <a:lstStyle/>
           <a:p>
             <a:r>
-              <a:rPr lang="en-US" dirty="0"/>
-              <a:t>p</a:t>
-            </a:r>
-            <a:r>
-              <a:rPr lang="en-US" dirty="0" smtClean="0"/>
-              <a:t>arallel_async</a:t>
-            </a:r>
-            <a:endParaRPr lang="ru-RU" dirty="0"/>
+              <a:rPr lang="ru-RU" sz="3600" dirty="0" smtClean="0">
+                <a:solidFill>
+                  <a:srgbClr val="FF0000"/>
+                </a:solidFill>
+              </a:rPr>
+              <a:t>Ускорение вдвое!! </a:t>
+            </a:r>
+            <a:endParaRPr lang="ru-RU" sz="3600" dirty="0">
+              <a:solidFill>
+                <a:srgbClr val="FF0000"/>
+              </a:solidFill>
+            </a:endParaRPr>
           </a:p>
         </p:txBody>
       </p:sp>
     </p:spTree>
     <p:extLst>
       <p:ext uri="{BB962C8B-B14F-4D97-AF65-F5344CB8AC3E}">
-        <p14:creationId xmlns:p14="http://schemas.microsoft.com/office/powerpoint/2010/main" val="3971302631"/>
+        <p14:creationId xmlns:p14="http://schemas.microsoft.com/office/powerpoint/2010/main" val="3378389143"/>
       </p:ext>
     </p:extLst>
   </p:cSld>
@@ -19137,41 +19267,30 @@
       </p:grpSpPr>
       <p:sp>
         <p:nvSpPr>
-          <p:cNvPr id="2" name="TextBox 1"/>
-          <p:cNvSpPr txBox="1"/>
-          <p:nvPr/>
-        </p:nvSpPr>
-        <p:spPr>
-          <a:xfrm>
-            <a:off x="2382715" y="800099"/>
-            <a:ext cx="7523213" cy="523220"/>
-          </a:xfrm>
-          <a:prstGeom prst="rect">
-            <a:avLst/>
-          </a:prstGeom>
-          <a:noFill/>
-        </p:spPr>
-        <p:txBody>
-          <a:bodyPr wrap="none" rtlCol="0">
-            <a:spAutoFit/>
-          </a:bodyPr>
-          <a:lstStyle/>
-          <a:p>
-            <a:r>
-              <a:rPr lang="ru-RU" sz="2800" dirty="0" smtClean="0"/>
-              <a:t>Приправим доклад напоследок щепоткой </a:t>
-            </a:r>
-            <a:r>
-              <a:rPr lang="en-US" sz="2800" dirty="0" smtClean="0"/>
-              <a:t>asio !</a:t>
-            </a:r>
-            <a:endParaRPr lang="ru-RU" sz="2800" dirty="0"/>
+          <p:cNvPr id="2" name="Заголовок 1"/>
+          <p:cNvSpPr>
+            <a:spLocks noGrp="1"/>
+          </p:cNvSpPr>
+          <p:nvPr>
+            <p:ph type="title"/>
+          </p:nvPr>
+        </p:nvSpPr>
+        <p:spPr/>
+        <p:txBody>
+          <a:bodyPr/>
+          <a:lstStyle/>
+          <a:p>
+            <a:r>
+              <a:rPr lang="ru-RU" dirty="0" smtClean="0"/>
+              <a:t>		Посмотрим на пример</a:t>
+            </a:r>
+            <a:endParaRPr lang="ru-RU" dirty="0"/>
           </a:p>
         </p:txBody>
       </p:sp>
       <p:pic>
         <p:nvPicPr>
-          <p:cNvPr id="3" name="Рисунок 2"/>
+          <p:cNvPr id="4" name="Рисунок 3"/>
           <p:cNvPicPr>
             <a:picLocks noChangeAspect="1"/>
           </p:cNvPicPr>
@@ -19191,44 +19310,14 @@
         </p:blipFill>
         <p:spPr>
           <a:xfrm>
-            <a:off x="3544033" y="1566861"/>
-            <a:ext cx="4629150" cy="3267075"/>
+            <a:off x="4060947" y="2459648"/>
+            <a:ext cx="3190875" cy="1428750"/>
           </a:xfrm>
           <a:prstGeom prst="rect">
             <a:avLst/>
           </a:prstGeom>
         </p:spPr>
       </p:pic>
-      <p:pic>
-        <p:nvPicPr>
-          <p:cNvPr id="4" name="Рисунок 3"/>
-          <p:cNvPicPr>
-            <a:picLocks noChangeAspect="1"/>
-          </p:cNvPicPr>
-          <p:nvPr/>
-        </p:nvPicPr>
-        <p:blipFill>
-          <a:blip r:embed="rId3">
-            <a:extLst>
-              <a:ext uri="{28A0092B-C50C-407E-A947-70E740481C1C}">
-                <a14:useLocalDpi xmlns:a14="http://schemas.microsoft.com/office/drawing/2010/main" val="0"/>
-              </a:ext>
-            </a:extLst>
-          </a:blip>
-          <a:stretch>
-            <a:fillRect/>
-          </a:stretch>
-        </p:blipFill>
-        <p:spPr>
-          <a:xfrm>
-            <a:off x="4368678" y="5079756"/>
-            <a:ext cx="3190875" cy="1428750"/>
-          </a:xfrm>
-          <a:prstGeom prst="rect">
-            <a:avLst/>
-          </a:prstGeom>
-        </p:spPr>
-      </p:pic>
       <p:sp>
         <p:nvSpPr>
           <p:cNvPr id="5" name="TextBox 4"/>
@@ -19237,8 +19326,8 @@
         </p:nvSpPr>
         <p:spPr>
           <a:xfrm>
-            <a:off x="10243038" y="6156758"/>
-            <a:ext cx="2110154" cy="369332"/>
+            <a:off x="9988061" y="6101861"/>
+            <a:ext cx="1537600" cy="369332"/>
           </a:xfrm>
           <a:prstGeom prst="rect">
             <a:avLst/>
@@ -19246,18 +19335,18 @@
           <a:noFill/>
         </p:spPr>
         <p:txBody>
-          <a:bodyPr wrap="square" rtlCol="0">
+          <a:bodyPr wrap="none" rtlCol="0">
             <a:spAutoFit/>
           </a:bodyPr>
           <a:lstStyle/>
           <a:p>
             <a:r>
               <a:rPr lang="en-US" dirty="0"/>
-              <a:t>s</a:t>
+              <a:t>p</a:t>
             </a:r>
             <a:r>
               <a:rPr lang="en-US" dirty="0" smtClean="0"/>
-              <a:t>imple_tcp</a:t>
+              <a:t>arallel_async</a:t>
             </a:r>
             <a:endParaRPr lang="ru-RU" dirty="0"/>
           </a:p>
@@ -19266,7 +19355,7 @@
     </p:spTree>
     <p:extLst>
       <p:ext uri="{BB962C8B-B14F-4D97-AF65-F5344CB8AC3E}">
-        <p14:creationId xmlns:p14="http://schemas.microsoft.com/office/powerpoint/2010/main" val="3204555652"/>
+        <p14:creationId xmlns:p14="http://schemas.microsoft.com/office/powerpoint/2010/main" val="3971302631"/>
       </p:ext>
     </p:extLst>
   </p:cSld>
@@ -19302,14 +19391,14 @@
       </p:grpSpPr>
       <p:sp>
         <p:nvSpPr>
-          <p:cNvPr id="4" name="TextBox 3"/>
+          <p:cNvPr id="2" name="TextBox 1"/>
           <p:cNvSpPr txBox="1"/>
           <p:nvPr/>
         </p:nvSpPr>
         <p:spPr>
           <a:xfrm>
-            <a:off x="198589" y="404448"/>
-            <a:ext cx="11993411" cy="830997"/>
+            <a:off x="2382715" y="800099"/>
+            <a:ext cx="7523213" cy="523220"/>
           </a:xfrm>
           <a:prstGeom prst="rect">
             <a:avLst/>
@@ -19323,40 +19412,20 @@
           <a:lstStyle/>
           <a:p>
             <a:r>
-              <a:rPr lang="ru-RU" sz="2400" b="1" dirty="0" smtClean="0"/>
-              <a:t>Благодаря корутинам код становится понятным(но не в случае </a:t>
-            </a:r>
-            <a:r>
-              <a:rPr lang="en-US" sz="2400" b="1" dirty="0" smtClean="0"/>
-              <a:t>asio </a:t>
-            </a:r>
-            <a:r>
-              <a:rPr lang="en-US" sz="2400" b="1" dirty="0" smtClean="0">
-                <a:sym typeface="Wingdings" panose="05000000000000000000" pitchFamily="2" charset="2"/>
-              </a:rPr>
-              <a:t>) </a:t>
-            </a:r>
-            <a:r>
-              <a:rPr lang="ru-RU" sz="2400" b="1" dirty="0" smtClean="0">
-                <a:sym typeface="Wingdings" panose="05000000000000000000" pitchFamily="2" charset="2"/>
-              </a:rPr>
-              <a:t> и лаконичным.</a:t>
-            </a:r>
-          </a:p>
-          <a:p>
-            <a:r>
-              <a:rPr lang="ru-RU" sz="2400" b="1" dirty="0" smtClean="0">
-                <a:sym typeface="Wingdings" panose="05000000000000000000" pitchFamily="2" charset="2"/>
-              </a:rPr>
-              <a:t>Логика собирается в одном месте и это легко масштабировать!</a:t>
-            </a:r>
-            <a:endParaRPr lang="ru-RU" sz="2400" b="1" dirty="0"/>
+              <a:rPr lang="ru-RU" sz="2800" dirty="0" smtClean="0"/>
+              <a:t>Приправим доклад напоследок щепоткой </a:t>
+            </a:r>
+            <a:r>
+              <a:rPr lang="en-US" sz="2800" dirty="0" smtClean="0"/>
+              <a:t>asio !</a:t>
+            </a:r>
+            <a:endParaRPr lang="ru-RU" sz="2800" dirty="0"/>
           </a:p>
         </p:txBody>
       </p:sp>
       <p:pic>
         <p:nvPicPr>
-          <p:cNvPr id="8" name="Рисунок 7"/>
+          <p:cNvPr id="3" name="Рисунок 2"/>
           <p:cNvPicPr>
             <a:picLocks noChangeAspect="1"/>
           </p:cNvPicPr>
@@ -19376,67 +19445,17 @@
         </p:blipFill>
         <p:spPr>
           <a:xfrm>
-            <a:off x="888023" y="1690045"/>
-            <a:ext cx="10058400" cy="1462065"/>
+            <a:off x="3544033" y="1566861"/>
+            <a:ext cx="4629150" cy="3267075"/>
           </a:xfrm>
           <a:prstGeom prst="rect">
             <a:avLst/>
           </a:prstGeom>
         </p:spPr>
       </p:pic>
-      <p:sp>
-        <p:nvSpPr>
-          <p:cNvPr id="10" name="TextBox 9"/>
-          <p:cNvSpPr txBox="1"/>
-          <p:nvPr/>
-        </p:nvSpPr>
-        <p:spPr>
-          <a:xfrm>
-            <a:off x="571500" y="3606710"/>
-            <a:ext cx="10923888" cy="1569660"/>
-          </a:xfrm>
-          <a:prstGeom prst="rect">
-            <a:avLst/>
-          </a:prstGeom>
-          <a:noFill/>
-        </p:spPr>
-        <p:txBody>
-          <a:bodyPr wrap="none" rtlCol="0">
-            <a:spAutoFit/>
-          </a:bodyPr>
-          <a:lstStyle/>
-          <a:p>
-            <a:r>
-              <a:rPr lang="ru-RU" sz="3200" dirty="0" smtClean="0"/>
-              <a:t>Операция записи является </a:t>
-            </a:r>
-            <a:r>
-              <a:rPr lang="en-US" sz="3200" dirty="0" smtClean="0"/>
-              <a:t>callback’</a:t>
-            </a:r>
-            <a:r>
-              <a:rPr lang="ru-RU" sz="3200" dirty="0" smtClean="0"/>
-              <a:t>ом для операции чтения!</a:t>
-            </a:r>
-          </a:p>
-          <a:p>
-            <a:r>
-              <a:rPr lang="ru-RU" sz="3200" dirty="0" smtClean="0"/>
-              <a:t>Вся логика собрана в одном месте и </a:t>
-            </a:r>
-          </a:p>
-          <a:p>
-            <a:r>
-              <a:rPr lang="ru-RU" sz="3200" dirty="0" smtClean="0"/>
-              <a:t>не размазана по тысячам коллбекам!</a:t>
-            </a:r>
-            <a:endParaRPr lang="ru-RU" sz="3200" dirty="0"/>
-          </a:p>
-        </p:txBody>
-      </p:sp>
       <p:pic>
         <p:nvPicPr>
-          <p:cNvPr id="11" name="Рисунок 10"/>
+          <p:cNvPr id="4" name="Рисунок 3"/>
           <p:cNvPicPr>
             <a:picLocks noChangeAspect="1"/>
           </p:cNvPicPr>
@@ -19456,18 +19475,52 @@
         </p:blipFill>
         <p:spPr>
           <a:xfrm>
-            <a:off x="8978411" y="4142275"/>
-            <a:ext cx="1924050" cy="2371725"/>
+            <a:off x="4368678" y="5079756"/>
+            <a:ext cx="3190875" cy="1428750"/>
           </a:xfrm>
           <a:prstGeom prst="rect">
             <a:avLst/>
           </a:prstGeom>
         </p:spPr>
       </p:pic>
+      <p:sp>
+        <p:nvSpPr>
+          <p:cNvPr id="5" name="TextBox 4"/>
+          <p:cNvSpPr txBox="1"/>
+          <p:nvPr/>
+        </p:nvSpPr>
+        <p:spPr>
+          <a:xfrm>
+            <a:off x="10243038" y="6156758"/>
+            <a:ext cx="2110154" cy="369332"/>
+          </a:xfrm>
+          <a:prstGeom prst="rect">
+            <a:avLst/>
+          </a:prstGeom>
+          <a:noFill/>
+        </p:spPr>
+        <p:txBody>
+          <a:bodyPr wrap="square" rtlCol="0">
+            <a:spAutoFit/>
+          </a:bodyPr>
+          <a:lstStyle/>
+          <a:p>
+            <a:r>
+              <a:rPr lang="en-US" dirty="0"/>
+              <a:t>s</a:t>
+            </a:r>
+            <a:r>
+              <a:rPr lang="en-US" dirty="0" smtClean="0"/>
+              <a:t>imple_tcp</a:t>
+            </a:r>
+            <a:endParaRPr lang="ru-RU" dirty="0"/>
+          </a:p>
+        </p:txBody>
+      </p:sp>
     </p:spTree>
     <p:extLst>
       <p:ext uri="{BB962C8B-B14F-4D97-AF65-F5344CB8AC3E}">
-        <p14:creationId xmlns:p14="http://schemas.microsoft.com/office/powerpoint/2010/main" val="2032212505"/>
+        <p14:creationId xmlns:p14="http://schemas.microsoft.com/office/powerpoint/2010/main" val="3204555652"/>
       </p:ext>
     </p:extLst>
   </p:cSld>
@@ -19503,101 +19556,172 @@
       </p:grpSpPr>
       <p:sp>
         <p:nvSpPr>
-          <p:cNvPr id="2" name="Заголовок 1"/>
-          <p:cNvSpPr>
-            <a:spLocks noGrp="1"/>
-          </p:cNvSpPr>
-          <p:nvPr>
-            <p:ph type="title"/>
-          </p:nvPr>
-        </p:nvSpPr>
-        <p:spPr/>
-        <p:txBody>
-          <a:bodyPr/>
-          <a:lstStyle/>
-          <a:p>
-            <a:r>
-              <a:rPr lang="ru-RU" dirty="0" smtClean="0"/>
-              <a:t>В качестве примера рассмотрим реализацию </a:t>
-            </a:r>
-            <a:r>
-              <a:rPr lang="en-US" dirty="0" smtClean="0"/>
-              <a:t>proxy</a:t>
-            </a:r>
-            <a:r>
-              <a:rPr lang="ru-RU" dirty="0" smtClean="0"/>
-              <a:t> сервера.</a:t>
-            </a:r>
-            <a:endParaRPr lang="ru-RU" dirty="0"/>
-          </a:p>
-        </p:txBody>
-      </p:sp>
-      <p:sp>
-        <p:nvSpPr>
-          <p:cNvPr id="3" name="Объект 2"/>
-          <p:cNvSpPr>
-            <a:spLocks noGrp="1"/>
-          </p:cNvSpPr>
-          <p:nvPr>
-            <p:ph idx="1"/>
-          </p:nvPr>
-        </p:nvSpPr>
-        <p:spPr/>
-        <p:txBody>
-          <a:bodyPr>
-            <a:normAutofit/>
+          <p:cNvPr id="4" name="TextBox 3"/>
+          <p:cNvSpPr txBox="1"/>
+          <p:nvPr/>
+        </p:nvSpPr>
+        <p:spPr>
+          <a:xfrm>
+            <a:off x="198589" y="404448"/>
+            <a:ext cx="11993411" cy="830997"/>
+          </a:xfrm>
+          <a:prstGeom prst="rect">
+            <a:avLst/>
+          </a:prstGeom>
+          <a:noFill/>
+        </p:spPr>
+        <p:txBody>
+          <a:bodyPr wrap="none" rtlCol="0">
+            <a:spAutoFit/>
           </a:bodyPr>
           <a:lstStyle/>
           <a:p>
-            <a:pPr marL="45720" indent="0">
-              <a:buNone/>
-            </a:pPr>
-            <a:r>
-              <a:rPr lang="ru-RU" sz="2800" dirty="0" smtClean="0"/>
-              <a:t> </a:t>
-            </a:r>
-          </a:p>
-          <a:p>
-            <a:pPr marL="45720" indent="0">
-              <a:buNone/>
-            </a:pPr>
-            <a:r>
-              <a:rPr lang="en-US" sz="2800" dirty="0" smtClean="0"/>
-              <a:t>Proxy </a:t>
-            </a:r>
-            <a:r>
-              <a:rPr lang="ru-RU" sz="2800" dirty="0" smtClean="0"/>
-              <a:t>сервер - </a:t>
-            </a:r>
-            <a:r>
-              <a:rPr lang="ru-RU" sz="2400" dirty="0" smtClean="0"/>
-              <a:t>промежуточный </a:t>
-            </a:r>
-            <a:r>
-              <a:rPr lang="ru-RU" sz="2400" dirty="0"/>
-              <a:t>сервер в компьютерных сетях, выполняющий роль посредника между пользователем и целевым сервером, позволяющий клиентам как выполнять косвенные запросы к другим сетевым службам, так и получать ответы</a:t>
-            </a:r>
-            <a:r>
-              <a:rPr lang="ru-RU" sz="2400" dirty="0" smtClean="0"/>
-              <a:t>.</a:t>
-            </a:r>
-          </a:p>
-          <a:p>
-            <a:pPr marL="45720" indent="0">
-              <a:buNone/>
-            </a:pPr>
-            <a:r>
-              <a:rPr lang="ru-RU" sz="2400" dirty="0" smtClean="0"/>
-              <a:t>На его примере можно по-настоящему увидеть все достоинства  корутин, позволяющий писать элегантный и производительный код.</a:t>
-            </a:r>
-            <a:endParaRPr lang="ru-RU" sz="2400" dirty="0"/>
-          </a:p>
-        </p:txBody>
-      </p:sp>
+            <a:r>
+              <a:rPr lang="ru-RU" sz="2400" b="1" dirty="0" smtClean="0"/>
+              <a:t>Благодаря корутинам код становится понятным(но не в случае </a:t>
+            </a:r>
+            <a:r>
+              <a:rPr lang="en-US" sz="2400" b="1" dirty="0" smtClean="0"/>
+              <a:t>asio </a:t>
+            </a:r>
+            <a:r>
+              <a:rPr lang="en-US" sz="2400" b="1" dirty="0" smtClean="0">
+                <a:sym typeface="Wingdings" panose="05000000000000000000" pitchFamily="2" charset="2"/>
+              </a:rPr>
+              <a:t>) </a:t>
+            </a:r>
+            <a:r>
+              <a:rPr lang="ru-RU" sz="2400" b="1" dirty="0" smtClean="0">
+                <a:sym typeface="Wingdings" panose="05000000000000000000" pitchFamily="2" charset="2"/>
+              </a:rPr>
+              <a:t> и лаконичным.</a:t>
+            </a:r>
+          </a:p>
+          <a:p>
+            <a:r>
+              <a:rPr lang="ru-RU" sz="2400" b="1" dirty="0" smtClean="0">
+                <a:sym typeface="Wingdings" panose="05000000000000000000" pitchFamily="2" charset="2"/>
+              </a:rPr>
+              <a:t>Логика собирается в одном месте и это легко масштабировать!</a:t>
+            </a:r>
+            <a:endParaRPr lang="ru-RU" sz="2400" b="1" dirty="0"/>
+          </a:p>
+        </p:txBody>
+      </p:sp>
+      <p:pic>
+        <p:nvPicPr>
+          <p:cNvPr id="8" name="Рисунок 7"/>
+          <p:cNvPicPr>
+            <a:picLocks noChangeAspect="1"/>
+          </p:cNvPicPr>
+          <p:nvPr/>
+        </p:nvPicPr>
+        <p:blipFill>
+          <a:blip r:embed="rId2">
+            <a:extLst>
+              <a:ext uri="{28A0092B-C50C-407E-A947-70E740481C1C}">
+                <a14:useLocalDpi xmlns:a14="http://schemas.microsoft.com/office/drawing/2010/main" val="0"/>
+              </a:ext>
+            </a:extLst>
+          </a:blip>
+          <a:stretch>
+            <a:fillRect/>
+          </a:stretch>
+        </p:blipFill>
+        <p:spPr>
+          <a:xfrm>
+            <a:off x="888023" y="1690045"/>
+            <a:ext cx="10058400" cy="1462065"/>
+          </a:xfrm>
+          <a:prstGeom prst="rect">
+            <a:avLst/>
+          </a:prstGeom>
+        </p:spPr>
+      </p:pic>
+      <p:sp>
+        <p:nvSpPr>
+          <p:cNvPr id="10" name="TextBox 9"/>
+          <p:cNvSpPr txBox="1"/>
+          <p:nvPr/>
+        </p:nvSpPr>
+        <p:spPr>
+          <a:xfrm>
+            <a:off x="571500" y="3606710"/>
+            <a:ext cx="10923888" cy="1569660"/>
+          </a:xfrm>
+          <a:prstGeom prst="rect">
+            <a:avLst/>
+          </a:prstGeom>
+          <a:noFill/>
+        </p:spPr>
+        <p:txBody>
+          <a:bodyPr wrap="none" rtlCol="0">
+            <a:spAutoFit/>
+          </a:bodyPr>
+          <a:lstStyle/>
+          <a:p>
+            <a:r>
+              <a:rPr lang="ru-RU" sz="3200" dirty="0" smtClean="0"/>
+              <a:t>Операция записи является </a:t>
+            </a:r>
+            <a:r>
+              <a:rPr lang="en-US" sz="3200" dirty="0" smtClean="0"/>
+              <a:t>callback’</a:t>
+            </a:r>
+            <a:r>
+              <a:rPr lang="ru-RU" sz="3200" dirty="0" smtClean="0"/>
+              <a:t>ом для операции чтения!</a:t>
+            </a:r>
+          </a:p>
+          <a:p>
+            <a:r>
+              <a:rPr lang="ru-RU" sz="3200" dirty="0" smtClean="0"/>
+              <a:t>Вся логика собрана в одном месте и </a:t>
+            </a:r>
+          </a:p>
+          <a:p>
+            <a:r>
+              <a:rPr lang="ru-RU" sz="3200" dirty="0" smtClean="0"/>
+              <a:t>не размазана по тысячам коллбекам!</a:t>
+            </a:r>
+            <a:endParaRPr lang="ru-RU" sz="3200" dirty="0"/>
+          </a:p>
+        </p:txBody>
+      </p:sp>
+      <p:pic>
+        <p:nvPicPr>
+          <p:cNvPr id="11" name="Рисунок 10"/>
+          <p:cNvPicPr>
+            <a:picLocks noChangeAspect="1"/>
+          </p:cNvPicPr>
+          <p:nvPr/>
+        </p:nvPicPr>
+        <p:blipFill>
+          <a:blip r:embed="rId3">
+            <a:extLst>
+              <a:ext uri="{28A0092B-C50C-407E-A947-70E740481C1C}">
+                <a14:useLocalDpi xmlns:a14="http://schemas.microsoft.com/office/drawing/2010/main" val="0"/>
+              </a:ext>
+            </a:extLst>
+          </a:blip>
+          <a:stretch>
+            <a:fillRect/>
+          </a:stretch>
+        </p:blipFill>
+        <p:spPr>
+          <a:xfrm>
+            <a:off x="8978411" y="4142275"/>
+            <a:ext cx="1924050" cy="2371725"/>
+          </a:xfrm>
+          <a:prstGeom prst="rect">
+            <a:avLst/>
+          </a:prstGeom>
+        </p:spPr>
+      </p:pic>
     </p:spTree>
     <p:extLst>
       <p:ext uri="{BB962C8B-B14F-4D97-AF65-F5344CB8AC3E}">
-        <p14:creationId xmlns:p14="http://schemas.microsoft.com/office/powerpoint/2010/main" val="1348075904"/>
+        <p14:creationId xmlns:p14="http://schemas.microsoft.com/office/powerpoint/2010/main" val="2032212505"/>
       </p:ext>
     </p:extLst>
   </p:cSld>
@@ -19633,6 +19757,37 @@
       </p:grpSpPr>
       <p:sp>
         <p:nvSpPr>
+          <p:cNvPr id="2" name="Заголовок 1"/>
+          <p:cNvSpPr>
+            <a:spLocks noGrp="1"/>
+          </p:cNvSpPr>
+          <p:nvPr>
+            <p:ph type="title"/>
+          </p:nvPr>
+        </p:nvSpPr>
+        <p:spPr/>
+        <p:txBody>
+          <a:bodyPr/>
+          <a:lstStyle/>
+          <a:p>
+            <a:r>
+              <a:rPr lang="ru-RU" dirty="0" smtClean="0"/>
+              <a:t>В качестве примера рассмотрим реализацию </a:t>
+            </a:r>
+            <a:r>
+              <a:rPr lang="en-US" dirty="0" smtClean="0"/>
+              <a:t>proxy</a:t>
+            </a:r>
+            <a:r>
+              <a:rPr lang="ru-RU" dirty="0" smtClean="0"/>
+              <a:t> сервера.</a:t>
+            </a:r>
+            <a:endParaRPr lang="ru-RU" dirty="0"/>
+          </a:p>
+        </p:txBody>
+      </p:sp>
+      <p:sp>
+        <p:nvSpPr>
           <p:cNvPr id="3" name="Объект 2"/>
           <p:cNvSpPr>
             <a:spLocks noGrp="1"/>
@@ -19641,95 +19796,62 @@
             <p:ph idx="1"/>
           </p:nvPr>
         </p:nvSpPr>
-        <p:spPr>
-          <a:xfrm>
-            <a:off x="747346" y="756138"/>
-            <a:ext cx="9872871" cy="2303585"/>
-          </a:xfrm>
-        </p:spPr>
-        <p:txBody>
-          <a:bodyPr/>
-          <a:lstStyle/>
-          <a:p>
-            <a:r>
-              <a:rPr lang="ru-RU" dirty="0" smtClean="0"/>
-              <a:t>Для чистоты эксперимента я привел 2 варианта реализации нашего </a:t>
-            </a:r>
-            <a:r>
-              <a:rPr lang="en-US" dirty="0" smtClean="0"/>
-              <a:t>proxy:</a:t>
-            </a:r>
-          </a:p>
-          <a:p>
-            <a:r>
-              <a:rPr lang="en-US" dirty="0" smtClean="0"/>
-              <a:t>1) </a:t>
-            </a:r>
-            <a:r>
-              <a:rPr lang="ru-RU" dirty="0" smtClean="0"/>
-              <a:t>путем вызова </a:t>
-            </a:r>
-            <a:r>
-              <a:rPr lang="en-US" dirty="0" smtClean="0"/>
-              <a:t>callback’</a:t>
-            </a:r>
-            <a:r>
-              <a:rPr lang="ru-RU" dirty="0" err="1" smtClean="0"/>
-              <a:t>ов</a:t>
-            </a:r>
-            <a:r>
-              <a:rPr lang="ru-RU" dirty="0" smtClean="0"/>
-              <a:t> по готовности асинхронной операции (подключение клиента, чтение и запись по сокету).</a:t>
-            </a:r>
-          </a:p>
-          <a:p>
-            <a:r>
-              <a:rPr lang="ru-RU" dirty="0" smtClean="0"/>
-              <a:t>2) путем использования основной фишки сопрограмм – возможность осуществлять прерывание и продолжение исполнения асинхронной логики.</a:t>
-            </a:r>
-          </a:p>
-          <a:p>
-            <a:endParaRPr lang="ru-RU" dirty="0" smtClean="0"/>
-          </a:p>
-          <a:p>
-            <a:endParaRPr lang="ru-RU" dirty="0"/>
-          </a:p>
-        </p:txBody>
-      </p:sp>
-      <p:pic>
-        <p:nvPicPr>
-          <p:cNvPr id="4" name="Рисунок 3"/>
-          <p:cNvPicPr>
-            <a:picLocks noChangeAspect="1"/>
-          </p:cNvPicPr>
-          <p:nvPr/>
-        </p:nvPicPr>
-        <p:blipFill>
-          <a:blip r:embed="rId2">
-            <a:extLst>
-              <a:ext uri="{28A0092B-C50C-407E-A947-70E740481C1C}">
-                <a14:useLocalDpi xmlns:a14="http://schemas.microsoft.com/office/drawing/2010/main" val="0"/>
-              </a:ext>
-            </a:extLst>
-          </a:blip>
-          <a:stretch>
-            <a:fillRect/>
-          </a:stretch>
-        </p:blipFill>
-        <p:spPr>
-          <a:xfrm>
-            <a:off x="1346752" y="2664070"/>
-            <a:ext cx="8674057" cy="3798278"/>
-          </a:xfrm>
-          <a:prstGeom prst="rect">
-            <a:avLst/>
-          </a:prstGeom>
-        </p:spPr>
-      </p:pic>
+        <p:spPr/>
+        <p:txBody>
+          <a:bodyPr>
+            <a:normAutofit/>
+          </a:bodyPr>
+          <a:lstStyle/>
+          <a:p>
+            <a:pPr marL="45720" indent="0">
+              <a:buNone/>
+            </a:pPr>
+            <a:r>
+              <a:rPr lang="ru-RU" sz="2800" dirty="0" smtClean="0"/>
+              <a:t> </a:t>
+            </a:r>
+          </a:p>
+          <a:p>
+            <a:pPr marL="45720" indent="0">
+              <a:buNone/>
+            </a:pPr>
+            <a:r>
+              <a:rPr lang="en-US" sz="2800" dirty="0" smtClean="0"/>
+              <a:t>Proxy </a:t>
+            </a:r>
+            <a:r>
+              <a:rPr lang="ru-RU" sz="2800" dirty="0" smtClean="0"/>
+              <a:t>сервер - </a:t>
+            </a:r>
+            <a:r>
+              <a:rPr lang="ru-RU" sz="2400" dirty="0" smtClean="0"/>
+              <a:t>промежуточный </a:t>
+            </a:r>
+            <a:r>
+              <a:rPr lang="ru-RU" sz="2400" dirty="0"/>
+              <a:t>сервер в компьютерных сетях, выполняющий роль посредника между пользователем и целевым сервером, позволяющий клиентам как выполнять косвенные запросы к другим сетевым службам, так и получать ответы</a:t>
+            </a:r>
+            <a:r>
+              <a:rPr lang="ru-RU" sz="2400" dirty="0" smtClean="0"/>
+              <a:t>.</a:t>
+            </a:r>
+          </a:p>
+          <a:p>
+            <a:pPr marL="45720" indent="0">
+              <a:buNone/>
+            </a:pPr>
+            <a:r>
+              <a:rPr lang="ru-RU" sz="2400" dirty="0" smtClean="0"/>
+              <a:t>На его примере можно по-настоящему увидеть все достоинства  корутин, позволяющий писать элегантный и производительный код.</a:t>
+            </a:r>
+            <a:endParaRPr lang="ru-RU" sz="2400" dirty="0"/>
+          </a:p>
+        </p:txBody>
+      </p:sp>
     </p:spTree>
     <p:extLst>
       <p:ext uri="{BB962C8B-B14F-4D97-AF65-F5344CB8AC3E}">
-        <p14:creationId xmlns:p14="http://schemas.microsoft.com/office/powerpoint/2010/main" val="291032307"/>
+        <p14:creationId xmlns:p14="http://schemas.microsoft.com/office/powerpoint/2010/main" val="1348075904"/>
       </p:ext>
     </p:extLst>
   </p:cSld>
@@ -19765,227 +19887,103 @@
       </p:grpSpPr>
       <p:sp>
         <p:nvSpPr>
-          <p:cNvPr id="2" name="Заголовок 1"/>
-          <p:cNvSpPr>
-            <a:spLocks noGrp="1"/>
-          </p:cNvSpPr>
-          <p:nvPr>
-            <p:ph type="title"/>
-          </p:nvPr>
-        </p:nvSpPr>
-        <p:spPr/>
+          <p:cNvPr id="3" name="Объект 2"/>
+          <p:cNvSpPr>
+            <a:spLocks noGrp="1"/>
+          </p:cNvSpPr>
+          <p:nvPr>
+            <p:ph idx="1"/>
+          </p:nvPr>
+        </p:nvSpPr>
+        <p:spPr>
+          <a:xfrm>
+            <a:off x="747346" y="756138"/>
+            <a:ext cx="9872871" cy="2303585"/>
+          </a:xfrm>
+        </p:spPr>
         <p:txBody>
           <a:bodyPr/>
           <a:lstStyle/>
           <a:p>
             <a:r>
               <a:rPr lang="ru-RU" dirty="0" smtClean="0"/>
-              <a:t>				   Итак!</a:t>
-            </a:r>
-            <a:endParaRPr lang="ru-RU" dirty="0"/>
-          </a:p>
-        </p:txBody>
-      </p:sp>
-      <p:sp>
-        <p:nvSpPr>
-          <p:cNvPr id="3" name="Объект 2"/>
-          <p:cNvSpPr>
-            <a:spLocks noGrp="1"/>
-          </p:cNvSpPr>
-          <p:nvPr>
-            <p:ph idx="1"/>
-          </p:nvPr>
-        </p:nvSpPr>
-        <p:spPr>
-          <a:xfrm>
-            <a:off x="518746" y="1811216"/>
-            <a:ext cx="11122269" cy="413238"/>
-          </a:xfrm>
-        </p:spPr>
-        <p:txBody>
-          <a:bodyPr/>
-          <a:lstStyle/>
-          <a:p>
+              <a:t>Для чистоты эксперимента я привел 2 варианта реализации нашего </a:t>
+            </a:r>
+            <a:r>
+              <a:rPr lang="en-US" dirty="0" smtClean="0"/>
+              <a:t>proxy:</a:t>
+            </a:r>
+          </a:p>
+          <a:p>
+            <a:r>
+              <a:rPr lang="en-US" dirty="0" smtClean="0"/>
+              <a:t>1) </a:t>
+            </a:r>
             <a:r>
               <a:rPr lang="ru-RU" dirty="0" smtClean="0"/>
-              <a:t>Дубль 1й! (</a:t>
+              <a:t>путем вызова </a:t>
             </a:r>
             <a:r>
               <a:rPr lang="en-US" dirty="0" smtClean="0"/>
               <a:t>callback’</a:t>
             </a:r>
             <a:r>
+              <a:rPr lang="ru-RU" dirty="0" err="1" smtClean="0"/>
+              <a:t>ов</a:t>
+            </a:r>
+            <a:r>
               <a:rPr lang="ru-RU" dirty="0" smtClean="0"/>
-              <a:t>и)</a:t>
-            </a:r>
-            <a:endParaRPr lang="en-US" dirty="0" smtClean="0"/>
-          </a:p>
-        </p:txBody>
-      </p:sp>
-      <p:sp>
-        <p:nvSpPr>
-          <p:cNvPr id="4" name="TextBox 3"/>
-          <p:cNvSpPr txBox="1"/>
+              <a:t> по готовности асинхронной операции (подключение клиента, чтение и запись по сокету).</a:t>
+            </a:r>
+          </a:p>
+          <a:p>
+            <a:r>
+              <a:rPr lang="ru-RU" dirty="0" smtClean="0"/>
+              <a:t>2) путем использования основной фишки сопрограмм – возможность осуществлять прерывание и продолжение исполнения асинхронной логики.</a:t>
+            </a:r>
+          </a:p>
+          <a:p>
+            <a:endParaRPr lang="ru-RU" dirty="0" smtClean="0"/>
+          </a:p>
+          <a:p>
+            <a:endParaRPr lang="ru-RU" dirty="0"/>
+          </a:p>
+        </p:txBody>
+      </p:sp>
+      <p:pic>
+        <p:nvPicPr>
+          <p:cNvPr id="4" name="Рисунок 3"/>
+          <p:cNvPicPr>
+            <a:picLocks noChangeAspect="1"/>
+          </p:cNvPicPr>
           <p:nvPr/>
-        </p:nvSpPr>
-        <p:spPr>
-          <a:xfrm>
-            <a:off x="10291429" y="6145823"/>
-            <a:ext cx="1454181" cy="369332"/>
+        </p:nvPicPr>
+        <p:blipFill>
+          <a:blip r:embed="rId2">
+            <a:extLst>
+              <a:ext uri="{28A0092B-C50C-407E-A947-70E740481C1C}">
+                <a14:useLocalDpi xmlns:a14="http://schemas.microsoft.com/office/drawing/2010/main" val="0"/>
+              </a:ext>
+            </a:extLst>
+          </a:blip>
+          <a:stretch>
+            <a:fillRect/>
+          </a:stretch>
+        </p:blipFill>
+        <p:spPr>
+          <a:xfrm>
+            <a:off x="1346752" y="2664070"/>
+            <a:ext cx="8674057" cy="3798278"/>
           </a:xfrm>
           <a:prstGeom prst="rect">
             <a:avLst/>
           </a:prstGeom>
-          <a:noFill/>
-        </p:spPr>
-        <p:txBody>
-          <a:bodyPr wrap="none" rtlCol="0">
-            <a:spAutoFit/>
-          </a:bodyPr>
-          <a:lstStyle/>
-          <a:p>
-            <a:r>
-              <a:rPr lang="en-US" dirty="0"/>
-              <a:t>c</a:t>
-            </a:r>
-            <a:r>
-              <a:rPr lang="en-US" dirty="0" smtClean="0"/>
-              <a:t>b_proxy.cpp</a:t>
-            </a:r>
-            <a:endParaRPr lang="ru-RU" dirty="0"/>
-          </a:p>
-        </p:txBody>
-      </p:sp>
-      <p:sp>
-        <p:nvSpPr>
-          <p:cNvPr id="5" name="TextBox 4"/>
-          <p:cNvSpPr txBox="1"/>
-          <p:nvPr/>
-        </p:nvSpPr>
-        <p:spPr>
-          <a:xfrm>
-            <a:off x="518746" y="2611316"/>
-            <a:ext cx="9554219" cy="1200329"/>
-          </a:xfrm>
-          <a:prstGeom prst="rect">
-            <a:avLst/>
-          </a:prstGeom>
-          <a:noFill/>
-        </p:spPr>
-        <p:txBody>
-          <a:bodyPr wrap="none" rtlCol="0">
-            <a:spAutoFit/>
-          </a:bodyPr>
-          <a:lstStyle/>
-          <a:p>
-            <a:r>
-              <a:rPr lang="ru-RU" dirty="0"/>
-              <a:t>Минусы данного подхода</a:t>
-            </a:r>
-          </a:p>
-          <a:p>
-            <a:pPr marL="285750" indent="-285750">
-              <a:buFontTx/>
-              <a:buChar char="-"/>
-            </a:pPr>
-            <a:r>
-              <a:rPr lang="ru-RU" dirty="0" smtClean="0"/>
-              <a:t>Кода довольно много для такой тривиальной задачи</a:t>
-            </a:r>
-          </a:p>
-          <a:p>
-            <a:pPr marL="285750" indent="-285750">
-              <a:buFontTx/>
-              <a:buChar char="-"/>
-            </a:pPr>
-            <a:r>
-              <a:rPr lang="ru-RU" dirty="0" smtClean="0"/>
-              <a:t>Весьма сложно понимать ход логической цепочки асинхронных операций</a:t>
-            </a:r>
-          </a:p>
-          <a:p>
-            <a:pPr marL="285750" indent="-285750">
-              <a:buFontTx/>
-              <a:buChar char="-"/>
-            </a:pPr>
-            <a:r>
-              <a:rPr lang="ru-RU" dirty="0" smtClean="0"/>
-              <a:t>Приходится постоянно «прыгать», чтобы отлавливать ошибки и анализировать программу</a:t>
-            </a:r>
-            <a:endParaRPr lang="ru-RU" dirty="0"/>
-          </a:p>
-        </p:txBody>
-      </p:sp>
-      <p:sp>
-        <p:nvSpPr>
-          <p:cNvPr id="6" name="TextBox 5"/>
-          <p:cNvSpPr txBox="1"/>
-          <p:nvPr/>
-        </p:nvSpPr>
-        <p:spPr>
-          <a:xfrm>
-            <a:off x="518746" y="4040217"/>
-            <a:ext cx="5725991" cy="646331"/>
-          </a:xfrm>
-          <a:prstGeom prst="rect">
-            <a:avLst/>
-          </a:prstGeom>
-          <a:noFill/>
-        </p:spPr>
-        <p:txBody>
-          <a:bodyPr wrap="none" rtlCol="0">
-            <a:spAutoFit/>
-          </a:bodyPr>
-          <a:lstStyle/>
-          <a:p>
-            <a:r>
-              <a:rPr lang="ru-RU" dirty="0" smtClean="0"/>
-              <a:t>Плюсы</a:t>
-            </a:r>
-          </a:p>
-          <a:p>
-            <a:r>
-              <a:rPr lang="ru-RU" dirty="0" smtClean="0"/>
-              <a:t>-Несложно писать, однако хочется чего-то поудобнее…</a:t>
-            </a:r>
-            <a:endParaRPr lang="ru-RU" dirty="0"/>
-          </a:p>
-        </p:txBody>
-      </p:sp>
-      <p:sp>
-        <p:nvSpPr>
-          <p:cNvPr id="7" name="TextBox 6"/>
-          <p:cNvSpPr txBox="1"/>
-          <p:nvPr/>
-        </p:nvSpPr>
-        <p:spPr>
-          <a:xfrm>
-            <a:off x="5143500" y="5512777"/>
-            <a:ext cx="3191608" cy="523220"/>
-          </a:xfrm>
-          <a:prstGeom prst="rect">
-            <a:avLst/>
-          </a:prstGeom>
-          <a:noFill/>
-        </p:spPr>
-        <p:txBody>
-          <a:bodyPr wrap="square" rtlCol="0">
-            <a:spAutoFit/>
-          </a:bodyPr>
-          <a:lstStyle/>
-          <a:p>
-            <a:r>
-              <a:rPr lang="ru-RU" sz="2800" dirty="0" smtClean="0"/>
-              <a:t>Выход есть!!</a:t>
-            </a:r>
-            <a:endParaRPr lang="ru-RU" sz="2800" dirty="0"/>
-          </a:p>
-        </p:txBody>
-      </p:sp>
+        </p:spPr>
+      </p:pic>
     </p:spTree>
     <p:extLst>
       <p:ext uri="{BB962C8B-B14F-4D97-AF65-F5344CB8AC3E}">
-        <p14:creationId xmlns:p14="http://schemas.microsoft.com/office/powerpoint/2010/main" val="1373730199"/>
+        <p14:creationId xmlns:p14="http://schemas.microsoft.com/office/powerpoint/2010/main" val="291032307"/>
       </p:ext>
     </p:extLst>
   </p:cSld>
@@ -20029,39 +20027,30 @@
             <p:ph type="title"/>
           </p:nvPr>
         </p:nvSpPr>
-        <p:spPr>
-          <a:xfrm>
-            <a:off x="1079900" y="214870"/>
-            <a:ext cx="10058400" cy="947356"/>
-          </a:xfrm>
-        </p:spPr>
+        <p:spPr/>
         <p:txBody>
           <a:bodyPr/>
           <a:lstStyle/>
           <a:p>
-            <a:r>
-              <a:rPr lang="en-US" dirty="0" smtClean="0">
-                <a:solidFill>
-                  <a:schemeClr val="tx1"/>
-                </a:solidFill>
-              </a:rPr>
-              <a:t>	</a:t>
-            </a:r>
             <a:r>
               <a:rPr lang="ru-RU" dirty="0" smtClean="0">
                 <a:solidFill>
                   <a:schemeClr val="tx1"/>
                 </a:solidFill>
               </a:rPr>
-              <a:t>Обсудим интерфейс корутины!</a:t>
-            </a:r>
-            <a:endParaRPr lang="ru-RU" dirty="0"/>
-          </a:p>
-        </p:txBody>
-      </p:sp>
-      <p:sp>
-        <p:nvSpPr>
-          <p:cNvPr id="3" name="Объект 2"/>
+              <a:t>Обсудим интерфейс обычной функции!</a:t>
+            </a:r>
+            <a:endParaRPr lang="ru-RU" dirty="0">
+              <a:solidFill>
+                <a:schemeClr val="tx1"/>
+              </a:solidFill>
+            </a:endParaRPr>
+          </a:p>
+        </p:txBody>
+      </p:sp>
+      <p:sp>
+        <p:nvSpPr>
+          <p:cNvPr id="8" name="Объект 7"/>
           <p:cNvSpPr>
             <a:spLocks noGrp="1"/>
           </p:cNvSpPr>
@@ -20071,8 +20060,8 @@
         </p:nvSpPr>
         <p:spPr>
           <a:xfrm>
-            <a:off x="615788" y="2151796"/>
-            <a:ext cx="4413412" cy="3880773"/>
+            <a:off x="580620" y="2160588"/>
+            <a:ext cx="4114802" cy="3880773"/>
           </a:xfrm>
         </p:spPr>
         <p:txBody>
@@ -20082,50 +20071,37 @@
           <a:lstStyle/>
           <a:p>
             <a:r>
+              <a:rPr lang="en-US" sz="3200" dirty="0" smtClean="0"/>
+              <a:t>-</a:t>
+            </a:r>
+            <a:r>
               <a:rPr lang="ru-RU" sz="3200" dirty="0" smtClean="0"/>
-              <a:t>-Вызвать</a:t>
-            </a:r>
-          </a:p>
-          <a:p>
+              <a:t>Вернуть результат</a:t>
+            </a:r>
+          </a:p>
+          <a:p>
+            <a:r>
+              <a:rPr lang="en-US" sz="3200" dirty="0" smtClean="0"/>
+              <a:t>-</a:t>
+            </a:r>
             <a:r>
               <a:rPr lang="ru-RU" sz="3200" dirty="0" smtClean="0"/>
-              <a:t>-Вернуть результат</a:t>
-            </a:r>
-          </a:p>
-          <a:p>
-            <a:r>
-              <a:rPr lang="ru-RU" sz="3200" dirty="0" smtClean="0"/>
-              <a:t>-Приостановить</a:t>
-            </a:r>
-          </a:p>
-          <a:p>
-            <a:r>
-              <a:rPr lang="ru-RU" sz="3200" dirty="0" smtClean="0"/>
-              <a:t>-Возобновить</a:t>
-            </a:r>
-          </a:p>
-          <a:p>
-            <a:pPr marL="0" indent="0">
-              <a:buNone/>
-            </a:pPr>
-            <a:r>
-              <a:rPr lang="ru-RU" dirty="0" smtClean="0"/>
-              <a:t> (похоже ,что обыкновенная функция –        	частный случай корутины!)</a:t>
-            </a:r>
-            <a:endParaRPr lang="ru-RU" dirty="0"/>
-          </a:p>
-        </p:txBody>
-      </p:sp>
-      <p:sp>
-        <p:nvSpPr>
-          <p:cNvPr id="4" name="TextBox 3"/>
+              <a:t>Вызвать</a:t>
+            </a:r>
+            <a:endParaRPr lang="ru-RU" sz="3200" dirty="0"/>
+          </a:p>
+        </p:txBody>
+      </p:sp>
+      <p:sp>
+        <p:nvSpPr>
+          <p:cNvPr id="9" name="TextBox 8"/>
           <p:cNvSpPr txBox="1"/>
           <p:nvPr/>
         </p:nvSpPr>
         <p:spPr>
-          <a:xfrm rot="1350500">
-            <a:off x="8829993" y="3142200"/>
-            <a:ext cx="3393830" cy="1138773"/>
+          <a:xfrm>
+            <a:off x="475112" y="4285613"/>
+            <a:ext cx="5785012" cy="1077218"/>
           </a:xfrm>
           <a:prstGeom prst="rect">
             <a:avLst/>
@@ -20139,62 +20115,8 @@
           <a:lstStyle/>
           <a:p>
             <a:r>
-              <a:rPr lang="en-US" dirty="0"/>
-              <a:t>	</a:t>
-            </a:r>
-            <a:r>
-              <a:rPr lang="en-US" sz="2400" dirty="0" smtClean="0">
-                <a:solidFill>
-                  <a:srgbClr val="00B050"/>
-                </a:solidFill>
-              </a:rPr>
-              <a:t>co_await</a:t>
-            </a:r>
-          </a:p>
-          <a:p>
-            <a:endParaRPr lang="ru-RU" sz="4400" dirty="0"/>
-          </a:p>
-        </p:txBody>
-      </p:sp>
-      <p:sp>
-        <p:nvSpPr>
-          <p:cNvPr id="9" name="TextBox 8"/>
-          <p:cNvSpPr txBox="1"/>
-          <p:nvPr/>
-        </p:nvSpPr>
-        <p:spPr>
-          <a:xfrm>
-            <a:off x="2822494" y="5545362"/>
-            <a:ext cx="7869783" cy="1077218"/>
-          </a:xfrm>
-          <a:prstGeom prst="rect">
-            <a:avLst/>
-          </a:prstGeom>
-          <a:noFill/>
-        </p:spPr>
-        <p:txBody>
-          <a:bodyPr wrap="none" rtlCol="0">
-            <a:spAutoFit/>
-          </a:bodyPr>
-          <a:lstStyle/>
-          <a:p>
-            <a:r>
               <a:rPr lang="ru-RU" sz="3200" dirty="0" smtClean="0"/>
-              <a:t>Но возникает вопрос :</a:t>
-            </a:r>
-            <a:r>
-              <a:rPr lang="en-US" sz="3200" dirty="0" smtClean="0"/>
-              <a:t> </a:t>
-            </a:r>
-            <a:r>
-              <a:rPr lang="ru-RU" sz="3200" dirty="0" smtClean="0"/>
-              <a:t>что такое «корутина»</a:t>
-            </a:r>
-          </a:p>
-          <a:p>
-            <a:r>
-              <a:rPr lang="ru-RU" sz="3200" dirty="0" smtClean="0"/>
-              <a:t> и как ей пользоваться? </a:t>
+              <a:t>Но можно ли из этого скрафтить что-либо еще?</a:t>
             </a:r>
             <a:endParaRPr lang="ru-RU" sz="3200" dirty="0"/>
           </a:p>
@@ -20202,14 +20124,14 @@
       </p:sp>
       <p:pic>
         <p:nvPicPr>
-          <p:cNvPr id="10" name="Рисунок 9"/>
+          <p:cNvPr id="3" name="Рисунок 2"/>
           <p:cNvPicPr>
             <a:picLocks noChangeAspect="1"/>
           </p:cNvPicPr>
           <p:nvPr/>
         </p:nvPicPr>
         <p:blipFill>
-          <a:blip r:embed="rId2">
+          <a:blip r:embed="rId3">
             <a:extLst>
               <a:ext uri="{28A0092B-C50C-407E-A947-70E740481C1C}">
                 <a14:useLocalDpi xmlns:a14="http://schemas.microsoft.com/office/drawing/2010/main" val="0"/>
@@ -20222,102 +20144,18 @@
         </p:blipFill>
         <p:spPr>
           <a:xfrm>
-            <a:off x="5118544" y="1406116"/>
-            <a:ext cx="4629150" cy="3267075"/>
+            <a:off x="6558950" y="2160588"/>
+            <a:ext cx="4085714" cy="2542857"/>
           </a:xfrm>
           <a:prstGeom prst="rect">
             <a:avLst/>
           </a:prstGeom>
         </p:spPr>
       </p:pic>
-      <p:sp>
-        <p:nvSpPr>
-          <p:cNvPr id="11" name="TextBox 10"/>
-          <p:cNvSpPr txBox="1"/>
-          <p:nvPr/>
-        </p:nvSpPr>
-        <p:spPr>
-          <a:xfrm rot="2913174">
-            <a:off x="9983717" y="1848079"/>
-            <a:ext cx="1417119" cy="461665"/>
-          </a:xfrm>
-          <a:prstGeom prst="rect">
-            <a:avLst/>
-          </a:prstGeom>
-          <a:noFill/>
-        </p:spPr>
-        <p:txBody>
-          <a:bodyPr wrap="none" rtlCol="0">
-            <a:spAutoFit/>
-          </a:bodyPr>
-          <a:lstStyle/>
-          <a:p>
-            <a:r>
-              <a:rPr lang="en-US" sz="2400" dirty="0">
-                <a:solidFill>
-                  <a:srgbClr val="00B0F0"/>
-                </a:solidFill>
-              </a:rPr>
-              <a:t>c</a:t>
-            </a:r>
-            <a:r>
-              <a:rPr lang="en-US" sz="2400" dirty="0" smtClean="0">
-                <a:solidFill>
-                  <a:srgbClr val="00B0F0"/>
-                </a:solidFill>
-              </a:rPr>
-              <a:t>o_return</a:t>
-            </a:r>
-            <a:endParaRPr lang="ru-RU" sz="2400" dirty="0">
-              <a:solidFill>
-                <a:srgbClr val="00B0F0"/>
-              </a:solidFill>
-            </a:endParaRPr>
-          </a:p>
-        </p:txBody>
-      </p:sp>
-      <p:sp>
-        <p:nvSpPr>
-          <p:cNvPr id="12" name="TextBox 11"/>
-          <p:cNvSpPr txBox="1"/>
-          <p:nvPr/>
-        </p:nvSpPr>
-        <p:spPr>
-          <a:xfrm rot="20457398">
-            <a:off x="8691961" y="3960235"/>
-            <a:ext cx="1289924" cy="461665"/>
-          </a:xfrm>
-          <a:prstGeom prst="rect">
-            <a:avLst/>
-          </a:prstGeom>
-          <a:noFill/>
-        </p:spPr>
-        <p:txBody>
-          <a:bodyPr wrap="square" rtlCol="0">
-            <a:spAutoFit/>
-          </a:bodyPr>
-          <a:lstStyle/>
-          <a:p>
-            <a:r>
-              <a:rPr lang="en-US" sz="2400" dirty="0" smtClean="0">
-                <a:solidFill>
-                  <a:schemeClr val="accent2"/>
-                </a:solidFill>
-              </a:rPr>
-              <a:t>co_yield</a:t>
-            </a:r>
-            <a:endParaRPr lang="ru-RU" sz="2400" dirty="0">
-              <a:solidFill>
-                <a:schemeClr val="accent2"/>
-              </a:solidFill>
-            </a:endParaRPr>
-          </a:p>
-        </p:txBody>
-      </p:sp>
     </p:spTree>
     <p:extLst>
       <p:ext uri="{BB962C8B-B14F-4D97-AF65-F5344CB8AC3E}">
-        <p14:creationId xmlns:p14="http://schemas.microsoft.com/office/powerpoint/2010/main" val="260636642"/>
+        <p14:creationId xmlns:p14="http://schemas.microsoft.com/office/powerpoint/2010/main" val="1647948516"/>
       </p:ext>
     </p:extLst>
   </p:cSld>
@@ -20353,6 +20191,29 @@
       </p:grpSpPr>
       <p:sp>
         <p:nvSpPr>
+          <p:cNvPr id="2" name="Заголовок 1"/>
+          <p:cNvSpPr>
+            <a:spLocks noGrp="1"/>
+          </p:cNvSpPr>
+          <p:nvPr>
+            <p:ph type="title"/>
+          </p:nvPr>
+        </p:nvSpPr>
+        <p:spPr/>
+        <p:txBody>
+          <a:bodyPr/>
+          <a:lstStyle/>
+          <a:p>
+            <a:r>
+              <a:rPr lang="ru-RU" dirty="0" smtClean="0"/>
+              <a:t>				   Итак!</a:t>
+            </a:r>
+            <a:endParaRPr lang="ru-RU" dirty="0"/>
+          </a:p>
+        </p:txBody>
+      </p:sp>
+      <p:sp>
+        <p:nvSpPr>
           <p:cNvPr id="3" name="Объект 2"/>
           <p:cNvSpPr>
             <a:spLocks noGrp="1"/>
@@ -20363,8 +20224,8 @@
         </p:nvSpPr>
         <p:spPr>
           <a:xfrm>
-            <a:off x="545123" y="817684"/>
-            <a:ext cx="9872871" cy="1019908"/>
+            <a:off x="518746" y="1811216"/>
+            <a:ext cx="11122269" cy="413238"/>
           </a:xfrm>
         </p:spPr>
         <p:txBody>
@@ -20373,9 +20234,17 @@
           <a:p>
             <a:r>
               <a:rPr lang="ru-RU" dirty="0" smtClean="0"/>
-              <a:t>Дубль 2!(сопрограммы)</a:t>
-            </a:r>
-            <a:endParaRPr lang="ru-RU" dirty="0"/>
+              <a:t>Дубль 1й! (</a:t>
+            </a:r>
+            <a:r>
+              <a:rPr lang="en-US" dirty="0" smtClean="0"/>
+              <a:t>callback’</a:t>
+            </a:r>
+            <a:r>
+              <a:rPr lang="ru-RU" dirty="0" smtClean="0"/>
+              <a:t>и)</a:t>
+            </a:r>
+            <a:endParaRPr lang="en-US" dirty="0" smtClean="0"/>
           </a:p>
         </p:txBody>
       </p:sp>
@@ -20387,8 +20256,8 @@
         </p:nvSpPr>
         <p:spPr>
           <a:xfrm>
-            <a:off x="10181492" y="6005146"/>
-            <a:ext cx="1654556" cy="646331"/>
+            <a:off x="10291429" y="6145823"/>
+            <a:ext cx="1454181" cy="369332"/>
           </a:xfrm>
           <a:prstGeom prst="rect">
             <a:avLst/>
@@ -20402,11 +20271,13 @@
           <a:lstStyle/>
           <a:p>
             <a:r>
+              <a:rPr lang="en-US" dirty="0"/>
+              <a:t>c</a:t>
+            </a:r>
+            <a:r>
               <a:rPr lang="en-US" dirty="0" smtClean="0"/>
-              <a:t>Best_proxy.cpp</a:t>
-            </a:r>
-          </a:p>
-          <a:p>
+              <a:t>b_proxy.cpp</a:t>
+            </a:r>
             <a:endParaRPr lang="ru-RU" dirty="0"/>
           </a:p>
         </p:txBody>
@@ -20419,8 +20290,8 @@
         </p:nvSpPr>
         <p:spPr>
           <a:xfrm>
-            <a:off x="791308" y="2391508"/>
-            <a:ext cx="10598094" cy="2031325"/>
+            <a:off x="518746" y="2611316"/>
+            <a:ext cx="9554219" cy="1200329"/>
           </a:xfrm>
           <a:prstGeom prst="rect">
             <a:avLst/>
@@ -20434,8 +20305,8 @@
           <a:lstStyle/>
           <a:p>
             <a:r>
-              <a:rPr lang="ru-RU" dirty="0" smtClean="0"/>
-              <a:t>Плюсы подхода</a:t>
+              <a:rPr lang="ru-RU" dirty="0"/>
+              <a:t>Минусы данного подхода</a:t>
             </a:r>
           </a:p>
           <a:p>
@@ -20445,7 +20316,7 @@
             </a:pPr>
             <a:r>
               <a:rPr lang="ru-RU" dirty="0" smtClean="0"/>
-              <a:t>Крайне легко писать логику программы</a:t>
+              <a:t>Кода довольно много для такой тривиальной задачи</a:t>
             </a:r>
           </a:p>
           <a:p>
@@ -20455,7 +20326,7 @@
             </a:pPr>
             <a:r>
               <a:rPr lang="ru-RU" dirty="0" smtClean="0"/>
-              <a:t>Код  аккуратен и производителен</a:t>
+              <a:t>Весьма сложно понимать ход логической цепочки асинхронных операций</a:t>
             </a:r>
           </a:p>
           <a:p>
@@ -20465,38 +20336,82 @@
             </a:pPr>
             <a:r>
               <a:rPr lang="ru-RU" dirty="0" smtClean="0"/>
-              <a:t>Логика собрана практически в одном месте</a:t>
-            </a:r>
-          </a:p>
-          <a:p>
-            <a:pPr marL="285750" indent="-285750">
-              <a:buFontTx/>
-              <a:buChar char="-"/>
-            </a:pPr>
+              <a:t>Приходится постоянно «прыгать», чтобы отлавливать ошибки и анализировать программу</a:t>
+            </a:r>
+            <a:endParaRPr lang="ru-RU" dirty="0"/>
+          </a:p>
+        </p:txBody>
+      </p:sp>
+      <p:sp>
+        <p:nvSpPr>
+          <p:cNvPr id="6" name="TextBox 5"/>
+          <p:cNvSpPr txBox="1"/>
+          <p:nvPr/>
+        </p:nvSpPr>
+        <p:spPr>
+          <a:xfrm>
+            <a:off x="518746" y="4040217"/>
+            <a:ext cx="5725991" cy="646331"/>
+          </a:xfrm>
+          <a:prstGeom prst="rect">
+            <a:avLst/>
+          </a:prstGeom>
+          <a:noFill/>
+        </p:spPr>
+        <p:txBody>
+          <a:bodyPr wrap="none" rtlCol="0">
+            <a:spAutoFit/>
+          </a:bodyPr>
+          <a:lstStyle/>
+          <a:p>
             <a:r>
               <a:rPr lang="ru-RU" dirty="0" smtClean="0"/>
-              <a:t>Легко понимать и выстраивать логическую цепь исполнения в голове</a:t>
+              <a:t>Плюсы</a:t>
             </a:r>
           </a:p>
           <a:p>
             <a:r>
               <a:rPr lang="ru-RU" dirty="0" smtClean="0"/>
-              <a:t>Минусы</a:t>
-            </a:r>
-          </a:p>
-          <a:p>
-            <a:r>
-              <a:rPr lang="ru-RU" dirty="0" smtClean="0"/>
-              <a:t>-Для создания шедевров этим подходом, необходимо тщательно разобраться в устройстве сопрограмм</a:t>
+              <a:t>-Несложно писать, однако хочется чего-то поудобнее…</a:t>
             </a:r>
             <a:endParaRPr lang="ru-RU" dirty="0"/>
+          </a:p>
+        </p:txBody>
+      </p:sp>
+      <p:sp>
+        <p:nvSpPr>
+          <p:cNvPr id="7" name="TextBox 6"/>
+          <p:cNvSpPr txBox="1"/>
+          <p:nvPr/>
+        </p:nvSpPr>
+        <p:spPr>
+          <a:xfrm>
+            <a:off x="5143500" y="5512777"/>
+            <a:ext cx="3191608" cy="523220"/>
+          </a:xfrm>
+          <a:prstGeom prst="rect">
+            <a:avLst/>
+          </a:prstGeom>
+          <a:noFill/>
+        </p:spPr>
+        <p:txBody>
+          <a:bodyPr wrap="square" rtlCol="0">
+            <a:spAutoFit/>
+          </a:bodyPr>
+          <a:lstStyle/>
+          <a:p>
+            <a:r>
+              <a:rPr lang="ru-RU" sz="2800" dirty="0" smtClean="0"/>
+              <a:t>Выход есть!!</a:t>
+            </a:r>
+            <a:endParaRPr lang="ru-RU" sz="2800" dirty="0"/>
           </a:p>
         </p:txBody>
       </p:sp>
     </p:spTree>
     <p:extLst>
       <p:ext uri="{BB962C8B-B14F-4D97-AF65-F5344CB8AC3E}">
-        <p14:creationId xmlns:p14="http://schemas.microsoft.com/office/powerpoint/2010/main" val="1802910467"/>
+        <p14:creationId xmlns:p14="http://schemas.microsoft.com/office/powerpoint/2010/main" val="1373730199"/>
       </p:ext>
     </p:extLst>
   </p:cSld>
@@ -20532,6 +20447,185 @@
       </p:grpSpPr>
       <p:sp>
         <p:nvSpPr>
+          <p:cNvPr id="3" name="Объект 2"/>
+          <p:cNvSpPr>
+            <a:spLocks noGrp="1"/>
+          </p:cNvSpPr>
+          <p:nvPr>
+            <p:ph idx="1"/>
+          </p:nvPr>
+        </p:nvSpPr>
+        <p:spPr>
+          <a:xfrm>
+            <a:off x="545123" y="817684"/>
+            <a:ext cx="9872871" cy="1019908"/>
+          </a:xfrm>
+        </p:spPr>
+        <p:txBody>
+          <a:bodyPr/>
+          <a:lstStyle/>
+          <a:p>
+            <a:r>
+              <a:rPr lang="ru-RU" dirty="0" smtClean="0"/>
+              <a:t>Дубль 2!(сопрограммы)</a:t>
+            </a:r>
+            <a:endParaRPr lang="ru-RU" dirty="0"/>
+          </a:p>
+        </p:txBody>
+      </p:sp>
+      <p:sp>
+        <p:nvSpPr>
+          <p:cNvPr id="4" name="TextBox 3"/>
+          <p:cNvSpPr txBox="1"/>
+          <p:nvPr/>
+        </p:nvSpPr>
+        <p:spPr>
+          <a:xfrm>
+            <a:off x="10181492" y="6005146"/>
+            <a:ext cx="1654556" cy="646331"/>
+          </a:xfrm>
+          <a:prstGeom prst="rect">
+            <a:avLst/>
+          </a:prstGeom>
+          <a:noFill/>
+        </p:spPr>
+        <p:txBody>
+          <a:bodyPr wrap="none" rtlCol="0">
+            <a:spAutoFit/>
+          </a:bodyPr>
+          <a:lstStyle/>
+          <a:p>
+            <a:r>
+              <a:rPr lang="en-US" dirty="0" smtClean="0"/>
+              <a:t>Best_proxy.cpp</a:t>
+            </a:r>
+          </a:p>
+          <a:p>
+            <a:endParaRPr lang="ru-RU" dirty="0"/>
+          </a:p>
+        </p:txBody>
+      </p:sp>
+      <p:sp>
+        <p:nvSpPr>
+          <p:cNvPr id="5" name="TextBox 4"/>
+          <p:cNvSpPr txBox="1"/>
+          <p:nvPr/>
+        </p:nvSpPr>
+        <p:spPr>
+          <a:xfrm>
+            <a:off x="791308" y="2391508"/>
+            <a:ext cx="10598094" cy="2031325"/>
+          </a:xfrm>
+          <a:prstGeom prst="rect">
+            <a:avLst/>
+          </a:prstGeom>
+          <a:noFill/>
+        </p:spPr>
+        <p:txBody>
+          <a:bodyPr wrap="none" rtlCol="0">
+            <a:spAutoFit/>
+          </a:bodyPr>
+          <a:lstStyle/>
+          <a:p>
+            <a:r>
+              <a:rPr lang="ru-RU" dirty="0" smtClean="0"/>
+              <a:t>Плюсы подхода</a:t>
+            </a:r>
+          </a:p>
+          <a:p>
+            <a:pPr marL="285750" indent="-285750">
+              <a:buFontTx/>
+              <a:buChar char="-"/>
+            </a:pPr>
+            <a:r>
+              <a:rPr lang="ru-RU" dirty="0" smtClean="0"/>
+              <a:t>Крайне легко писать логику программы</a:t>
+            </a:r>
+          </a:p>
+          <a:p>
+            <a:pPr marL="285750" indent="-285750">
+              <a:buFontTx/>
+              <a:buChar char="-"/>
+            </a:pPr>
+            <a:r>
+              <a:rPr lang="ru-RU" dirty="0" smtClean="0"/>
+              <a:t>Код  аккуратен и производителен</a:t>
+            </a:r>
+          </a:p>
+          <a:p>
+            <a:pPr marL="285750" indent="-285750">
+              <a:buFontTx/>
+              <a:buChar char="-"/>
+            </a:pPr>
+            <a:r>
+              <a:rPr lang="ru-RU" dirty="0" smtClean="0"/>
+              <a:t>Логика собрана практически в одном месте</a:t>
+            </a:r>
+          </a:p>
+          <a:p>
+            <a:pPr marL="285750" indent="-285750">
+              <a:buFontTx/>
+              <a:buChar char="-"/>
+            </a:pPr>
+            <a:r>
+              <a:rPr lang="ru-RU" dirty="0" smtClean="0"/>
+              <a:t>Легко понимать и выстраивать логическую цепь исполнения в голове</a:t>
+            </a:r>
+          </a:p>
+          <a:p>
+            <a:r>
+              <a:rPr lang="ru-RU" dirty="0" smtClean="0"/>
+              <a:t>Минусы</a:t>
+            </a:r>
+          </a:p>
+          <a:p>
+            <a:r>
+              <a:rPr lang="ru-RU" dirty="0" smtClean="0"/>
+              <a:t>-Для создания шедевров этим подходом, необходимо тщательно разобраться в устройстве сопрограмм</a:t>
+            </a:r>
+            <a:endParaRPr lang="ru-RU" dirty="0"/>
+          </a:p>
+        </p:txBody>
+      </p:sp>
+    </p:spTree>
+    <p:extLst>
+      <p:ext uri="{BB962C8B-B14F-4D97-AF65-F5344CB8AC3E}">
+        <p14:creationId xmlns:p14="http://schemas.microsoft.com/office/powerpoint/2010/main" val="1802910467"/>
+      </p:ext>
+    </p:extLst>
+  </p:cSld>
+  <p:clrMapOvr>
+    <a:masterClrMapping/>
+  </p:clrMapOvr>
+  <p:timing>
+    <p:tnLst>
+      <p:par>
+        <p:cTn id="1" dur="indefinite" restart="never" nodeType="tmRoot"/>
+      </p:par>
+    </p:tnLst>
+  </p:timing>
+</p:sld>
+</file>
+
+<file path=ppt/slides/slide42.xml><?xml version="1.0" encoding="utf-8"?>
+<p:sld xmlns:a="http://schemas.openxmlformats.org/drawingml/2006/main" xmlns:r="http://schemas.openxmlformats.org/officeDocument/2006/relationships" xmlns:p="http://schemas.openxmlformats.org/presentationml/2006/main">
+  <p:cSld>
+    <p:spTree>
+      <p:nvGrpSpPr>
+        <p:cNvPr id="1" name=""/>
+        <p:cNvGrpSpPr/>
+        <p:nvPr/>
+      </p:nvGrpSpPr>
+      <p:grpSpPr>
+        <a:xfrm>
+          <a:off x="0" y="0"/>
+          <a:ext cx="0" cy="0"/>
+          <a:chOff x="0" y="0"/>
+          <a:chExt cx="0" cy="0"/>
+        </a:xfrm>
+      </p:grpSpPr>
+      <p:sp>
+        <p:nvSpPr>
           <p:cNvPr id="4" name="TextBox 3"/>
           <p:cNvSpPr txBox="1"/>
           <p:nvPr/>
@@ -20658,7 +20752,7 @@
 </p:sld>
 </file>
 
-<file path=ppt/slides/slide42.xml><?xml version="1.0" encoding="utf-8"?>
+<file path=ppt/slides/slide43.xml><?xml version="1.0" encoding="utf-8"?>
 <p:sld xmlns:a="http://schemas.openxmlformats.org/drawingml/2006/main" xmlns:r="http://schemas.openxmlformats.org/officeDocument/2006/relationships" xmlns:p="http://schemas.openxmlformats.org/presentationml/2006/main">
   <p:cSld>
     <p:spTree>
@@ -20802,7 +20896,7 @@
 </p:sld>
 </file>
 
-<file path=ppt/slides/slide43.xml><?xml version="1.0" encoding="utf-8"?>
+<file path=ppt/slides/slide44.xml><?xml version="1.0" encoding="utf-8"?>
 <p:sld xmlns:a="http://schemas.openxmlformats.org/drawingml/2006/main" xmlns:r="http://schemas.openxmlformats.org/officeDocument/2006/relationships" xmlns:p="http://schemas.openxmlformats.org/presentationml/2006/main">
   <p:cSld>
     <p:spTree>
@@ -20887,7 +20981,7 @@
         </p:blipFill>
         <p:spPr>
           <a:xfrm>
-            <a:off x="3481754" y="3323494"/>
+            <a:off x="4747846" y="3314702"/>
             <a:ext cx="3971557" cy="1717430"/>
           </a:xfrm>
           <a:prstGeom prst="rect">
@@ -20915,7 +21009,7 @@
 </p:sld>
 </file>
 
-<file path=ppt/slides/slide44.xml><?xml version="1.0" encoding="utf-8"?>
+<file path=ppt/slides/slide45.xml><?xml version="1.0" encoding="utf-8"?>
 <p:sld xmlns:a="http://schemas.openxmlformats.org/drawingml/2006/main" xmlns:r="http://schemas.openxmlformats.org/officeDocument/2006/relationships" xmlns:p="http://schemas.openxmlformats.org/presentationml/2006/main">
   <p:cSld>
     <p:spTree>
@@ -21033,7 +21127,7 @@
 </p:sld>
 </file>
 
-<file path=ppt/slides/slide45.xml><?xml version="1.0" encoding="utf-8"?>
+<file path=ppt/slides/slide46.xml><?xml version="1.0" encoding="utf-8"?>
 <p:sld xmlns:a="http://schemas.openxmlformats.org/drawingml/2006/main" xmlns:r="http://schemas.openxmlformats.org/officeDocument/2006/relationships" xmlns:p="http://schemas.openxmlformats.org/presentationml/2006/main">
   <p:cSld>
     <p:spTree>
@@ -21217,48 +21311,101 @@
         </p:nvSpPr>
         <p:spPr>
           <a:xfrm>
-            <a:off x="1178170" y="0"/>
-            <a:ext cx="10058400" cy="1450757"/>
+            <a:off x="1079900" y="214870"/>
+            <a:ext cx="10058400" cy="947356"/>
           </a:xfrm>
         </p:spPr>
         <p:txBody>
           <a:bodyPr/>
           <a:lstStyle/>
           <a:p>
+            <a:r>
+              <a:rPr lang="en-US" dirty="0" smtClean="0">
+                <a:solidFill>
+                  <a:schemeClr val="tx1"/>
+                </a:solidFill>
+              </a:rPr>
+              <a:t>	</a:t>
+            </a:r>
             <a:r>
               <a:rPr lang="ru-RU" dirty="0" smtClean="0">
                 <a:solidFill>
                   <a:schemeClr val="tx1"/>
                 </a:solidFill>
               </a:rPr>
-              <a:t>Корутины в с++20 (</a:t>
-            </a:r>
-            <a:r>
-              <a:rPr lang="en-US" dirty="0" smtClean="0">
-                <a:solidFill>
-                  <a:schemeClr val="tx1"/>
-                </a:solidFill>
-              </a:rPr>
-              <a:t>stackless)</a:t>
-            </a:r>
-            <a:endParaRPr lang="ru-RU" dirty="0">
-              <a:solidFill>
-                <a:schemeClr val="tx1"/>
-              </a:solidFill>
-            </a:endParaRPr>
-          </a:p>
-        </p:txBody>
-      </p:sp>
-      <p:sp>
-        <p:nvSpPr>
-          <p:cNvPr id="6" name="TextBox 5"/>
+              <a:t>Обсудим интерфейс корутины!</a:t>
+            </a:r>
+            <a:endParaRPr lang="ru-RU" dirty="0"/>
+          </a:p>
+        </p:txBody>
+      </p:sp>
+      <p:sp>
+        <p:nvSpPr>
+          <p:cNvPr id="3" name="Объект 2"/>
+          <p:cNvSpPr>
+            <a:spLocks noGrp="1"/>
+          </p:cNvSpPr>
+          <p:nvPr>
+            <p:ph idx="1"/>
+          </p:nvPr>
+        </p:nvSpPr>
+        <p:spPr>
+          <a:xfrm>
+            <a:off x="615788" y="2151796"/>
+            <a:ext cx="4413412" cy="3880773"/>
+          </a:xfrm>
+        </p:spPr>
+        <p:txBody>
+          <a:bodyPr>
+            <a:normAutofit/>
+          </a:bodyPr>
+          <a:lstStyle/>
+          <a:p>
+            <a:r>
+              <a:rPr lang="ru-RU" sz="3200" dirty="0" smtClean="0"/>
+              <a:t>-Вызвать</a:t>
+            </a:r>
+          </a:p>
+          <a:p>
+            <a:r>
+              <a:rPr lang="ru-RU" sz="3200" dirty="0" smtClean="0"/>
+              <a:t>-Вернуть результат</a:t>
+            </a:r>
+          </a:p>
+          <a:p>
+            <a:r>
+              <a:rPr lang="ru-RU" sz="3200" dirty="0" smtClean="0"/>
+              <a:t>-Приостановить</a:t>
+            </a:r>
+          </a:p>
+          <a:p>
+            <a:r>
+              <a:rPr lang="ru-RU" sz="3200" dirty="0" smtClean="0"/>
+              <a:t>-Возобновить</a:t>
+            </a:r>
+          </a:p>
+          <a:p>
+            <a:pPr marL="0" indent="0">
+              <a:buNone/>
+            </a:pPr>
+            <a:r>
+              <a:rPr lang="ru-RU" dirty="0" smtClean="0"/>
+              <a:t> (похоже ,что обыкновенная функция –        	частный случай корутины!)</a:t>
+            </a:r>
+            <a:endParaRPr lang="ru-RU" dirty="0"/>
+          </a:p>
+        </p:txBody>
+      </p:sp>
+      <p:sp>
+        <p:nvSpPr>
+          <p:cNvPr id="4" name="TextBox 3"/>
           <p:cNvSpPr txBox="1"/>
           <p:nvPr/>
         </p:nvSpPr>
         <p:spPr>
-          <a:xfrm>
-            <a:off x="334108" y="1406824"/>
-            <a:ext cx="10965631" cy="4093428"/>
+          <a:xfrm rot="1350500">
+            <a:off x="8829993" y="3142200"/>
+            <a:ext cx="3393830" cy="1138773"/>
           </a:xfrm>
           <a:prstGeom prst="rect">
             <a:avLst/>
@@ -21266,231 +21413,39 @@
           <a:noFill/>
         </p:spPr>
         <p:txBody>
-          <a:bodyPr wrap="none" rtlCol="0">
+          <a:bodyPr wrap="square" rtlCol="0">
             <a:spAutoFit/>
           </a:bodyPr>
           <a:lstStyle/>
           <a:p>
             <a:r>
-              <a:rPr lang="ru-RU" sz="2000" dirty="0" smtClean="0"/>
-              <a:t>Корутина(сопрограмма) – функция , которую можно прервать , чтобы возобновить позже.</a:t>
-            </a:r>
-            <a:r>
-              <a:rPr lang="ru-RU" sz="2000" dirty="0"/>
-              <a:t/>
-            </a:r>
-            <a:br>
-              <a:rPr lang="ru-RU" sz="2000" dirty="0"/>
-            </a:br>
-            <a:r>
-              <a:rPr lang="ru-RU" sz="2000" dirty="0" smtClean="0"/>
-              <a:t>Корутины приостанавливают </a:t>
-            </a:r>
-            <a:r>
-              <a:rPr lang="ru-RU" sz="2000" dirty="0"/>
-              <a:t>выполнение, </a:t>
-            </a:r>
-            <a:r>
-              <a:rPr lang="ru-RU" sz="2000" dirty="0" smtClean="0"/>
-              <a:t>возвращая управление вызывающей </a:t>
-            </a:r>
-            <a:r>
-              <a:rPr lang="ru-RU" sz="2000" dirty="0"/>
-              <a:t>стороне, </a:t>
-            </a:r>
-            <a:endParaRPr lang="ru-RU" sz="2000" dirty="0" smtClean="0"/>
-          </a:p>
-          <a:p>
-            <a:r>
-              <a:rPr lang="ru-RU" sz="2000" dirty="0" smtClean="0"/>
-              <a:t>а </a:t>
-            </a:r>
-            <a:r>
-              <a:rPr lang="ru-RU" sz="2000" dirty="0"/>
-              <a:t>данные, необходимые для возобновления выполнения, </a:t>
-            </a:r>
-            <a:endParaRPr lang="ru-RU" sz="2000" dirty="0" smtClean="0"/>
-          </a:p>
-          <a:p>
-            <a:r>
-              <a:rPr lang="ru-RU" sz="2000" dirty="0" smtClean="0"/>
-              <a:t>хранятся </a:t>
-            </a:r>
-            <a:r>
-              <a:rPr lang="ru-RU" sz="2000" dirty="0"/>
-              <a:t>отдельно от </a:t>
-            </a:r>
-            <a:r>
-              <a:rPr lang="ru-RU" sz="2000" dirty="0" smtClean="0"/>
-              <a:t>стека(в </a:t>
-            </a:r>
-            <a:r>
-              <a:rPr lang="en-US" sz="2000" dirty="0" smtClean="0"/>
-              <a:t>coroutine-frame)</a:t>
-            </a:r>
-            <a:r>
-              <a:rPr lang="ru-RU" sz="2000" dirty="0" smtClean="0"/>
-              <a:t>(о нем немного позже).</a:t>
-            </a:r>
-          </a:p>
-          <a:p>
-            <a:endParaRPr lang="ru-RU" sz="2000" dirty="0" smtClean="0"/>
-          </a:p>
-          <a:p>
-            <a:r>
-              <a:rPr lang="ru-RU" sz="2000" dirty="0" smtClean="0"/>
-              <a:t>Чтобы наделить обычную функцию свойствами корутины, необходимо добавить немного магии!</a:t>
-            </a:r>
-          </a:p>
-          <a:p>
-            <a:r>
-              <a:rPr lang="ru-RU" sz="2000" dirty="0" smtClean="0"/>
-              <a:t>А именно 1 из 3-х ключевых слов : </a:t>
-            </a:r>
-            <a:r>
-              <a:rPr lang="en-US" sz="2000" dirty="0" smtClean="0">
+              <a:rPr lang="en-US" dirty="0"/>
+              <a:t>	</a:t>
+            </a:r>
+            <a:r>
+              <a:rPr lang="en-US" sz="2400" dirty="0" smtClean="0">
                 <a:solidFill>
                   <a:srgbClr val="00B050"/>
                 </a:solidFill>
               </a:rPr>
               <a:t>co_await</a:t>
             </a:r>
-            <a:r>
-              <a:rPr lang="en-US" sz="2000" dirty="0" smtClean="0"/>
-              <a:t>,</a:t>
-            </a:r>
-            <a:r>
-              <a:rPr lang="en-US" sz="2000" dirty="0">
-                <a:solidFill>
-                  <a:srgbClr val="00B0F0"/>
-                </a:solidFill>
-              </a:rPr>
-              <a:t> </a:t>
-            </a:r>
-            <a:r>
-              <a:rPr lang="en-US" sz="2000" dirty="0" smtClean="0">
-                <a:solidFill>
-                  <a:srgbClr val="00B0F0"/>
-                </a:solidFill>
-              </a:rPr>
-              <a:t>co_return </a:t>
-            </a:r>
-            <a:r>
-              <a:rPr lang="ru-RU" sz="2000" dirty="0" smtClean="0"/>
-              <a:t>или </a:t>
-            </a:r>
-            <a:r>
-              <a:rPr lang="en-US" sz="2000" dirty="0" smtClean="0">
-                <a:solidFill>
-                  <a:schemeClr val="accent2"/>
-                </a:solidFill>
-              </a:rPr>
-              <a:t>co_yield</a:t>
-            </a:r>
-            <a:r>
-              <a:rPr lang="ru-RU" sz="2000" dirty="0" smtClean="0"/>
-              <a:t>.</a:t>
-            </a:r>
-            <a:endParaRPr lang="en-US" sz="2000" dirty="0">
-              <a:solidFill>
-                <a:schemeClr val="accent2"/>
-              </a:solidFill>
-            </a:endParaRPr>
-          </a:p>
-          <a:p>
-            <a:endParaRPr lang="ru-RU" sz="2000" dirty="0">
-              <a:solidFill>
-                <a:srgbClr val="00B0F0"/>
-              </a:solidFill>
-            </a:endParaRPr>
-          </a:p>
-          <a:p>
-            <a:r>
-              <a:rPr lang="ru-RU" sz="2000" dirty="0" smtClean="0"/>
-              <a:t>Но стоит обратить внимание на следующие вещи : </a:t>
-            </a:r>
-          </a:p>
-          <a:p>
-            <a:r>
-              <a:rPr lang="ru-RU" sz="2000" dirty="0" smtClean="0"/>
-              <a:t>1)Корутины не могут использовать </a:t>
-            </a:r>
-            <a:r>
-              <a:rPr lang="en-US" sz="2000" dirty="0" smtClean="0"/>
-              <a:t>variadic arguments</a:t>
-            </a:r>
-          </a:p>
-          <a:p>
-            <a:r>
-              <a:rPr lang="en-US" sz="2000" dirty="0" smtClean="0"/>
-              <a:t>2)</a:t>
-            </a:r>
-            <a:r>
-              <a:rPr lang="ru-RU" sz="2000" dirty="0" smtClean="0"/>
-              <a:t>Запрещены всем привычные операторы возврата </a:t>
-            </a:r>
-          </a:p>
-          <a:p>
-            <a:r>
-              <a:rPr lang="ru-RU" sz="2000" dirty="0" smtClean="0"/>
-              <a:t>3)Так же не допускается использование </a:t>
-            </a:r>
-            <a:r>
-              <a:rPr lang="en-US" sz="2000" dirty="0" smtClean="0">
-                <a:solidFill>
-                  <a:srgbClr val="FF0000"/>
-                </a:solidFill>
-              </a:rPr>
-              <a:t>auto</a:t>
-            </a:r>
-            <a:r>
-              <a:rPr lang="en-US" sz="2000" dirty="0" smtClean="0"/>
-              <a:t> &amp;&amp; </a:t>
-            </a:r>
-            <a:r>
-              <a:rPr lang="en-US" sz="2000" dirty="0" smtClean="0">
-                <a:solidFill>
-                  <a:srgbClr val="FF0000"/>
-                </a:solidFill>
-              </a:rPr>
-              <a:t>concept</a:t>
-            </a:r>
-          </a:p>
-          <a:p>
-            <a:r>
-              <a:rPr lang="en-US" sz="2000" dirty="0" smtClean="0"/>
-              <a:t>4)</a:t>
-            </a:r>
-            <a:r>
-              <a:rPr lang="ru-RU" sz="2000" dirty="0" smtClean="0"/>
-              <a:t>Корутинами быть не могут : </a:t>
-            </a:r>
-            <a:r>
-              <a:rPr lang="en-US" sz="2000" dirty="0" smtClean="0"/>
-              <a:t>constexpr func,ctors,dtors </a:t>
-            </a:r>
-            <a:r>
-              <a:rPr lang="ru-RU" sz="2000" dirty="0" smtClean="0"/>
-              <a:t>и </a:t>
-            </a:r>
-            <a:r>
-              <a:rPr lang="en-US" sz="2000" dirty="0" smtClean="0"/>
-              <a:t>main </a:t>
-            </a:r>
-            <a:endParaRPr lang="ru-RU" sz="2000" dirty="0" smtClean="0"/>
-          </a:p>
-        </p:txBody>
-      </p:sp>
-      <p:sp>
-        <p:nvSpPr>
-          <p:cNvPr id="3" name="TextBox 2"/>
+          </a:p>
+          <a:p>
+            <a:endParaRPr lang="ru-RU" sz="4400" dirty="0"/>
+          </a:p>
+        </p:txBody>
+      </p:sp>
+      <p:sp>
+        <p:nvSpPr>
+          <p:cNvPr id="9" name="TextBox 8"/>
           <p:cNvSpPr txBox="1"/>
           <p:nvPr/>
         </p:nvSpPr>
         <p:spPr>
           <a:xfrm>
-            <a:off x="9398977" y="518746"/>
-            <a:ext cx="2022231" cy="369332"/>
+            <a:off x="2822494" y="5545362"/>
+            <a:ext cx="7869783" cy="1077218"/>
           </a:xfrm>
           <a:prstGeom prst="rect">
             <a:avLst/>
@@ -21498,34 +21453,36 @@
           <a:noFill/>
         </p:spPr>
         <p:txBody>
-          <a:bodyPr wrap="square" rtlCol="0">
+          <a:bodyPr wrap="none" rtlCol="0">
             <a:spAutoFit/>
           </a:bodyPr>
           <a:lstStyle/>
           <a:p>
             <a:r>
-              <a:rPr lang="ru-RU" dirty="0" smtClean="0"/>
-              <a:t>(</a:t>
-            </a:r>
-            <a:r>
-              <a:rPr lang="ru-RU" dirty="0" smtClean="0">
-                <a:solidFill>
-                  <a:srgbClr val="0070C0"/>
-                </a:solidFill>
-              </a:rPr>
-              <a:t>немного теории</a:t>
-            </a:r>
-            <a:r>
-              <a:rPr lang="ru-RU" dirty="0" smtClean="0"/>
-              <a:t>)</a:t>
-            </a:r>
-            <a:endParaRPr lang="ru-RU" dirty="0"/>
+              <a:rPr lang="ru-RU" sz="3200" dirty="0" smtClean="0"/>
+              <a:t>Но возникает вопрос :</a:t>
+            </a:r>
+            <a:r>
+              <a:rPr lang="en-US" sz="3200" dirty="0" smtClean="0"/>
+              <a:t> </a:t>
+            </a:r>
+            <a:r>
+              <a:rPr lang="ru-RU" sz="3200" dirty="0" smtClean="0"/>
+              <a:t>что такое «корутина»</a:t>
+            </a:r>
+          </a:p>
+          <a:p>
+            <a:r>
+              <a:rPr lang="ru-RU" sz="3200" dirty="0" smtClean="0"/>
+              <a:t> и как ей пользоваться? </a:t>
+            </a:r>
+            <a:endParaRPr lang="ru-RU" sz="3200" dirty="0"/>
           </a:p>
         </p:txBody>
       </p:sp>
       <p:pic>
         <p:nvPicPr>
-          <p:cNvPr id="5" name="Рисунок 4"/>
+          <p:cNvPr id="10" name="Рисунок 9"/>
           <p:cNvPicPr>
             <a:picLocks noChangeAspect="1"/>
           </p:cNvPicPr>
@@ -21545,18 +21502,102 @@
         </p:blipFill>
         <p:spPr>
           <a:xfrm>
-            <a:off x="8112761" y="3719200"/>
-            <a:ext cx="3123809" cy="1895238"/>
+            <a:off x="5118544" y="1406116"/>
+            <a:ext cx="4629150" cy="3267075"/>
           </a:xfrm>
           <a:prstGeom prst="rect">
             <a:avLst/>
           </a:prstGeom>
         </p:spPr>
       </p:pic>
+      <p:sp>
+        <p:nvSpPr>
+          <p:cNvPr id="11" name="TextBox 10"/>
+          <p:cNvSpPr txBox="1"/>
+          <p:nvPr/>
+        </p:nvSpPr>
+        <p:spPr>
+          <a:xfrm rot="2913174">
+            <a:off x="9983717" y="1848079"/>
+            <a:ext cx="1417119" cy="461665"/>
+          </a:xfrm>
+          <a:prstGeom prst="rect">
+            <a:avLst/>
+          </a:prstGeom>
+          <a:noFill/>
+        </p:spPr>
+        <p:txBody>
+          <a:bodyPr wrap="none" rtlCol="0">
+            <a:spAutoFit/>
+          </a:bodyPr>
+          <a:lstStyle/>
+          <a:p>
+            <a:r>
+              <a:rPr lang="en-US" sz="2400" dirty="0">
+                <a:solidFill>
+                  <a:srgbClr val="00B0F0"/>
+                </a:solidFill>
+              </a:rPr>
+              <a:t>c</a:t>
+            </a:r>
+            <a:r>
+              <a:rPr lang="en-US" sz="2400" dirty="0" smtClean="0">
+                <a:solidFill>
+                  <a:srgbClr val="00B0F0"/>
+                </a:solidFill>
+              </a:rPr>
+              <a:t>o_return</a:t>
+            </a:r>
+            <a:endParaRPr lang="ru-RU" sz="2400" dirty="0">
+              <a:solidFill>
+                <a:srgbClr val="00B0F0"/>
+              </a:solidFill>
+            </a:endParaRPr>
+          </a:p>
+        </p:txBody>
+      </p:sp>
+      <p:sp>
+        <p:nvSpPr>
+          <p:cNvPr id="12" name="TextBox 11"/>
+          <p:cNvSpPr txBox="1"/>
+          <p:nvPr/>
+        </p:nvSpPr>
+        <p:spPr>
+          <a:xfrm rot="20457398">
+            <a:off x="8691961" y="3960235"/>
+            <a:ext cx="1289924" cy="461665"/>
+          </a:xfrm>
+          <a:prstGeom prst="rect">
+            <a:avLst/>
+          </a:prstGeom>
+          <a:noFill/>
+        </p:spPr>
+        <p:txBody>
+          <a:bodyPr wrap="square" rtlCol="0">
+            <a:spAutoFit/>
+          </a:bodyPr>
+          <a:lstStyle/>
+          <a:p>
+            <a:r>
+              <a:rPr lang="en-US" sz="2400" dirty="0" smtClean="0">
+                <a:solidFill>
+                  <a:schemeClr val="accent2"/>
+                </a:solidFill>
+              </a:rPr>
+              <a:t>co_yield</a:t>
+            </a:r>
+            <a:endParaRPr lang="ru-RU" sz="2400" dirty="0">
+              <a:solidFill>
+                <a:schemeClr val="accent2"/>
+              </a:solidFill>
+            </a:endParaRPr>
+          </a:p>
+        </p:txBody>
+      </p:sp>
     </p:spTree>
     <p:extLst>
       <p:ext uri="{BB962C8B-B14F-4D97-AF65-F5344CB8AC3E}">
-        <p14:creationId xmlns:p14="http://schemas.microsoft.com/office/powerpoint/2010/main" val="244825598"/>
+        <p14:creationId xmlns:p14="http://schemas.microsoft.com/office/powerpoint/2010/main" val="260636642"/>
       </p:ext>
     </p:extLst>
   </p:cSld>
@@ -21602,34 +21643,48 @@
         </p:nvSpPr>
         <p:spPr>
           <a:xfrm>
-            <a:off x="1246749" y="545123"/>
-            <a:ext cx="10058400" cy="641985"/>
-          </a:xfrm>
-        </p:spPr>
-        <p:txBody>
-          <a:bodyPr>
-            <a:normAutofit fontScale="90000"/>
-          </a:bodyPr>
-          <a:lstStyle/>
-          <a:p>
-            <a:r>
-              <a:rPr lang="ru-RU" dirty="0" smtClean="0"/>
-              <a:t>  Небольшой экскурс по ко-операторам!</a:t>
-            </a:r>
-            <a:endParaRPr lang="ru-RU" dirty="0"/>
-          </a:p>
-        </p:txBody>
-      </p:sp>
-      <p:sp>
-        <p:nvSpPr>
-          <p:cNvPr id="4" name="TextBox 3"/>
+            <a:off x="1178170" y="0"/>
+            <a:ext cx="10058400" cy="1450757"/>
+          </a:xfrm>
+        </p:spPr>
+        <p:txBody>
+          <a:bodyPr/>
+          <a:lstStyle/>
+          <a:p>
+            <a:r>
+              <a:rPr lang="ru-RU" dirty="0" smtClean="0">
+                <a:solidFill>
+                  <a:schemeClr val="tx1"/>
+                </a:solidFill>
+              </a:rPr>
+              <a:t>Корутины в с++20 (</a:t>
+            </a:r>
+            <a:r>
+              <a:rPr lang="en-US" dirty="0" smtClean="0">
+                <a:solidFill>
+                  <a:schemeClr val="tx1"/>
+                </a:solidFill>
+              </a:rPr>
+              <a:t>stackless)</a:t>
+            </a:r>
+            <a:endParaRPr lang="ru-RU" dirty="0">
+              <a:solidFill>
+                <a:schemeClr val="tx1"/>
+              </a:solidFill>
+            </a:endParaRPr>
+          </a:p>
+        </p:txBody>
+      </p:sp>
+      <p:sp>
+        <p:nvSpPr>
+          <p:cNvPr id="6" name="TextBox 5"/>
           <p:cNvSpPr txBox="1"/>
           <p:nvPr/>
         </p:nvSpPr>
         <p:spPr>
           <a:xfrm>
-            <a:off x="578827" y="2104292"/>
-            <a:ext cx="10887075" cy="6001643"/>
+            <a:off x="334108" y="1406824"/>
+            <a:ext cx="10965631" cy="4093428"/>
           </a:xfrm>
           <a:prstGeom prst="rect">
             <a:avLst/>
@@ -21637,273 +21692,297 @@
           <a:noFill/>
         </p:spPr>
         <p:txBody>
+          <a:bodyPr wrap="none" rtlCol="0">
+            <a:spAutoFit/>
+          </a:bodyPr>
+          <a:lstStyle/>
+          <a:p>
+            <a:r>
+              <a:rPr lang="ru-RU" sz="2000" dirty="0" smtClean="0"/>
+              <a:t>Корутина(сопрограмма) – функция , которую можно прервать , чтобы возобновить позже.</a:t>
+            </a:r>
+            <a:r>
+              <a:rPr lang="ru-RU" sz="2000" dirty="0"/>
+              <a:t/>
+            </a:r>
+            <a:br>
+              <a:rPr lang="ru-RU" sz="2000" dirty="0"/>
+            </a:br>
+            <a:r>
+              <a:rPr lang="ru-RU" sz="2000" dirty="0" smtClean="0"/>
+              <a:t>Корутины приостанавливают </a:t>
+            </a:r>
+            <a:r>
+              <a:rPr lang="ru-RU" sz="2000" dirty="0"/>
+              <a:t>выполнение, </a:t>
+            </a:r>
+            <a:r>
+              <a:rPr lang="ru-RU" sz="2000" dirty="0" smtClean="0"/>
+              <a:t>возвращая управление вызывающей </a:t>
+            </a:r>
+            <a:r>
+              <a:rPr lang="ru-RU" sz="2000" dirty="0"/>
+              <a:t>стороне, </a:t>
+            </a:r>
+            <a:endParaRPr lang="ru-RU" sz="2000" dirty="0" smtClean="0"/>
+          </a:p>
+          <a:p>
+            <a:r>
+              <a:rPr lang="ru-RU" sz="2000" dirty="0" smtClean="0"/>
+              <a:t>а </a:t>
+            </a:r>
+            <a:r>
+              <a:rPr lang="ru-RU" sz="2000" dirty="0"/>
+              <a:t>данные, необходимые для возобновления выполнения, </a:t>
+            </a:r>
+            <a:endParaRPr lang="ru-RU" sz="2000" dirty="0" smtClean="0"/>
+          </a:p>
+          <a:p>
+            <a:r>
+              <a:rPr lang="ru-RU" sz="2000" dirty="0" smtClean="0"/>
+              <a:t>хранятся </a:t>
+            </a:r>
+            <a:r>
+              <a:rPr lang="ru-RU" sz="2000" dirty="0"/>
+              <a:t>отдельно от </a:t>
+            </a:r>
+            <a:r>
+              <a:rPr lang="ru-RU" sz="2000" dirty="0" smtClean="0"/>
+              <a:t>стека(в </a:t>
+            </a:r>
+            <a:r>
+              <a:rPr lang="en-US" sz="2000" dirty="0" smtClean="0"/>
+              <a:t>coroutine-frame)</a:t>
+            </a:r>
+            <a:r>
+              <a:rPr lang="ru-RU" sz="2000" dirty="0" smtClean="0"/>
+              <a:t>(о нем немного позже).</a:t>
+            </a:r>
+          </a:p>
+          <a:p>
+            <a:endParaRPr lang="ru-RU" sz="2000" dirty="0" smtClean="0"/>
+          </a:p>
+          <a:p>
+            <a:r>
+              <a:rPr lang="ru-RU" sz="2000" dirty="0" smtClean="0"/>
+              <a:t>Чтобы наделить обычную функцию свойствами корутины, необходимо добавить немного магии!</a:t>
+            </a:r>
+          </a:p>
+          <a:p>
+            <a:r>
+              <a:rPr lang="ru-RU" sz="2000" dirty="0" smtClean="0"/>
+              <a:t>А именно 1 из 3-х ключевых слов : </a:t>
+            </a:r>
+            <a:r>
+              <a:rPr lang="en-US" sz="2000" dirty="0" smtClean="0">
+                <a:solidFill>
+                  <a:srgbClr val="00B050"/>
+                </a:solidFill>
+              </a:rPr>
+              <a:t>co_await</a:t>
+            </a:r>
+            <a:r>
+              <a:rPr lang="en-US" sz="2000" dirty="0" smtClean="0"/>
+              <a:t>,</a:t>
+            </a:r>
+            <a:r>
+              <a:rPr lang="en-US" sz="2000" dirty="0">
+                <a:solidFill>
+                  <a:srgbClr val="00B0F0"/>
+                </a:solidFill>
+              </a:rPr>
+              <a:t> </a:t>
+            </a:r>
+            <a:r>
+              <a:rPr lang="en-US" sz="2000" dirty="0" smtClean="0">
+                <a:solidFill>
+                  <a:srgbClr val="00B0F0"/>
+                </a:solidFill>
+              </a:rPr>
+              <a:t>co_return </a:t>
+            </a:r>
+            <a:r>
+              <a:rPr lang="ru-RU" sz="2000" dirty="0" smtClean="0"/>
+              <a:t>или </a:t>
+            </a:r>
+            <a:r>
+              <a:rPr lang="en-US" sz="2000" dirty="0" smtClean="0">
+                <a:solidFill>
+                  <a:schemeClr val="accent2"/>
+                </a:solidFill>
+              </a:rPr>
+              <a:t>co_yield</a:t>
+            </a:r>
+            <a:r>
+              <a:rPr lang="ru-RU" sz="2000" dirty="0" smtClean="0"/>
+              <a:t>.</a:t>
+            </a:r>
+            <a:endParaRPr lang="en-US" sz="2000" dirty="0">
+              <a:solidFill>
+                <a:schemeClr val="accent2"/>
+              </a:solidFill>
+            </a:endParaRPr>
+          </a:p>
+          <a:p>
+            <a:endParaRPr lang="ru-RU" sz="2000" dirty="0">
+              <a:solidFill>
+                <a:srgbClr val="00B0F0"/>
+              </a:solidFill>
+            </a:endParaRPr>
+          </a:p>
+          <a:p>
+            <a:r>
+              <a:rPr lang="ru-RU" sz="2000" dirty="0" smtClean="0"/>
+              <a:t>Но стоит обратить внимание на следующие вещи : </a:t>
+            </a:r>
+          </a:p>
+          <a:p>
+            <a:r>
+              <a:rPr lang="ru-RU" sz="2000" dirty="0" smtClean="0"/>
+              <a:t>1)Корутины не могут использовать </a:t>
+            </a:r>
+            <a:r>
+              <a:rPr lang="en-US" sz="2000" dirty="0" smtClean="0"/>
+              <a:t>variadic arguments</a:t>
+            </a:r>
+          </a:p>
+          <a:p>
+            <a:r>
+              <a:rPr lang="en-US" sz="2000" dirty="0" smtClean="0"/>
+              <a:t>2)</a:t>
+            </a:r>
+            <a:r>
+              <a:rPr lang="ru-RU" sz="2000" dirty="0" smtClean="0"/>
+              <a:t>Запрещены всем привычные операторы возврата </a:t>
+            </a:r>
+          </a:p>
+          <a:p>
+            <a:r>
+              <a:rPr lang="ru-RU" sz="2000" dirty="0" smtClean="0"/>
+              <a:t>3)Так же не допускается использование </a:t>
+            </a:r>
+            <a:r>
+              <a:rPr lang="en-US" sz="2000" dirty="0" smtClean="0">
+                <a:solidFill>
+                  <a:srgbClr val="FF0000"/>
+                </a:solidFill>
+              </a:rPr>
+              <a:t>auto</a:t>
+            </a:r>
+            <a:r>
+              <a:rPr lang="en-US" sz="2000" dirty="0" smtClean="0"/>
+              <a:t> &amp;&amp; </a:t>
+            </a:r>
+            <a:r>
+              <a:rPr lang="en-US" sz="2000" dirty="0" smtClean="0">
+                <a:solidFill>
+                  <a:srgbClr val="FF0000"/>
+                </a:solidFill>
+              </a:rPr>
+              <a:t>concept</a:t>
+            </a:r>
+          </a:p>
+          <a:p>
+            <a:r>
+              <a:rPr lang="en-US" sz="2000" dirty="0" smtClean="0"/>
+              <a:t>4)</a:t>
+            </a:r>
+            <a:r>
+              <a:rPr lang="ru-RU" sz="2000" dirty="0" smtClean="0"/>
+              <a:t>Корутинами быть не могут : </a:t>
+            </a:r>
+            <a:r>
+              <a:rPr lang="en-US" sz="2000" dirty="0" smtClean="0"/>
+              <a:t>constexpr func,ctors,dtors </a:t>
+            </a:r>
+            <a:r>
+              <a:rPr lang="ru-RU" sz="2000" dirty="0" smtClean="0"/>
+              <a:t>и </a:t>
+            </a:r>
+            <a:r>
+              <a:rPr lang="en-US" sz="2000" dirty="0" smtClean="0"/>
+              <a:t>main </a:t>
+            </a:r>
+            <a:endParaRPr lang="ru-RU" sz="2000" dirty="0" smtClean="0"/>
+          </a:p>
+        </p:txBody>
+      </p:sp>
+      <p:sp>
+        <p:nvSpPr>
+          <p:cNvPr id="3" name="TextBox 2"/>
+          <p:cNvSpPr txBox="1"/>
+          <p:nvPr/>
+        </p:nvSpPr>
+        <p:spPr>
+          <a:xfrm>
+            <a:off x="9398977" y="518746"/>
+            <a:ext cx="2022231" cy="369332"/>
+          </a:xfrm>
+          <a:prstGeom prst="rect">
+            <a:avLst/>
+          </a:prstGeom>
+          <a:noFill/>
+        </p:spPr>
+        <p:txBody>
           <a:bodyPr wrap="square" rtlCol="0">
             <a:spAutoFit/>
           </a:bodyPr>
           <a:lstStyle/>
           <a:p>
             <a:r>
-              <a:rPr lang="ru-RU" sz="2400" dirty="0" smtClean="0"/>
-              <a:t>Два из 3х операторов не слишком интересны и просты( </a:t>
-            </a:r>
-            <a:r>
-              <a:rPr lang="en-US" sz="2400" dirty="0" smtClean="0"/>
-              <a:t>co_yield &amp; co_return).</a:t>
-            </a:r>
-            <a:r>
-              <a:rPr lang="ru-RU" sz="2400" dirty="0" smtClean="0"/>
-              <a:t>Но вишенку на торте(</a:t>
-            </a:r>
-            <a:r>
-              <a:rPr lang="en-US" sz="2400" dirty="0" smtClean="0"/>
-              <a:t>co_await)</a:t>
-            </a:r>
-            <a:r>
-              <a:rPr lang="ru-RU" sz="2400" dirty="0" smtClean="0"/>
-              <a:t> мы рассмотрим немного позже.</a:t>
-            </a:r>
-          </a:p>
-          <a:p>
-            <a:endParaRPr lang="en-US" sz="2400" dirty="0"/>
-          </a:p>
-          <a:p>
-            <a:r>
-              <a:rPr lang="en-US" sz="2400" dirty="0" smtClean="0">
+              <a:rPr lang="ru-RU" dirty="0" smtClean="0"/>
+              <a:t>(</a:t>
+            </a:r>
+            <a:r>
+              <a:rPr lang="ru-RU" dirty="0" smtClean="0">
                 <a:solidFill>
                   <a:srgbClr val="0070C0"/>
                 </a:solidFill>
               </a:rPr>
-              <a:t>co_yield</a:t>
-            </a:r>
-            <a:r>
-              <a:rPr lang="en-US" sz="2400" dirty="0" smtClean="0"/>
-              <a:t>  </a:t>
-            </a:r>
-            <a:r>
-              <a:rPr lang="en-US" sz="2400" dirty="0" smtClean="0">
-                <a:solidFill>
-                  <a:srgbClr val="FF0000"/>
-                </a:solidFill>
-              </a:rPr>
-              <a:t>&lt;expr&gt; </a:t>
-            </a:r>
-            <a:r>
-              <a:rPr lang="ru-RU" sz="2400" dirty="0" smtClean="0">
-                <a:solidFill>
-                  <a:srgbClr val="FF0000"/>
-                </a:solidFill>
-              </a:rPr>
-              <a:t> </a:t>
-            </a:r>
-            <a:r>
-              <a:rPr lang="ru-RU" sz="2400" dirty="0" smtClean="0">
-                <a:sym typeface="Wingdings" panose="05000000000000000000" pitchFamily="2" charset="2"/>
-              </a:rPr>
-              <a:t></a:t>
-            </a:r>
-            <a:r>
-              <a:rPr lang="en-US" sz="2400" dirty="0" smtClean="0">
-                <a:sym typeface="Wingdings" panose="05000000000000000000" pitchFamily="2" charset="2"/>
-              </a:rPr>
-              <a:t> </a:t>
-            </a:r>
-            <a:r>
-              <a:rPr lang="en-US" sz="2400" dirty="0" smtClean="0">
-                <a:solidFill>
-                  <a:srgbClr val="0070C0"/>
-                </a:solidFill>
-                <a:sym typeface="Wingdings" panose="05000000000000000000" pitchFamily="2" charset="2"/>
-              </a:rPr>
-              <a:t>co_await</a:t>
-            </a:r>
-            <a:r>
-              <a:rPr lang="ru-RU" sz="2400" dirty="0" smtClean="0"/>
-              <a:t> </a:t>
-            </a:r>
-            <a:r>
-              <a:rPr lang="en-US" sz="2400" dirty="0" smtClean="0"/>
-              <a:t>promise.yield_value(</a:t>
-            </a:r>
-            <a:r>
-              <a:rPr lang="en-US" sz="2400" dirty="0" smtClean="0">
-                <a:solidFill>
-                  <a:srgbClr val="FF0000"/>
-                </a:solidFill>
-              </a:rPr>
-              <a:t>&lt;expr&gt;</a:t>
-            </a:r>
-            <a:r>
-              <a:rPr lang="en-US" sz="2400" dirty="0" smtClean="0"/>
+              <a:t>немного теории</a:t>
+            </a:r>
+            <a:r>
+              <a:rPr lang="ru-RU" dirty="0" smtClean="0"/>
               <a:t>)</a:t>
             </a:r>
-          </a:p>
-          <a:p>
-            <a:r>
-              <a:rPr lang="en-US" sz="2400" dirty="0" smtClean="0">
-                <a:solidFill>
-                  <a:srgbClr val="0070C0"/>
-                </a:solidFill>
-              </a:rPr>
-              <a:t>co_return   </a:t>
-            </a:r>
-            <a:r>
-              <a:rPr lang="en-US" sz="2400" dirty="0" smtClean="0">
-                <a:sym typeface="Wingdings" panose="05000000000000000000" pitchFamily="2" charset="2"/>
-              </a:rPr>
-              <a:t></a:t>
-            </a:r>
-            <a:r>
-              <a:rPr lang="en-US" sz="2400" dirty="0" smtClean="0"/>
-              <a:t> promise.return_void()</a:t>
-            </a:r>
-          </a:p>
-          <a:p>
-            <a:r>
-              <a:rPr lang="en-US" sz="2400" dirty="0" smtClean="0">
-                <a:solidFill>
-                  <a:srgbClr val="0070C0"/>
-                </a:solidFill>
-              </a:rPr>
-              <a:t>co_return</a:t>
-            </a:r>
-            <a:r>
-              <a:rPr lang="en-US" sz="2400" dirty="0" smtClean="0"/>
-              <a:t> </a:t>
-            </a:r>
-            <a:r>
-              <a:rPr lang="en-US" sz="2400" dirty="0" smtClean="0">
-                <a:solidFill>
-                  <a:srgbClr val="FF0000"/>
-                </a:solidFill>
-              </a:rPr>
-              <a:t>&lt;expr&gt; </a:t>
-            </a:r>
-            <a:r>
-              <a:rPr lang="en-US" sz="2400" dirty="0" smtClean="0">
-                <a:sym typeface="Wingdings" panose="05000000000000000000" pitchFamily="2" charset="2"/>
-              </a:rPr>
-              <a:t></a:t>
-            </a:r>
-            <a:r>
-              <a:rPr lang="en-US" sz="2400" dirty="0" smtClean="0"/>
-              <a:t>  promise.return_value( </a:t>
-            </a:r>
-            <a:r>
-              <a:rPr lang="en-US" sz="2400" dirty="0" smtClean="0">
-                <a:solidFill>
-                  <a:srgbClr val="FF0000"/>
-                </a:solidFill>
-              </a:rPr>
-              <a:t>&lt;expr&gt; </a:t>
-            </a:r>
-            <a:r>
-              <a:rPr lang="en-US" sz="2400" dirty="0" smtClean="0"/>
-              <a:t>)</a:t>
-            </a:r>
-          </a:p>
-          <a:p>
-            <a:endParaRPr lang="ru-RU" sz="2400" dirty="0" smtClean="0">
-              <a:solidFill>
-                <a:srgbClr val="0070C0"/>
-              </a:solidFill>
-            </a:endParaRPr>
-          </a:p>
-          <a:p>
-            <a:r>
-              <a:rPr lang="ru-RU" sz="2400" dirty="0" smtClean="0"/>
-              <a:t>Но гораздо интереснее третий из них! </a:t>
-            </a:r>
-          </a:p>
-          <a:p>
-            <a:endParaRPr lang="en-US" sz="2400" dirty="0" smtClean="0"/>
-          </a:p>
-          <a:p>
-            <a:r>
-              <a:rPr lang="en-US" sz="2400" dirty="0" smtClean="0">
-                <a:solidFill>
-                  <a:srgbClr val="0070C0"/>
-                </a:solidFill>
-              </a:rPr>
-              <a:t>co_await</a:t>
-            </a:r>
-            <a:r>
-              <a:rPr lang="en-US" sz="2400" dirty="0" smtClean="0"/>
-              <a:t> </a:t>
-            </a:r>
-            <a:r>
-              <a:rPr lang="en-US" sz="2400" dirty="0" smtClean="0">
-                <a:solidFill>
-                  <a:srgbClr val="FF0000"/>
-                </a:solidFill>
-              </a:rPr>
-              <a:t>&lt;expr&gt; </a:t>
-            </a:r>
-            <a:r>
-              <a:rPr lang="ru-RU" sz="2400" dirty="0" smtClean="0"/>
-              <a:t>приостанавливает выполнение корутины и отдает управление </a:t>
-            </a:r>
-            <a:endParaRPr lang="en-US" sz="2400" dirty="0" smtClean="0"/>
-          </a:p>
-          <a:p>
-            <a:r>
-              <a:rPr lang="ru-RU" sz="2400" dirty="0"/>
-              <a:t>с</a:t>
-            </a:r>
-            <a:r>
-              <a:rPr lang="en-US" sz="2400" dirty="0" smtClean="0"/>
-              <a:t>aller’</a:t>
-            </a:r>
-            <a:r>
-              <a:rPr lang="ru-RU" sz="2400" dirty="0" smtClean="0"/>
-              <a:t>у. При этом </a:t>
-            </a:r>
-            <a:r>
-              <a:rPr lang="en-US" sz="2400" dirty="0" smtClean="0">
-                <a:solidFill>
-                  <a:srgbClr val="FF0000"/>
-                </a:solidFill>
-              </a:rPr>
-              <a:t>&lt;expr&gt;</a:t>
-            </a:r>
-            <a:r>
-              <a:rPr lang="ru-RU" sz="2400" dirty="0" smtClean="0">
-                <a:solidFill>
-                  <a:srgbClr val="FF0000"/>
-                </a:solidFill>
-              </a:rPr>
-              <a:t> </a:t>
-            </a:r>
-            <a:r>
-              <a:rPr lang="ru-RU" sz="2400" dirty="0" smtClean="0"/>
-              <a:t>позволяет управлять процессом.</a:t>
-            </a:r>
-            <a:endParaRPr lang="ru-RU" sz="2400" dirty="0"/>
-          </a:p>
-          <a:p>
-            <a:r>
-              <a:rPr lang="en-US" sz="2400" dirty="0" smtClean="0"/>
-              <a:t> </a:t>
-            </a:r>
-            <a:endParaRPr lang="ru-RU" sz="2400" dirty="0" smtClean="0"/>
-          </a:p>
-          <a:p>
-            <a:endParaRPr lang="ru-RU" sz="2400" dirty="0"/>
-          </a:p>
-          <a:p>
-            <a:endParaRPr lang="ru-RU" sz="2400" dirty="0" smtClean="0"/>
-          </a:p>
-          <a:p>
-            <a:endParaRPr lang="ru-RU" sz="2400" dirty="0"/>
-          </a:p>
-          <a:p>
-            <a:endParaRPr lang="ru-RU" sz="2400" dirty="0"/>
-          </a:p>
-        </p:txBody>
-      </p:sp>
+            <a:endParaRPr lang="ru-RU" dirty="0"/>
+          </a:p>
+        </p:txBody>
+      </p:sp>
+      <p:pic>
+        <p:nvPicPr>
+          <p:cNvPr id="5" name="Рисунок 4"/>
+          <p:cNvPicPr>
+            <a:picLocks noChangeAspect="1"/>
+          </p:cNvPicPr>
+          <p:nvPr/>
+        </p:nvPicPr>
+        <p:blipFill>
+          <a:blip r:embed="rId2">
+            <a:extLst>
+              <a:ext uri="{28A0092B-C50C-407E-A947-70E740481C1C}">
+                <a14:useLocalDpi xmlns:a14="http://schemas.microsoft.com/office/drawing/2010/main" val="0"/>
+              </a:ext>
+            </a:extLst>
+          </a:blip>
+          <a:stretch>
+            <a:fillRect/>
+          </a:stretch>
+        </p:blipFill>
+        <p:spPr>
+          <a:xfrm>
+            <a:off x="8112761" y="3719200"/>
+            <a:ext cx="3123809" cy="1895238"/>
+          </a:xfrm>
+          <a:prstGeom prst="rect">
+            <a:avLst/>
+          </a:prstGeom>
+        </p:spPr>
+      </p:pic>
     </p:spTree>
     <p:extLst>
       <p:ext uri="{BB962C8B-B14F-4D97-AF65-F5344CB8AC3E}">
-        <p14:creationId xmlns:p14="http://schemas.microsoft.com/office/powerpoint/2010/main" val="303144568"/>
+        <p14:creationId xmlns:p14="http://schemas.microsoft.com/office/powerpoint/2010/main" val="244825598"/>
       </p:ext>
     </p:extLst>
   </p:cSld>
@@ -21947,58 +22026,36 @@
             <p:ph type="title"/>
           </p:nvPr>
         </p:nvSpPr>
-        <p:spPr/>
-        <p:txBody>
-          <a:bodyPr/>
+        <p:spPr>
+          <a:xfrm>
+            <a:off x="1246749" y="545123"/>
+            <a:ext cx="10058400" cy="641985"/>
+          </a:xfrm>
+        </p:spPr>
+        <p:txBody>
+          <a:bodyPr>
+            <a:normAutofit fontScale="90000"/>
+          </a:bodyPr>
           <a:lstStyle/>
           <a:p>
             <a:r>
               <a:rPr lang="ru-RU" dirty="0" smtClean="0"/>
-              <a:t>Самое время написать нашу первую 				корутину!</a:t>
+              <a:t>  Небольшой экскурс по ко-операторам!</a:t>
             </a:r>
             <a:endParaRPr lang="ru-RU" dirty="0"/>
           </a:p>
         </p:txBody>
       </p:sp>
-      <p:pic>
-        <p:nvPicPr>
-          <p:cNvPr id="4" name="Объект 3"/>
-          <p:cNvPicPr>
-            <a:picLocks noGrp="1" noChangeAspect="1"/>
-          </p:cNvPicPr>
-          <p:nvPr>
-            <p:ph idx="1"/>
-          </p:nvPr>
-        </p:nvPicPr>
-        <p:blipFill>
-          <a:blip r:embed="rId2">
-            <a:extLst>
-              <a:ext uri="{28A0092B-C50C-407E-A947-70E740481C1C}">
-                <a14:useLocalDpi xmlns:a14="http://schemas.microsoft.com/office/drawing/2010/main" val="0"/>
-              </a:ext>
-            </a:extLst>
-          </a:blip>
-          <a:stretch>
-            <a:fillRect/>
-          </a:stretch>
-        </p:blipFill>
-        <p:spPr>
-          <a:xfrm>
-            <a:off x="4135070" y="2817935"/>
-            <a:ext cx="3190875" cy="1428750"/>
-          </a:xfrm>
-        </p:spPr>
-      </p:pic>
-      <p:sp>
-        <p:nvSpPr>
-          <p:cNvPr id="5" name="TextBox 4"/>
+      <p:sp>
+        <p:nvSpPr>
+          <p:cNvPr id="4" name="TextBox 3"/>
           <p:cNvSpPr txBox="1"/>
           <p:nvPr/>
         </p:nvSpPr>
         <p:spPr>
           <a:xfrm>
-            <a:off x="10451856" y="5979502"/>
-            <a:ext cx="2276475" cy="646331"/>
+            <a:off x="578827" y="2104292"/>
+            <a:ext cx="10887075" cy="6001643"/>
           </a:xfrm>
           <a:prstGeom prst="rect">
             <a:avLst/>
@@ -22012,20 +22069,267 @@
           <a:lstStyle/>
           <a:p>
             <a:r>
-              <a:rPr lang="en-US" dirty="0" smtClean="0"/>
-              <a:t>first_coro</a:t>
-            </a:r>
-            <a:endParaRPr lang="en-US" dirty="0"/>
-          </a:p>
-          <a:p>
-            <a:endParaRPr lang="ru-RU" dirty="0"/>
+              <a:rPr lang="ru-RU" sz="2400" dirty="0" smtClean="0"/>
+              <a:t>Два из 3х операторов не слишком интересны и просты( </a:t>
+            </a:r>
+            <a:r>
+              <a:rPr lang="en-US" sz="2400" dirty="0" smtClean="0"/>
+              <a:t>co_yield &amp; co_return).</a:t>
+            </a:r>
+            <a:r>
+              <a:rPr lang="ru-RU" sz="2400" dirty="0" smtClean="0"/>
+              <a:t>Но вишенку на торте(</a:t>
+            </a:r>
+            <a:r>
+              <a:rPr lang="en-US" sz="2400" dirty="0" smtClean="0"/>
+              <a:t>co_await)</a:t>
+            </a:r>
+            <a:r>
+              <a:rPr lang="ru-RU" sz="2400" dirty="0" smtClean="0"/>
+              <a:t> мы рассмотрим немного позже.</a:t>
+            </a:r>
+          </a:p>
+          <a:p>
+            <a:endParaRPr lang="en-US" sz="2400" dirty="0"/>
+          </a:p>
+          <a:p>
+            <a:r>
+              <a:rPr lang="en-US" sz="2400" dirty="0" smtClean="0">
+                <a:solidFill>
+                  <a:srgbClr val="0070C0"/>
+                </a:solidFill>
+              </a:rPr>
+              <a:t>co_yield</a:t>
+            </a:r>
+            <a:r>
+              <a:rPr lang="en-US" sz="2400" dirty="0" smtClean="0"/>
+              <a:t>  </a:t>
+            </a:r>
+            <a:r>
+              <a:rPr lang="en-US" sz="2400" dirty="0" smtClean="0">
+                <a:solidFill>
+                  <a:srgbClr val="FF0000"/>
+                </a:solidFill>
+              </a:rPr>
+              <a:t>&lt;expr&gt; </a:t>
+            </a:r>
+            <a:r>
+              <a:rPr lang="ru-RU" sz="2400" dirty="0" smtClean="0">
+                <a:solidFill>
+                  <a:srgbClr val="FF0000"/>
+                </a:solidFill>
+              </a:rPr>
+              <a:t> </a:t>
+            </a:r>
+            <a:r>
+              <a:rPr lang="ru-RU" sz="2400" dirty="0" smtClean="0">
+                <a:sym typeface="Wingdings" panose="05000000000000000000" pitchFamily="2" charset="2"/>
+              </a:rPr>
+              <a:t></a:t>
+            </a:r>
+            <a:r>
+              <a:rPr lang="en-US" sz="2400" dirty="0" smtClean="0">
+                <a:sym typeface="Wingdings" panose="05000000000000000000" pitchFamily="2" charset="2"/>
+              </a:rPr>
+              <a:t> </a:t>
+            </a:r>
+            <a:r>
+              <a:rPr lang="en-US" sz="2400" dirty="0" smtClean="0">
+                <a:solidFill>
+                  <a:srgbClr val="0070C0"/>
+                </a:solidFill>
+                <a:sym typeface="Wingdings" panose="05000000000000000000" pitchFamily="2" charset="2"/>
+              </a:rPr>
+              <a:t>co_await</a:t>
+            </a:r>
+            <a:r>
+              <a:rPr lang="ru-RU" sz="2400" dirty="0" smtClean="0"/>
+              <a:t> </a:t>
+            </a:r>
+            <a:r>
+              <a:rPr lang="en-US" sz="2400" dirty="0" smtClean="0"/>
+              <a:t>promise.yield_value(</a:t>
+            </a:r>
+            <a:r>
+              <a:rPr lang="en-US" sz="2400" dirty="0" smtClean="0">
+                <a:solidFill>
+                  <a:srgbClr val="FF0000"/>
+                </a:solidFill>
+              </a:rPr>
+              <a:t>&lt;expr&gt;</a:t>
+            </a:r>
+            <a:r>
+              <a:rPr lang="en-US" sz="2400" dirty="0" smtClean="0"/>
+              <a:t>)</a:t>
+            </a:r>
+          </a:p>
+          <a:p>
+            <a:r>
+              <a:rPr lang="en-US" sz="2400" dirty="0" smtClean="0">
+                <a:solidFill>
+                  <a:srgbClr val="0070C0"/>
+                </a:solidFill>
+              </a:rPr>
+              <a:t>co_return   </a:t>
+            </a:r>
+            <a:r>
+              <a:rPr lang="en-US" sz="2400" dirty="0" smtClean="0">
+                <a:sym typeface="Wingdings" panose="05000000000000000000" pitchFamily="2" charset="2"/>
+              </a:rPr>
+              <a:t></a:t>
+            </a:r>
+            <a:r>
+              <a:rPr lang="en-US" sz="2400" dirty="0" smtClean="0"/>
+              <a:t> promise.return_void()</a:t>
+            </a:r>
+          </a:p>
+          <a:p>
+            <a:r>
+              <a:rPr lang="en-US" sz="2400" dirty="0" smtClean="0">
+                <a:solidFill>
+                  <a:srgbClr val="0070C0"/>
+                </a:solidFill>
+              </a:rPr>
+              <a:t>co_return</a:t>
+            </a:r>
+            <a:r>
+              <a:rPr lang="en-US" sz="2400" dirty="0" smtClean="0"/>
+              <a:t> </a:t>
+            </a:r>
+            <a:r>
+              <a:rPr lang="en-US" sz="2400" dirty="0" smtClean="0">
+                <a:solidFill>
+                  <a:srgbClr val="FF0000"/>
+                </a:solidFill>
+              </a:rPr>
+              <a:t>&lt;expr&gt; </a:t>
+            </a:r>
+            <a:r>
+              <a:rPr lang="en-US" sz="2400" dirty="0" smtClean="0">
+                <a:sym typeface="Wingdings" panose="05000000000000000000" pitchFamily="2" charset="2"/>
+              </a:rPr>
+              <a:t></a:t>
+            </a:r>
+            <a:r>
+              <a:rPr lang="en-US" sz="2400" dirty="0" smtClean="0"/>
+              <a:t>  promise.return_value( </a:t>
+            </a:r>
+            <a:r>
+              <a:rPr lang="en-US" sz="2400" dirty="0" smtClean="0">
+                <a:solidFill>
+                  <a:srgbClr val="FF0000"/>
+                </a:solidFill>
+              </a:rPr>
+              <a:t>&lt;expr&gt; </a:t>
+            </a:r>
+            <a:r>
+              <a:rPr lang="en-US" sz="2400" dirty="0" smtClean="0"/>
+              <a:t>)</a:t>
+            </a:r>
+          </a:p>
+          <a:p>
+            <a:endParaRPr lang="ru-RU" sz="2400" dirty="0" smtClean="0">
+              <a:solidFill>
+                <a:srgbClr val="0070C0"/>
+              </a:solidFill>
+            </a:endParaRPr>
+          </a:p>
+          <a:p>
+            <a:r>
+              <a:rPr lang="ru-RU" sz="2400" dirty="0" smtClean="0"/>
+              <a:t>Но гораздо интереснее третий из них! </a:t>
+            </a:r>
+          </a:p>
+          <a:p>
+            <a:endParaRPr lang="en-US" sz="2400" dirty="0" smtClean="0"/>
+          </a:p>
+          <a:p>
+            <a:r>
+              <a:rPr lang="en-US" sz="2400" dirty="0" smtClean="0">
+                <a:solidFill>
+                  <a:srgbClr val="0070C0"/>
+                </a:solidFill>
+              </a:rPr>
+              <a:t>co_await</a:t>
+            </a:r>
+            <a:r>
+              <a:rPr lang="en-US" sz="2400" dirty="0" smtClean="0"/>
+              <a:t> </a:t>
+            </a:r>
+            <a:r>
+              <a:rPr lang="en-US" sz="2400" dirty="0" smtClean="0">
+                <a:solidFill>
+                  <a:srgbClr val="FF0000"/>
+                </a:solidFill>
+              </a:rPr>
+              <a:t>&lt;expr&gt; </a:t>
+            </a:r>
+            <a:r>
+              <a:rPr lang="ru-RU" sz="2400" dirty="0" smtClean="0"/>
+              <a:t>приостанавливает выполнение корутины и отдает управление </a:t>
+            </a:r>
+            <a:endParaRPr lang="en-US" sz="2400" dirty="0" smtClean="0"/>
+          </a:p>
+          <a:p>
+            <a:r>
+              <a:rPr lang="ru-RU" sz="2400" dirty="0"/>
+              <a:t>с</a:t>
+            </a:r>
+            <a:r>
+              <a:rPr lang="en-US" sz="2400" dirty="0" smtClean="0"/>
+              <a:t>aller’</a:t>
+            </a:r>
+            <a:r>
+              <a:rPr lang="ru-RU" sz="2400" dirty="0" smtClean="0"/>
+              <a:t>у. При этом </a:t>
+            </a:r>
+            <a:r>
+              <a:rPr lang="en-US" sz="2400" dirty="0" smtClean="0">
+                <a:solidFill>
+                  <a:srgbClr val="FF0000"/>
+                </a:solidFill>
+              </a:rPr>
+              <a:t>&lt;expr&gt;</a:t>
+            </a:r>
+            <a:r>
+              <a:rPr lang="ru-RU" sz="2400" dirty="0" smtClean="0">
+                <a:solidFill>
+                  <a:srgbClr val="FF0000"/>
+                </a:solidFill>
+              </a:rPr>
+              <a:t> </a:t>
+            </a:r>
+            <a:r>
+              <a:rPr lang="ru-RU" sz="2400" dirty="0" smtClean="0"/>
+              <a:t>позволяет управлять процессом.</a:t>
+            </a:r>
+            <a:endParaRPr lang="ru-RU" sz="2400" dirty="0"/>
+          </a:p>
+          <a:p>
+            <a:r>
+              <a:rPr lang="en-US" sz="2400" dirty="0" smtClean="0"/>
+              <a:t> </a:t>
+            </a:r>
+            <a:endParaRPr lang="ru-RU" sz="2400" dirty="0" smtClean="0"/>
+          </a:p>
+          <a:p>
+            <a:endParaRPr lang="ru-RU" sz="2400" dirty="0"/>
+          </a:p>
+          <a:p>
+            <a:endParaRPr lang="ru-RU" sz="2400" dirty="0" smtClean="0"/>
+          </a:p>
+          <a:p>
+            <a:endParaRPr lang="ru-RU" sz="2400" dirty="0"/>
+          </a:p>
+          <a:p>
+            <a:endParaRPr lang="ru-RU" sz="2400" dirty="0"/>
           </a:p>
         </p:txBody>
       </p:sp>
     </p:spTree>
     <p:extLst>
       <p:ext uri="{BB962C8B-B14F-4D97-AF65-F5344CB8AC3E}">
-        <p14:creationId xmlns:p14="http://schemas.microsoft.com/office/powerpoint/2010/main" val="3123570289"/>
+        <p14:creationId xmlns:p14="http://schemas.microsoft.com/office/powerpoint/2010/main" val="303144568"/>
       </p:ext>
     </p:extLst>
   </p:cSld>
@@ -22076,6 +22380,128 @@
           <a:p>
             <a:r>
               <a:rPr lang="ru-RU" dirty="0" smtClean="0"/>
+              <a:t>Самое время написать нашу первую 				корутину!</a:t>
+            </a:r>
+            <a:endParaRPr lang="ru-RU" dirty="0"/>
+          </a:p>
+        </p:txBody>
+      </p:sp>
+      <p:pic>
+        <p:nvPicPr>
+          <p:cNvPr id="4" name="Объект 3"/>
+          <p:cNvPicPr>
+            <a:picLocks noGrp="1" noChangeAspect="1"/>
+          </p:cNvPicPr>
+          <p:nvPr>
+            <p:ph idx="1"/>
+          </p:nvPr>
+        </p:nvPicPr>
+        <p:blipFill>
+          <a:blip r:embed="rId2">
+            <a:extLst>
+              <a:ext uri="{28A0092B-C50C-407E-A947-70E740481C1C}">
+                <a14:useLocalDpi xmlns:a14="http://schemas.microsoft.com/office/drawing/2010/main" val="0"/>
+              </a:ext>
+            </a:extLst>
+          </a:blip>
+          <a:stretch>
+            <a:fillRect/>
+          </a:stretch>
+        </p:blipFill>
+        <p:spPr>
+          <a:xfrm>
+            <a:off x="4135070" y="2817935"/>
+            <a:ext cx="3190875" cy="1428750"/>
+          </a:xfrm>
+        </p:spPr>
+      </p:pic>
+      <p:sp>
+        <p:nvSpPr>
+          <p:cNvPr id="5" name="TextBox 4"/>
+          <p:cNvSpPr txBox="1"/>
+          <p:nvPr/>
+        </p:nvSpPr>
+        <p:spPr>
+          <a:xfrm>
+            <a:off x="10451856" y="5979502"/>
+            <a:ext cx="2276475" cy="646331"/>
+          </a:xfrm>
+          <a:prstGeom prst="rect">
+            <a:avLst/>
+          </a:prstGeom>
+          <a:noFill/>
+        </p:spPr>
+        <p:txBody>
+          <a:bodyPr wrap="square" rtlCol="0">
+            <a:spAutoFit/>
+          </a:bodyPr>
+          <a:lstStyle/>
+          <a:p>
+            <a:r>
+              <a:rPr lang="en-US" dirty="0" smtClean="0"/>
+              <a:t>first_coro</a:t>
+            </a:r>
+            <a:endParaRPr lang="en-US" dirty="0"/>
+          </a:p>
+          <a:p>
+            <a:endParaRPr lang="ru-RU" dirty="0"/>
+          </a:p>
+        </p:txBody>
+      </p:sp>
+    </p:spTree>
+    <p:extLst>
+      <p:ext uri="{BB962C8B-B14F-4D97-AF65-F5344CB8AC3E}">
+        <p14:creationId xmlns:p14="http://schemas.microsoft.com/office/powerpoint/2010/main" val="3123570289"/>
+      </p:ext>
+    </p:extLst>
+  </p:cSld>
+  <p:clrMapOvr>
+    <a:masterClrMapping/>
+  </p:clrMapOvr>
+  <p:timing>
+    <p:tnLst>
+      <p:par>
+        <p:cTn id="1" dur="indefinite" restart="never" nodeType="tmRoot"/>
+      </p:par>
+    </p:tnLst>
+  </p:timing>
+</p:sld>
+</file>
+
+<file path=ppt/slides/slide9.xml><?xml version="1.0" encoding="utf-8"?>
+<p:sld xmlns:a="http://schemas.openxmlformats.org/drawingml/2006/main" xmlns:r="http://schemas.openxmlformats.org/officeDocument/2006/relationships" xmlns:p="http://schemas.openxmlformats.org/presentationml/2006/main">
+  <p:cSld>
+    <p:spTree>
+      <p:nvGrpSpPr>
+        <p:cNvPr id="1" name=""/>
+        <p:cNvGrpSpPr/>
+        <p:nvPr/>
+      </p:nvGrpSpPr>
+      <p:grpSpPr>
+        <a:xfrm>
+          <a:off x="0" y="0"/>
+          <a:ext cx="0" cy="0"/>
+          <a:chOff x="0" y="0"/>
+          <a:chExt cx="0" cy="0"/>
+        </a:xfrm>
+      </p:grpSpPr>
+      <p:sp>
+        <p:nvSpPr>
+          <p:cNvPr id="2" name="Заголовок 1"/>
+          <p:cNvSpPr>
+            <a:spLocks noGrp="1"/>
+          </p:cNvSpPr>
+          <p:nvPr>
+            <p:ph type="title"/>
+          </p:nvPr>
+        </p:nvSpPr>
+        <p:spPr/>
+        <p:txBody>
+          <a:bodyPr/>
+          <a:lstStyle/>
+          <a:p>
+            <a:r>
+              <a:rPr lang="ru-RU" dirty="0" smtClean="0"/>
               <a:t>На самом деле все не так уж и просто!</a:t>
             </a:r>
             <a:endParaRPr lang="ru-RU" dirty="0"/>
@@ -22142,268 +22568,6 @@
     <p:extLst>
       <p:ext uri="{BB962C8B-B14F-4D97-AF65-F5344CB8AC3E}">
         <p14:creationId xmlns:p14="http://schemas.microsoft.com/office/powerpoint/2010/main" val="676999627"/>
-      </p:ext>
-    </p:extLst>
-  </p:cSld>
-  <p:clrMapOvr>
-    <a:masterClrMapping/>
-  </p:clrMapOvr>
-  <p:timing>
-    <p:tnLst>
-      <p:par>
-        <p:cTn id="1" dur="indefinite" restart="never" nodeType="tmRoot"/>
-      </p:par>
-    </p:tnLst>
-  </p:timing>
-</p:sld>
-</file>
-
-<file path=ppt/slides/slide9.xml><?xml version="1.0" encoding="utf-8"?>
-<p:sld xmlns:a="http://schemas.openxmlformats.org/drawingml/2006/main" xmlns:r="http://schemas.openxmlformats.org/officeDocument/2006/relationships" xmlns:p="http://schemas.openxmlformats.org/presentationml/2006/main">
-  <p:cSld>
-    <p:bg>
-      <p:bgPr>
-        <a:solidFill>
-          <a:schemeClr val="bg1"/>
-        </a:solidFill>
-        <a:effectLst/>
-      </p:bgPr>
-    </p:bg>
-    <p:spTree>
-      <p:nvGrpSpPr>
-        <p:cNvPr id="1" name=""/>
-        <p:cNvGrpSpPr/>
-        <p:nvPr/>
-      </p:nvGrpSpPr>
-      <p:grpSpPr>
-        <a:xfrm>
-          <a:off x="0" y="0"/>
-          <a:ext cx="0" cy="0"/>
-          <a:chOff x="0" y="0"/>
-          <a:chExt cx="0" cy="0"/>
-        </a:xfrm>
-      </p:grpSpPr>
-      <p:sp>
-        <p:nvSpPr>
-          <p:cNvPr id="2" name="Заголовок 1"/>
-          <p:cNvSpPr>
-            <a:spLocks noGrp="1"/>
-          </p:cNvSpPr>
-          <p:nvPr>
-            <p:ph type="title"/>
-          </p:nvPr>
-        </p:nvSpPr>
-        <p:spPr>
-          <a:xfrm>
-            <a:off x="190500" y="289570"/>
-            <a:ext cx="10058400" cy="713522"/>
-          </a:xfrm>
-        </p:spPr>
-        <p:txBody>
-          <a:bodyPr>
-            <a:normAutofit/>
-          </a:bodyPr>
-          <a:lstStyle/>
-          <a:p>
-            <a:r>
-              <a:rPr lang="en-US" dirty="0" smtClean="0"/>
-              <a:t> </a:t>
-            </a:r>
-            <a:r>
-              <a:rPr lang="en-US" b="1" dirty="0" smtClean="0"/>
-              <a:t>Lvl 1</a:t>
-            </a:r>
-            <a:r>
-              <a:rPr lang="ru-RU" b="1" dirty="0" smtClean="0"/>
-              <a:t>	</a:t>
-            </a:r>
-            <a:endParaRPr lang="ru-RU" b="1" dirty="0"/>
-          </a:p>
-        </p:txBody>
-      </p:sp>
-      <p:pic>
-        <p:nvPicPr>
-          <p:cNvPr id="4" name="Объект 3"/>
-          <p:cNvPicPr>
-            <a:picLocks noGrp="1" noChangeAspect="1"/>
-          </p:cNvPicPr>
-          <p:nvPr>
-            <p:ph idx="1"/>
-          </p:nvPr>
-        </p:nvPicPr>
-        <p:blipFill>
-          <a:blip r:embed="rId2">
-            <a:extLst>
-              <a:ext uri="{28A0092B-C50C-407E-A947-70E740481C1C}">
-                <a14:useLocalDpi xmlns:a14="http://schemas.microsoft.com/office/drawing/2010/main" val="0"/>
-              </a:ext>
-            </a:extLst>
-          </a:blip>
-          <a:stretch>
-            <a:fillRect/>
-          </a:stretch>
-        </p:blipFill>
-        <p:spPr>
-          <a:xfrm>
-            <a:off x="411783" y="1706612"/>
-            <a:ext cx="3333333" cy="1914286"/>
-          </a:xfrm>
-        </p:spPr>
-      </p:pic>
-      <p:sp>
-        <p:nvSpPr>
-          <p:cNvPr id="5" name="TextBox 4"/>
-          <p:cNvSpPr txBox="1"/>
-          <p:nvPr/>
-        </p:nvSpPr>
-        <p:spPr>
-          <a:xfrm>
-            <a:off x="-471330" y="4100987"/>
-            <a:ext cx="5276850" cy="954107"/>
-          </a:xfrm>
-          <a:prstGeom prst="rect">
-            <a:avLst/>
-          </a:prstGeom>
-          <a:noFill/>
-        </p:spPr>
-        <p:txBody>
-          <a:bodyPr wrap="square" rtlCol="0">
-            <a:spAutoFit/>
-          </a:bodyPr>
-          <a:lstStyle/>
-          <a:p>
-            <a:r>
-              <a:rPr lang="ru-RU" sz="2800" dirty="0" smtClean="0"/>
-              <a:t>	Теперь понятный и </a:t>
-            </a:r>
-          </a:p>
-          <a:p>
-            <a:r>
-              <a:rPr lang="ru-RU" sz="2800" dirty="0"/>
-              <a:t>	</a:t>
-            </a:r>
-            <a:r>
-              <a:rPr lang="ru-RU" sz="2800" dirty="0" smtClean="0"/>
-              <a:t>привычный код!</a:t>
-            </a:r>
-            <a:endParaRPr lang="ru-RU" sz="2800" dirty="0"/>
-          </a:p>
-        </p:txBody>
-      </p:sp>
-      <p:sp>
-        <p:nvSpPr>
-          <p:cNvPr id="6" name="Стрелка вверх 5"/>
-          <p:cNvSpPr/>
-          <p:nvPr/>
-        </p:nvSpPr>
-        <p:spPr>
-          <a:xfrm>
-            <a:off x="1561891" y="3729512"/>
-            <a:ext cx="438150" cy="371475"/>
-          </a:xfrm>
-          <a:prstGeom prst="upArrow">
-            <a:avLst/>
-          </a:prstGeom>
-        </p:spPr>
-        <p:style>
-          <a:lnRef idx="2">
-            <a:schemeClr val="accent1">
-              <a:shade val="50000"/>
-            </a:schemeClr>
-          </a:lnRef>
-          <a:fillRef idx="1">
-            <a:schemeClr val="accent1"/>
-          </a:fillRef>
-          <a:effectRef idx="0">
-            <a:schemeClr val="accent1"/>
-          </a:effectRef>
-          <a:fontRef idx="minor">
-            <a:schemeClr val="lt1"/>
-          </a:fontRef>
-        </p:style>
-        <p:txBody>
-          <a:bodyPr rtlCol="0" anchor="ctr"/>
-          <a:lstStyle/>
-          <a:p>
-            <a:pPr algn="ctr"/>
-            <a:endParaRPr lang="ru-RU"/>
-          </a:p>
-        </p:txBody>
-      </p:sp>
-      <p:pic>
-        <p:nvPicPr>
-          <p:cNvPr id="8" name="Рисунок 7"/>
-          <p:cNvPicPr>
-            <a:picLocks noChangeAspect="1"/>
-          </p:cNvPicPr>
-          <p:nvPr/>
-        </p:nvPicPr>
-        <p:blipFill>
-          <a:blip r:embed="rId3">
-            <a:extLst>
-              <a:ext uri="{28A0092B-C50C-407E-A947-70E740481C1C}">
-                <a14:useLocalDpi xmlns:a14="http://schemas.microsoft.com/office/drawing/2010/main" val="0"/>
-              </a:ext>
-            </a:extLst>
-          </a:blip>
-          <a:stretch>
-            <a:fillRect/>
-          </a:stretch>
-        </p:blipFill>
-        <p:spPr>
-          <a:xfrm>
-            <a:off x="5627484" y="385328"/>
-            <a:ext cx="6034634" cy="5715001"/>
-          </a:xfrm>
-          <a:prstGeom prst="rect">
-            <a:avLst/>
-          </a:prstGeom>
-        </p:spPr>
-      </p:pic>
-      <p:sp>
-        <p:nvSpPr>
-          <p:cNvPr id="3" name="Стрелка вправо 2"/>
-          <p:cNvSpPr/>
-          <p:nvPr/>
-        </p:nvSpPr>
-        <p:spPr>
-          <a:xfrm>
-            <a:off x="3886200" y="2206869"/>
-            <a:ext cx="1600200" cy="914400"/>
-          </a:xfrm>
-          <a:prstGeom prst="rightArrow">
-            <a:avLst/>
-          </a:prstGeom>
-        </p:spPr>
-        <p:style>
-          <a:lnRef idx="2">
-            <a:schemeClr val="accent1">
-              <a:shade val="50000"/>
-            </a:schemeClr>
-          </a:lnRef>
-          <a:fillRef idx="1">
-            <a:schemeClr val="accent1"/>
-          </a:fillRef>
-          <a:effectRef idx="0">
-            <a:schemeClr val="accent1"/>
-          </a:effectRef>
-          <a:fontRef idx="minor">
-            <a:schemeClr val="lt1"/>
-          </a:fontRef>
-        </p:style>
-        <p:txBody>
-          <a:bodyPr rtlCol="0" anchor="ctr"/>
-          <a:lstStyle/>
-          <a:p>
-            <a:pPr algn="ctr"/>
-            <a:endParaRPr lang="ru-RU"/>
-          </a:p>
-        </p:txBody>
-      </p:sp>
-    </p:spTree>
-    <p:extLst>
-      <p:ext uri="{BB962C8B-B14F-4D97-AF65-F5344CB8AC3E}">
-        <p14:creationId xmlns:p14="http://schemas.microsoft.com/office/powerpoint/2010/main" val="145152068"/>
       </p:ext>
     </p:extLst>
   </p:cSld>

--- a/coro_present/coro.pptx
+++ b/coro_present/coro.pptx
@@ -15931,11 +15931,7 @@
           <a:p>
             <a:r>
               <a:rPr lang="ru-RU" dirty="0" smtClean="0"/>
-              <a:t>			   Цель доклада</a:t>
-            </a:r>
-            <a:r>
-              <a:rPr lang="ru-RU" dirty="0" smtClean="0"/>
-              <a:t> </a:t>
+              <a:t>			   Цель доклада </a:t>
             </a:r>
             <a:endParaRPr lang="ru-RU" dirty="0"/>
           </a:p>
@@ -21240,7 +21236,7 @@
         </p:nvSpPr>
         <p:spPr>
           <a:xfrm>
-            <a:off x="975946" y="5301761"/>
+            <a:off x="958362" y="4026877"/>
             <a:ext cx="10691446" cy="830997"/>
           </a:xfrm>
           <a:prstGeom prst="rect">
@@ -21259,6 +21255,51 @@
               <a:t>https://github.com/lewissbaker/cppcoro</a:t>
             </a:r>
             <a:endParaRPr lang="ru-RU" sz="4800" dirty="0"/>
+          </a:p>
+        </p:txBody>
+      </p:sp>
+      <p:sp>
+        <p:nvSpPr>
+          <p:cNvPr id="3" name="TextBox 2"/>
+          <p:cNvSpPr txBox="1"/>
+          <p:nvPr/>
+        </p:nvSpPr>
+        <p:spPr>
+          <a:xfrm>
+            <a:off x="2514599" y="5525232"/>
+            <a:ext cx="7107651" cy="830997"/>
+          </a:xfrm>
+          <a:prstGeom prst="rect">
+            <a:avLst/>
+          </a:prstGeom>
+          <a:noFill/>
+        </p:spPr>
+        <p:txBody>
+          <a:bodyPr wrap="none" rtlCol="0">
+            <a:spAutoFit/>
+          </a:bodyPr>
+          <a:lstStyle/>
+          <a:p>
+            <a:r>
+              <a:rPr lang="ru-RU" sz="2400" dirty="0" smtClean="0"/>
+              <a:t>Также доступно видео данного доклада на </a:t>
+            </a:r>
+            <a:r>
+              <a:rPr lang="en-US" sz="2400" dirty="0" smtClean="0"/>
+              <a:t>YouTube:</a:t>
+            </a:r>
+            <a:endParaRPr lang="ru-RU" sz="2400" dirty="0" smtClean="0"/>
+          </a:p>
+          <a:p>
+            <a:r>
+              <a:rPr lang="en-US" sz="2400" dirty="0"/>
+              <a:t>https://www.youtube.com/watch?v=0-CCWHzEQJw</a:t>
+            </a:r>
+            <a:r>
+              <a:rPr lang="ru-RU" dirty="0" smtClean="0"/>
+              <a:t> </a:t>
+            </a:r>
+            <a:endParaRPr lang="ru-RU" dirty="0"/>
           </a:p>
         </p:txBody>
       </p:sp>

--- a/coro_present/coro.pptx
+++ b/coro_present/coro.pptx
@@ -8,55 +8,56 @@
     <p:sldMasterId id="2147484685" r:id="rId4"/>
   </p:sldMasterIdLst>
   <p:notesMasterIdLst>
-    <p:notesMasterId r:id="rId51"/>
+    <p:notesMasterId r:id="rId52"/>
   </p:notesMasterIdLst>
   <p:sldIdLst>
     <p:sldId id="261" r:id="rId5"/>
     <p:sldId id="262" r:id="rId6"/>
     <p:sldId id="306" r:id="rId7"/>
-    <p:sldId id="258" r:id="rId8"/>
-    <p:sldId id="259" r:id="rId9"/>
-    <p:sldId id="260" r:id="rId10"/>
-    <p:sldId id="268" r:id="rId11"/>
-    <p:sldId id="263" r:id="rId12"/>
-    <p:sldId id="264" r:id="rId13"/>
-    <p:sldId id="265" r:id="rId14"/>
-    <p:sldId id="269" r:id="rId15"/>
-    <p:sldId id="270" r:id="rId16"/>
-    <p:sldId id="271" r:id="rId17"/>
-    <p:sldId id="272" r:id="rId18"/>
-    <p:sldId id="273" r:id="rId19"/>
-    <p:sldId id="274" r:id="rId20"/>
-    <p:sldId id="275" r:id="rId21"/>
-    <p:sldId id="276" r:id="rId22"/>
-    <p:sldId id="277" r:id="rId23"/>
-    <p:sldId id="278" r:id="rId24"/>
-    <p:sldId id="279" r:id="rId25"/>
-    <p:sldId id="280" r:id="rId26"/>
-    <p:sldId id="281" r:id="rId27"/>
-    <p:sldId id="282" r:id="rId28"/>
-    <p:sldId id="283" r:id="rId29"/>
-    <p:sldId id="284" r:id="rId30"/>
-    <p:sldId id="285" r:id="rId31"/>
-    <p:sldId id="286" r:id="rId32"/>
-    <p:sldId id="287" r:id="rId33"/>
-    <p:sldId id="288" r:id="rId34"/>
-    <p:sldId id="289" r:id="rId35"/>
-    <p:sldId id="290" r:id="rId36"/>
-    <p:sldId id="291" r:id="rId37"/>
-    <p:sldId id="292" r:id="rId38"/>
-    <p:sldId id="294" r:id="rId39"/>
-    <p:sldId id="295" r:id="rId40"/>
-    <p:sldId id="296" r:id="rId41"/>
-    <p:sldId id="298" r:id="rId42"/>
-    <p:sldId id="299" r:id="rId43"/>
-    <p:sldId id="300" r:id="rId44"/>
-    <p:sldId id="301" r:id="rId45"/>
-    <p:sldId id="302" r:id="rId46"/>
-    <p:sldId id="303" r:id="rId47"/>
-    <p:sldId id="304" r:id="rId48"/>
-    <p:sldId id="305" r:id="rId49"/>
-    <p:sldId id="297" r:id="rId50"/>
+    <p:sldId id="307" r:id="rId8"/>
+    <p:sldId id="258" r:id="rId9"/>
+    <p:sldId id="259" r:id="rId10"/>
+    <p:sldId id="260" r:id="rId11"/>
+    <p:sldId id="268" r:id="rId12"/>
+    <p:sldId id="263" r:id="rId13"/>
+    <p:sldId id="264" r:id="rId14"/>
+    <p:sldId id="265" r:id="rId15"/>
+    <p:sldId id="269" r:id="rId16"/>
+    <p:sldId id="270" r:id="rId17"/>
+    <p:sldId id="271" r:id="rId18"/>
+    <p:sldId id="272" r:id="rId19"/>
+    <p:sldId id="273" r:id="rId20"/>
+    <p:sldId id="274" r:id="rId21"/>
+    <p:sldId id="275" r:id="rId22"/>
+    <p:sldId id="276" r:id="rId23"/>
+    <p:sldId id="277" r:id="rId24"/>
+    <p:sldId id="278" r:id="rId25"/>
+    <p:sldId id="279" r:id="rId26"/>
+    <p:sldId id="280" r:id="rId27"/>
+    <p:sldId id="281" r:id="rId28"/>
+    <p:sldId id="282" r:id="rId29"/>
+    <p:sldId id="283" r:id="rId30"/>
+    <p:sldId id="284" r:id="rId31"/>
+    <p:sldId id="285" r:id="rId32"/>
+    <p:sldId id="286" r:id="rId33"/>
+    <p:sldId id="287" r:id="rId34"/>
+    <p:sldId id="288" r:id="rId35"/>
+    <p:sldId id="289" r:id="rId36"/>
+    <p:sldId id="290" r:id="rId37"/>
+    <p:sldId id="291" r:id="rId38"/>
+    <p:sldId id="292" r:id="rId39"/>
+    <p:sldId id="294" r:id="rId40"/>
+    <p:sldId id="295" r:id="rId41"/>
+    <p:sldId id="296" r:id="rId42"/>
+    <p:sldId id="298" r:id="rId43"/>
+    <p:sldId id="299" r:id="rId44"/>
+    <p:sldId id="300" r:id="rId45"/>
+    <p:sldId id="301" r:id="rId46"/>
+    <p:sldId id="302" r:id="rId47"/>
+    <p:sldId id="303" r:id="rId48"/>
+    <p:sldId id="304" r:id="rId49"/>
+    <p:sldId id="305" r:id="rId50"/>
+    <p:sldId id="297" r:id="rId51"/>
   </p:sldIdLst>
   <p:sldSz cx="12192000" cy="6858000"/>
   <p:notesSz cx="6858000" cy="9144000"/>
@@ -705,7 +706,7 @@
           <a:p>
             <a:fld id="{23CB97DB-EFA1-4848-9116-4A5D2B155B41}" type="slidenum">
               <a:rPr lang="ru-RU" smtClean="0"/>
-              <a:t>4</a:t>
+              <a:t>5</a:t>
             </a:fld>
             <a:endParaRPr lang="ru-RU"/>
           </a:p>
@@ -789,7 +790,7 @@
           <a:p>
             <a:fld id="{23CB97DB-EFA1-4848-9116-4A5D2B155B41}" type="slidenum">
               <a:rPr lang="ru-RU" smtClean="0"/>
-              <a:t>19</a:t>
+              <a:t>20</a:t>
             </a:fld>
             <a:endParaRPr lang="ru-RU"/>
           </a:p>
@@ -873,7 +874,7 @@
           <a:p>
             <a:fld id="{23CB97DB-EFA1-4848-9116-4A5D2B155B41}" type="slidenum">
               <a:rPr lang="ru-RU" smtClean="0"/>
-              <a:t>33</a:t>
+              <a:t>34</a:t>
             </a:fld>
             <a:endParaRPr lang="ru-RU"/>
           </a:p>
@@ -14022,6 +14023,122 @@
 <file path=ppt/slides/slide10.xml><?xml version="1.0" encoding="utf-8"?>
 <p:sld xmlns:a="http://schemas.openxmlformats.org/drawingml/2006/main" xmlns:r="http://schemas.openxmlformats.org/officeDocument/2006/relationships" xmlns:p="http://schemas.openxmlformats.org/presentationml/2006/main">
   <p:cSld>
+    <p:spTree>
+      <p:nvGrpSpPr>
+        <p:cNvPr id="1" name=""/>
+        <p:cNvGrpSpPr/>
+        <p:nvPr/>
+      </p:nvGrpSpPr>
+      <p:grpSpPr>
+        <a:xfrm>
+          <a:off x="0" y="0"/>
+          <a:ext cx="0" cy="0"/>
+          <a:chOff x="0" y="0"/>
+          <a:chExt cx="0" cy="0"/>
+        </a:xfrm>
+      </p:grpSpPr>
+      <p:sp>
+        <p:nvSpPr>
+          <p:cNvPr id="2" name="Заголовок 1"/>
+          <p:cNvSpPr>
+            <a:spLocks noGrp="1"/>
+          </p:cNvSpPr>
+          <p:nvPr>
+            <p:ph type="title"/>
+          </p:nvPr>
+        </p:nvSpPr>
+        <p:spPr/>
+        <p:txBody>
+          <a:bodyPr/>
+          <a:lstStyle/>
+          <a:p>
+            <a:r>
+              <a:rPr lang="ru-RU" dirty="0" smtClean="0"/>
+              <a:t>На самом деле все не так уж и просто!</a:t>
+            </a:r>
+            <a:endParaRPr lang="ru-RU" dirty="0"/>
+          </a:p>
+        </p:txBody>
+      </p:sp>
+      <p:sp>
+        <p:nvSpPr>
+          <p:cNvPr id="3" name="Объект 2"/>
+          <p:cNvSpPr>
+            <a:spLocks noGrp="1"/>
+          </p:cNvSpPr>
+          <p:nvPr>
+            <p:ph idx="1"/>
+          </p:nvPr>
+        </p:nvSpPr>
+        <p:spPr/>
+        <p:txBody>
+          <a:bodyPr>
+            <a:normAutofit/>
+          </a:bodyPr>
+          <a:lstStyle/>
+          <a:p>
+            <a:pPr lvl="8"/>
+            <a:r>
+              <a:rPr lang="ru-RU" sz="3200" dirty="0" smtClean="0"/>
+              <a:t>Предлагаю взглянуть под капот!</a:t>
+            </a:r>
+            <a:endParaRPr lang="ru-RU" sz="3200" dirty="0"/>
+          </a:p>
+        </p:txBody>
+      </p:sp>
+      <p:pic>
+        <p:nvPicPr>
+          <p:cNvPr id="4" name="Рисунок 3"/>
+          <p:cNvPicPr>
+            <a:picLocks noChangeAspect="1"/>
+          </p:cNvPicPr>
+          <p:nvPr/>
+        </p:nvPicPr>
+        <p:blipFill>
+          <a:blip r:embed="rId2">
+            <a:extLst>
+              <a:ext uri="{28A0092B-C50C-407E-A947-70E740481C1C}">
+                <a14:useLocalDpi xmlns:a14="http://schemas.microsoft.com/office/drawing/2010/main" val="0"/>
+              </a:ext>
+            </a:extLst>
+          </a:blip>
+          <a:stretch>
+            <a:fillRect/>
+          </a:stretch>
+        </p:blipFill>
+        <p:spPr>
+          <a:xfrm>
+            <a:off x="3637085" y="2981912"/>
+            <a:ext cx="4629150" cy="3267075"/>
+          </a:xfrm>
+          <a:prstGeom prst="rect">
+            <a:avLst/>
+          </a:prstGeom>
+        </p:spPr>
+      </p:pic>
+    </p:spTree>
+    <p:extLst>
+      <p:ext uri="{BB962C8B-B14F-4D97-AF65-F5344CB8AC3E}">
+        <p14:creationId xmlns:p14="http://schemas.microsoft.com/office/powerpoint/2010/main" val="676999627"/>
+      </p:ext>
+    </p:extLst>
+  </p:cSld>
+  <p:clrMapOvr>
+    <a:masterClrMapping/>
+  </p:clrMapOvr>
+  <p:timing>
+    <p:tnLst>
+      <p:par>
+        <p:cTn id="1" dur="indefinite" restart="never" nodeType="tmRoot"/>
+      </p:par>
+    </p:tnLst>
+  </p:timing>
+</p:sld>
+</file>
+
+<file path=ppt/slides/slide11.xml><?xml version="1.0" encoding="utf-8"?>
+<p:sld xmlns:a="http://schemas.openxmlformats.org/drawingml/2006/main" xmlns:r="http://schemas.openxmlformats.org/officeDocument/2006/relationships" xmlns:p="http://schemas.openxmlformats.org/presentationml/2006/main">
+  <p:cSld>
     <p:bg>
       <p:bgPr>
         <a:solidFill>
@@ -14265,332 +14382,6 @@
     <p:extLst>
       <p:ext uri="{BB962C8B-B14F-4D97-AF65-F5344CB8AC3E}">
         <p14:creationId xmlns:p14="http://schemas.microsoft.com/office/powerpoint/2010/main" val="145152068"/>
-      </p:ext>
-    </p:extLst>
-  </p:cSld>
-  <p:clrMapOvr>
-    <a:masterClrMapping/>
-  </p:clrMapOvr>
-  <p:timing>
-    <p:tnLst>
-      <p:par>
-        <p:cTn id="1" dur="indefinite" restart="never" nodeType="tmRoot"/>
-      </p:par>
-    </p:tnLst>
-  </p:timing>
-</p:sld>
-</file>
-
-<file path=ppt/slides/slide11.xml><?xml version="1.0" encoding="utf-8"?>
-<p:sld xmlns:a="http://schemas.openxmlformats.org/drawingml/2006/main" xmlns:r="http://schemas.openxmlformats.org/officeDocument/2006/relationships" xmlns:p="http://schemas.openxmlformats.org/presentationml/2006/main">
-  <p:cSld>
-    <p:spTree>
-      <p:nvGrpSpPr>
-        <p:cNvPr id="1" name=""/>
-        <p:cNvGrpSpPr/>
-        <p:nvPr/>
-      </p:nvGrpSpPr>
-      <p:grpSpPr>
-        <a:xfrm>
-          <a:off x="0" y="0"/>
-          <a:ext cx="0" cy="0"/>
-          <a:chOff x="0" y="0"/>
-          <a:chExt cx="0" cy="0"/>
-        </a:xfrm>
-      </p:grpSpPr>
-      <p:sp>
-        <p:nvSpPr>
-          <p:cNvPr id="3" name="Объект 2"/>
-          <p:cNvSpPr>
-            <a:spLocks noGrp="1"/>
-          </p:cNvSpPr>
-          <p:nvPr>
-            <p:ph idx="1"/>
-          </p:nvPr>
-        </p:nvSpPr>
-        <p:spPr>
-          <a:xfrm>
-            <a:off x="771525" y="1777999"/>
-            <a:ext cx="10515600" cy="4298951"/>
-          </a:xfrm>
-        </p:spPr>
-        <p:txBody>
-          <a:bodyPr/>
-          <a:lstStyle/>
-          <a:p>
-            <a:r>
-              <a:rPr lang="en-US" sz="2400" dirty="0" smtClean="0">
-                <a:solidFill>
-                  <a:srgbClr val="FF0000"/>
-                </a:solidFill>
-              </a:rPr>
-              <a:t>&lt;awaitable_type&gt; </a:t>
-            </a:r>
-            <a:r>
-              <a:rPr lang="en-US" sz="2400" dirty="0" smtClean="0">
-                <a:solidFill>
-                  <a:srgbClr val="0070C0"/>
-                </a:solidFill>
-              </a:rPr>
-              <a:t>initial_suspend() </a:t>
-            </a:r>
-            <a:r>
-              <a:rPr lang="en-US" sz="2400" dirty="0" smtClean="0"/>
-              <a:t>–</a:t>
-            </a:r>
-            <a:r>
-              <a:rPr lang="ru-RU" sz="2400" dirty="0" smtClean="0"/>
-              <a:t> прерывание корутины в самом начале(до исполнения тела).</a:t>
-            </a:r>
-          </a:p>
-          <a:p>
-            <a:r>
-              <a:rPr lang="en-US" sz="2400" dirty="0" smtClean="0">
-                <a:solidFill>
-                  <a:srgbClr val="FF0000"/>
-                </a:solidFill>
-              </a:rPr>
-              <a:t>&lt;awaitable_type&gt; </a:t>
-            </a:r>
-            <a:r>
-              <a:rPr lang="en-US" sz="2400" dirty="0" smtClean="0">
-                <a:solidFill>
-                  <a:srgbClr val="0070C0"/>
-                </a:solidFill>
-              </a:rPr>
-              <a:t>final_suspend() </a:t>
-            </a:r>
-            <a:r>
-              <a:rPr lang="en-US" sz="2400" dirty="0" smtClean="0"/>
-              <a:t>– </a:t>
-            </a:r>
-            <a:r>
-              <a:rPr lang="ru-RU" sz="2400" dirty="0" smtClean="0"/>
-              <a:t>прерывание корутины в самом конце(перед самым завершением).</a:t>
-            </a:r>
-          </a:p>
-          <a:p>
-            <a:r>
-              <a:rPr lang="en-US" sz="2400" dirty="0" smtClean="0">
-                <a:solidFill>
-                  <a:srgbClr val="FF0000"/>
-                </a:solidFill>
-              </a:rPr>
-              <a:t>auto</a:t>
-            </a:r>
-            <a:r>
-              <a:rPr lang="en-US" sz="2400" dirty="0" smtClean="0"/>
-              <a:t> </a:t>
-            </a:r>
-            <a:r>
-              <a:rPr lang="en-US" sz="2400" dirty="0" smtClean="0">
-                <a:solidFill>
-                  <a:srgbClr val="0070C0"/>
-                </a:solidFill>
-              </a:rPr>
-              <a:t>get_return_object() </a:t>
-            </a:r>
-            <a:r>
-              <a:rPr lang="ru-RU" sz="2400" dirty="0" smtClean="0"/>
-              <a:t>–</a:t>
-            </a:r>
-            <a:r>
-              <a:rPr lang="en-US" sz="2400" dirty="0" smtClean="0"/>
-              <a:t> </a:t>
-            </a:r>
-            <a:r>
-              <a:rPr lang="ru-RU" sz="2400" dirty="0" smtClean="0"/>
-              <a:t>возвр</a:t>
-            </a:r>
-            <a:r>
-              <a:rPr lang="ru-RU" sz="2400" dirty="0"/>
-              <a:t>а</a:t>
-            </a:r>
-            <a:r>
-              <a:rPr lang="ru-RU" sz="2400" dirty="0" smtClean="0"/>
-              <a:t>щает </a:t>
-            </a:r>
-            <a:r>
-              <a:rPr lang="en-US" sz="2400" dirty="0" smtClean="0"/>
-              <a:t>coroutine_handle</a:t>
-            </a:r>
-            <a:r>
-              <a:rPr lang="ru-RU" sz="2400" dirty="0" smtClean="0"/>
-              <a:t> для управления.</a:t>
-            </a:r>
-          </a:p>
-          <a:p>
-            <a:r>
-              <a:rPr lang="en-US" sz="2400" dirty="0" smtClean="0">
-                <a:solidFill>
-                  <a:srgbClr val="FF0000"/>
-                </a:solidFill>
-              </a:rPr>
-              <a:t>&lt;awaitable_type&gt; </a:t>
-            </a:r>
-            <a:r>
-              <a:rPr lang="en-US" sz="2400" dirty="0" smtClean="0">
-                <a:solidFill>
-                  <a:srgbClr val="0070C0"/>
-                </a:solidFill>
-              </a:rPr>
-              <a:t>yield_value() </a:t>
-            </a:r>
-            <a:r>
-              <a:rPr lang="en-US" sz="2400" dirty="0" smtClean="0"/>
-              <a:t>–</a:t>
-            </a:r>
-            <a:r>
-              <a:rPr lang="ru-RU" sz="2400" dirty="0" smtClean="0"/>
-              <a:t> возвращает значение и прерывает исполнение корутины.</a:t>
-            </a:r>
-          </a:p>
-          <a:p>
-            <a:r>
-              <a:rPr lang="en-US" sz="2400" dirty="0" smtClean="0">
-                <a:solidFill>
-                  <a:srgbClr val="FF0000"/>
-                </a:solidFill>
-              </a:rPr>
-              <a:t>void</a:t>
-            </a:r>
-            <a:r>
-              <a:rPr lang="en-US" sz="2400" dirty="0" smtClean="0"/>
-              <a:t> </a:t>
-            </a:r>
-            <a:r>
-              <a:rPr lang="en-US" sz="2400" dirty="0" smtClean="0">
-                <a:solidFill>
-                  <a:srgbClr val="0070C0"/>
-                </a:solidFill>
-              </a:rPr>
-              <a:t>return_void()</a:t>
-            </a:r>
-            <a:r>
-              <a:rPr lang="en-US" sz="2400" dirty="0" smtClean="0"/>
-              <a:t>, </a:t>
-            </a:r>
-            <a:r>
-              <a:rPr lang="en-US" sz="2400" dirty="0" smtClean="0">
-                <a:solidFill>
-                  <a:srgbClr val="FF0000"/>
-                </a:solidFill>
-              </a:rPr>
-              <a:t>void </a:t>
-            </a:r>
-            <a:r>
-              <a:rPr lang="en-US" sz="2400" dirty="0" smtClean="0">
-                <a:solidFill>
-                  <a:srgbClr val="0070C0"/>
-                </a:solidFill>
-              </a:rPr>
-              <a:t>return_value(value)</a:t>
-            </a:r>
-            <a:r>
-              <a:rPr lang="en-US" sz="2400" dirty="0" smtClean="0"/>
-              <a:t> </a:t>
-            </a:r>
-            <a:r>
-              <a:rPr lang="ru-RU" sz="2400" dirty="0" smtClean="0"/>
-              <a:t>– возвр</a:t>
-            </a:r>
-            <a:r>
-              <a:rPr lang="ru-RU" sz="2400" dirty="0"/>
-              <a:t>а</a:t>
-            </a:r>
-            <a:r>
-              <a:rPr lang="ru-RU" sz="2400" dirty="0" smtClean="0"/>
-              <a:t>щают значение перед завершением корутины.</a:t>
-            </a:r>
-          </a:p>
-          <a:p>
-            <a:r>
-              <a:rPr lang="en-US" sz="2400" dirty="0" smtClean="0">
-                <a:solidFill>
-                  <a:srgbClr val="FF0000"/>
-                </a:solidFill>
-              </a:rPr>
-              <a:t>void</a:t>
-            </a:r>
-            <a:r>
-              <a:rPr lang="en-US" sz="2400" dirty="0" smtClean="0"/>
-              <a:t> </a:t>
-            </a:r>
-            <a:r>
-              <a:rPr lang="en-US" sz="2400" dirty="0" smtClean="0">
-                <a:solidFill>
-                  <a:srgbClr val="0070C0"/>
-                </a:solidFill>
-              </a:rPr>
-              <a:t>unhandled_exception() </a:t>
-            </a:r>
-            <a:r>
-              <a:rPr lang="en-US" sz="2400" dirty="0" smtClean="0"/>
-              <a:t>– </a:t>
-            </a:r>
-            <a:r>
-              <a:rPr lang="ru-RU" sz="2400" dirty="0" smtClean="0"/>
-              <a:t>и так все понятно</a:t>
-            </a:r>
-          </a:p>
-          <a:p>
-            <a:endParaRPr lang="en-US" dirty="0" smtClean="0"/>
-          </a:p>
-          <a:p>
-            <a:endParaRPr lang="en-US" dirty="0" smtClean="0"/>
-          </a:p>
-        </p:txBody>
-      </p:sp>
-      <p:sp>
-        <p:nvSpPr>
-          <p:cNvPr id="4" name="TextBox 3"/>
-          <p:cNvSpPr txBox="1"/>
-          <p:nvPr/>
-        </p:nvSpPr>
-        <p:spPr>
-          <a:xfrm>
-            <a:off x="1885950" y="228600"/>
-            <a:ext cx="9401175" cy="1200329"/>
-          </a:xfrm>
-          <a:prstGeom prst="rect">
-            <a:avLst/>
-          </a:prstGeom>
-          <a:noFill/>
-        </p:spPr>
-        <p:txBody>
-          <a:bodyPr wrap="square" rtlCol="0">
-            <a:spAutoFit/>
-          </a:bodyPr>
-          <a:lstStyle/>
-          <a:p>
-            <a:r>
-              <a:rPr lang="ru-RU" sz="2400" dirty="0" smtClean="0"/>
-              <a:t>Прежде чем копнуть еще глубже , предлагаю разобрать 	предназначение каждого метода в структуре </a:t>
-            </a:r>
-            <a:r>
-              <a:rPr lang="en-US" sz="2400" dirty="0" smtClean="0"/>
-              <a:t>				  </a:t>
-            </a:r>
-            <a:r>
-              <a:rPr lang="ru-RU" sz="2400" dirty="0" smtClean="0"/>
-              <a:t>		  </a:t>
-            </a:r>
-            <a:r>
-              <a:rPr lang="en-US" sz="2400" dirty="0" smtClean="0"/>
-              <a:t>promise_type</a:t>
-            </a:r>
-            <a:r>
-              <a:rPr lang="en-US" sz="2400" dirty="0"/>
-              <a:t>.</a:t>
-            </a:r>
-            <a:endParaRPr lang="ru-RU" sz="2400" dirty="0"/>
-          </a:p>
-        </p:txBody>
-      </p:sp>
-    </p:spTree>
-    <p:extLst>
-      <p:ext uri="{BB962C8B-B14F-4D97-AF65-F5344CB8AC3E}">
-        <p14:creationId xmlns:p14="http://schemas.microsoft.com/office/powerpoint/2010/main" val="2159990947"/>
       </p:ext>
     </p:extLst>
   </p:cSld>
@@ -14626,6 +14417,332 @@
       </p:grpSpPr>
       <p:sp>
         <p:nvSpPr>
+          <p:cNvPr id="3" name="Объект 2"/>
+          <p:cNvSpPr>
+            <a:spLocks noGrp="1"/>
+          </p:cNvSpPr>
+          <p:nvPr>
+            <p:ph idx="1"/>
+          </p:nvPr>
+        </p:nvSpPr>
+        <p:spPr>
+          <a:xfrm>
+            <a:off x="771525" y="1777999"/>
+            <a:ext cx="10515600" cy="4298951"/>
+          </a:xfrm>
+        </p:spPr>
+        <p:txBody>
+          <a:bodyPr/>
+          <a:lstStyle/>
+          <a:p>
+            <a:r>
+              <a:rPr lang="en-US" sz="2400" dirty="0" smtClean="0">
+                <a:solidFill>
+                  <a:srgbClr val="FF0000"/>
+                </a:solidFill>
+              </a:rPr>
+              <a:t>&lt;awaitable_type&gt; </a:t>
+            </a:r>
+            <a:r>
+              <a:rPr lang="en-US" sz="2400" dirty="0" smtClean="0">
+                <a:solidFill>
+                  <a:srgbClr val="0070C0"/>
+                </a:solidFill>
+              </a:rPr>
+              <a:t>initial_suspend() </a:t>
+            </a:r>
+            <a:r>
+              <a:rPr lang="en-US" sz="2400" dirty="0" smtClean="0"/>
+              <a:t>–</a:t>
+            </a:r>
+            <a:r>
+              <a:rPr lang="ru-RU" sz="2400" dirty="0" smtClean="0"/>
+              <a:t> прерывание корутины в самом начале(до исполнения тела).</a:t>
+            </a:r>
+          </a:p>
+          <a:p>
+            <a:r>
+              <a:rPr lang="en-US" sz="2400" dirty="0" smtClean="0">
+                <a:solidFill>
+                  <a:srgbClr val="FF0000"/>
+                </a:solidFill>
+              </a:rPr>
+              <a:t>&lt;awaitable_type&gt; </a:t>
+            </a:r>
+            <a:r>
+              <a:rPr lang="en-US" sz="2400" dirty="0" smtClean="0">
+                <a:solidFill>
+                  <a:srgbClr val="0070C0"/>
+                </a:solidFill>
+              </a:rPr>
+              <a:t>final_suspend() </a:t>
+            </a:r>
+            <a:r>
+              <a:rPr lang="en-US" sz="2400" dirty="0" smtClean="0"/>
+              <a:t>– </a:t>
+            </a:r>
+            <a:r>
+              <a:rPr lang="ru-RU" sz="2400" dirty="0" smtClean="0"/>
+              <a:t>прерывание корутины в самом конце(перед самым завершением).</a:t>
+            </a:r>
+          </a:p>
+          <a:p>
+            <a:r>
+              <a:rPr lang="en-US" sz="2400" dirty="0" smtClean="0">
+                <a:solidFill>
+                  <a:srgbClr val="FF0000"/>
+                </a:solidFill>
+              </a:rPr>
+              <a:t>auto</a:t>
+            </a:r>
+            <a:r>
+              <a:rPr lang="en-US" sz="2400" dirty="0" smtClean="0"/>
+              <a:t> </a:t>
+            </a:r>
+            <a:r>
+              <a:rPr lang="en-US" sz="2400" dirty="0" smtClean="0">
+                <a:solidFill>
+                  <a:srgbClr val="0070C0"/>
+                </a:solidFill>
+              </a:rPr>
+              <a:t>get_return_object() </a:t>
+            </a:r>
+            <a:r>
+              <a:rPr lang="ru-RU" sz="2400" dirty="0" smtClean="0"/>
+              <a:t>–</a:t>
+            </a:r>
+            <a:r>
+              <a:rPr lang="en-US" sz="2400" dirty="0" smtClean="0"/>
+              <a:t> </a:t>
+            </a:r>
+            <a:r>
+              <a:rPr lang="ru-RU" sz="2400" dirty="0" smtClean="0"/>
+              <a:t>возвр</a:t>
+            </a:r>
+            <a:r>
+              <a:rPr lang="ru-RU" sz="2400" dirty="0"/>
+              <a:t>а</a:t>
+            </a:r>
+            <a:r>
+              <a:rPr lang="ru-RU" sz="2400" dirty="0" smtClean="0"/>
+              <a:t>щает </a:t>
+            </a:r>
+            <a:r>
+              <a:rPr lang="en-US" sz="2400" dirty="0" smtClean="0"/>
+              <a:t>coroutine_handle</a:t>
+            </a:r>
+            <a:r>
+              <a:rPr lang="ru-RU" sz="2400" dirty="0" smtClean="0"/>
+              <a:t> для управления.</a:t>
+            </a:r>
+          </a:p>
+          <a:p>
+            <a:r>
+              <a:rPr lang="en-US" sz="2400" dirty="0" smtClean="0">
+                <a:solidFill>
+                  <a:srgbClr val="FF0000"/>
+                </a:solidFill>
+              </a:rPr>
+              <a:t>&lt;awaitable_type&gt; </a:t>
+            </a:r>
+            <a:r>
+              <a:rPr lang="en-US" sz="2400" dirty="0" smtClean="0">
+                <a:solidFill>
+                  <a:srgbClr val="0070C0"/>
+                </a:solidFill>
+              </a:rPr>
+              <a:t>yield_value() </a:t>
+            </a:r>
+            <a:r>
+              <a:rPr lang="en-US" sz="2400" dirty="0" smtClean="0"/>
+              <a:t>–</a:t>
+            </a:r>
+            <a:r>
+              <a:rPr lang="ru-RU" sz="2400" dirty="0" smtClean="0"/>
+              <a:t> возвращает значение и прерывает исполнение корутины.</a:t>
+            </a:r>
+          </a:p>
+          <a:p>
+            <a:r>
+              <a:rPr lang="en-US" sz="2400" dirty="0" smtClean="0">
+                <a:solidFill>
+                  <a:srgbClr val="FF0000"/>
+                </a:solidFill>
+              </a:rPr>
+              <a:t>void</a:t>
+            </a:r>
+            <a:r>
+              <a:rPr lang="en-US" sz="2400" dirty="0" smtClean="0"/>
+              <a:t> </a:t>
+            </a:r>
+            <a:r>
+              <a:rPr lang="en-US" sz="2400" dirty="0" smtClean="0">
+                <a:solidFill>
+                  <a:srgbClr val="0070C0"/>
+                </a:solidFill>
+              </a:rPr>
+              <a:t>return_void()</a:t>
+            </a:r>
+            <a:r>
+              <a:rPr lang="en-US" sz="2400" dirty="0" smtClean="0"/>
+              <a:t>, </a:t>
+            </a:r>
+            <a:r>
+              <a:rPr lang="en-US" sz="2400" dirty="0" smtClean="0">
+                <a:solidFill>
+                  <a:srgbClr val="FF0000"/>
+                </a:solidFill>
+              </a:rPr>
+              <a:t>void </a:t>
+            </a:r>
+            <a:r>
+              <a:rPr lang="en-US" sz="2400" dirty="0" smtClean="0">
+                <a:solidFill>
+                  <a:srgbClr val="0070C0"/>
+                </a:solidFill>
+              </a:rPr>
+              <a:t>return_value(value)</a:t>
+            </a:r>
+            <a:r>
+              <a:rPr lang="en-US" sz="2400" dirty="0" smtClean="0"/>
+              <a:t> </a:t>
+            </a:r>
+            <a:r>
+              <a:rPr lang="ru-RU" sz="2400" dirty="0" smtClean="0"/>
+              <a:t>– возвр</a:t>
+            </a:r>
+            <a:r>
+              <a:rPr lang="ru-RU" sz="2400" dirty="0"/>
+              <a:t>а</a:t>
+            </a:r>
+            <a:r>
+              <a:rPr lang="ru-RU" sz="2400" dirty="0" smtClean="0"/>
+              <a:t>щают значение перед завершением корутины.</a:t>
+            </a:r>
+          </a:p>
+          <a:p>
+            <a:r>
+              <a:rPr lang="en-US" sz="2400" dirty="0" smtClean="0">
+                <a:solidFill>
+                  <a:srgbClr val="FF0000"/>
+                </a:solidFill>
+              </a:rPr>
+              <a:t>void</a:t>
+            </a:r>
+            <a:r>
+              <a:rPr lang="en-US" sz="2400" dirty="0" smtClean="0"/>
+              <a:t> </a:t>
+            </a:r>
+            <a:r>
+              <a:rPr lang="en-US" sz="2400" dirty="0" smtClean="0">
+                <a:solidFill>
+                  <a:srgbClr val="0070C0"/>
+                </a:solidFill>
+              </a:rPr>
+              <a:t>unhandled_exception() </a:t>
+            </a:r>
+            <a:r>
+              <a:rPr lang="en-US" sz="2400" dirty="0" smtClean="0"/>
+              <a:t>– </a:t>
+            </a:r>
+            <a:r>
+              <a:rPr lang="ru-RU" sz="2400" dirty="0" smtClean="0"/>
+              <a:t>и так все понятно</a:t>
+            </a:r>
+          </a:p>
+          <a:p>
+            <a:endParaRPr lang="en-US" dirty="0" smtClean="0"/>
+          </a:p>
+          <a:p>
+            <a:endParaRPr lang="en-US" dirty="0" smtClean="0"/>
+          </a:p>
+        </p:txBody>
+      </p:sp>
+      <p:sp>
+        <p:nvSpPr>
+          <p:cNvPr id="4" name="TextBox 3"/>
+          <p:cNvSpPr txBox="1"/>
+          <p:nvPr/>
+        </p:nvSpPr>
+        <p:spPr>
+          <a:xfrm>
+            <a:off x="1885950" y="228600"/>
+            <a:ext cx="9401175" cy="1200329"/>
+          </a:xfrm>
+          <a:prstGeom prst="rect">
+            <a:avLst/>
+          </a:prstGeom>
+          <a:noFill/>
+        </p:spPr>
+        <p:txBody>
+          <a:bodyPr wrap="square" rtlCol="0">
+            <a:spAutoFit/>
+          </a:bodyPr>
+          <a:lstStyle/>
+          <a:p>
+            <a:r>
+              <a:rPr lang="ru-RU" sz="2400" dirty="0" smtClean="0"/>
+              <a:t>Прежде чем копнуть еще глубже , предлагаю разобрать 	предназначение каждого метода в структуре </a:t>
+            </a:r>
+            <a:r>
+              <a:rPr lang="en-US" sz="2400" dirty="0" smtClean="0"/>
+              <a:t>				  </a:t>
+            </a:r>
+            <a:r>
+              <a:rPr lang="ru-RU" sz="2400" dirty="0" smtClean="0"/>
+              <a:t>		  </a:t>
+            </a:r>
+            <a:r>
+              <a:rPr lang="en-US" sz="2400" dirty="0" smtClean="0"/>
+              <a:t>promise_type</a:t>
+            </a:r>
+            <a:r>
+              <a:rPr lang="en-US" sz="2400" dirty="0"/>
+              <a:t>.</a:t>
+            </a:r>
+            <a:endParaRPr lang="ru-RU" sz="2400" dirty="0"/>
+          </a:p>
+        </p:txBody>
+      </p:sp>
+    </p:spTree>
+    <p:extLst>
+      <p:ext uri="{BB962C8B-B14F-4D97-AF65-F5344CB8AC3E}">
+        <p14:creationId xmlns:p14="http://schemas.microsoft.com/office/powerpoint/2010/main" val="2159990947"/>
+      </p:ext>
+    </p:extLst>
+  </p:cSld>
+  <p:clrMapOvr>
+    <a:masterClrMapping/>
+  </p:clrMapOvr>
+  <p:timing>
+    <p:tnLst>
+      <p:par>
+        <p:cTn id="1" dur="indefinite" restart="never" nodeType="tmRoot"/>
+      </p:par>
+    </p:tnLst>
+  </p:timing>
+</p:sld>
+</file>
+
+<file path=ppt/slides/slide13.xml><?xml version="1.0" encoding="utf-8"?>
+<p:sld xmlns:a="http://schemas.openxmlformats.org/drawingml/2006/main" xmlns:r="http://schemas.openxmlformats.org/officeDocument/2006/relationships" xmlns:p="http://schemas.openxmlformats.org/presentationml/2006/main">
+  <p:cSld>
+    <p:spTree>
+      <p:nvGrpSpPr>
+        <p:cNvPr id="1" name=""/>
+        <p:cNvGrpSpPr/>
+        <p:nvPr/>
+      </p:nvGrpSpPr>
+      <p:grpSpPr>
+        <a:xfrm>
+          <a:off x="0" y="0"/>
+          <a:ext cx="0" cy="0"/>
+          <a:chOff x="0" y="0"/>
+          <a:chExt cx="0" cy="0"/>
+        </a:xfrm>
+      </p:grpSpPr>
+      <p:sp>
+        <p:nvSpPr>
           <p:cNvPr id="2" name="Заголовок 1"/>
           <p:cNvSpPr>
             <a:spLocks noGrp="1"/>
@@ -14813,7 +14930,7 @@
 </p:sld>
 </file>
 
-<file path=ppt/slides/slide13.xml><?xml version="1.0" encoding="utf-8"?>
+<file path=ppt/slides/slide14.xml><?xml version="1.0" encoding="utf-8"?>
 <p:sld xmlns:a="http://schemas.openxmlformats.org/drawingml/2006/main" xmlns:r="http://schemas.openxmlformats.org/officeDocument/2006/relationships" xmlns:p="http://schemas.openxmlformats.org/presentationml/2006/main">
   <p:cSld>
     <p:spTree>
@@ -14880,7 +14997,7 @@
 </p:sld>
 </file>
 
-<file path=ppt/slides/slide14.xml><?xml version="1.0" encoding="utf-8"?>
+<file path=ppt/slides/slide15.xml><?xml version="1.0" encoding="utf-8"?>
 <p:sld xmlns:a="http://schemas.openxmlformats.org/drawingml/2006/main" xmlns:r="http://schemas.openxmlformats.org/officeDocument/2006/relationships" xmlns:p="http://schemas.openxmlformats.org/presentationml/2006/main">
   <p:cSld>
     <p:spTree>
@@ -14947,7 +15064,7 @@
 </p:sld>
 </file>
 
-<file path=ppt/slides/slide15.xml><?xml version="1.0" encoding="utf-8"?>
+<file path=ppt/slides/slide16.xml><?xml version="1.0" encoding="utf-8"?>
 <p:sld xmlns:a="http://schemas.openxmlformats.org/drawingml/2006/main" xmlns:r="http://schemas.openxmlformats.org/officeDocument/2006/relationships" xmlns:p="http://schemas.openxmlformats.org/presentationml/2006/main">
   <p:cSld>
     <p:spTree>
@@ -15071,7 +15188,7 @@
 </p:sld>
 </file>
 
-<file path=ppt/slides/slide16.xml><?xml version="1.0" encoding="utf-8"?>
+<file path=ppt/slides/slide17.xml><?xml version="1.0" encoding="utf-8"?>
 <p:sld xmlns:a="http://schemas.openxmlformats.org/drawingml/2006/main" xmlns:r="http://schemas.openxmlformats.org/officeDocument/2006/relationships" xmlns:p="http://schemas.openxmlformats.org/presentationml/2006/main">
   <p:cSld>
     <p:spTree>
@@ -15138,7 +15255,7 @@
 </p:sld>
 </file>
 
-<file path=ppt/slides/slide17.xml><?xml version="1.0" encoding="utf-8"?>
+<file path=ppt/slides/slide18.xml><?xml version="1.0" encoding="utf-8"?>
 <p:sld xmlns:a="http://schemas.openxmlformats.org/drawingml/2006/main" xmlns:r="http://schemas.openxmlformats.org/officeDocument/2006/relationships" xmlns:p="http://schemas.openxmlformats.org/presentationml/2006/main">
   <p:cSld>
     <p:spTree>
@@ -15352,400 +15469,6 @@
     <p:extLst>
       <p:ext uri="{BB962C8B-B14F-4D97-AF65-F5344CB8AC3E}">
         <p14:creationId xmlns:p14="http://schemas.microsoft.com/office/powerpoint/2010/main" val="352495866"/>
-      </p:ext>
-    </p:extLst>
-  </p:cSld>
-  <p:clrMapOvr>
-    <a:masterClrMapping/>
-  </p:clrMapOvr>
-  <p:timing>
-    <p:tnLst>
-      <p:par>
-        <p:cTn id="1" dur="indefinite" restart="never" nodeType="tmRoot"/>
-      </p:par>
-    </p:tnLst>
-  </p:timing>
-</p:sld>
-</file>
-
-<file path=ppt/slides/slide18.xml><?xml version="1.0" encoding="utf-8"?>
-<p:sld xmlns:a="http://schemas.openxmlformats.org/drawingml/2006/main" xmlns:r="http://schemas.openxmlformats.org/officeDocument/2006/relationships" xmlns:p="http://schemas.openxmlformats.org/presentationml/2006/main">
-  <p:cSld>
-    <p:spTree>
-      <p:nvGrpSpPr>
-        <p:cNvPr id="1" name=""/>
-        <p:cNvGrpSpPr/>
-        <p:nvPr/>
-      </p:nvGrpSpPr>
-      <p:grpSpPr>
-        <a:xfrm>
-          <a:off x="0" y="0"/>
-          <a:ext cx="0" cy="0"/>
-          <a:chOff x="0" y="0"/>
-          <a:chExt cx="0" cy="0"/>
-        </a:xfrm>
-      </p:grpSpPr>
-      <p:sp>
-        <p:nvSpPr>
-          <p:cNvPr id="2" name="Заголовок 1"/>
-          <p:cNvSpPr>
-            <a:spLocks noGrp="1"/>
-          </p:cNvSpPr>
-          <p:nvPr>
-            <p:ph type="title"/>
-          </p:nvPr>
-        </p:nvSpPr>
-        <p:spPr>
-          <a:xfrm>
-            <a:off x="1097280" y="-135428"/>
-            <a:ext cx="10058400" cy="1450757"/>
-          </a:xfrm>
-        </p:spPr>
-        <p:txBody>
-          <a:bodyPr>
-            <a:normAutofit/>
-          </a:bodyPr>
-          <a:lstStyle/>
-          <a:p>
-            <a:r>
-              <a:rPr lang="ru-RU" b="1" dirty="0" smtClean="0"/>
-              <a:t>Ну а теперь самый сок моего доклада!</a:t>
-            </a:r>
-            <a:endParaRPr lang="ru-RU" b="1" dirty="0"/>
-          </a:p>
-        </p:txBody>
-      </p:sp>
-      <p:sp>
-        <p:nvSpPr>
-          <p:cNvPr id="3" name="Объект 2"/>
-          <p:cNvSpPr>
-            <a:spLocks noGrp="1"/>
-          </p:cNvSpPr>
-          <p:nvPr>
-            <p:ph idx="1"/>
-          </p:nvPr>
-        </p:nvSpPr>
-        <p:spPr/>
-        <p:txBody>
-          <a:bodyPr>
-            <a:normAutofit/>
-          </a:bodyPr>
-          <a:lstStyle/>
-          <a:p>
-            <a:pPr marL="0" indent="0">
-              <a:buNone/>
-            </a:pPr>
-            <a:endParaRPr lang="ru-RU" dirty="0" smtClean="0"/>
-          </a:p>
-          <a:p>
-            <a:pPr marL="0" indent="0">
-              <a:buNone/>
-            </a:pPr>
-            <a:r>
-              <a:rPr lang="ru-RU" dirty="0" smtClean="0"/>
-              <a:t>Данный оператор является унарным и имеет вид: </a:t>
-            </a:r>
-            <a:r>
-              <a:rPr lang="en-US" dirty="0" smtClean="0">
-                <a:solidFill>
-                  <a:srgbClr val="0070C0"/>
-                </a:solidFill>
-              </a:rPr>
-              <a:t>co_await</a:t>
-            </a:r>
-            <a:r>
-              <a:rPr lang="en-US" dirty="0" smtClean="0"/>
-              <a:t> </a:t>
-            </a:r>
-            <a:r>
-              <a:rPr lang="en-US" dirty="0" smtClean="0">
-                <a:solidFill>
-                  <a:srgbClr val="FF0000"/>
-                </a:solidFill>
-              </a:rPr>
-              <a:t>&lt;expr&gt;</a:t>
-            </a:r>
-            <a:r>
-              <a:rPr lang="ru-RU" dirty="0" smtClean="0">
-                <a:solidFill>
-                  <a:srgbClr val="FF0000"/>
-                </a:solidFill>
-              </a:rPr>
-              <a:t> </a:t>
-            </a:r>
-            <a:r>
-              <a:rPr lang="ru-RU" dirty="0" smtClean="0">
-                <a:solidFill>
-                  <a:schemeClr val="tx1"/>
-                </a:solidFill>
-              </a:rPr>
-              <a:t>(как было сказано ранее).Его функцией является приостановка корутины и передача управления вызывающей стороне(и не только </a:t>
-            </a:r>
-            <a:r>
-              <a:rPr lang="ru-RU" dirty="0" smtClean="0">
-                <a:solidFill>
-                  <a:schemeClr val="tx1"/>
-                </a:solidFill>
-                <a:sym typeface="Wingdings" panose="05000000000000000000" pitchFamily="2" charset="2"/>
-              </a:rPr>
-              <a:t></a:t>
-            </a:r>
-            <a:r>
-              <a:rPr lang="ru-RU" dirty="0" smtClean="0">
-                <a:solidFill>
-                  <a:schemeClr val="tx1"/>
-                </a:solidFill>
-              </a:rPr>
-              <a:t>). Но есть одно «но»! </a:t>
-            </a:r>
-            <a:r>
-              <a:rPr lang="en-US" dirty="0" smtClean="0">
-                <a:solidFill>
-                  <a:srgbClr val="FF0000"/>
-                </a:solidFill>
-              </a:rPr>
-              <a:t>&lt;expr&gt;</a:t>
-            </a:r>
-            <a:r>
-              <a:rPr lang="ru-RU" dirty="0" smtClean="0">
-                <a:solidFill>
-                  <a:srgbClr val="FF0000"/>
-                </a:solidFill>
-              </a:rPr>
-              <a:t> </a:t>
-            </a:r>
-            <a:r>
-              <a:rPr lang="en-US" dirty="0" smtClean="0">
-                <a:solidFill>
-                  <a:srgbClr val="FF0000"/>
-                </a:solidFill>
-              </a:rPr>
-              <a:t> </a:t>
-            </a:r>
-            <a:r>
-              <a:rPr lang="ru-RU" dirty="0" smtClean="0">
-                <a:solidFill>
-                  <a:schemeClr val="tx1"/>
-                </a:solidFill>
-              </a:rPr>
-              <a:t>обязано реализовывать интерфейс </a:t>
-            </a:r>
-            <a:r>
-              <a:rPr lang="en-US" dirty="0" smtClean="0">
-                <a:solidFill>
-                  <a:srgbClr val="00B050"/>
-                </a:solidFill>
-              </a:rPr>
-              <a:t>awaitable</a:t>
-            </a:r>
-            <a:r>
-              <a:rPr lang="en-US" dirty="0" smtClean="0">
-                <a:solidFill>
-                  <a:schemeClr val="tx1"/>
-                </a:solidFill>
-              </a:rPr>
-              <a:t> </a:t>
-            </a:r>
-            <a:r>
-              <a:rPr lang="ru-RU" dirty="0" smtClean="0">
-                <a:solidFill>
-                  <a:schemeClr val="tx1"/>
-                </a:solidFill>
-              </a:rPr>
-              <a:t>типа(об этом немного позже). Стандарт С++20 предоставляет 2 готовых </a:t>
-            </a:r>
-            <a:r>
-              <a:rPr lang="en-US" dirty="0" smtClean="0">
-                <a:solidFill>
-                  <a:srgbClr val="FF0000"/>
-                </a:solidFill>
-              </a:rPr>
-              <a:t>&lt;expr&gt; </a:t>
-            </a:r>
-            <a:r>
-              <a:rPr lang="ru-RU" dirty="0" smtClean="0">
-                <a:solidFill>
-                  <a:schemeClr val="tx1"/>
-                </a:solidFill>
-              </a:rPr>
-              <a:t>,удовлетворяющих интерфейсу </a:t>
-            </a:r>
-            <a:r>
-              <a:rPr lang="en-US" dirty="0" smtClean="0">
-                <a:solidFill>
-                  <a:srgbClr val="00B050"/>
-                </a:solidFill>
-              </a:rPr>
-              <a:t>awaitable</a:t>
-            </a:r>
-            <a:r>
-              <a:rPr lang="en-US" dirty="0" smtClean="0">
-                <a:solidFill>
-                  <a:schemeClr val="tx1"/>
-                </a:solidFill>
-              </a:rPr>
-              <a:t> </a:t>
-            </a:r>
-            <a:r>
-              <a:rPr lang="ru-RU" dirty="0" smtClean="0">
-                <a:solidFill>
-                  <a:schemeClr val="tx1"/>
-                </a:solidFill>
-              </a:rPr>
-              <a:t>типа.</a:t>
-            </a:r>
-          </a:p>
-          <a:p>
-            <a:pPr marL="0" indent="0">
-              <a:buNone/>
-            </a:pPr>
-            <a:endParaRPr lang="ru-RU" dirty="0" smtClean="0">
-              <a:solidFill>
-                <a:schemeClr val="tx1"/>
-              </a:solidFill>
-            </a:endParaRPr>
-          </a:p>
-        </p:txBody>
-      </p:sp>
-      <p:sp>
-        <p:nvSpPr>
-          <p:cNvPr id="5" name="TextBox 4"/>
-          <p:cNvSpPr txBox="1"/>
-          <p:nvPr/>
-        </p:nvSpPr>
-        <p:spPr>
-          <a:xfrm>
-            <a:off x="4017815" y="1153007"/>
-            <a:ext cx="3786910" cy="523220"/>
-          </a:xfrm>
-          <a:prstGeom prst="rect">
-            <a:avLst/>
-          </a:prstGeom>
-          <a:noFill/>
-        </p:spPr>
-        <p:txBody>
-          <a:bodyPr wrap="square" rtlCol="0">
-            <a:spAutoFit/>
-          </a:bodyPr>
-          <a:lstStyle/>
-          <a:p>
-            <a:r>
-              <a:rPr lang="ru-RU" sz="2800" dirty="0" smtClean="0">
-                <a:solidFill>
-                  <a:srgbClr val="C00000"/>
-                </a:solidFill>
-              </a:rPr>
-              <a:t>Оператор </a:t>
-            </a:r>
-            <a:r>
-              <a:rPr lang="en-US" sz="2800" dirty="0" smtClean="0">
-                <a:solidFill>
-                  <a:srgbClr val="C00000"/>
-                </a:solidFill>
-              </a:rPr>
-              <a:t>co_await</a:t>
-            </a:r>
-            <a:r>
-              <a:rPr lang="ru-RU" sz="2800" dirty="0" smtClean="0">
-                <a:solidFill>
-                  <a:srgbClr val="C00000"/>
-                </a:solidFill>
-              </a:rPr>
-              <a:t>!</a:t>
-            </a:r>
-            <a:endParaRPr lang="ru-RU" sz="2800" dirty="0">
-              <a:solidFill>
-                <a:srgbClr val="C00000"/>
-              </a:solidFill>
-            </a:endParaRPr>
-          </a:p>
-        </p:txBody>
-      </p:sp>
-      <p:sp>
-        <p:nvSpPr>
-          <p:cNvPr id="6" name="TextBox 5"/>
-          <p:cNvSpPr txBox="1"/>
-          <p:nvPr/>
-        </p:nvSpPr>
-        <p:spPr>
-          <a:xfrm>
-            <a:off x="1616328" y="4490105"/>
-            <a:ext cx="4001654" cy="584775"/>
-          </a:xfrm>
-          <a:prstGeom prst="rect">
-            <a:avLst/>
-          </a:prstGeom>
-          <a:noFill/>
-        </p:spPr>
-        <p:txBody>
-          <a:bodyPr wrap="square" rtlCol="0">
-            <a:spAutoFit/>
-          </a:bodyPr>
-          <a:lstStyle/>
-          <a:p>
-            <a:r>
-              <a:rPr lang="en-US" sz="3200" dirty="0" smtClean="0">
-                <a:solidFill>
-                  <a:schemeClr val="accent6">
-                    <a:lumMod val="75000"/>
-                  </a:schemeClr>
-                </a:solidFill>
-              </a:rPr>
-              <a:t>std::suspend_always</a:t>
-            </a:r>
-          </a:p>
-        </p:txBody>
-      </p:sp>
-      <p:sp>
-        <p:nvSpPr>
-          <p:cNvPr id="7" name="TextBox 6"/>
-          <p:cNvSpPr txBox="1"/>
-          <p:nvPr/>
-        </p:nvSpPr>
-        <p:spPr>
-          <a:xfrm>
-            <a:off x="6126480" y="4490105"/>
-            <a:ext cx="4230255" cy="584775"/>
-          </a:xfrm>
-          <a:prstGeom prst="rect">
-            <a:avLst/>
-          </a:prstGeom>
-          <a:noFill/>
-        </p:spPr>
-        <p:txBody>
-          <a:bodyPr wrap="square" rtlCol="0">
-            <a:spAutoFit/>
-          </a:bodyPr>
-          <a:lstStyle/>
-          <a:p>
-            <a:r>
-              <a:rPr lang="en-US" sz="3200" dirty="0">
-                <a:solidFill>
-                  <a:srgbClr val="FFC000"/>
-                </a:solidFill>
-              </a:rPr>
-              <a:t>s</a:t>
-            </a:r>
-            <a:r>
-              <a:rPr lang="en-US" sz="3200" dirty="0" smtClean="0">
-                <a:solidFill>
-                  <a:srgbClr val="FFC000"/>
-                </a:solidFill>
-              </a:rPr>
-              <a:t>td::suspend_never</a:t>
-            </a:r>
-            <a:endParaRPr lang="ru-RU" sz="3200" dirty="0">
-              <a:solidFill>
-                <a:srgbClr val="FFC000"/>
-              </a:solidFill>
-            </a:endParaRPr>
-          </a:p>
-        </p:txBody>
-      </p:sp>
-    </p:spTree>
-    <p:extLst>
-      <p:ext uri="{BB962C8B-B14F-4D97-AF65-F5344CB8AC3E}">
-        <p14:creationId xmlns:p14="http://schemas.microsoft.com/office/powerpoint/2010/main" val="1143819851"/>
       </p:ext>
     </p:extLst>
   </p:cSld>
@@ -15791,8 +15514,8 @@
         </p:nvSpPr>
         <p:spPr>
           <a:xfrm>
-            <a:off x="1002323" y="358450"/>
-            <a:ext cx="9875520" cy="1356360"/>
+            <a:off x="1097280" y="-135428"/>
+            <a:ext cx="10058400" cy="1450757"/>
           </a:xfrm>
         </p:spPr>
         <p:txBody>
@@ -15802,85 +15525,344 @@
           <a:lstStyle/>
           <a:p>
             <a:r>
+              <a:rPr lang="ru-RU" b="1" dirty="0" smtClean="0"/>
+              <a:t>Ну а теперь самый сок моего доклада!</a:t>
+            </a:r>
+            <a:endParaRPr lang="ru-RU" b="1" dirty="0"/>
+          </a:p>
+        </p:txBody>
+      </p:sp>
+      <p:sp>
+        <p:nvSpPr>
+          <p:cNvPr id="3" name="Объект 2"/>
+          <p:cNvSpPr>
+            <a:spLocks noGrp="1"/>
+          </p:cNvSpPr>
+          <p:nvPr>
+            <p:ph idx="1"/>
+          </p:nvPr>
+        </p:nvSpPr>
+        <p:spPr/>
+        <p:txBody>
+          <a:bodyPr>
+            <a:normAutofit/>
+          </a:bodyPr>
+          <a:lstStyle/>
+          <a:p>
+            <a:pPr marL="0" indent="0">
+              <a:buNone/>
+            </a:pPr>
+            <a:endParaRPr lang="ru-RU" dirty="0" smtClean="0"/>
+          </a:p>
+          <a:p>
+            <a:pPr marL="0" indent="0">
+              <a:buNone/>
+            </a:pPr>
+            <a:r>
               <a:rPr lang="ru-RU" dirty="0" smtClean="0"/>
-              <a:t>	Посмотрим подробнее на эти 2   		</a:t>
+              <a:t>Данный оператор является унарным и имеет вид: </a:t>
+            </a:r>
+            <a:r>
+              <a:rPr lang="en-US" dirty="0" smtClean="0">
+                <a:solidFill>
+                  <a:srgbClr val="0070C0"/>
+                </a:solidFill>
+              </a:rPr>
+              <a:t>co_await</a:t>
             </a:r>
             <a:r>
               <a:rPr lang="en-US" dirty="0" smtClean="0"/>
-              <a:t> 	</a:t>
-            </a:r>
-            <a:r>
-              <a:rPr lang="ru-RU" dirty="0" smtClean="0"/>
-              <a:t>стандартных примитива!</a:t>
-            </a:r>
-            <a:endParaRPr lang="ru-RU" dirty="0"/>
-          </a:p>
-        </p:txBody>
-      </p:sp>
-      <p:pic>
-        <p:nvPicPr>
-          <p:cNvPr id="4" name="Рисунок 3"/>
-          <p:cNvPicPr>
-            <a:picLocks noChangeAspect="1"/>
-          </p:cNvPicPr>
+              <a:t> </a:t>
+            </a:r>
+            <a:r>
+              <a:rPr lang="en-US" dirty="0" smtClean="0">
+                <a:solidFill>
+                  <a:srgbClr val="FF0000"/>
+                </a:solidFill>
+              </a:rPr>
+              <a:t>&lt;expr&gt;</a:t>
+            </a:r>
+            <a:r>
+              <a:rPr lang="ru-RU" dirty="0" smtClean="0">
+                <a:solidFill>
+                  <a:srgbClr val="FF0000"/>
+                </a:solidFill>
+              </a:rPr>
+              <a:t> </a:t>
+            </a:r>
+            <a:r>
+              <a:rPr lang="ru-RU" dirty="0" smtClean="0">
+                <a:solidFill>
+                  <a:schemeClr val="tx1"/>
+                </a:solidFill>
+              </a:rPr>
+              <a:t>(как было сказано ранее).Его функцией является приостановка корутины и передача управления вызывающей стороне(и не только </a:t>
+            </a:r>
+            <a:r>
+              <a:rPr lang="ru-RU" dirty="0" smtClean="0">
+                <a:solidFill>
+                  <a:schemeClr val="tx1"/>
+                </a:solidFill>
+                <a:sym typeface="Wingdings" panose="05000000000000000000" pitchFamily="2" charset="2"/>
+              </a:rPr>
+              <a:t></a:t>
+            </a:r>
+            <a:r>
+              <a:rPr lang="ru-RU" dirty="0" smtClean="0">
+                <a:solidFill>
+                  <a:schemeClr val="tx1"/>
+                </a:solidFill>
+              </a:rPr>
+              <a:t>). Но есть одно «но»! </a:t>
+            </a:r>
+            <a:r>
+              <a:rPr lang="en-US" dirty="0" smtClean="0">
+                <a:solidFill>
+                  <a:srgbClr val="FF0000"/>
+                </a:solidFill>
+              </a:rPr>
+              <a:t>&lt;expr&gt;</a:t>
+            </a:r>
+            <a:r>
+              <a:rPr lang="ru-RU" dirty="0" smtClean="0">
+                <a:solidFill>
+                  <a:srgbClr val="FF0000"/>
+                </a:solidFill>
+              </a:rPr>
+              <a:t> </a:t>
+            </a:r>
+            <a:r>
+              <a:rPr lang="en-US" dirty="0" smtClean="0">
+                <a:solidFill>
+                  <a:srgbClr val="FF0000"/>
+                </a:solidFill>
+              </a:rPr>
+              <a:t> </a:t>
+            </a:r>
+            <a:r>
+              <a:rPr lang="ru-RU" dirty="0" smtClean="0">
+                <a:solidFill>
+                  <a:schemeClr val="tx1"/>
+                </a:solidFill>
+              </a:rPr>
+              <a:t>обязано реализовывать интерфейс </a:t>
+            </a:r>
+            <a:r>
+              <a:rPr lang="en-US" dirty="0" smtClean="0">
+                <a:solidFill>
+                  <a:srgbClr val="00B050"/>
+                </a:solidFill>
+              </a:rPr>
+              <a:t>awaitable</a:t>
+            </a:r>
+            <a:r>
+              <a:rPr lang="en-US" dirty="0" smtClean="0">
+                <a:solidFill>
+                  <a:schemeClr val="tx1"/>
+                </a:solidFill>
+              </a:rPr>
+              <a:t> </a:t>
+            </a:r>
+            <a:r>
+              <a:rPr lang="ru-RU" dirty="0" smtClean="0">
+                <a:solidFill>
+                  <a:schemeClr val="tx1"/>
+                </a:solidFill>
+              </a:rPr>
+              <a:t>типа(об этом немного позже). Стандарт С++20 предоставляет 2 готовых </a:t>
+            </a:r>
+            <a:r>
+              <a:rPr lang="en-US" dirty="0" smtClean="0">
+                <a:solidFill>
+                  <a:srgbClr val="FF0000"/>
+                </a:solidFill>
+              </a:rPr>
+              <a:t>&lt;expr&gt; </a:t>
+            </a:r>
+            <a:r>
+              <a:rPr lang="ru-RU" dirty="0" smtClean="0">
+                <a:solidFill>
+                  <a:schemeClr val="tx1"/>
+                </a:solidFill>
+              </a:rPr>
+              <a:t>,удовлетворяющих интерфейсу </a:t>
+            </a:r>
+            <a:r>
+              <a:rPr lang="en-US" dirty="0" smtClean="0">
+                <a:solidFill>
+                  <a:srgbClr val="00B050"/>
+                </a:solidFill>
+              </a:rPr>
+              <a:t>awaitable</a:t>
+            </a:r>
+            <a:r>
+              <a:rPr lang="en-US" dirty="0" smtClean="0">
+                <a:solidFill>
+                  <a:schemeClr val="tx1"/>
+                </a:solidFill>
+              </a:rPr>
+              <a:t> </a:t>
+            </a:r>
+            <a:r>
+              <a:rPr lang="ru-RU" dirty="0" smtClean="0">
+                <a:solidFill>
+                  <a:schemeClr val="tx1"/>
+                </a:solidFill>
+              </a:rPr>
+              <a:t>типа.</a:t>
+            </a:r>
+          </a:p>
+          <a:p>
+            <a:pPr marL="0" indent="0">
+              <a:buNone/>
+            </a:pPr>
+            <a:endParaRPr lang="ru-RU" dirty="0" smtClean="0">
+              <a:solidFill>
+                <a:schemeClr val="tx1"/>
+              </a:solidFill>
+            </a:endParaRPr>
+          </a:p>
+        </p:txBody>
+      </p:sp>
+      <p:sp>
+        <p:nvSpPr>
+          <p:cNvPr id="5" name="TextBox 4"/>
+          <p:cNvSpPr txBox="1"/>
           <p:nvPr/>
-        </p:nvPicPr>
-        <p:blipFill>
-          <a:blip r:embed="rId3">
-            <a:extLst>
-              <a:ext uri="{28A0092B-C50C-407E-A947-70E740481C1C}">
-                <a14:useLocalDpi xmlns:a14="http://schemas.microsoft.com/office/drawing/2010/main" val="0"/>
-              </a:ext>
-            </a:extLst>
-          </a:blip>
-          <a:stretch>
-            <a:fillRect/>
-          </a:stretch>
-        </p:blipFill>
-        <p:spPr>
-          <a:xfrm>
-            <a:off x="1217353" y="1714810"/>
-            <a:ext cx="10058400" cy="2228850"/>
+        </p:nvSpPr>
+        <p:spPr>
+          <a:xfrm>
+            <a:off x="4017815" y="1153007"/>
+            <a:ext cx="3786910" cy="523220"/>
           </a:xfrm>
           <a:prstGeom prst="rect">
             <a:avLst/>
           </a:prstGeom>
-        </p:spPr>
-      </p:pic>
-      <p:pic>
-        <p:nvPicPr>
-          <p:cNvPr id="5" name="Рисунок 4"/>
-          <p:cNvPicPr>
-            <a:picLocks noChangeAspect="1"/>
-          </p:cNvPicPr>
+          <a:noFill/>
+        </p:spPr>
+        <p:txBody>
+          <a:bodyPr wrap="square" rtlCol="0">
+            <a:spAutoFit/>
+          </a:bodyPr>
+          <a:lstStyle/>
+          <a:p>
+            <a:r>
+              <a:rPr lang="ru-RU" sz="2800" dirty="0" smtClean="0">
+                <a:solidFill>
+                  <a:srgbClr val="C00000"/>
+                </a:solidFill>
+              </a:rPr>
+              <a:t>Оператор </a:t>
+            </a:r>
+            <a:r>
+              <a:rPr lang="en-US" sz="2800" dirty="0" smtClean="0">
+                <a:solidFill>
+                  <a:srgbClr val="C00000"/>
+                </a:solidFill>
+              </a:rPr>
+              <a:t>co_await</a:t>
+            </a:r>
+            <a:r>
+              <a:rPr lang="ru-RU" sz="2800" dirty="0" smtClean="0">
+                <a:solidFill>
+                  <a:srgbClr val="C00000"/>
+                </a:solidFill>
+              </a:rPr>
+              <a:t>!</a:t>
+            </a:r>
+            <a:endParaRPr lang="ru-RU" sz="2800" dirty="0">
+              <a:solidFill>
+                <a:srgbClr val="C00000"/>
+              </a:solidFill>
+            </a:endParaRPr>
+          </a:p>
+        </p:txBody>
+      </p:sp>
+      <p:sp>
+        <p:nvSpPr>
+          <p:cNvPr id="6" name="TextBox 5"/>
+          <p:cNvSpPr txBox="1"/>
           <p:nvPr/>
-        </p:nvPicPr>
-        <p:blipFill>
-          <a:blip r:embed="rId4">
-            <a:extLst>
-              <a:ext uri="{28A0092B-C50C-407E-A947-70E740481C1C}">
-                <a14:useLocalDpi xmlns:a14="http://schemas.microsoft.com/office/drawing/2010/main" val="0"/>
-              </a:ext>
-            </a:extLst>
-          </a:blip>
-          <a:stretch>
-            <a:fillRect/>
-          </a:stretch>
-        </p:blipFill>
-        <p:spPr>
-          <a:xfrm>
-            <a:off x="1217353" y="3967782"/>
-            <a:ext cx="10058400" cy="2633174"/>
+        </p:nvSpPr>
+        <p:spPr>
+          <a:xfrm>
+            <a:off x="1616328" y="4490105"/>
+            <a:ext cx="4001654" cy="584775"/>
           </a:xfrm>
           <a:prstGeom prst="rect">
             <a:avLst/>
           </a:prstGeom>
-        </p:spPr>
-      </p:pic>
+          <a:noFill/>
+        </p:spPr>
+        <p:txBody>
+          <a:bodyPr wrap="square" rtlCol="0">
+            <a:spAutoFit/>
+          </a:bodyPr>
+          <a:lstStyle/>
+          <a:p>
+            <a:r>
+              <a:rPr lang="en-US" sz="3200" dirty="0" smtClean="0">
+                <a:solidFill>
+                  <a:schemeClr val="accent6">
+                    <a:lumMod val="75000"/>
+                  </a:schemeClr>
+                </a:solidFill>
+              </a:rPr>
+              <a:t>std::suspend_always</a:t>
+            </a:r>
+          </a:p>
+        </p:txBody>
+      </p:sp>
+      <p:sp>
+        <p:nvSpPr>
+          <p:cNvPr id="7" name="TextBox 6"/>
+          <p:cNvSpPr txBox="1"/>
+          <p:nvPr/>
+        </p:nvSpPr>
+        <p:spPr>
+          <a:xfrm>
+            <a:off x="6126480" y="4490105"/>
+            <a:ext cx="4230255" cy="584775"/>
+          </a:xfrm>
+          <a:prstGeom prst="rect">
+            <a:avLst/>
+          </a:prstGeom>
+          <a:noFill/>
+        </p:spPr>
+        <p:txBody>
+          <a:bodyPr wrap="square" rtlCol="0">
+            <a:spAutoFit/>
+          </a:bodyPr>
+          <a:lstStyle/>
+          <a:p>
+            <a:r>
+              <a:rPr lang="en-US" sz="3200" dirty="0">
+                <a:solidFill>
+                  <a:srgbClr val="FFC000"/>
+                </a:solidFill>
+              </a:rPr>
+              <a:t>s</a:t>
+            </a:r>
+            <a:r>
+              <a:rPr lang="en-US" sz="3200" dirty="0" smtClean="0">
+                <a:solidFill>
+                  <a:srgbClr val="FFC000"/>
+                </a:solidFill>
+              </a:rPr>
+              <a:t>td::suspend_never</a:t>
+            </a:r>
+            <a:endParaRPr lang="ru-RU" sz="3200" dirty="0">
+              <a:solidFill>
+                <a:srgbClr val="FFC000"/>
+              </a:solidFill>
+            </a:endParaRPr>
+          </a:p>
+        </p:txBody>
+      </p:sp>
     </p:spTree>
     <p:extLst>
       <p:ext uri="{BB962C8B-B14F-4D97-AF65-F5344CB8AC3E}">
-        <p14:creationId xmlns:p14="http://schemas.microsoft.com/office/powerpoint/2010/main" val="2562551370"/>
+        <p14:creationId xmlns:p14="http://schemas.microsoft.com/office/powerpoint/2010/main" val="1143819851"/>
       </p:ext>
     </p:extLst>
   </p:cSld>
@@ -15931,7 +15913,18 @@
           <a:p>
             <a:r>
               <a:rPr lang="ru-RU" dirty="0" smtClean="0"/>
-              <a:t>			   Цель доклада </a:t>
+              <a:t>			   Цель </a:t>
+            </a:r>
+            <a:r>
+              <a:rPr lang="ru-RU" dirty="0" smtClean="0"/>
+              <a:t>проекта</a:t>
+            </a:r>
+            <a:br>
+              <a:rPr lang="ru-RU" dirty="0" smtClean="0"/>
+            </a:br>
+            <a:r>
+              <a:rPr lang="ru-RU" dirty="0" smtClean="0"/>
+              <a:t> </a:t>
             </a:r>
             <a:endParaRPr lang="ru-RU" dirty="0"/>
           </a:p>
@@ -15947,7 +15940,12 @@
             <p:ph idx="1"/>
           </p:nvPr>
         </p:nvSpPr>
-        <p:spPr/>
+        <p:spPr>
+          <a:xfrm>
+            <a:off x="1257300" y="1406770"/>
+            <a:ext cx="9872871" cy="4038600"/>
+          </a:xfrm>
+        </p:spPr>
         <p:txBody>
           <a:bodyPr/>
           <a:lstStyle/>
@@ -15978,7 +15976,17 @@
           <a:p>
             <a:r>
               <a:rPr lang="ru-RU" dirty="0" smtClean="0"/>
-              <a:t>Понять практический смысл нововведенного механизма</a:t>
+              <a:t>Понять практический смысл нововведенного </a:t>
+            </a:r>
+            <a:r>
+              <a:rPr lang="ru-RU" dirty="0" smtClean="0"/>
+              <a:t>механизма</a:t>
+            </a:r>
+          </a:p>
+          <a:p>
+            <a:r>
+              <a:rPr lang="ru-RU" dirty="0" smtClean="0"/>
+              <a:t>Научиться пользоваться столь красивым инструментом</a:t>
             </a:r>
             <a:endParaRPr lang="ru-RU" dirty="0"/>
           </a:p>
@@ -16033,190 +16041,29 @@
         </p:nvSpPr>
         <p:spPr>
           <a:xfrm>
-            <a:off x="1097280" y="286603"/>
-            <a:ext cx="10058400" cy="847605"/>
-          </a:xfrm>
-        </p:spPr>
-        <p:txBody>
-          <a:bodyPr/>
-          <a:lstStyle/>
-          <a:p>
-            <a:r>
-              <a:rPr lang="ru-RU" dirty="0"/>
-              <a:t>	</a:t>
-            </a:r>
+            <a:off x="1002323" y="358450"/>
+            <a:ext cx="9875520" cy="1356360"/>
+          </a:xfrm>
+        </p:spPr>
+        <p:txBody>
+          <a:bodyPr>
+            <a:normAutofit/>
+          </a:bodyPr>
+          <a:lstStyle/>
+          <a:p>
             <a:r>
               <a:rPr lang="ru-RU" dirty="0" smtClean="0"/>
-              <a:t>	</a:t>
+              <a:t>	Посмотрим подробнее на эти 2   		</a:t>
             </a:r>
             <a:r>
               <a:rPr lang="en-US" dirty="0" smtClean="0"/>
-              <a:t>Awaitable </a:t>
+              <a:t> 	</a:t>
             </a:r>
             <a:r>
               <a:rPr lang="ru-RU" dirty="0" smtClean="0"/>
-              <a:t>интерфейс</a:t>
+              <a:t>стандартных примитива!</a:t>
             </a:r>
             <a:endParaRPr lang="ru-RU" dirty="0"/>
-          </a:p>
-        </p:txBody>
-      </p:sp>
-      <p:sp>
-        <p:nvSpPr>
-          <p:cNvPr id="3" name="Объект 2"/>
-          <p:cNvSpPr>
-            <a:spLocks noGrp="1"/>
-          </p:cNvSpPr>
-          <p:nvPr>
-            <p:ph idx="1"/>
-          </p:nvPr>
-        </p:nvSpPr>
-        <p:spPr/>
-        <p:txBody>
-          <a:bodyPr>
-            <a:normAutofit lnSpcReduction="10000"/>
-          </a:bodyPr>
-          <a:lstStyle/>
-          <a:p>
-            <a:r>
-              <a:rPr lang="ru-RU" dirty="0" smtClean="0"/>
-              <a:t>Смотря на предыдущий слайд , можно понять,</a:t>
-            </a:r>
-            <a:r>
-              <a:rPr lang="en-US" dirty="0" smtClean="0"/>
-              <a:t> </a:t>
-            </a:r>
-            <a:r>
-              <a:rPr lang="ru-RU" dirty="0" smtClean="0"/>
-              <a:t>что для применения</a:t>
-            </a:r>
-            <a:r>
-              <a:rPr lang="en-US" dirty="0" smtClean="0"/>
-              <a:t> co_await </a:t>
-            </a:r>
-            <a:r>
-              <a:rPr lang="ru-RU" dirty="0" smtClean="0"/>
-              <a:t>оператора тип правостороннего выражения должен содержать минимум 3 специальных </a:t>
-            </a:r>
-            <a:r>
-              <a:rPr lang="en-US" dirty="0" smtClean="0"/>
-              <a:t>member-</a:t>
-            </a:r>
-            <a:r>
-              <a:rPr lang="ru-RU" dirty="0" smtClean="0"/>
-              <a:t>функции :</a:t>
-            </a:r>
-          </a:p>
-          <a:p>
-            <a:r>
-              <a:rPr lang="ru-RU" dirty="0" smtClean="0"/>
-              <a:t>- </a:t>
-            </a:r>
-            <a:r>
-              <a:rPr lang="en-US" dirty="0" smtClean="0">
-                <a:solidFill>
-                  <a:srgbClr val="00B050"/>
-                </a:solidFill>
-              </a:rPr>
-              <a:t>bool  await_ready()</a:t>
-            </a:r>
-          </a:p>
-          <a:p>
-            <a:r>
-              <a:rPr lang="en-US" dirty="0" smtClean="0"/>
-              <a:t>- </a:t>
-            </a:r>
-            <a:r>
-              <a:rPr lang="en-US" dirty="0" smtClean="0">
-                <a:solidFill>
-                  <a:srgbClr val="FFC000"/>
-                </a:solidFill>
-              </a:rPr>
-              <a:t>auto await_suspend(coro_handle)</a:t>
-            </a:r>
-          </a:p>
-          <a:p>
-            <a:r>
-              <a:rPr lang="en-US" dirty="0"/>
-              <a:t>-</a:t>
-            </a:r>
-            <a:r>
-              <a:rPr lang="ru-RU" dirty="0" smtClean="0"/>
-              <a:t> </a:t>
-            </a:r>
-            <a:r>
-              <a:rPr lang="en-US" dirty="0" smtClean="0">
-                <a:solidFill>
-                  <a:srgbClr val="0070C0"/>
-                </a:solidFill>
-              </a:rPr>
-              <a:t>auto await_resume()</a:t>
-            </a:r>
-          </a:p>
-          <a:p>
-            <a:r>
-              <a:rPr lang="ru-RU" dirty="0" smtClean="0">
-                <a:solidFill>
-                  <a:schemeClr val="tx1"/>
-                </a:solidFill>
-              </a:rPr>
-              <a:t>Именно это и является минимумом , для корректной работы </a:t>
-            </a:r>
-            <a:r>
-              <a:rPr lang="en-US" dirty="0" smtClean="0">
-                <a:solidFill>
-                  <a:schemeClr val="tx1"/>
-                </a:solidFill>
-              </a:rPr>
-              <a:t>co_await</a:t>
-            </a:r>
-            <a:r>
-              <a:rPr lang="ru-RU" dirty="0" smtClean="0">
-                <a:solidFill>
-                  <a:schemeClr val="tx1"/>
-                </a:solidFill>
-              </a:rPr>
-              <a:t> оператора.</a:t>
-            </a:r>
-          </a:p>
-          <a:p>
-            <a:r>
-              <a:rPr lang="ru-RU" sz="2800" dirty="0">
-                <a:solidFill>
-                  <a:schemeClr val="tx1"/>
-                </a:solidFill>
-              </a:rPr>
-              <a:t> </a:t>
-            </a:r>
-            <a:r>
-              <a:rPr lang="ru-RU" sz="2800" dirty="0" smtClean="0">
-                <a:solidFill>
-                  <a:schemeClr val="tx1"/>
-                </a:solidFill>
-              </a:rPr>
-              <a:t>       Ну а теперь можно и посмотреть на работу </a:t>
-            </a:r>
-            <a:r>
-              <a:rPr lang="en-US" sz="2800" dirty="0" smtClean="0">
-                <a:solidFill>
-                  <a:schemeClr val="tx1"/>
-                </a:solidFill>
-              </a:rPr>
-              <a:t>co_await </a:t>
-            </a:r>
-            <a:r>
-              <a:rPr lang="ru-RU" sz="2800" dirty="0" smtClean="0">
-                <a:solidFill>
-                  <a:schemeClr val="tx1"/>
-                </a:solidFill>
-              </a:rPr>
-              <a:t>на 					 практике!</a:t>
-            </a:r>
-            <a:endParaRPr lang="ru-RU" sz="2800" dirty="0">
-              <a:solidFill>
-                <a:schemeClr val="tx1"/>
-              </a:solidFill>
-            </a:endParaRPr>
           </a:p>
         </p:txBody>
       </p:sp>
@@ -16229,7 +16076,7 @@
           <p:nvPr/>
         </p:nvPicPr>
         <p:blipFill>
-          <a:blip r:embed="rId2">
+          <a:blip r:embed="rId3">
             <a:extLst>
               <a:ext uri="{28A0092B-C50C-407E-A947-70E740481C1C}">
                 <a14:useLocalDpi xmlns:a14="http://schemas.microsoft.com/office/drawing/2010/main" val="0"/>
@@ -16242,50 +16089,48 @@
         </p:blipFill>
         <p:spPr>
           <a:xfrm>
-            <a:off x="8606569" y="419833"/>
-            <a:ext cx="3190875" cy="1428750"/>
+            <a:off x="1217353" y="1714810"/>
+            <a:ext cx="10058400" cy="2228850"/>
           </a:xfrm>
           <a:prstGeom prst="rect">
             <a:avLst/>
           </a:prstGeom>
         </p:spPr>
       </p:pic>
-      <p:sp>
-        <p:nvSpPr>
-          <p:cNvPr id="5" name="TextBox 4"/>
-          <p:cNvSpPr txBox="1"/>
+      <p:pic>
+        <p:nvPicPr>
+          <p:cNvPr id="5" name="Рисунок 4"/>
+          <p:cNvPicPr>
+            <a:picLocks noChangeAspect="1"/>
+          </p:cNvPicPr>
           <p:nvPr/>
-        </p:nvSpPr>
-        <p:spPr>
-          <a:xfrm>
-            <a:off x="9653954" y="6096000"/>
-            <a:ext cx="2321170" cy="646331"/>
+        </p:nvPicPr>
+        <p:blipFill>
+          <a:blip r:embed="rId4">
+            <a:extLst>
+              <a:ext uri="{28A0092B-C50C-407E-A947-70E740481C1C}">
+                <a14:useLocalDpi xmlns:a14="http://schemas.microsoft.com/office/drawing/2010/main" val="0"/>
+              </a:ext>
+            </a:extLst>
+          </a:blip>
+          <a:stretch>
+            <a:fillRect/>
+          </a:stretch>
+        </p:blipFill>
+        <p:spPr>
+          <a:xfrm>
+            <a:off x="1217353" y="3967782"/>
+            <a:ext cx="10058400" cy="2633174"/>
           </a:xfrm>
           <a:prstGeom prst="rect">
             <a:avLst/>
           </a:prstGeom>
-          <a:noFill/>
-        </p:spPr>
-        <p:txBody>
-          <a:bodyPr wrap="square" rtlCol="0">
-            <a:spAutoFit/>
-          </a:bodyPr>
-          <a:lstStyle/>
-          <a:p>
-            <a:r>
-              <a:rPr lang="en-US" dirty="0" smtClean="0"/>
-              <a:t>simple_co_await.cpp</a:t>
-            </a:r>
-          </a:p>
-          <a:p>
-            <a:endParaRPr lang="ru-RU" dirty="0"/>
-          </a:p>
-        </p:txBody>
-      </p:sp>
+        </p:spPr>
+      </p:pic>
     </p:spTree>
     <p:extLst>
       <p:ext uri="{BB962C8B-B14F-4D97-AF65-F5344CB8AC3E}">
-        <p14:creationId xmlns:p14="http://schemas.microsoft.com/office/powerpoint/2010/main" val="139415235"/>
+        <p14:creationId xmlns:p14="http://schemas.microsoft.com/office/powerpoint/2010/main" val="2562551370"/>
       </p:ext>
     </p:extLst>
   </p:cSld>
@@ -16329,46 +16174,86 @@
             <p:ph type="title"/>
           </p:nvPr>
         </p:nvSpPr>
+        <p:spPr>
+          <a:xfrm>
+            <a:off x="1097280" y="286603"/>
+            <a:ext cx="10058400" cy="847605"/>
+          </a:xfrm>
+        </p:spPr>
+        <p:txBody>
+          <a:bodyPr/>
+          <a:lstStyle/>
+          <a:p>
+            <a:r>
+              <a:rPr lang="ru-RU" dirty="0"/>
+              <a:t>	</a:t>
+            </a:r>
+            <a:r>
+              <a:rPr lang="ru-RU" dirty="0" smtClean="0"/>
+              <a:t>	</a:t>
+            </a:r>
+            <a:r>
+              <a:rPr lang="en-US" dirty="0" smtClean="0"/>
+              <a:t>Awaitable </a:t>
+            </a:r>
+            <a:r>
+              <a:rPr lang="ru-RU" dirty="0" smtClean="0"/>
+              <a:t>интерфейс</a:t>
+            </a:r>
+            <a:endParaRPr lang="ru-RU" dirty="0"/>
+          </a:p>
+        </p:txBody>
+      </p:sp>
+      <p:sp>
+        <p:nvSpPr>
+          <p:cNvPr id="3" name="Объект 2"/>
+          <p:cNvSpPr>
+            <a:spLocks noGrp="1"/>
+          </p:cNvSpPr>
+          <p:nvPr>
+            <p:ph idx="1"/>
+          </p:nvPr>
+        </p:nvSpPr>
         <p:spPr/>
         <p:txBody>
-          <a:bodyPr/>
+          <a:bodyPr>
+            <a:normAutofit lnSpcReduction="10000"/>
+          </a:bodyPr>
           <a:lstStyle/>
           <a:p>
             <a:r>
               <a:rPr lang="ru-RU" dirty="0" smtClean="0"/>
-              <a:t>Поговорим о каждом волшебном 					  методе!</a:t>
-            </a:r>
-            <a:endParaRPr lang="ru-RU" dirty="0"/>
-          </a:p>
-        </p:txBody>
-      </p:sp>
-      <p:sp>
-        <p:nvSpPr>
-          <p:cNvPr id="3" name="Объект 2"/>
-          <p:cNvSpPr>
-            <a:spLocks noGrp="1"/>
-          </p:cNvSpPr>
-          <p:nvPr>
-            <p:ph idx="1"/>
-          </p:nvPr>
-        </p:nvSpPr>
-        <p:spPr>
-          <a:xfrm>
-            <a:off x="1145649" y="2268415"/>
-            <a:ext cx="9872871" cy="4038600"/>
-          </a:xfrm>
-        </p:spPr>
-        <p:txBody>
-          <a:bodyPr/>
-          <a:lstStyle/>
-          <a:p>
-            <a:r>
-              <a:rPr lang="en-US" dirty="0">
-                <a:solidFill>
-                  <a:srgbClr val="00B050"/>
-                </a:solidFill>
-              </a:rPr>
-              <a:t>b</a:t>
+              <a:t>Смотря на предыдущий слайд , можно понять,</a:t>
+            </a:r>
+            <a:r>
+              <a:rPr lang="en-US" dirty="0" smtClean="0"/>
+              <a:t> </a:t>
+            </a:r>
+            <a:r>
+              <a:rPr lang="ru-RU" dirty="0" smtClean="0"/>
+              <a:t>что для применения</a:t>
+            </a:r>
+            <a:r>
+              <a:rPr lang="en-US" dirty="0" smtClean="0"/>
+              <a:t> co_await </a:t>
+            </a:r>
+            <a:r>
+              <a:rPr lang="ru-RU" dirty="0" smtClean="0"/>
+              <a:t>оператора тип правостороннего выражения должен содержать минимум 3 специальных </a:t>
+            </a:r>
+            <a:r>
+              <a:rPr lang="en-US" dirty="0" smtClean="0"/>
+              <a:t>member-</a:t>
+            </a:r>
+            <a:r>
+              <a:rPr lang="ru-RU" dirty="0" smtClean="0"/>
+              <a:t>функции :</a:t>
+            </a:r>
+          </a:p>
+          <a:p>
+            <a:r>
+              <a:rPr lang="ru-RU" dirty="0" smtClean="0"/>
+              <a:t>- </a:t>
             </a:r>
             <a:r>
               <a:rPr lang="en-US" dirty="0" smtClean="0">
@@ -16376,77 +16261,105 @@
                   <a:srgbClr val="00B050"/>
                 </a:solidFill>
               </a:rPr>
-              <a:t>ool await_ready() </a:t>
-            </a:r>
+              <a:t>bool  await_ready()</a:t>
+            </a:r>
+          </a:p>
+          <a:p>
             <a:r>
               <a:rPr lang="en-US" dirty="0" smtClean="0"/>
-              <a:t>–</a:t>
-            </a:r>
-            <a:r>
-              <a:rPr lang="ru-RU" dirty="0" smtClean="0"/>
-              <a:t> проверяет готовность результата правостороннего выражения.(далее поймем его предназначение)</a:t>
-            </a:r>
-          </a:p>
-          <a:p>
+              <a:t>- </a:t>
+            </a:r>
             <a:r>
               <a:rPr lang="en-US" dirty="0" smtClean="0">
                 <a:solidFill>
                   <a:srgbClr val="FFC000"/>
                 </a:solidFill>
               </a:rPr>
-              <a:t>auto await_suspend(</a:t>
-            </a:r>
-            <a:r>
-              <a:rPr lang="ru-RU" dirty="0" smtClean="0">
-                <a:solidFill>
-                  <a:srgbClr val="FFC000"/>
-                </a:solidFill>
-              </a:rPr>
-              <a:t>…</a:t>
-            </a:r>
-            <a:r>
-              <a:rPr lang="en-US" dirty="0" smtClean="0">
-                <a:solidFill>
-                  <a:srgbClr val="FFC000"/>
-                </a:solidFill>
-              </a:rPr>
-              <a:t>) </a:t>
-            </a:r>
-            <a:r>
-              <a:rPr lang="en-US" dirty="0" smtClean="0"/>
-              <a:t>– </a:t>
+              <a:t>auto await_suspend(coro_handle)</a:t>
+            </a:r>
+          </a:p>
+          <a:p>
+            <a:r>
+              <a:rPr lang="en-US" dirty="0"/>
+              <a:t>-</a:t>
             </a:r>
             <a:r>
               <a:rPr lang="ru-RU" dirty="0" smtClean="0"/>
-              <a:t>вызывается в момент прерывания корутины</a:t>
-            </a:r>
-          </a:p>
-          <a:p>
+              <a:t> </a:t>
+            </a:r>
             <a:r>
               <a:rPr lang="en-US" dirty="0" smtClean="0">
                 <a:solidFill>
                   <a:srgbClr val="0070C0"/>
                 </a:solidFill>
               </a:rPr>
-              <a:t>auto await_resume() </a:t>
-            </a:r>
-            <a:r>
-              <a:rPr lang="en-US" dirty="0" smtClean="0"/>
-              <a:t>– </a:t>
-            </a:r>
-            <a:r>
-              <a:rPr lang="ru-RU" dirty="0" smtClean="0"/>
-              <a:t>возвращает результат</a:t>
-            </a:r>
-            <a:r>
-              <a:rPr lang="en-US" dirty="0" smtClean="0"/>
-              <a:t> &lt;expr&gt;</a:t>
-            </a:r>
-            <a:r>
-              <a:rPr lang="ru-RU" dirty="0" smtClean="0"/>
-              <a:t>(подробнее о нем позже)</a:t>
-            </a:r>
-            <a:endParaRPr lang="en-US" dirty="0" smtClean="0"/>
+              <a:t>auto await_resume()</a:t>
+            </a:r>
+          </a:p>
+          <a:p>
+            <a:r>
+              <a:rPr lang="ru-RU" dirty="0" smtClean="0">
+                <a:solidFill>
+                  <a:schemeClr val="tx1"/>
+                </a:solidFill>
+              </a:rPr>
+              <a:t>Именно это и является минимумом , для корректной работы </a:t>
+            </a:r>
+            <a:r>
+              <a:rPr lang="en-US" dirty="0" smtClean="0">
+                <a:solidFill>
+                  <a:schemeClr val="tx1"/>
+                </a:solidFill>
+              </a:rPr>
+              <a:t>co_await</a:t>
+            </a:r>
+            <a:r>
+              <a:rPr lang="ru-RU" dirty="0" smtClean="0">
+                <a:solidFill>
+                  <a:schemeClr val="tx1"/>
+                </a:solidFill>
+              </a:rPr>
+              <a:t> оператора.</a:t>
+            </a:r>
+          </a:p>
+          <a:p>
+            <a:r>
+              <a:rPr lang="ru-RU" sz="2800" dirty="0">
+                <a:solidFill>
+                  <a:schemeClr val="tx1"/>
+                </a:solidFill>
+              </a:rPr>
+              <a:t> </a:t>
+            </a:r>
+            <a:r>
+              <a:rPr lang="ru-RU" sz="2800" dirty="0" smtClean="0">
+                <a:solidFill>
+                  <a:schemeClr val="tx1"/>
+                </a:solidFill>
+              </a:rPr>
+              <a:t>       Ну а теперь можно и посмотреть на работу </a:t>
+            </a:r>
+            <a:r>
+              <a:rPr lang="en-US" sz="2800" dirty="0" smtClean="0">
+                <a:solidFill>
+                  <a:schemeClr val="tx1"/>
+                </a:solidFill>
+              </a:rPr>
+              <a:t>co_await </a:t>
+            </a:r>
+            <a:r>
+              <a:rPr lang="ru-RU" sz="2800" dirty="0" smtClean="0">
+                <a:solidFill>
+                  <a:schemeClr val="tx1"/>
+                </a:solidFill>
+              </a:rPr>
+              <a:t>на 					 практике!</a:t>
+            </a:r>
+            <a:endParaRPr lang="ru-RU" sz="2800" dirty="0">
+              <a:solidFill>
+                <a:schemeClr val="tx1"/>
+              </a:solidFill>
+            </a:endParaRPr>
           </a:p>
         </p:txBody>
       </p:sp>
@@ -16472,18 +16385,50 @@
         </p:blipFill>
         <p:spPr>
           <a:xfrm>
-            <a:off x="5042535" y="4106740"/>
-            <a:ext cx="2076450" cy="2200275"/>
+            <a:off x="8606569" y="419833"/>
+            <a:ext cx="3190875" cy="1428750"/>
           </a:xfrm>
           <a:prstGeom prst="rect">
             <a:avLst/>
           </a:prstGeom>
         </p:spPr>
       </p:pic>
+      <p:sp>
+        <p:nvSpPr>
+          <p:cNvPr id="5" name="TextBox 4"/>
+          <p:cNvSpPr txBox="1"/>
+          <p:nvPr/>
+        </p:nvSpPr>
+        <p:spPr>
+          <a:xfrm>
+            <a:off x="9653954" y="6096000"/>
+            <a:ext cx="2321170" cy="646331"/>
+          </a:xfrm>
+          <a:prstGeom prst="rect">
+            <a:avLst/>
+          </a:prstGeom>
+          <a:noFill/>
+        </p:spPr>
+        <p:txBody>
+          <a:bodyPr wrap="square" rtlCol="0">
+            <a:spAutoFit/>
+          </a:bodyPr>
+          <a:lstStyle/>
+          <a:p>
+            <a:r>
+              <a:rPr lang="en-US" dirty="0" smtClean="0"/>
+              <a:t>simple_co_await.cpp</a:t>
+            </a:r>
+          </a:p>
+          <a:p>
+            <a:endParaRPr lang="ru-RU" dirty="0"/>
+          </a:p>
+        </p:txBody>
+      </p:sp>
     </p:spTree>
     <p:extLst>
       <p:ext uri="{BB962C8B-B14F-4D97-AF65-F5344CB8AC3E}">
-        <p14:creationId xmlns:p14="http://schemas.microsoft.com/office/powerpoint/2010/main" val="3157592335"/>
+        <p14:creationId xmlns:p14="http://schemas.microsoft.com/office/powerpoint/2010/main" val="139415235"/>
       </p:ext>
     </p:extLst>
   </p:cSld>
@@ -16519,6 +16464,204 @@
       </p:grpSpPr>
       <p:sp>
         <p:nvSpPr>
+          <p:cNvPr id="2" name="Заголовок 1"/>
+          <p:cNvSpPr>
+            <a:spLocks noGrp="1"/>
+          </p:cNvSpPr>
+          <p:nvPr>
+            <p:ph type="title"/>
+          </p:nvPr>
+        </p:nvSpPr>
+        <p:spPr/>
+        <p:txBody>
+          <a:bodyPr/>
+          <a:lstStyle/>
+          <a:p>
+            <a:r>
+              <a:rPr lang="ru-RU" dirty="0" smtClean="0"/>
+              <a:t>Поговорим о каждом волшебном 					  методе!</a:t>
+            </a:r>
+            <a:endParaRPr lang="ru-RU" dirty="0"/>
+          </a:p>
+        </p:txBody>
+      </p:sp>
+      <p:sp>
+        <p:nvSpPr>
+          <p:cNvPr id="3" name="Объект 2"/>
+          <p:cNvSpPr>
+            <a:spLocks noGrp="1"/>
+          </p:cNvSpPr>
+          <p:nvPr>
+            <p:ph idx="1"/>
+          </p:nvPr>
+        </p:nvSpPr>
+        <p:spPr>
+          <a:xfrm>
+            <a:off x="1145649" y="2268415"/>
+            <a:ext cx="9872871" cy="4038600"/>
+          </a:xfrm>
+        </p:spPr>
+        <p:txBody>
+          <a:bodyPr/>
+          <a:lstStyle/>
+          <a:p>
+            <a:r>
+              <a:rPr lang="en-US" dirty="0">
+                <a:solidFill>
+                  <a:srgbClr val="00B050"/>
+                </a:solidFill>
+              </a:rPr>
+              <a:t>b</a:t>
+            </a:r>
+            <a:r>
+              <a:rPr lang="en-US" dirty="0" smtClean="0">
+                <a:solidFill>
+                  <a:srgbClr val="00B050"/>
+                </a:solidFill>
+              </a:rPr>
+              <a:t>ool await_ready() </a:t>
+            </a:r>
+            <a:r>
+              <a:rPr lang="en-US" dirty="0" smtClean="0"/>
+              <a:t>–</a:t>
+            </a:r>
+            <a:r>
+              <a:rPr lang="ru-RU" dirty="0" smtClean="0"/>
+              <a:t> проверяет готовность результата правостороннего выражения.(далее поймем его предназначение)</a:t>
+            </a:r>
+          </a:p>
+          <a:p>
+            <a:r>
+              <a:rPr lang="en-US" dirty="0" smtClean="0">
+                <a:solidFill>
+                  <a:srgbClr val="FFC000"/>
+                </a:solidFill>
+              </a:rPr>
+              <a:t>auto await_suspend(</a:t>
+            </a:r>
+            <a:r>
+              <a:rPr lang="ru-RU" dirty="0" smtClean="0">
+                <a:solidFill>
+                  <a:srgbClr val="FFC000"/>
+                </a:solidFill>
+              </a:rPr>
+              <a:t>…</a:t>
+            </a:r>
+            <a:r>
+              <a:rPr lang="en-US" dirty="0" smtClean="0">
+                <a:solidFill>
+                  <a:srgbClr val="FFC000"/>
+                </a:solidFill>
+              </a:rPr>
+              <a:t>) </a:t>
+            </a:r>
+            <a:r>
+              <a:rPr lang="en-US" dirty="0" smtClean="0"/>
+              <a:t>– </a:t>
+            </a:r>
+            <a:r>
+              <a:rPr lang="ru-RU" dirty="0" smtClean="0"/>
+              <a:t>вызывается в момент прерывания корутины</a:t>
+            </a:r>
+          </a:p>
+          <a:p>
+            <a:r>
+              <a:rPr lang="en-US" dirty="0" smtClean="0">
+                <a:solidFill>
+                  <a:srgbClr val="0070C0"/>
+                </a:solidFill>
+              </a:rPr>
+              <a:t>auto await_resume() </a:t>
+            </a:r>
+            <a:r>
+              <a:rPr lang="en-US" dirty="0" smtClean="0"/>
+              <a:t>– </a:t>
+            </a:r>
+            <a:r>
+              <a:rPr lang="ru-RU" dirty="0" smtClean="0"/>
+              <a:t>возвращает результат</a:t>
+            </a:r>
+            <a:r>
+              <a:rPr lang="en-US" dirty="0" smtClean="0"/>
+              <a:t> &lt;expr&gt;</a:t>
+            </a:r>
+            <a:r>
+              <a:rPr lang="ru-RU" dirty="0" smtClean="0"/>
+              <a:t>(подробнее о нем позже)</a:t>
+            </a:r>
+            <a:endParaRPr lang="en-US" dirty="0" smtClean="0"/>
+          </a:p>
+        </p:txBody>
+      </p:sp>
+      <p:pic>
+        <p:nvPicPr>
+          <p:cNvPr id="4" name="Рисунок 3"/>
+          <p:cNvPicPr>
+            <a:picLocks noChangeAspect="1"/>
+          </p:cNvPicPr>
+          <p:nvPr/>
+        </p:nvPicPr>
+        <p:blipFill>
+          <a:blip r:embed="rId2">
+            <a:extLst>
+              <a:ext uri="{28A0092B-C50C-407E-A947-70E740481C1C}">
+                <a14:useLocalDpi xmlns:a14="http://schemas.microsoft.com/office/drawing/2010/main" val="0"/>
+              </a:ext>
+            </a:extLst>
+          </a:blip>
+          <a:stretch>
+            <a:fillRect/>
+          </a:stretch>
+        </p:blipFill>
+        <p:spPr>
+          <a:xfrm>
+            <a:off x="5042535" y="4106740"/>
+            <a:ext cx="2076450" cy="2200275"/>
+          </a:xfrm>
+          <a:prstGeom prst="rect">
+            <a:avLst/>
+          </a:prstGeom>
+        </p:spPr>
+      </p:pic>
+    </p:spTree>
+    <p:extLst>
+      <p:ext uri="{BB962C8B-B14F-4D97-AF65-F5344CB8AC3E}">
+        <p14:creationId xmlns:p14="http://schemas.microsoft.com/office/powerpoint/2010/main" val="3157592335"/>
+      </p:ext>
+    </p:extLst>
+  </p:cSld>
+  <p:clrMapOvr>
+    <a:masterClrMapping/>
+  </p:clrMapOvr>
+  <p:timing>
+    <p:tnLst>
+      <p:par>
+        <p:cTn id="1" dur="indefinite" restart="never" nodeType="tmRoot"/>
+      </p:par>
+    </p:tnLst>
+  </p:timing>
+</p:sld>
+</file>
+
+<file path=ppt/slides/slide23.xml><?xml version="1.0" encoding="utf-8"?>
+<p:sld xmlns:a="http://schemas.openxmlformats.org/drawingml/2006/main" xmlns:r="http://schemas.openxmlformats.org/officeDocument/2006/relationships" xmlns:p="http://schemas.openxmlformats.org/presentationml/2006/main">
+  <p:cSld>
+    <p:spTree>
+      <p:nvGrpSpPr>
+        <p:cNvPr id="1" name=""/>
+        <p:cNvGrpSpPr/>
+        <p:nvPr/>
+      </p:nvGrpSpPr>
+      <p:grpSpPr>
+        <a:xfrm>
+          <a:off x="0" y="0"/>
+          <a:ext cx="0" cy="0"/>
+          <a:chOff x="0" y="0"/>
+          <a:chExt cx="0" cy="0"/>
+        </a:xfrm>
+      </p:grpSpPr>
+      <p:sp>
+        <p:nvSpPr>
           <p:cNvPr id="4" name="TextBox 3"/>
           <p:cNvSpPr txBox="1"/>
           <p:nvPr/>
@@ -16675,7 +16818,7 @@
 </p:sld>
 </file>
 
-<file path=ppt/slides/slide23.xml><?xml version="1.0" encoding="utf-8"?>
+<file path=ppt/slides/slide24.xml><?xml version="1.0" encoding="utf-8"?>
 <p:sld xmlns:a="http://schemas.openxmlformats.org/drawingml/2006/main" xmlns:r="http://schemas.openxmlformats.org/officeDocument/2006/relationships" xmlns:p="http://schemas.openxmlformats.org/presentationml/2006/main">
   <p:cSld>
     <p:spTree>
@@ -16828,7 +16971,7 @@
 </p:sld>
 </file>
 
-<file path=ppt/slides/slide24.xml><?xml version="1.0" encoding="utf-8"?>
+<file path=ppt/slides/slide25.xml><?xml version="1.0" encoding="utf-8"?>
 <p:sld xmlns:a="http://schemas.openxmlformats.org/drawingml/2006/main" xmlns:r="http://schemas.openxmlformats.org/officeDocument/2006/relationships" xmlns:p="http://schemas.openxmlformats.org/presentationml/2006/main">
   <p:cSld>
     <p:spTree>
@@ -16944,368 +17087,6 @@
     <p:extLst>
       <p:ext uri="{BB962C8B-B14F-4D97-AF65-F5344CB8AC3E}">
         <p14:creationId xmlns:p14="http://schemas.microsoft.com/office/powerpoint/2010/main" val="1525213859"/>
-      </p:ext>
-    </p:extLst>
-  </p:cSld>
-  <p:clrMapOvr>
-    <a:masterClrMapping/>
-  </p:clrMapOvr>
-  <p:timing>
-    <p:tnLst>
-      <p:par>
-        <p:cTn id="1" dur="indefinite" restart="never" nodeType="tmRoot"/>
-      </p:par>
-    </p:tnLst>
-  </p:timing>
-</p:sld>
-</file>
-
-<file path=ppt/slides/slide25.xml><?xml version="1.0" encoding="utf-8"?>
-<p:sld xmlns:a="http://schemas.openxmlformats.org/drawingml/2006/main" xmlns:r="http://schemas.openxmlformats.org/officeDocument/2006/relationships" xmlns:p="http://schemas.openxmlformats.org/presentationml/2006/main">
-  <p:cSld>
-    <p:spTree>
-      <p:nvGrpSpPr>
-        <p:cNvPr id="1" name=""/>
-        <p:cNvGrpSpPr/>
-        <p:nvPr/>
-      </p:nvGrpSpPr>
-      <p:grpSpPr>
-        <a:xfrm>
-          <a:off x="0" y="0"/>
-          <a:ext cx="0" cy="0"/>
-          <a:chOff x="0" y="0"/>
-          <a:chExt cx="0" cy="0"/>
-        </a:xfrm>
-      </p:grpSpPr>
-      <p:sp>
-        <p:nvSpPr>
-          <p:cNvPr id="5" name="TextBox 4"/>
-          <p:cNvSpPr txBox="1"/>
-          <p:nvPr/>
-        </p:nvSpPr>
-        <p:spPr>
-          <a:xfrm>
-            <a:off x="360485" y="386862"/>
-            <a:ext cx="7441653" cy="646331"/>
-          </a:xfrm>
-          <a:prstGeom prst="rect">
-            <a:avLst/>
-          </a:prstGeom>
-          <a:noFill/>
-        </p:spPr>
-        <p:txBody>
-          <a:bodyPr wrap="none" rtlCol="0">
-            <a:spAutoFit/>
-          </a:bodyPr>
-          <a:lstStyle/>
-          <a:p>
-            <a:r>
-              <a:rPr lang="ru-RU" sz="3600" dirty="0" smtClean="0"/>
-              <a:t>Но есть одна небольшая проблемка.</a:t>
-            </a:r>
-            <a:endParaRPr lang="ru-RU" sz="3600" dirty="0"/>
-          </a:p>
-        </p:txBody>
-      </p:sp>
-      <p:pic>
-        <p:nvPicPr>
-          <p:cNvPr id="6" name="Рисунок 5"/>
-          <p:cNvPicPr>
-            <a:picLocks noChangeAspect="1"/>
-          </p:cNvPicPr>
-          <p:nvPr/>
-        </p:nvPicPr>
-        <p:blipFill>
-          <a:blip r:embed="rId2">
-            <a:extLst>
-              <a:ext uri="{28A0092B-C50C-407E-A947-70E740481C1C}">
-                <a14:useLocalDpi xmlns:a14="http://schemas.microsoft.com/office/drawing/2010/main" val="0"/>
-              </a:ext>
-            </a:extLst>
-          </a:blip>
-          <a:stretch>
-            <a:fillRect/>
-          </a:stretch>
-        </p:blipFill>
-        <p:spPr>
-          <a:xfrm>
-            <a:off x="9200783" y="479914"/>
-            <a:ext cx="2371725" cy="1924050"/>
-          </a:xfrm>
-          <a:prstGeom prst="rect">
-            <a:avLst/>
-          </a:prstGeom>
-        </p:spPr>
-      </p:pic>
-      <p:sp>
-        <p:nvSpPr>
-          <p:cNvPr id="8" name="TextBox 7"/>
-          <p:cNvSpPr txBox="1"/>
-          <p:nvPr/>
-        </p:nvSpPr>
-        <p:spPr>
-          <a:xfrm>
-            <a:off x="492369" y="1529862"/>
-            <a:ext cx="5468816" cy="1200329"/>
-          </a:xfrm>
-          <a:prstGeom prst="rect">
-            <a:avLst/>
-          </a:prstGeom>
-          <a:noFill/>
-        </p:spPr>
-        <p:txBody>
-          <a:bodyPr wrap="square" rtlCol="0">
-            <a:spAutoFit/>
-          </a:bodyPr>
-          <a:lstStyle/>
-          <a:p>
-            <a:r>
-              <a:rPr lang="ru-RU" sz="2400" dirty="0" smtClean="0"/>
-              <a:t>Нам теперь всегда придется таскать этот </a:t>
-            </a:r>
-            <a:r>
-              <a:rPr lang="en-US" sz="2400" dirty="0" smtClean="0"/>
-              <a:t>awaiter </a:t>
-            </a:r>
-            <a:r>
-              <a:rPr lang="ru-RU" sz="2400" dirty="0" smtClean="0"/>
-              <a:t>с собой в открытом и общедоступном виде…</a:t>
-            </a:r>
-            <a:endParaRPr lang="ru-RU" sz="2400" dirty="0"/>
-          </a:p>
-        </p:txBody>
-      </p:sp>
-      <p:sp>
-        <p:nvSpPr>
-          <p:cNvPr id="9" name="TextBox 8"/>
-          <p:cNvSpPr txBox="1"/>
-          <p:nvPr/>
-        </p:nvSpPr>
-        <p:spPr>
-          <a:xfrm>
-            <a:off x="360485" y="3226860"/>
-            <a:ext cx="3657600" cy="954107"/>
-          </a:xfrm>
-          <a:prstGeom prst="rect">
-            <a:avLst/>
-          </a:prstGeom>
-          <a:noFill/>
-        </p:spPr>
-        <p:txBody>
-          <a:bodyPr wrap="square" rtlCol="0">
-            <a:spAutoFit/>
-          </a:bodyPr>
-          <a:lstStyle/>
-          <a:p>
-            <a:r>
-              <a:rPr lang="ru-RU" sz="2800" dirty="0" smtClean="0"/>
-              <a:t>Есть 2 пути решения этой проблемы :</a:t>
-            </a:r>
-            <a:endParaRPr lang="ru-RU" sz="2800" dirty="0"/>
-          </a:p>
-        </p:txBody>
-      </p:sp>
-      <p:sp>
-        <p:nvSpPr>
-          <p:cNvPr id="10" name="TextBox 9"/>
-          <p:cNvSpPr txBox="1"/>
-          <p:nvPr/>
-        </p:nvSpPr>
-        <p:spPr>
-          <a:xfrm>
-            <a:off x="360485" y="4273135"/>
-            <a:ext cx="5846885" cy="1200329"/>
-          </a:xfrm>
-          <a:prstGeom prst="rect">
-            <a:avLst/>
-          </a:prstGeom>
-          <a:noFill/>
-        </p:spPr>
-        <p:txBody>
-          <a:bodyPr wrap="square" rtlCol="0">
-            <a:spAutoFit/>
-          </a:bodyPr>
-          <a:lstStyle/>
-          <a:p>
-            <a:pPr marL="342900" indent="-342900">
-              <a:buAutoNum type="arabicParenR"/>
-            </a:pPr>
-            <a:r>
-              <a:rPr lang="ru-RU" sz="2400" dirty="0" smtClean="0"/>
-              <a:t>Перегрузка оператора </a:t>
-            </a:r>
-            <a:r>
-              <a:rPr lang="en-US" sz="2400" dirty="0" smtClean="0"/>
-              <a:t>co_await</a:t>
-            </a:r>
-            <a:endParaRPr lang="en-US" sz="2400" dirty="0"/>
-          </a:p>
-          <a:p>
-            <a:pPr marL="342900" indent="-342900">
-              <a:buAutoNum type="arabicParenR"/>
-            </a:pPr>
-            <a:r>
-              <a:rPr lang="ru-RU" sz="2400" dirty="0" smtClean="0"/>
-              <a:t>Реализация метода </a:t>
-            </a:r>
-            <a:r>
-              <a:rPr lang="en-US" sz="2400" dirty="0" smtClean="0"/>
-              <a:t>await_transform </a:t>
-            </a:r>
-            <a:r>
-              <a:rPr lang="ru-RU" sz="2400" dirty="0" smtClean="0"/>
-              <a:t>в нашем </a:t>
-            </a:r>
-            <a:r>
-              <a:rPr lang="en-US" sz="2400" dirty="0" smtClean="0"/>
-              <a:t>promise_type</a:t>
-            </a:r>
-            <a:endParaRPr lang="ru-RU" sz="2400" dirty="0"/>
-          </a:p>
-        </p:txBody>
-      </p:sp>
-      <p:pic>
-        <p:nvPicPr>
-          <p:cNvPr id="11" name="Рисунок 10"/>
-          <p:cNvPicPr>
-            <a:picLocks noChangeAspect="1"/>
-          </p:cNvPicPr>
-          <p:nvPr/>
-        </p:nvPicPr>
-        <p:blipFill>
-          <a:blip r:embed="rId3">
-            <a:extLst>
-              <a:ext uri="{28A0092B-C50C-407E-A947-70E740481C1C}">
-                <a14:useLocalDpi xmlns:a14="http://schemas.microsoft.com/office/drawing/2010/main" val="0"/>
-              </a:ext>
-            </a:extLst>
-          </a:blip>
-          <a:stretch>
-            <a:fillRect/>
-          </a:stretch>
-        </p:blipFill>
-        <p:spPr>
-          <a:xfrm>
-            <a:off x="8079031" y="2752217"/>
-            <a:ext cx="3190875" cy="1428750"/>
-          </a:xfrm>
-          <a:prstGeom prst="rect">
-            <a:avLst/>
-          </a:prstGeom>
-        </p:spPr>
-      </p:pic>
-      <p:sp>
-        <p:nvSpPr>
-          <p:cNvPr id="12" name="TextBox 11"/>
-          <p:cNvSpPr txBox="1"/>
-          <p:nvPr/>
-        </p:nvSpPr>
-        <p:spPr>
-          <a:xfrm>
-            <a:off x="8079031" y="4596300"/>
-            <a:ext cx="3009157" cy="923330"/>
-          </a:xfrm>
-          <a:prstGeom prst="rect">
-            <a:avLst/>
-          </a:prstGeom>
-          <a:noFill/>
-        </p:spPr>
-        <p:txBody>
-          <a:bodyPr wrap="none" rtlCol="0">
-            <a:spAutoFit/>
-          </a:bodyPr>
-          <a:lstStyle/>
-          <a:p>
-            <a:r>
-              <a:rPr lang="en-US" sz="5400" dirty="0" smtClean="0">
-                <a:solidFill>
-                  <a:srgbClr val="FF0000"/>
-                </a:solidFill>
-              </a:rPr>
-              <a:t>Lets do it!</a:t>
-            </a:r>
-            <a:endParaRPr lang="ru-RU" sz="5400" dirty="0">
-              <a:solidFill>
-                <a:srgbClr val="FF0000"/>
-              </a:solidFill>
-            </a:endParaRPr>
-          </a:p>
-        </p:txBody>
-      </p:sp>
-      <p:sp>
-        <p:nvSpPr>
-          <p:cNvPr id="13" name="TextBox 12"/>
-          <p:cNvSpPr txBox="1"/>
-          <p:nvPr/>
-        </p:nvSpPr>
-        <p:spPr>
-          <a:xfrm>
-            <a:off x="296170" y="6189968"/>
-            <a:ext cx="3786229" cy="369332"/>
-          </a:xfrm>
-          <a:prstGeom prst="rect">
-            <a:avLst/>
-          </a:prstGeom>
-          <a:noFill/>
-        </p:spPr>
-        <p:txBody>
-          <a:bodyPr wrap="none" rtlCol="0">
-            <a:spAutoFit/>
-          </a:bodyPr>
-          <a:lstStyle/>
-          <a:p>
-            <a:r>
-              <a:rPr lang="ru-RU" dirty="0" smtClean="0"/>
-              <a:t>(</a:t>
-            </a:r>
-            <a:r>
-              <a:rPr lang="ru-RU" dirty="0"/>
-              <a:t>р</a:t>
-            </a:r>
-            <a:r>
-              <a:rPr lang="ru-RU" dirty="0" smtClean="0"/>
-              <a:t>ешим проблему двумя способами)</a:t>
-            </a:r>
-            <a:endParaRPr lang="ru-RU" dirty="0"/>
-          </a:p>
-        </p:txBody>
-      </p:sp>
-      <p:sp>
-        <p:nvSpPr>
-          <p:cNvPr id="2" name="TextBox 1"/>
-          <p:cNvSpPr txBox="1"/>
-          <p:nvPr/>
-        </p:nvSpPr>
-        <p:spPr>
-          <a:xfrm>
-            <a:off x="9744364" y="6189968"/>
-            <a:ext cx="2130711" cy="646331"/>
-          </a:xfrm>
-          <a:prstGeom prst="rect">
-            <a:avLst/>
-          </a:prstGeom>
-          <a:noFill/>
-        </p:spPr>
-        <p:txBody>
-          <a:bodyPr wrap="none" rtlCol="0">
-            <a:spAutoFit/>
-          </a:bodyPr>
-          <a:lstStyle/>
-          <a:p>
-            <a:r>
-              <a:rPr lang="en-US" dirty="0" smtClean="0"/>
-              <a:t>await_op_transform</a:t>
-            </a:r>
-          </a:p>
-          <a:p>
-            <a:endParaRPr lang="ru-RU" dirty="0"/>
-          </a:p>
-        </p:txBody>
-      </p:sp>
-    </p:spTree>
-    <p:extLst>
-      <p:ext uri="{BB962C8B-B14F-4D97-AF65-F5344CB8AC3E}">
-        <p14:creationId xmlns:p14="http://schemas.microsoft.com/office/powerpoint/2010/main" val="2456901388"/>
       </p:ext>
     </p:extLst>
   </p:cSld>
@@ -17341,14 +17122,14 @@
       </p:grpSpPr>
       <p:sp>
         <p:nvSpPr>
-          <p:cNvPr id="4" name="TextBox 3"/>
+          <p:cNvPr id="5" name="TextBox 4"/>
           <p:cNvSpPr txBox="1"/>
           <p:nvPr/>
         </p:nvSpPr>
         <p:spPr>
           <a:xfrm>
-            <a:off x="1389184" y="430823"/>
-            <a:ext cx="9453294" cy="523220"/>
+            <a:off x="360485" y="386862"/>
+            <a:ext cx="7441653" cy="646331"/>
           </a:xfrm>
           <a:prstGeom prst="rect">
             <a:avLst/>
@@ -17362,45 +17143,16 @@
           <a:lstStyle/>
           <a:p>
             <a:r>
-              <a:rPr lang="ru-RU" sz="2800" dirty="0" smtClean="0"/>
-              <a:t>Рассмотрим следующий пример, не отходя далеко от темы!</a:t>
-            </a:r>
-            <a:endParaRPr lang="ru-RU" sz="2800" dirty="0"/>
-          </a:p>
-        </p:txBody>
-      </p:sp>
-      <p:sp>
-        <p:nvSpPr>
-          <p:cNvPr id="5" name="TextBox 4"/>
-          <p:cNvSpPr txBox="1"/>
-          <p:nvPr/>
-        </p:nvSpPr>
-        <p:spPr>
-          <a:xfrm>
-            <a:off x="307730" y="1688124"/>
-            <a:ext cx="9283888" cy="461665"/>
-          </a:xfrm>
-          <a:prstGeom prst="rect">
-            <a:avLst/>
-          </a:prstGeom>
-          <a:noFill/>
-        </p:spPr>
-        <p:txBody>
-          <a:bodyPr wrap="none" rtlCol="0">
-            <a:spAutoFit/>
-          </a:bodyPr>
-          <a:lstStyle/>
-          <a:p>
-            <a:r>
-              <a:rPr lang="ru-RU" sz="2400" dirty="0" smtClean="0"/>
-              <a:t>Идея : что ,если совместить свойства корутины и обычной функции?</a:t>
-            </a:r>
+              <a:rPr lang="ru-RU" sz="3600" dirty="0" smtClean="0"/>
+              <a:t>Но есть одна небольшая проблемка.</a:t>
+            </a:r>
+            <a:endParaRPr lang="ru-RU" sz="3600" dirty="0"/>
           </a:p>
         </p:txBody>
       </p:sp>
       <p:pic>
         <p:nvPicPr>
-          <p:cNvPr id="7" name="Рисунок 6"/>
+          <p:cNvPr id="6" name="Рисунок 5"/>
           <p:cNvPicPr>
             <a:picLocks noChangeAspect="1"/>
           </p:cNvPicPr>
@@ -17420,8 +17172,8 @@
         </p:blipFill>
         <p:spPr>
           <a:xfrm>
-            <a:off x="4469789" y="2268416"/>
-            <a:ext cx="2847975" cy="1600200"/>
+            <a:off x="9200783" y="479914"/>
+            <a:ext cx="2371725" cy="1924050"/>
           </a:xfrm>
           <a:prstGeom prst="rect">
             <a:avLst/>
@@ -17436,8 +17188,8 @@
         </p:nvSpPr>
         <p:spPr>
           <a:xfrm>
-            <a:off x="3595264" y="4149970"/>
-            <a:ext cx="5468816" cy="707886"/>
+            <a:off x="492369" y="1529862"/>
+            <a:ext cx="5468816" cy="1200329"/>
           </a:xfrm>
           <a:prstGeom prst="rect">
             <a:avLst/>
@@ -17451,16 +17203,113 @@
           <a:lstStyle/>
           <a:p>
             <a:r>
-              <a:rPr lang="ru-RU" sz="4000" dirty="0" smtClean="0"/>
-              <a:t>Конечно возможно!!</a:t>
-            </a:r>
-            <a:endParaRPr lang="ru-RU" sz="4000" dirty="0"/>
+              <a:rPr lang="ru-RU" sz="2400" dirty="0" smtClean="0"/>
+              <a:t>Нам теперь всегда придется таскать этот </a:t>
+            </a:r>
+            <a:r>
+              <a:rPr lang="en-US" sz="2400" dirty="0" smtClean="0"/>
+              <a:t>awaiter </a:t>
+            </a:r>
+            <a:r>
+              <a:rPr lang="ru-RU" sz="2400" dirty="0" smtClean="0"/>
+              <a:t>с собой в открытом и общедоступном виде…</a:t>
+            </a:r>
+            <a:endParaRPr lang="ru-RU" sz="2400" dirty="0"/>
+          </a:p>
+        </p:txBody>
+      </p:sp>
+      <p:sp>
+        <p:nvSpPr>
+          <p:cNvPr id="9" name="TextBox 8"/>
+          <p:cNvSpPr txBox="1"/>
+          <p:nvPr/>
+        </p:nvSpPr>
+        <p:spPr>
+          <a:xfrm>
+            <a:off x="360485" y="3226860"/>
+            <a:ext cx="3657600" cy="954107"/>
+          </a:xfrm>
+          <a:prstGeom prst="rect">
+            <a:avLst/>
+          </a:prstGeom>
+          <a:noFill/>
+        </p:spPr>
+        <p:txBody>
+          <a:bodyPr wrap="square" rtlCol="0">
+            <a:spAutoFit/>
+          </a:bodyPr>
+          <a:lstStyle/>
+          <a:p>
+            <a:r>
+              <a:rPr lang="ru-RU" sz="2800" dirty="0" smtClean="0"/>
+              <a:t>Есть 2 пути решения этой проблемы :</a:t>
+            </a:r>
+            <a:endParaRPr lang="ru-RU" sz="2800" dirty="0"/>
+          </a:p>
+        </p:txBody>
+      </p:sp>
+      <p:sp>
+        <p:nvSpPr>
+          <p:cNvPr id="10" name="TextBox 9"/>
+          <p:cNvSpPr txBox="1"/>
+          <p:nvPr/>
+        </p:nvSpPr>
+        <p:spPr>
+          <a:xfrm>
+            <a:off x="360485" y="4273135"/>
+            <a:ext cx="5846885" cy="1200329"/>
+          </a:xfrm>
+          <a:prstGeom prst="rect">
+            <a:avLst/>
+          </a:prstGeom>
+          <a:noFill/>
+        </p:spPr>
+        <p:txBody>
+          <a:bodyPr wrap="square" rtlCol="0">
+            <a:spAutoFit/>
+          </a:bodyPr>
+          <a:lstStyle/>
+          <a:p>
+            <a:pPr marL="342900" indent="-342900">
+              <a:buAutoNum type="arabicParenR"/>
+            </a:pPr>
+            <a:r>
+              <a:rPr lang="ru-RU" sz="2400" dirty="0" smtClean="0"/>
+              <a:t>Перегрузка оператора </a:t>
+            </a:r>
+            <a:r>
+              <a:rPr lang="en-US" sz="2400" dirty="0" smtClean="0"/>
+              <a:t>co_await</a:t>
+            </a:r>
+            <a:endParaRPr lang="en-US" sz="2400" dirty="0"/>
+          </a:p>
+          <a:p>
+            <a:pPr marL="342900" indent="-342900">
+              <a:buAutoNum type="arabicParenR"/>
+            </a:pPr>
+            <a:r>
+              <a:rPr lang="ru-RU" sz="2400" dirty="0" smtClean="0"/>
+              <a:t>Реализация метода </a:t>
+            </a:r>
+            <a:r>
+              <a:rPr lang="en-US" sz="2400" dirty="0" smtClean="0"/>
+              <a:t>await_transform </a:t>
+            </a:r>
+            <a:r>
+              <a:rPr lang="ru-RU" sz="2400" dirty="0" smtClean="0"/>
+              <a:t>в нашем </a:t>
+            </a:r>
+            <a:r>
+              <a:rPr lang="en-US" sz="2400" dirty="0" smtClean="0"/>
+              <a:t>promise_type</a:t>
+            </a:r>
+            <a:endParaRPr lang="ru-RU" sz="2400" dirty="0"/>
           </a:p>
         </p:txBody>
       </p:sp>
       <p:pic>
         <p:nvPicPr>
-          <p:cNvPr id="9" name="Рисунок 8"/>
+          <p:cNvPr id="11" name="Рисунок 10"/>
           <p:cNvPicPr>
             <a:picLocks noChangeAspect="1"/>
           </p:cNvPicPr>
@@ -17480,7 +17329,7 @@
         </p:blipFill>
         <p:spPr>
           <a:xfrm>
-            <a:off x="307730" y="5079756"/>
+            <a:off x="8079031" y="2752217"/>
             <a:ext cx="3190875" cy="1428750"/>
           </a:xfrm>
           <a:prstGeom prst="rect">
@@ -17490,14 +17339,14 @@
       </p:pic>
       <p:sp>
         <p:nvSpPr>
-          <p:cNvPr id="10" name="TextBox 9"/>
+          <p:cNvPr id="12" name="TextBox 11"/>
           <p:cNvSpPr txBox="1"/>
           <p:nvPr/>
         </p:nvSpPr>
         <p:spPr>
           <a:xfrm>
-            <a:off x="10295792" y="6139174"/>
-            <a:ext cx="2734407" cy="369332"/>
+            <a:off x="8079031" y="4596300"/>
+            <a:ext cx="3009157" cy="923330"/>
           </a:xfrm>
           <a:prstGeom prst="rect">
             <a:avLst/>
@@ -17505,15 +17354,93 @@
           <a:noFill/>
         </p:spPr>
         <p:txBody>
-          <a:bodyPr wrap="square" rtlCol="0">
+          <a:bodyPr wrap="none" rtlCol="0">
             <a:spAutoFit/>
           </a:bodyPr>
           <a:lstStyle/>
           <a:p>
             <a:r>
+              <a:rPr lang="en-US" sz="5400" dirty="0" smtClean="0">
+                <a:solidFill>
+                  <a:srgbClr val="FF0000"/>
+                </a:solidFill>
+              </a:rPr>
+              <a:t>Lets do it!</a:t>
+            </a:r>
+            <a:endParaRPr lang="ru-RU" sz="5400" dirty="0">
+              <a:solidFill>
+                <a:srgbClr val="FF0000"/>
+              </a:solidFill>
+            </a:endParaRPr>
+          </a:p>
+        </p:txBody>
+      </p:sp>
+      <p:sp>
+        <p:nvSpPr>
+          <p:cNvPr id="13" name="TextBox 12"/>
+          <p:cNvSpPr txBox="1"/>
+          <p:nvPr/>
+        </p:nvSpPr>
+        <p:spPr>
+          <a:xfrm>
+            <a:off x="296170" y="6189968"/>
+            <a:ext cx="3786229" cy="369332"/>
+          </a:xfrm>
+          <a:prstGeom prst="rect">
+            <a:avLst/>
+          </a:prstGeom>
+          <a:noFill/>
+        </p:spPr>
+        <p:txBody>
+          <a:bodyPr wrap="none" rtlCol="0">
+            <a:spAutoFit/>
+          </a:bodyPr>
+          <a:lstStyle/>
+          <a:p>
+            <a:r>
+              <a:rPr lang="ru-RU" dirty="0" smtClean="0"/>
+              <a:t>(</a:t>
+            </a:r>
+            <a:r>
+              <a:rPr lang="ru-RU" dirty="0"/>
+              <a:t>р</a:t>
+            </a:r>
+            <a:r>
+              <a:rPr lang="ru-RU" dirty="0" smtClean="0"/>
+              <a:t>ешим проблему двумя способами)</a:t>
+            </a:r>
+            <a:endParaRPr lang="ru-RU" dirty="0"/>
+          </a:p>
+        </p:txBody>
+      </p:sp>
+      <p:sp>
+        <p:nvSpPr>
+          <p:cNvPr id="2" name="TextBox 1"/>
+          <p:cNvSpPr txBox="1"/>
+          <p:nvPr/>
+        </p:nvSpPr>
+        <p:spPr>
+          <a:xfrm>
+            <a:off x="9744364" y="6189968"/>
+            <a:ext cx="2130711" cy="646331"/>
+          </a:xfrm>
+          <a:prstGeom prst="rect">
+            <a:avLst/>
+          </a:prstGeom>
+          <a:noFill/>
+        </p:spPr>
+        <p:txBody>
+          <a:bodyPr wrap="none" rtlCol="0">
+            <a:spAutoFit/>
+          </a:bodyPr>
+          <a:lstStyle/>
+          <a:p>
+            <a:r>
               <a:rPr lang="en-US" dirty="0" smtClean="0"/>
-              <a:t>cancellable</a:t>
-            </a:r>
+              <a:t>await_op_transform</a:t>
+            </a:r>
+          </a:p>
+          <a:p>
             <a:endParaRPr lang="ru-RU" dirty="0"/>
           </a:p>
         </p:txBody>
@@ -17521,7 +17448,7 @@
     </p:spTree>
     <p:extLst>
       <p:ext uri="{BB962C8B-B14F-4D97-AF65-F5344CB8AC3E}">
-        <p14:creationId xmlns:p14="http://schemas.microsoft.com/office/powerpoint/2010/main" val="3463695512"/>
+        <p14:creationId xmlns:p14="http://schemas.microsoft.com/office/powerpoint/2010/main" val="2456901388"/>
       </p:ext>
     </p:extLst>
   </p:cSld>
@@ -17563,8 +17490,8 @@
         </p:nvSpPr>
         <p:spPr>
           <a:xfrm>
-            <a:off x="1242473" y="391862"/>
-            <a:ext cx="9625712" cy="954107"/>
+            <a:off x="1389184" y="430823"/>
+            <a:ext cx="9453294" cy="523220"/>
           </a:xfrm>
           <a:prstGeom prst="rect">
             <a:avLst/>
@@ -17579,50 +17506,44 @@
           <a:p>
             <a:r>
               <a:rPr lang="ru-RU" sz="2800" dirty="0" smtClean="0"/>
-              <a:t>Очередным интересным примером является </a:t>
-            </a:r>
-            <a:r>
-              <a:rPr lang="ru-RU" sz="2800" dirty="0"/>
-              <a:t>м</a:t>
-            </a:r>
-            <a:r>
-              <a:rPr lang="ru-RU" sz="2800" dirty="0" smtClean="0"/>
-              <a:t>онада </a:t>
-            </a:r>
-            <a:r>
-              <a:rPr lang="en-US" sz="2800" dirty="0" smtClean="0"/>
-              <a:t>maybe</a:t>
-            </a:r>
-            <a:r>
-              <a:rPr lang="ru-RU" sz="2800" dirty="0"/>
-              <a:t>,</a:t>
-            </a:r>
-            <a:endParaRPr lang="ru-RU" sz="2800" dirty="0" smtClean="0"/>
-          </a:p>
-          <a:p>
-            <a:r>
-              <a:rPr lang="ru-RU" sz="2800" dirty="0"/>
-              <a:t>	</a:t>
-            </a:r>
-            <a:r>
-              <a:rPr lang="ru-RU" sz="2800" dirty="0" smtClean="0"/>
-              <a:t>	реализованная с помощью корутин</a:t>
-            </a:r>
-            <a:r>
-              <a:rPr lang="en-US" sz="2800" dirty="0" smtClean="0"/>
-              <a:t> </a:t>
-            </a:r>
-            <a:r>
-              <a:rPr lang="ru-RU" sz="2800" dirty="0" smtClean="0"/>
-              <a:t> </a:t>
+              <a:t>Рассмотрим следующий пример, не отходя далеко от темы!</a:t>
             </a:r>
             <a:endParaRPr lang="ru-RU" sz="2800" dirty="0"/>
+          </a:p>
+        </p:txBody>
+      </p:sp>
+      <p:sp>
+        <p:nvSpPr>
+          <p:cNvPr id="5" name="TextBox 4"/>
+          <p:cNvSpPr txBox="1"/>
+          <p:nvPr/>
+        </p:nvSpPr>
+        <p:spPr>
+          <a:xfrm>
+            <a:off x="307730" y="1688124"/>
+            <a:ext cx="9283888" cy="461665"/>
+          </a:xfrm>
+          <a:prstGeom prst="rect">
+            <a:avLst/>
+          </a:prstGeom>
+          <a:noFill/>
+        </p:spPr>
+        <p:txBody>
+          <a:bodyPr wrap="none" rtlCol="0">
+            <a:spAutoFit/>
+          </a:bodyPr>
+          <a:lstStyle/>
+          <a:p>
+            <a:r>
+              <a:rPr lang="ru-RU" sz="2400" dirty="0" smtClean="0"/>
+              <a:t>Идея : что ,если совместить свойства корутины и обычной функции?</a:t>
+            </a:r>
           </a:p>
         </p:txBody>
       </p:sp>
       <p:pic>
         <p:nvPicPr>
-          <p:cNvPr id="5" name="Рисунок 4"/>
+          <p:cNvPr id="7" name="Рисунок 6"/>
           <p:cNvPicPr>
             <a:picLocks noChangeAspect="1"/>
           </p:cNvPicPr>
@@ -17642,8 +17563,8 @@
         </p:blipFill>
         <p:spPr>
           <a:xfrm>
-            <a:off x="2176219" y="1452365"/>
-            <a:ext cx="7857143" cy="2704762"/>
+            <a:off x="4469789" y="2268416"/>
+            <a:ext cx="2847975" cy="1600200"/>
           </a:xfrm>
           <a:prstGeom prst="rect">
             <a:avLst/>
@@ -17652,14 +17573,14 @@
       </p:pic>
       <p:sp>
         <p:nvSpPr>
-          <p:cNvPr id="6" name="TextBox 5"/>
+          <p:cNvPr id="8" name="TextBox 7"/>
           <p:cNvSpPr txBox="1"/>
           <p:nvPr/>
         </p:nvSpPr>
         <p:spPr>
           <a:xfrm>
-            <a:off x="422031" y="4607169"/>
-            <a:ext cx="8594148" cy="954107"/>
+            <a:off x="3595264" y="4149970"/>
+            <a:ext cx="5468816" cy="707886"/>
           </a:xfrm>
           <a:prstGeom prst="rect">
             <a:avLst/>
@@ -17667,28 +17588,22 @@
           <a:noFill/>
         </p:spPr>
         <p:txBody>
-          <a:bodyPr wrap="none" rtlCol="0">
+          <a:bodyPr wrap="square" rtlCol="0">
             <a:spAutoFit/>
           </a:bodyPr>
           <a:lstStyle/>
           <a:p>
             <a:r>
-              <a:rPr lang="ru-RU" sz="2800" dirty="0" smtClean="0"/>
-              <a:t>Весьма простой и понятный код, но мы же не слабаки!</a:t>
-            </a:r>
-          </a:p>
-          <a:p>
-            <a:r>
-              <a:rPr lang="ru-RU" sz="2800" dirty="0" smtClean="0"/>
-              <a:t>Перепишем его!</a:t>
-            </a:r>
-            <a:endParaRPr lang="ru-RU" sz="2800" dirty="0"/>
+              <a:rPr lang="ru-RU" sz="4000" dirty="0" smtClean="0"/>
+              <a:t>Конечно возможно!!</a:t>
+            </a:r>
+            <a:endParaRPr lang="ru-RU" sz="4000" dirty="0"/>
           </a:p>
         </p:txBody>
       </p:sp>
       <p:pic>
         <p:nvPicPr>
-          <p:cNvPr id="7" name="Рисунок 6"/>
+          <p:cNvPr id="9" name="Рисунок 8"/>
           <p:cNvPicPr>
             <a:picLocks noChangeAspect="1"/>
           </p:cNvPicPr>
@@ -17708,7 +17623,7 @@
         </p:blipFill>
         <p:spPr>
           <a:xfrm>
-            <a:off x="8729662" y="5150095"/>
+            <a:off x="307730" y="5079756"/>
             <a:ext cx="3190875" cy="1428750"/>
           </a:xfrm>
           <a:prstGeom prst="rect">
@@ -17718,14 +17633,14 @@
       </p:pic>
       <p:sp>
         <p:nvSpPr>
-          <p:cNvPr id="2" name="TextBox 1"/>
+          <p:cNvPr id="10" name="TextBox 9"/>
           <p:cNvSpPr txBox="1"/>
           <p:nvPr/>
         </p:nvSpPr>
         <p:spPr>
           <a:xfrm>
-            <a:off x="527538" y="6255679"/>
-            <a:ext cx="838691" cy="646331"/>
+            <a:off x="10295792" y="6139174"/>
+            <a:ext cx="2734407" cy="369332"/>
           </a:xfrm>
           <a:prstGeom prst="rect">
             <a:avLst/>
@@ -17733,21 +17648,15 @@
           <a:noFill/>
         </p:spPr>
         <p:txBody>
-          <a:bodyPr wrap="none" rtlCol="0">
+          <a:bodyPr wrap="square" rtlCol="0">
             <a:spAutoFit/>
           </a:bodyPr>
           <a:lstStyle/>
           <a:p>
             <a:r>
-              <a:rPr lang="en-US" dirty="0"/>
-              <a:t>m</a:t>
-            </a:r>
-            <a:r>
               <a:rPr lang="en-US" dirty="0" smtClean="0"/>
-              <a:t>aybe</a:t>
-            </a:r>
-          </a:p>
-          <a:p>
+              <a:t>cancellable</a:t>
+            </a:r>
             <a:endParaRPr lang="ru-RU" dirty="0"/>
           </a:p>
         </p:txBody>
@@ -17755,7 +17664,7 @@
     </p:spTree>
     <p:extLst>
       <p:ext uri="{BB962C8B-B14F-4D97-AF65-F5344CB8AC3E}">
-        <p14:creationId xmlns:p14="http://schemas.microsoft.com/office/powerpoint/2010/main" val="4156367334"/>
+        <p14:creationId xmlns:p14="http://schemas.microsoft.com/office/powerpoint/2010/main" val="3463695512"/>
       </p:ext>
     </p:extLst>
   </p:cSld>
@@ -17791,14 +17700,14 @@
       </p:grpSpPr>
       <p:sp>
         <p:nvSpPr>
-          <p:cNvPr id="2" name="TextBox 1"/>
+          <p:cNvPr id="4" name="TextBox 3"/>
           <p:cNvSpPr txBox="1"/>
           <p:nvPr/>
         </p:nvSpPr>
         <p:spPr>
           <a:xfrm>
-            <a:off x="815444" y="440994"/>
-            <a:ext cx="10904267" cy="523220"/>
+            <a:off x="1242473" y="391862"/>
+            <a:ext cx="9625712" cy="954107"/>
           </a:xfrm>
           <a:prstGeom prst="rect">
             <a:avLst/>
@@ -17813,45 +17722,50 @@
           <a:p>
             <a:r>
               <a:rPr lang="ru-RU" sz="2800" dirty="0" smtClean="0"/>
-              <a:t>Но по-настоящему корутины полезны в связке с асинхронным кодом!</a:t>
+              <a:t>Очередным интересным примером является </a:t>
+            </a:r>
+            <a:r>
+              <a:rPr lang="ru-RU" sz="2800" dirty="0"/>
+              <a:t>м</a:t>
+            </a:r>
+            <a:r>
+              <a:rPr lang="ru-RU" sz="2800" dirty="0" smtClean="0"/>
+              <a:t>онада </a:t>
+            </a:r>
+            <a:r>
+              <a:rPr lang="en-US" sz="2800" dirty="0" smtClean="0"/>
+              <a:t>maybe</a:t>
+            </a:r>
+            <a:r>
+              <a:rPr lang="ru-RU" sz="2800" dirty="0"/>
+              <a:t>,</a:t>
+            </a:r>
+            <a:endParaRPr lang="ru-RU" sz="2800" dirty="0" smtClean="0"/>
+          </a:p>
+          <a:p>
+            <a:r>
+              <a:rPr lang="ru-RU" sz="2800" dirty="0"/>
+              <a:t>	</a:t>
+            </a:r>
+            <a:r>
+              <a:rPr lang="ru-RU" sz="2800" dirty="0" smtClean="0"/>
+              <a:t>	реализованная с помощью корутин</a:t>
+            </a:r>
+            <a:r>
+              <a:rPr lang="en-US" sz="2800" dirty="0" smtClean="0"/>
+              <a:t> </a:t>
+            </a:r>
+            <a:r>
+              <a:rPr lang="ru-RU" sz="2800" dirty="0" smtClean="0"/>
+              <a:t> </a:t>
             </a:r>
             <a:endParaRPr lang="ru-RU" sz="2800" dirty="0"/>
-          </a:p>
-        </p:txBody>
-      </p:sp>
-      <p:sp>
-        <p:nvSpPr>
-          <p:cNvPr id="3" name="TextBox 2"/>
-          <p:cNvSpPr txBox="1"/>
-          <p:nvPr/>
-        </p:nvSpPr>
-        <p:spPr>
-          <a:xfrm>
-            <a:off x="982412" y="1174377"/>
-            <a:ext cx="9620134" cy="461665"/>
-          </a:xfrm>
-          <a:prstGeom prst="rect">
-            <a:avLst/>
-          </a:prstGeom>
-          <a:noFill/>
-        </p:spPr>
-        <p:txBody>
-          <a:bodyPr wrap="none" rtlCol="0">
-            <a:spAutoFit/>
-          </a:bodyPr>
-          <a:lstStyle/>
-          <a:p>
-            <a:r>
-              <a:rPr lang="ru-RU" sz="2400" dirty="0" smtClean="0"/>
-              <a:t>Ведь они позволяют делать асинхронный код синхронным(визуально)!</a:t>
-            </a:r>
-            <a:endParaRPr lang="ru-RU" sz="2400" dirty="0"/>
           </a:p>
         </p:txBody>
       </p:sp>
       <p:pic>
         <p:nvPicPr>
-          <p:cNvPr id="4" name="Рисунок 3"/>
+          <p:cNvPr id="5" name="Рисунок 4"/>
           <p:cNvPicPr>
             <a:picLocks noChangeAspect="1"/>
           </p:cNvPicPr>
@@ -17871,8 +17785,8 @@
         </p:blipFill>
         <p:spPr>
           <a:xfrm>
-            <a:off x="2249984" y="1769969"/>
-            <a:ext cx="7828571" cy="2761905"/>
+            <a:off x="2176219" y="1452365"/>
+            <a:ext cx="7857143" cy="2704762"/>
           </a:xfrm>
           <a:prstGeom prst="rect">
             <a:avLst/>
@@ -17881,14 +17795,14 @@
       </p:pic>
       <p:sp>
         <p:nvSpPr>
-          <p:cNvPr id="5" name="TextBox 4"/>
+          <p:cNvPr id="6" name="TextBox 5"/>
           <p:cNvSpPr txBox="1"/>
           <p:nvPr/>
         </p:nvSpPr>
         <p:spPr>
           <a:xfrm>
-            <a:off x="390741" y="4876800"/>
-            <a:ext cx="8060796" cy="1569660"/>
+            <a:off x="422031" y="4607169"/>
+            <a:ext cx="8594148" cy="954107"/>
           </a:xfrm>
           <a:prstGeom prst="rect">
             <a:avLst/>
@@ -17902,45 +17816,89 @@
           <a:lstStyle/>
           <a:p>
             <a:r>
-              <a:rPr lang="ru-RU" sz="3200" dirty="0" smtClean="0"/>
-              <a:t>Для этого нужно сделать:</a:t>
-            </a:r>
-          </a:p>
-          <a:p>
-            <a:r>
-              <a:rPr lang="ru-RU" sz="3200" dirty="0" smtClean="0"/>
-              <a:t>1) </a:t>
-            </a:r>
-            <a:r>
-              <a:rPr lang="en-US" sz="3200" dirty="0" smtClean="0"/>
-              <a:t>Future </a:t>
-            </a:r>
-            <a:r>
-              <a:rPr lang="ru-RU" sz="3200" dirty="0" smtClean="0"/>
-              <a:t>типом, совместимым  с корутинами</a:t>
-            </a:r>
-          </a:p>
-          <a:p>
-            <a:r>
-              <a:rPr lang="ru-RU" sz="3200" dirty="0" smtClean="0"/>
-              <a:t>2)</a:t>
-            </a:r>
-            <a:r>
-              <a:rPr lang="en-US" sz="3200" dirty="0" smtClean="0"/>
-              <a:t>Future awaitable</a:t>
-            </a:r>
-            <a:r>
-              <a:rPr lang="ru-RU" sz="3200" dirty="0" smtClean="0"/>
-              <a:t> типом</a:t>
-            </a:r>
-            <a:endParaRPr lang="ru-RU" sz="3200" dirty="0"/>
+              <a:rPr lang="ru-RU" sz="2800" dirty="0" smtClean="0"/>
+              <a:t>Весьма простой и понятный код, но мы же не слабаки!</a:t>
+            </a:r>
+          </a:p>
+          <a:p>
+            <a:r>
+              <a:rPr lang="ru-RU" sz="2800" dirty="0" smtClean="0"/>
+              <a:t>Перепишем его!</a:t>
+            </a:r>
+            <a:endParaRPr lang="ru-RU" sz="2800" dirty="0"/>
+          </a:p>
+        </p:txBody>
+      </p:sp>
+      <p:pic>
+        <p:nvPicPr>
+          <p:cNvPr id="7" name="Рисунок 6"/>
+          <p:cNvPicPr>
+            <a:picLocks noChangeAspect="1"/>
+          </p:cNvPicPr>
+          <p:nvPr/>
+        </p:nvPicPr>
+        <p:blipFill>
+          <a:blip r:embed="rId3">
+            <a:extLst>
+              <a:ext uri="{28A0092B-C50C-407E-A947-70E740481C1C}">
+                <a14:useLocalDpi xmlns:a14="http://schemas.microsoft.com/office/drawing/2010/main" val="0"/>
+              </a:ext>
+            </a:extLst>
+          </a:blip>
+          <a:stretch>
+            <a:fillRect/>
+          </a:stretch>
+        </p:blipFill>
+        <p:spPr>
+          <a:xfrm>
+            <a:off x="8729662" y="5150095"/>
+            <a:ext cx="3190875" cy="1428750"/>
+          </a:xfrm>
+          <a:prstGeom prst="rect">
+            <a:avLst/>
+          </a:prstGeom>
+        </p:spPr>
+      </p:pic>
+      <p:sp>
+        <p:nvSpPr>
+          <p:cNvPr id="2" name="TextBox 1"/>
+          <p:cNvSpPr txBox="1"/>
+          <p:nvPr/>
+        </p:nvSpPr>
+        <p:spPr>
+          <a:xfrm>
+            <a:off x="527538" y="6255679"/>
+            <a:ext cx="838691" cy="646331"/>
+          </a:xfrm>
+          <a:prstGeom prst="rect">
+            <a:avLst/>
+          </a:prstGeom>
+          <a:noFill/>
+        </p:spPr>
+        <p:txBody>
+          <a:bodyPr wrap="none" rtlCol="0">
+            <a:spAutoFit/>
+          </a:bodyPr>
+          <a:lstStyle/>
+          <a:p>
+            <a:r>
+              <a:rPr lang="en-US" dirty="0"/>
+              <a:t>m</a:t>
+            </a:r>
+            <a:r>
+              <a:rPr lang="en-US" dirty="0" smtClean="0"/>
+              <a:t>aybe</a:t>
+            </a:r>
+          </a:p>
+          <a:p>
+            <a:endParaRPr lang="ru-RU" dirty="0"/>
           </a:p>
         </p:txBody>
       </p:sp>
     </p:spTree>
     <p:extLst>
       <p:ext uri="{BB962C8B-B14F-4D97-AF65-F5344CB8AC3E}">
-        <p14:creationId xmlns:p14="http://schemas.microsoft.com/office/powerpoint/2010/main" val="2871960928"/>
+        <p14:creationId xmlns:p14="http://schemas.microsoft.com/office/powerpoint/2010/main" val="4156367334"/>
       </p:ext>
     </p:extLst>
   </p:cSld>
@@ -17976,35 +17934,61 @@
       </p:grpSpPr>
       <p:sp>
         <p:nvSpPr>
-          <p:cNvPr id="3" name="Объект 2"/>
-          <p:cNvSpPr>
-            <a:spLocks noGrp="1"/>
-          </p:cNvSpPr>
-          <p:nvPr>
-            <p:ph idx="1"/>
-          </p:nvPr>
-        </p:nvSpPr>
-        <p:spPr>
-          <a:xfrm>
-            <a:off x="606669" y="677008"/>
-            <a:ext cx="11175023" cy="1037492"/>
-          </a:xfrm>
-        </p:spPr>
-        <p:txBody>
-          <a:bodyPr>
-            <a:normAutofit/>
+          <p:cNvPr id="2" name="TextBox 1"/>
+          <p:cNvSpPr txBox="1"/>
+          <p:nvPr/>
+        </p:nvSpPr>
+        <p:spPr>
+          <a:xfrm>
+            <a:off x="815444" y="440994"/>
+            <a:ext cx="10904267" cy="523220"/>
+          </a:xfrm>
+          <a:prstGeom prst="rect">
+            <a:avLst/>
+          </a:prstGeom>
+          <a:noFill/>
+        </p:spPr>
+        <p:txBody>
+          <a:bodyPr wrap="none" rtlCol="0">
+            <a:spAutoFit/>
           </a:bodyPr>
           <a:lstStyle/>
           <a:p>
             <a:r>
-              <a:rPr lang="ru-RU" sz="3200" dirty="0" smtClean="0"/>
-              <a:t>Для подобных вещей стандарт предоставляет механизм : </a:t>
-            </a:r>
-            <a:r>
-              <a:rPr lang="en-US" sz="3200" dirty="0" smtClean="0"/>
-              <a:t>std::coroutine_traits</a:t>
-            </a:r>
-            <a:endParaRPr lang="ru-RU" sz="3200" dirty="0"/>
+              <a:rPr lang="ru-RU" sz="2800" dirty="0" smtClean="0"/>
+              <a:t>Но по-настоящему корутины полезны в связке с асинхронным кодом!</a:t>
+            </a:r>
+            <a:endParaRPr lang="ru-RU" sz="2800" dirty="0"/>
+          </a:p>
+        </p:txBody>
+      </p:sp>
+      <p:sp>
+        <p:nvSpPr>
+          <p:cNvPr id="3" name="TextBox 2"/>
+          <p:cNvSpPr txBox="1"/>
+          <p:nvPr/>
+        </p:nvSpPr>
+        <p:spPr>
+          <a:xfrm>
+            <a:off x="982412" y="1174377"/>
+            <a:ext cx="9620134" cy="461665"/>
+          </a:xfrm>
+          <a:prstGeom prst="rect">
+            <a:avLst/>
+          </a:prstGeom>
+          <a:noFill/>
+        </p:spPr>
+        <p:txBody>
+          <a:bodyPr wrap="none" rtlCol="0">
+            <a:spAutoFit/>
+          </a:bodyPr>
+          <a:lstStyle/>
+          <a:p>
+            <a:r>
+              <a:rPr lang="ru-RU" sz="2400" dirty="0" smtClean="0"/>
+              <a:t>Ведь они позволяют делать асинхронный код синхронным(визуально)!</a:t>
+            </a:r>
+            <a:endParaRPr lang="ru-RU" sz="2400" dirty="0"/>
           </a:p>
         </p:txBody>
       </p:sp>
@@ -18030,54 +18014,24 @@
         </p:blipFill>
         <p:spPr>
           <a:xfrm>
-            <a:off x="1571458" y="1806223"/>
-            <a:ext cx="9066667" cy="2190476"/>
+            <a:off x="2249984" y="1769969"/>
+            <a:ext cx="7828571" cy="2761905"/>
           </a:xfrm>
           <a:prstGeom prst="rect">
             <a:avLst/>
           </a:prstGeom>
         </p:spPr>
       </p:pic>
-      <p:pic>
-        <p:nvPicPr>
-          <p:cNvPr id="5" name="Рисунок 4"/>
-          <p:cNvPicPr>
-            <a:picLocks noChangeAspect="1"/>
-          </p:cNvPicPr>
-          <p:nvPr/>
-        </p:nvPicPr>
-        <p:blipFill>
-          <a:blip r:embed="rId3">
-            <a:extLst>
-              <a:ext uri="{28A0092B-C50C-407E-A947-70E740481C1C}">
-                <a14:useLocalDpi xmlns:a14="http://schemas.microsoft.com/office/drawing/2010/main" val="0"/>
-              </a:ext>
-            </a:extLst>
-          </a:blip>
-          <a:stretch>
-            <a:fillRect/>
-          </a:stretch>
-        </p:blipFill>
-        <p:spPr>
-          <a:xfrm>
-            <a:off x="4166454" y="4455503"/>
-            <a:ext cx="3190875" cy="1428750"/>
-          </a:xfrm>
-          <a:prstGeom prst="rect">
-            <a:avLst/>
-          </a:prstGeom>
-        </p:spPr>
-      </p:pic>
-      <p:sp>
-        <p:nvSpPr>
-          <p:cNvPr id="6" name="TextBox 5"/>
+      <p:sp>
+        <p:nvSpPr>
+          <p:cNvPr id="5" name="TextBox 4"/>
           <p:cNvSpPr txBox="1"/>
           <p:nvPr/>
         </p:nvSpPr>
         <p:spPr>
           <a:xfrm>
-            <a:off x="10172700" y="6137030"/>
-            <a:ext cx="1446230" cy="369332"/>
+            <a:off x="390741" y="4876800"/>
+            <a:ext cx="8060796" cy="1569660"/>
           </a:xfrm>
           <a:prstGeom prst="rect">
             <a:avLst/>
@@ -18091,21 +18045,45 @@
           <a:lstStyle/>
           <a:p>
             <a:r>
-              <a:rPr lang="en-US" dirty="0"/>
-              <a:t>a</a:t>
-            </a:r>
-            <a:r>
-              <a:rPr lang="en-US" dirty="0" smtClean="0"/>
-              <a:t>dopt_future</a:t>
-            </a:r>
-            <a:endParaRPr lang="ru-RU" dirty="0"/>
+              <a:rPr lang="ru-RU" sz="3200" dirty="0" smtClean="0"/>
+              <a:t>Для этого нужно сделать:</a:t>
+            </a:r>
+          </a:p>
+          <a:p>
+            <a:r>
+              <a:rPr lang="ru-RU" sz="3200" dirty="0" smtClean="0"/>
+              <a:t>1) </a:t>
+            </a:r>
+            <a:r>
+              <a:rPr lang="en-US" sz="3200" dirty="0" smtClean="0"/>
+              <a:t>Future </a:t>
+            </a:r>
+            <a:r>
+              <a:rPr lang="ru-RU" sz="3200" dirty="0" smtClean="0"/>
+              <a:t>типом, совместимым  с корутинами</a:t>
+            </a:r>
+          </a:p>
+          <a:p>
+            <a:r>
+              <a:rPr lang="ru-RU" sz="3200" dirty="0" smtClean="0"/>
+              <a:t>2)</a:t>
+            </a:r>
+            <a:r>
+              <a:rPr lang="en-US" sz="3200" dirty="0" smtClean="0"/>
+              <a:t>Future awaitable</a:t>
+            </a:r>
+            <a:r>
+              <a:rPr lang="ru-RU" sz="3200" dirty="0" smtClean="0"/>
+              <a:t> типом</a:t>
+            </a:r>
+            <a:endParaRPr lang="ru-RU" sz="3200" dirty="0"/>
           </a:p>
         </p:txBody>
       </p:sp>
     </p:spTree>
     <p:extLst>
       <p:ext uri="{BB962C8B-B14F-4D97-AF65-F5344CB8AC3E}">
-        <p14:creationId xmlns:p14="http://schemas.microsoft.com/office/powerpoint/2010/main" val="1837066491"/>
+        <p14:creationId xmlns:p14="http://schemas.microsoft.com/office/powerpoint/2010/main" val="2871960928"/>
       </p:ext>
     </p:extLst>
   </p:cSld>
@@ -18170,7 +18148,7 @@
         </p:nvSpPr>
         <p:spPr>
           <a:xfrm>
-            <a:off x="1307123" y="2066194"/>
+            <a:off x="955430" y="1661748"/>
             <a:ext cx="10445262" cy="3508653"/>
           </a:xfrm>
           <a:prstGeom prst="rect">
@@ -18280,6 +18258,171 @@
       </p:grpSpPr>
       <p:sp>
         <p:nvSpPr>
+          <p:cNvPr id="3" name="Объект 2"/>
+          <p:cNvSpPr>
+            <a:spLocks noGrp="1"/>
+          </p:cNvSpPr>
+          <p:nvPr>
+            <p:ph idx="1"/>
+          </p:nvPr>
+        </p:nvSpPr>
+        <p:spPr>
+          <a:xfrm>
+            <a:off x="606669" y="677008"/>
+            <a:ext cx="11175023" cy="1037492"/>
+          </a:xfrm>
+        </p:spPr>
+        <p:txBody>
+          <a:bodyPr>
+            <a:normAutofit/>
+          </a:bodyPr>
+          <a:lstStyle/>
+          <a:p>
+            <a:r>
+              <a:rPr lang="ru-RU" sz="3200" dirty="0" smtClean="0"/>
+              <a:t>Для подобных вещей стандарт предоставляет механизм : </a:t>
+            </a:r>
+            <a:r>
+              <a:rPr lang="en-US" sz="3200" dirty="0" smtClean="0"/>
+              <a:t>std::coroutine_traits</a:t>
+            </a:r>
+            <a:endParaRPr lang="ru-RU" sz="3200" dirty="0"/>
+          </a:p>
+        </p:txBody>
+      </p:sp>
+      <p:pic>
+        <p:nvPicPr>
+          <p:cNvPr id="4" name="Рисунок 3"/>
+          <p:cNvPicPr>
+            <a:picLocks noChangeAspect="1"/>
+          </p:cNvPicPr>
+          <p:nvPr/>
+        </p:nvPicPr>
+        <p:blipFill>
+          <a:blip r:embed="rId2">
+            <a:extLst>
+              <a:ext uri="{28A0092B-C50C-407E-A947-70E740481C1C}">
+                <a14:useLocalDpi xmlns:a14="http://schemas.microsoft.com/office/drawing/2010/main" val="0"/>
+              </a:ext>
+            </a:extLst>
+          </a:blip>
+          <a:stretch>
+            <a:fillRect/>
+          </a:stretch>
+        </p:blipFill>
+        <p:spPr>
+          <a:xfrm>
+            <a:off x="1571458" y="1806223"/>
+            <a:ext cx="9066667" cy="2190476"/>
+          </a:xfrm>
+          <a:prstGeom prst="rect">
+            <a:avLst/>
+          </a:prstGeom>
+        </p:spPr>
+      </p:pic>
+      <p:pic>
+        <p:nvPicPr>
+          <p:cNvPr id="5" name="Рисунок 4"/>
+          <p:cNvPicPr>
+            <a:picLocks noChangeAspect="1"/>
+          </p:cNvPicPr>
+          <p:nvPr/>
+        </p:nvPicPr>
+        <p:blipFill>
+          <a:blip r:embed="rId3">
+            <a:extLst>
+              <a:ext uri="{28A0092B-C50C-407E-A947-70E740481C1C}">
+                <a14:useLocalDpi xmlns:a14="http://schemas.microsoft.com/office/drawing/2010/main" val="0"/>
+              </a:ext>
+            </a:extLst>
+          </a:blip>
+          <a:stretch>
+            <a:fillRect/>
+          </a:stretch>
+        </p:blipFill>
+        <p:spPr>
+          <a:xfrm>
+            <a:off x="4166454" y="4455503"/>
+            <a:ext cx="3190875" cy="1428750"/>
+          </a:xfrm>
+          <a:prstGeom prst="rect">
+            <a:avLst/>
+          </a:prstGeom>
+        </p:spPr>
+      </p:pic>
+      <p:sp>
+        <p:nvSpPr>
+          <p:cNvPr id="6" name="TextBox 5"/>
+          <p:cNvSpPr txBox="1"/>
+          <p:nvPr/>
+        </p:nvSpPr>
+        <p:spPr>
+          <a:xfrm>
+            <a:off x="10172700" y="6137030"/>
+            <a:ext cx="1446230" cy="369332"/>
+          </a:xfrm>
+          <a:prstGeom prst="rect">
+            <a:avLst/>
+          </a:prstGeom>
+          <a:noFill/>
+        </p:spPr>
+        <p:txBody>
+          <a:bodyPr wrap="none" rtlCol="0">
+            <a:spAutoFit/>
+          </a:bodyPr>
+          <a:lstStyle/>
+          <a:p>
+            <a:r>
+              <a:rPr lang="en-US" dirty="0"/>
+              <a:t>a</a:t>
+            </a:r>
+            <a:r>
+              <a:rPr lang="en-US" dirty="0" smtClean="0"/>
+              <a:t>dopt_future</a:t>
+            </a:r>
+            <a:endParaRPr lang="ru-RU" dirty="0"/>
+          </a:p>
+        </p:txBody>
+      </p:sp>
+    </p:spTree>
+    <p:extLst>
+      <p:ext uri="{BB962C8B-B14F-4D97-AF65-F5344CB8AC3E}">
+        <p14:creationId xmlns:p14="http://schemas.microsoft.com/office/powerpoint/2010/main" val="1837066491"/>
+      </p:ext>
+    </p:extLst>
+  </p:cSld>
+  <p:clrMapOvr>
+    <a:masterClrMapping/>
+  </p:clrMapOvr>
+  <p:timing>
+    <p:tnLst>
+      <p:par>
+        <p:cTn id="1" dur="indefinite" restart="never" nodeType="tmRoot"/>
+      </p:par>
+    </p:tnLst>
+  </p:timing>
+</p:sld>
+</file>
+
+<file path=ppt/slides/slide31.xml><?xml version="1.0" encoding="utf-8"?>
+<p:sld xmlns:a="http://schemas.openxmlformats.org/drawingml/2006/main" xmlns:r="http://schemas.openxmlformats.org/officeDocument/2006/relationships" xmlns:p="http://schemas.openxmlformats.org/presentationml/2006/main">
+  <p:cSld>
+    <p:spTree>
+      <p:nvGrpSpPr>
+        <p:cNvPr id="1" name=""/>
+        <p:cNvGrpSpPr/>
+        <p:nvPr/>
+      </p:nvGrpSpPr>
+      <p:grpSpPr>
+        <a:xfrm>
+          <a:off x="0" y="0"/>
+          <a:ext cx="0" cy="0"/>
+          <a:chOff x="0" y="0"/>
+          <a:chExt cx="0" cy="0"/>
+        </a:xfrm>
+      </p:grpSpPr>
+      <p:sp>
+        <p:nvSpPr>
           <p:cNvPr id="2" name="Заголовок 1"/>
           <p:cNvSpPr>
             <a:spLocks noGrp="1"/>
@@ -18582,176 +18725,6 @@
 </p:sld>
 </file>
 
-<file path=ppt/slides/slide31.xml><?xml version="1.0" encoding="utf-8"?>
-<p:sld xmlns:a="http://schemas.openxmlformats.org/drawingml/2006/main" xmlns:r="http://schemas.openxmlformats.org/officeDocument/2006/relationships" xmlns:p="http://schemas.openxmlformats.org/presentationml/2006/main">
-  <p:cSld>
-    <p:spTree>
-      <p:nvGrpSpPr>
-        <p:cNvPr id="1" name=""/>
-        <p:cNvGrpSpPr/>
-        <p:nvPr/>
-      </p:nvGrpSpPr>
-      <p:grpSpPr>
-        <a:xfrm>
-          <a:off x="0" y="0"/>
-          <a:ext cx="0" cy="0"/>
-          <a:chOff x="0" y="0"/>
-          <a:chExt cx="0" cy="0"/>
-        </a:xfrm>
-      </p:grpSpPr>
-      <p:sp>
-        <p:nvSpPr>
-          <p:cNvPr id="2" name="Заголовок 1"/>
-          <p:cNvSpPr>
-            <a:spLocks noGrp="1"/>
-          </p:cNvSpPr>
-          <p:nvPr>
-            <p:ph type="title"/>
-          </p:nvPr>
-        </p:nvSpPr>
-        <p:spPr/>
-        <p:txBody>
-          <a:bodyPr/>
-          <a:lstStyle/>
-          <a:p>
-            <a:r>
-              <a:rPr lang="ru-RU" dirty="0" smtClean="0"/>
-              <a:t>		Время квиза и решение 				 поставленной задачи!</a:t>
-            </a:r>
-            <a:endParaRPr lang="ru-RU" dirty="0"/>
-          </a:p>
-        </p:txBody>
-      </p:sp>
-      <p:pic>
-        <p:nvPicPr>
-          <p:cNvPr id="4" name="Объект 3"/>
-          <p:cNvPicPr>
-            <a:picLocks noGrp="1" noChangeAspect="1"/>
-          </p:cNvPicPr>
-          <p:nvPr>
-            <p:ph idx="1"/>
-          </p:nvPr>
-        </p:nvPicPr>
-        <p:blipFill>
-          <a:blip r:embed="rId2">
-            <a:extLst>
-              <a:ext uri="{28A0092B-C50C-407E-A947-70E740481C1C}">
-                <a14:useLocalDpi xmlns:a14="http://schemas.microsoft.com/office/drawing/2010/main" val="0"/>
-              </a:ext>
-            </a:extLst>
-          </a:blip>
-          <a:stretch>
-            <a:fillRect/>
-          </a:stretch>
-        </p:blipFill>
-        <p:spPr>
-          <a:xfrm>
-            <a:off x="3806886" y="2702902"/>
-            <a:ext cx="3190875" cy="1428750"/>
-          </a:xfrm>
-        </p:spPr>
-      </p:pic>
-      <p:sp>
-        <p:nvSpPr>
-          <p:cNvPr id="5" name="TextBox 4"/>
-          <p:cNvSpPr txBox="1"/>
-          <p:nvPr/>
-        </p:nvSpPr>
-        <p:spPr>
-          <a:xfrm>
-            <a:off x="3806886" y="5600699"/>
-            <a:ext cx="3382977" cy="523220"/>
-          </a:xfrm>
-          <a:prstGeom prst="rect">
-            <a:avLst/>
-          </a:prstGeom>
-          <a:noFill/>
-        </p:spPr>
-        <p:txBody>
-          <a:bodyPr wrap="none" rtlCol="0">
-            <a:spAutoFit/>
-          </a:bodyPr>
-          <a:lstStyle/>
-          <a:p>
-            <a:r>
-              <a:rPr lang="ru-RU" sz="2800" dirty="0" smtClean="0">
-                <a:solidFill>
-                  <a:srgbClr val="00B050"/>
-                </a:solidFill>
-              </a:rPr>
-              <a:t>Будет сложновато </a:t>
-            </a:r>
-            <a:r>
-              <a:rPr lang="ru-RU" sz="2800" dirty="0" smtClean="0">
-                <a:solidFill>
-                  <a:srgbClr val="00B050"/>
-                </a:solidFill>
-                <a:sym typeface="Wingdings" panose="05000000000000000000" pitchFamily="2" charset="2"/>
-              </a:rPr>
-              <a:t></a:t>
-            </a:r>
-            <a:endParaRPr lang="ru-RU" sz="2800" dirty="0">
-              <a:solidFill>
-                <a:srgbClr val="00B050"/>
-              </a:solidFill>
-            </a:endParaRPr>
-          </a:p>
-        </p:txBody>
-      </p:sp>
-      <p:sp>
-        <p:nvSpPr>
-          <p:cNvPr id="3" name="TextBox 2"/>
-          <p:cNvSpPr txBox="1"/>
-          <p:nvPr/>
-        </p:nvSpPr>
-        <p:spPr>
-          <a:xfrm>
-            <a:off x="9891346" y="6123919"/>
-            <a:ext cx="1662635" cy="369332"/>
-          </a:xfrm>
-          <a:prstGeom prst="rect">
-            <a:avLst/>
-          </a:prstGeom>
-          <a:noFill/>
-        </p:spPr>
-        <p:txBody>
-          <a:bodyPr wrap="none" rtlCol="0">
-            <a:spAutoFit/>
-          </a:bodyPr>
-          <a:lstStyle/>
-          <a:p>
-            <a:r>
-              <a:rPr lang="en-US" dirty="0"/>
-              <a:t>c</a:t>
-            </a:r>
-            <a:r>
-              <a:rPr lang="en-US" dirty="0" smtClean="0"/>
-              <a:t>ombine_comp</a:t>
-            </a:r>
-            <a:endParaRPr lang="ru-RU" dirty="0"/>
-          </a:p>
-        </p:txBody>
-      </p:sp>
-    </p:spTree>
-    <p:extLst>
-      <p:ext uri="{BB962C8B-B14F-4D97-AF65-F5344CB8AC3E}">
-        <p14:creationId xmlns:p14="http://schemas.microsoft.com/office/powerpoint/2010/main" val="1972346438"/>
-      </p:ext>
-    </p:extLst>
-  </p:cSld>
-  <p:clrMapOvr>
-    <a:masterClrMapping/>
-  </p:clrMapOvr>
-  <p:timing>
-    <p:tnLst>
-      <p:par>
-        <p:cTn id="1" dur="indefinite" restart="never" nodeType="tmRoot"/>
-      </p:par>
-    </p:tnLst>
-  </p:timing>
-</p:sld>
-</file>
-
 <file path=ppt/slides/slide32.xml><?xml version="1.0" encoding="utf-8"?>
 <p:sld xmlns:a="http://schemas.openxmlformats.org/drawingml/2006/main" xmlns:r="http://schemas.openxmlformats.org/officeDocument/2006/relationships" xmlns:p="http://schemas.openxmlformats.org/presentationml/2006/main">
   <p:cSld>
@@ -18779,102 +18752,22 @@
             <p:ph type="title"/>
           </p:nvPr>
         </p:nvSpPr>
-        <p:spPr>
-          <a:xfrm>
-            <a:off x="1140351" y="301869"/>
-            <a:ext cx="9875520" cy="1356360"/>
-          </a:xfrm>
-        </p:spPr>
-        <p:txBody>
-          <a:bodyPr>
-            <a:normAutofit/>
-          </a:bodyPr>
-          <a:lstStyle/>
-          <a:p>
-            <a:r>
-              <a:rPr lang="ru-RU" sz="3600" dirty="0" smtClean="0"/>
-              <a:t>	Стоит подметить одну очень интересную 					      деталь!</a:t>
-            </a:r>
-            <a:endParaRPr lang="ru-RU" sz="3600" dirty="0"/>
-          </a:p>
-        </p:txBody>
-      </p:sp>
-      <p:sp>
-        <p:nvSpPr>
-          <p:cNvPr id="5" name="TextBox 4"/>
-          <p:cNvSpPr txBox="1"/>
-          <p:nvPr/>
-        </p:nvSpPr>
-        <p:spPr>
-          <a:xfrm>
-            <a:off x="1589945" y="3652670"/>
-            <a:ext cx="9230732" cy="1569660"/>
-          </a:xfrm>
-          <a:prstGeom prst="rect">
-            <a:avLst/>
-          </a:prstGeom>
-          <a:noFill/>
-        </p:spPr>
-        <p:txBody>
-          <a:bodyPr wrap="none" rtlCol="0">
-            <a:spAutoFit/>
-          </a:bodyPr>
-          <a:lstStyle/>
-          <a:p>
-            <a:r>
-              <a:rPr lang="ru-RU" sz="2400" dirty="0" smtClean="0"/>
-              <a:t>Весь код, который идет после 1го </a:t>
-            </a:r>
-            <a:r>
-              <a:rPr lang="en-US" sz="2400" dirty="0" smtClean="0"/>
-              <a:t>co_await </a:t>
-            </a:r>
-            <a:r>
-              <a:rPr lang="ru-RU" sz="2400" dirty="0" smtClean="0"/>
-              <a:t>является </a:t>
-            </a:r>
-            <a:r>
-              <a:rPr lang="en-US" sz="2400" dirty="0" smtClean="0"/>
-              <a:t>callback’</a:t>
-            </a:r>
-            <a:r>
-              <a:rPr lang="ru-RU" sz="2400" dirty="0" smtClean="0"/>
-              <a:t>ом, </a:t>
-            </a:r>
-            <a:endParaRPr lang="en-US" sz="2400" dirty="0" smtClean="0"/>
-          </a:p>
-          <a:p>
-            <a:r>
-              <a:rPr lang="ru-RU" sz="2400" dirty="0" smtClean="0"/>
-              <a:t>который начнет исполнение  только тогда, </a:t>
-            </a:r>
-          </a:p>
-          <a:p>
-            <a:r>
-              <a:rPr lang="ru-RU" sz="2400" dirty="0" smtClean="0"/>
-              <a:t>когда будет вычислен </a:t>
-            </a:r>
-            <a:r>
-              <a:rPr lang="en-US" sz="2400" dirty="0" smtClean="0"/>
-              <a:t>result! </a:t>
-            </a:r>
-            <a:r>
-              <a:rPr lang="ru-RU" sz="2400" dirty="0" smtClean="0"/>
-              <a:t>Далее раскроется истинный потенциал</a:t>
-            </a:r>
-          </a:p>
-          <a:p>
-            <a:r>
-              <a:rPr lang="ru-RU" sz="2400" dirty="0" smtClean="0"/>
-              <a:t>данной особенности корутин !</a:t>
-            </a:r>
-            <a:endParaRPr lang="ru-RU" sz="2400" dirty="0"/>
+        <p:spPr/>
+        <p:txBody>
+          <a:bodyPr/>
+          <a:lstStyle/>
+          <a:p>
+            <a:r>
+              <a:rPr lang="ru-RU" dirty="0" smtClean="0"/>
+              <a:t>		Время квиза и решение 				 поставленной задачи!</a:t>
+            </a:r>
+            <a:endParaRPr lang="ru-RU" dirty="0"/>
           </a:p>
         </p:txBody>
       </p:sp>
       <p:pic>
         <p:nvPicPr>
-          <p:cNvPr id="7" name="Объект 6"/>
+          <p:cNvPr id="4" name="Объект 3"/>
           <p:cNvPicPr>
             <a:picLocks noGrp="1" noChangeAspect="1"/>
           </p:cNvPicPr>
@@ -18896,15 +18789,96 @@
         </p:blipFill>
         <p:spPr>
           <a:xfrm>
-            <a:off x="1143208" y="2064414"/>
-            <a:ext cx="9872663" cy="1182071"/>
+            <a:off x="3806886" y="2702902"/>
+            <a:ext cx="3190875" cy="1428750"/>
           </a:xfrm>
         </p:spPr>
       </p:pic>
+      <p:sp>
+        <p:nvSpPr>
+          <p:cNvPr id="5" name="TextBox 4"/>
+          <p:cNvSpPr txBox="1"/>
+          <p:nvPr/>
+        </p:nvSpPr>
+        <p:spPr>
+          <a:xfrm>
+            <a:off x="3806886" y="5600699"/>
+            <a:ext cx="3382977" cy="523220"/>
+          </a:xfrm>
+          <a:prstGeom prst="rect">
+            <a:avLst/>
+          </a:prstGeom>
+          <a:noFill/>
+        </p:spPr>
+        <p:txBody>
+          <a:bodyPr wrap="none" rtlCol="0">
+            <a:spAutoFit/>
+          </a:bodyPr>
+          <a:lstStyle/>
+          <a:p>
+            <a:r>
+              <a:rPr lang="ru-RU" sz="2800" dirty="0" smtClean="0">
+                <a:solidFill>
+                  <a:srgbClr val="00B050"/>
+                </a:solidFill>
+              </a:rPr>
+              <a:t>Будет сложновато </a:t>
+            </a:r>
+            <a:r>
+              <a:rPr lang="ru-RU" sz="2800" dirty="0" smtClean="0">
+                <a:solidFill>
+                  <a:srgbClr val="00B050"/>
+                </a:solidFill>
+                <a:sym typeface="Wingdings" panose="05000000000000000000" pitchFamily="2" charset="2"/>
+              </a:rPr>
+              <a:t></a:t>
+            </a:r>
+            <a:endParaRPr lang="ru-RU" sz="2800" dirty="0">
+              <a:solidFill>
+                <a:srgbClr val="00B050"/>
+              </a:solidFill>
+            </a:endParaRPr>
+          </a:p>
+        </p:txBody>
+      </p:sp>
+      <p:sp>
+        <p:nvSpPr>
+          <p:cNvPr id="3" name="TextBox 2"/>
+          <p:cNvSpPr txBox="1"/>
+          <p:nvPr/>
+        </p:nvSpPr>
+        <p:spPr>
+          <a:xfrm>
+            <a:off x="9891346" y="6123919"/>
+            <a:ext cx="1662635" cy="369332"/>
+          </a:xfrm>
+          <a:prstGeom prst="rect">
+            <a:avLst/>
+          </a:prstGeom>
+          <a:noFill/>
+        </p:spPr>
+        <p:txBody>
+          <a:bodyPr wrap="none" rtlCol="0">
+            <a:spAutoFit/>
+          </a:bodyPr>
+          <a:lstStyle/>
+          <a:p>
+            <a:r>
+              <a:rPr lang="en-US" dirty="0"/>
+              <a:t>c</a:t>
+            </a:r>
+            <a:r>
+              <a:rPr lang="en-US" dirty="0" smtClean="0"/>
+              <a:t>ombine_comp</a:t>
+            </a:r>
+            <a:endParaRPr lang="ru-RU" dirty="0"/>
+          </a:p>
+        </p:txBody>
+      </p:sp>
     </p:spTree>
     <p:extLst>
       <p:ext uri="{BB962C8B-B14F-4D97-AF65-F5344CB8AC3E}">
-        <p14:creationId xmlns:p14="http://schemas.microsoft.com/office/powerpoint/2010/main" val="670540857"/>
+        <p14:creationId xmlns:p14="http://schemas.microsoft.com/office/powerpoint/2010/main" val="1972346438"/>
       </p:ext>
     </p:extLst>
   </p:cSld>
@@ -18950,44 +18924,109 @@
         </p:nvSpPr>
         <p:spPr>
           <a:xfrm>
-            <a:off x="1201897" y="424961"/>
+            <a:off x="1140351" y="301869"/>
             <a:ext cx="9875520" cy="1356360"/>
           </a:xfrm>
         </p:spPr>
         <p:txBody>
-          <a:bodyPr/>
-          <a:lstStyle/>
-          <a:p>
-            <a:r>
-              <a:rPr lang="ru-RU" dirty="0" smtClean="0"/>
-              <a:t>	</a:t>
-            </a:r>
-            <a:r>
-              <a:rPr lang="ru-RU" sz="4800" dirty="0" smtClean="0">
-                <a:solidFill>
-                  <a:srgbClr val="0070C0"/>
-                </a:solidFill>
-              </a:rPr>
-              <a:t>Но стоит быть аккуратнее !</a:t>
-            </a:r>
-            <a:endParaRPr lang="ru-RU" sz="4800" dirty="0">
-              <a:solidFill>
-                <a:srgbClr val="0070C0"/>
-              </a:solidFill>
-            </a:endParaRPr>
+          <a:bodyPr>
+            <a:normAutofit/>
+          </a:bodyPr>
+          <a:lstStyle/>
+          <a:p>
+            <a:r>
+              <a:rPr lang="ru-RU" sz="3600" dirty="0" smtClean="0"/>
+              <a:t>	Стоит подметить одну очень интересную 					      деталь!</a:t>
+            </a:r>
+            <a:endParaRPr lang="ru-RU" sz="3600" dirty="0"/>
+          </a:p>
+        </p:txBody>
+      </p:sp>
+      <p:sp>
+        <p:nvSpPr>
+          <p:cNvPr id="5" name="TextBox 4"/>
+          <p:cNvSpPr txBox="1"/>
+          <p:nvPr/>
+        </p:nvSpPr>
+        <p:spPr>
+          <a:xfrm>
+            <a:off x="1589945" y="3652670"/>
+            <a:ext cx="9230732" cy="1569660"/>
+          </a:xfrm>
+          <a:prstGeom prst="rect">
+            <a:avLst/>
+          </a:prstGeom>
+          <a:noFill/>
+        </p:spPr>
+        <p:txBody>
+          <a:bodyPr wrap="none" rtlCol="0">
+            <a:spAutoFit/>
+          </a:bodyPr>
+          <a:lstStyle/>
+          <a:p>
+            <a:r>
+              <a:rPr lang="ru-RU" sz="2400" dirty="0" smtClean="0"/>
+              <a:t>Весь код, который идет после 1го </a:t>
+            </a:r>
+            <a:r>
+              <a:rPr lang="en-US" sz="2400" dirty="0" smtClean="0"/>
+              <a:t>co_await </a:t>
+            </a:r>
+            <a:r>
+              <a:rPr lang="ru-RU" sz="2400" dirty="0" smtClean="0"/>
+              <a:t>является </a:t>
+            </a:r>
+            <a:r>
+              <a:rPr lang="en-US" sz="2400" dirty="0" smtClean="0"/>
+              <a:t>callback’</a:t>
+            </a:r>
+            <a:r>
+              <a:rPr lang="ru-RU" sz="2400" dirty="0" smtClean="0"/>
+              <a:t>ом, </a:t>
+            </a:r>
+            <a:endParaRPr lang="en-US" sz="2400" dirty="0" smtClean="0"/>
+          </a:p>
+          <a:p>
+            <a:r>
+              <a:rPr lang="ru-RU" sz="2400" dirty="0" smtClean="0"/>
+              <a:t>который начнет исполнение  только тогда, </a:t>
+            </a:r>
+          </a:p>
+          <a:p>
+            <a:r>
+              <a:rPr lang="ru-RU" sz="2400" dirty="0" smtClean="0"/>
+              <a:t>когда будет вычислен </a:t>
+            </a:r>
+            <a:r>
+              <a:rPr lang="en-US" sz="2400" dirty="0" smtClean="0"/>
+              <a:t>result! </a:t>
+            </a:r>
+            <a:r>
+              <a:rPr lang="ru-RU" sz="2400" dirty="0" smtClean="0"/>
+              <a:t>Далее раскроется истинный потенциал</a:t>
+            </a:r>
+          </a:p>
+          <a:p>
+            <a:r>
+              <a:rPr lang="ru-RU" sz="2400" dirty="0" smtClean="0"/>
+              <a:t>данной особенности корутин !</a:t>
+            </a:r>
+            <a:endParaRPr lang="ru-RU" sz="2400" dirty="0"/>
           </a:p>
         </p:txBody>
       </p:sp>
       <p:pic>
         <p:nvPicPr>
-          <p:cNvPr id="4" name="Рисунок 3"/>
+          <p:cNvPr id="7" name="Объект 6"/>
           <p:cNvPicPr>
-            <a:picLocks noChangeAspect="1"/>
+            <a:picLocks noGrp="1" noChangeAspect="1"/>
           </p:cNvPicPr>
-          <p:nvPr/>
+          <p:nvPr>
+            <p:ph idx="1"/>
+          </p:nvPr>
         </p:nvPicPr>
         <p:blipFill>
-          <a:blip r:embed="rId3">
+          <a:blip r:embed="rId2">
             <a:extLst>
               <a:ext uri="{28A0092B-C50C-407E-A947-70E740481C1C}">
                 <a14:useLocalDpi xmlns:a14="http://schemas.microsoft.com/office/drawing/2010/main" val="0"/>
@@ -19000,78 +19039,15 @@
         </p:blipFill>
         <p:spPr>
           <a:xfrm>
-            <a:off x="1704018" y="1781321"/>
-            <a:ext cx="8133333" cy="2542857"/>
-          </a:xfrm>
-          <a:prstGeom prst="rect">
-            <a:avLst/>
-          </a:prstGeom>
+            <a:off x="1143208" y="2064414"/>
+            <a:ext cx="9872663" cy="1182071"/>
+          </a:xfrm>
         </p:spPr>
       </p:pic>
-      <p:sp>
-        <p:nvSpPr>
-          <p:cNvPr id="6" name="TextBox 5"/>
-          <p:cNvSpPr txBox="1"/>
-          <p:nvPr/>
-        </p:nvSpPr>
-        <p:spPr>
-          <a:xfrm>
-            <a:off x="1354015" y="5155910"/>
-            <a:ext cx="9019329" cy="584775"/>
-          </a:xfrm>
-          <a:prstGeom prst="rect">
-            <a:avLst/>
-          </a:prstGeom>
-          <a:noFill/>
-        </p:spPr>
-        <p:txBody>
-          <a:bodyPr wrap="none" rtlCol="0">
-            <a:spAutoFit/>
-          </a:bodyPr>
-          <a:lstStyle/>
-          <a:p>
-            <a:r>
-              <a:rPr lang="ru-RU" sz="3200" dirty="0" smtClean="0"/>
-              <a:t>Вам принесли данный код на ревью. Что скажете?</a:t>
-            </a:r>
-            <a:endParaRPr lang="ru-RU" sz="3200" dirty="0"/>
-          </a:p>
-        </p:txBody>
-      </p:sp>
-      <p:sp>
-        <p:nvSpPr>
-          <p:cNvPr id="7" name="TextBox 6"/>
-          <p:cNvSpPr txBox="1"/>
-          <p:nvPr/>
-        </p:nvSpPr>
-        <p:spPr>
-          <a:xfrm>
-            <a:off x="3853961" y="5820508"/>
-            <a:ext cx="3675185" cy="584775"/>
-          </a:xfrm>
-          <a:prstGeom prst="rect">
-            <a:avLst/>
-          </a:prstGeom>
-          <a:noFill/>
-        </p:spPr>
-        <p:txBody>
-          <a:bodyPr wrap="square" rtlCol="0">
-            <a:spAutoFit/>
-          </a:bodyPr>
-          <a:lstStyle/>
-          <a:p>
-            <a:r>
-              <a:rPr lang="ru-RU" sz="3200" dirty="0" smtClean="0"/>
-              <a:t>Как переписать?</a:t>
-            </a:r>
-            <a:endParaRPr lang="ru-RU" sz="3200" dirty="0"/>
-          </a:p>
-        </p:txBody>
-      </p:sp>
     </p:spTree>
     <p:extLst>
       <p:ext uri="{BB962C8B-B14F-4D97-AF65-F5344CB8AC3E}">
-        <p14:creationId xmlns:p14="http://schemas.microsoft.com/office/powerpoint/2010/main" val="2904296687"/>
+        <p14:creationId xmlns:p14="http://schemas.microsoft.com/office/powerpoint/2010/main" val="670540857"/>
       </p:ext>
     </p:extLst>
   </p:cSld>
@@ -19115,44 +19091,33 @@
             <p:ph type="title"/>
           </p:nvPr>
         </p:nvSpPr>
-        <p:spPr/>
+        <p:spPr>
+          <a:xfrm>
+            <a:off x="1201897" y="424961"/>
+            <a:ext cx="9875520" cy="1356360"/>
+          </a:xfrm>
+        </p:spPr>
         <p:txBody>
           <a:bodyPr/>
           <a:lstStyle/>
           <a:p>
             <a:r>
-              <a:rPr lang="ru-RU" dirty="0" smtClean="0">
+              <a:rPr lang="ru-RU" dirty="0" smtClean="0"/>
+              <a:t>	</a:t>
+            </a:r>
+            <a:r>
+              <a:rPr lang="ru-RU" sz="4800" dirty="0" smtClean="0">
                 <a:solidFill>
                   <a:srgbClr val="0070C0"/>
                 </a:solidFill>
               </a:rPr>
-              <a:t>	</a:t>
-            </a:r>
-            <a:r>
-              <a:rPr lang="en-US" dirty="0" smtClean="0">
-                <a:solidFill>
-                  <a:srgbClr val="0070C0"/>
-                </a:solidFill>
-              </a:rPr>
-              <a:t>  </a:t>
-            </a:r>
-            <a:r>
-              <a:rPr lang="ru-RU" dirty="0" smtClean="0">
-                <a:solidFill>
-                  <a:srgbClr val="0070C0"/>
-                </a:solidFill>
-              </a:rPr>
-              <a:t> Но </a:t>
-            </a:r>
-            <a:r>
-              <a:rPr lang="ru-RU" dirty="0">
-                <a:solidFill>
-                  <a:srgbClr val="0070C0"/>
-                </a:solidFill>
-              </a:rPr>
-              <a:t>стоит быть аккуратнее !</a:t>
-            </a:r>
-            <a:endParaRPr lang="ru-RU" dirty="0"/>
+              <a:t>Но стоит быть аккуратнее !</a:t>
+            </a:r>
+            <a:endParaRPr lang="ru-RU" sz="4800" dirty="0">
+              <a:solidFill>
+                <a:srgbClr val="0070C0"/>
+              </a:solidFill>
+            </a:endParaRPr>
           </a:p>
         </p:txBody>
       </p:sp>
@@ -19165,7 +19130,7 @@
           <p:nvPr/>
         </p:nvPicPr>
         <p:blipFill>
-          <a:blip r:embed="rId2">
+          <a:blip r:embed="rId3">
             <a:extLst>
               <a:ext uri="{28A0092B-C50C-407E-A947-70E740481C1C}">
                 <a14:useLocalDpi xmlns:a14="http://schemas.microsoft.com/office/drawing/2010/main" val="0"/>
@@ -19178,8 +19143,8 @@
         </p:blipFill>
         <p:spPr>
           <a:xfrm>
-            <a:off x="2416841" y="1801518"/>
-            <a:ext cx="6742857" cy="3114286"/>
+            <a:off x="1704018" y="1781321"/>
+            <a:ext cx="8133333" cy="2542857"/>
           </a:xfrm>
           <a:prstGeom prst="rect">
             <a:avLst/>
@@ -19188,14 +19153,14 @@
       </p:pic>
       <p:sp>
         <p:nvSpPr>
-          <p:cNvPr id="5" name="TextBox 4"/>
+          <p:cNvPr id="6" name="TextBox 5"/>
           <p:cNvSpPr txBox="1"/>
           <p:nvPr/>
         </p:nvSpPr>
         <p:spPr>
           <a:xfrm>
-            <a:off x="3745524" y="5609492"/>
-            <a:ext cx="3911648" cy="646331"/>
+            <a:off x="1354015" y="5155910"/>
+            <a:ext cx="9019329" cy="584775"/>
           </a:xfrm>
           <a:prstGeom prst="rect">
             <a:avLst/>
@@ -19209,25 +19174,47 @@
           <a:lstStyle/>
           <a:p>
             <a:r>
-              <a:rPr lang="ru-RU" sz="3600" dirty="0" smtClean="0">
-                <a:solidFill>
-                  <a:srgbClr val="FF0000"/>
-                </a:solidFill>
-              </a:rPr>
-              <a:t>Ускорение вдвое!! </a:t>
-            </a:r>
-            <a:endParaRPr lang="ru-RU" sz="3600" dirty="0">
-              <a:solidFill>
-                <a:srgbClr val="FF0000"/>
-              </a:solidFill>
-            </a:endParaRPr>
+              <a:rPr lang="ru-RU" sz="3200" dirty="0" smtClean="0"/>
+              <a:t>Вам принесли данный код на ревью. Что скажете?</a:t>
+            </a:r>
+            <a:endParaRPr lang="ru-RU" sz="3200" dirty="0"/>
+          </a:p>
+        </p:txBody>
+      </p:sp>
+      <p:sp>
+        <p:nvSpPr>
+          <p:cNvPr id="7" name="TextBox 6"/>
+          <p:cNvSpPr txBox="1"/>
+          <p:nvPr/>
+        </p:nvSpPr>
+        <p:spPr>
+          <a:xfrm>
+            <a:off x="3853961" y="5820508"/>
+            <a:ext cx="3675185" cy="584775"/>
+          </a:xfrm>
+          <a:prstGeom prst="rect">
+            <a:avLst/>
+          </a:prstGeom>
+          <a:noFill/>
+        </p:spPr>
+        <p:txBody>
+          <a:bodyPr wrap="square" rtlCol="0">
+            <a:spAutoFit/>
+          </a:bodyPr>
+          <a:lstStyle/>
+          <a:p>
+            <a:r>
+              <a:rPr lang="ru-RU" sz="3200" dirty="0" smtClean="0"/>
+              <a:t>Как переписать?</a:t>
+            </a:r>
+            <a:endParaRPr lang="ru-RU" sz="3200" dirty="0"/>
           </a:p>
         </p:txBody>
       </p:sp>
     </p:spTree>
     <p:extLst>
       <p:ext uri="{BB962C8B-B14F-4D97-AF65-F5344CB8AC3E}">
-        <p14:creationId xmlns:p14="http://schemas.microsoft.com/office/powerpoint/2010/main" val="3378389143"/>
+        <p14:creationId xmlns:p14="http://schemas.microsoft.com/office/powerpoint/2010/main" val="2904296687"/>
       </p:ext>
     </p:extLst>
   </p:cSld>
@@ -19277,8 +19264,36 @@
           <a:lstStyle/>
           <a:p>
             <a:r>
-              <a:rPr lang="ru-RU" dirty="0" smtClean="0"/>
-              <a:t>		Посмотрим на пример</a:t>
+              <a:rPr lang="ru-RU" dirty="0" smtClean="0">
+                <a:solidFill>
+                  <a:srgbClr val="0070C0"/>
+                </a:solidFill>
+              </a:rPr>
+              <a:t>	</a:t>
+            </a:r>
+            <a:r>
+              <a:rPr lang="en-US" dirty="0" smtClean="0">
+                <a:solidFill>
+                  <a:srgbClr val="0070C0"/>
+                </a:solidFill>
+              </a:rPr>
+              <a:t>  </a:t>
+            </a:r>
+            <a:r>
+              <a:rPr lang="ru-RU" dirty="0" smtClean="0">
+                <a:solidFill>
+                  <a:srgbClr val="0070C0"/>
+                </a:solidFill>
+              </a:rPr>
+              <a:t> Но </a:t>
+            </a:r>
+            <a:r>
+              <a:rPr lang="ru-RU" dirty="0">
+                <a:solidFill>
+                  <a:srgbClr val="0070C0"/>
+                </a:solidFill>
+              </a:rPr>
+              <a:t>стоит быть аккуратнее !</a:t>
             </a:r>
             <a:endParaRPr lang="ru-RU" dirty="0"/>
           </a:p>
@@ -19306,8 +19321,8 @@
         </p:blipFill>
         <p:spPr>
           <a:xfrm>
-            <a:off x="4060947" y="2459648"/>
-            <a:ext cx="3190875" cy="1428750"/>
+            <a:off x="2416841" y="1801518"/>
+            <a:ext cx="6742857" cy="3114286"/>
           </a:xfrm>
           <a:prstGeom prst="rect">
             <a:avLst/>
@@ -19322,8 +19337,8 @@
         </p:nvSpPr>
         <p:spPr>
           <a:xfrm>
-            <a:off x="9988061" y="6101861"/>
-            <a:ext cx="1537600" cy="369332"/>
+            <a:off x="3745524" y="5609492"/>
+            <a:ext cx="3911648" cy="646331"/>
           </a:xfrm>
           <a:prstGeom prst="rect">
             <a:avLst/>
@@ -19337,21 +19352,25 @@
           <a:lstStyle/>
           <a:p>
             <a:r>
-              <a:rPr lang="en-US" dirty="0"/>
-              <a:t>p</a:t>
-            </a:r>
-            <a:r>
-              <a:rPr lang="en-US" dirty="0" smtClean="0"/>
-              <a:t>arallel_async</a:t>
-            </a:r>
-            <a:endParaRPr lang="ru-RU" dirty="0"/>
+              <a:rPr lang="ru-RU" sz="3600" dirty="0" smtClean="0">
+                <a:solidFill>
+                  <a:srgbClr val="FF0000"/>
+                </a:solidFill>
+              </a:rPr>
+              <a:t>Ускорение вдвое!! </a:t>
+            </a:r>
+            <a:endParaRPr lang="ru-RU" sz="3600" dirty="0">
+              <a:solidFill>
+                <a:srgbClr val="FF0000"/>
+              </a:solidFill>
+            </a:endParaRPr>
           </a:p>
         </p:txBody>
       </p:sp>
     </p:spTree>
     <p:extLst>
       <p:ext uri="{BB962C8B-B14F-4D97-AF65-F5344CB8AC3E}">
-        <p14:creationId xmlns:p14="http://schemas.microsoft.com/office/powerpoint/2010/main" val="3971302631"/>
+        <p14:creationId xmlns:p14="http://schemas.microsoft.com/office/powerpoint/2010/main" val="3378389143"/>
       </p:ext>
     </p:extLst>
   </p:cSld>
@@ -19387,41 +19406,30 @@
       </p:grpSpPr>
       <p:sp>
         <p:nvSpPr>
-          <p:cNvPr id="2" name="TextBox 1"/>
-          <p:cNvSpPr txBox="1"/>
-          <p:nvPr/>
-        </p:nvSpPr>
-        <p:spPr>
-          <a:xfrm>
-            <a:off x="2382715" y="800099"/>
-            <a:ext cx="7523213" cy="523220"/>
-          </a:xfrm>
-          <a:prstGeom prst="rect">
-            <a:avLst/>
-          </a:prstGeom>
-          <a:noFill/>
-        </p:spPr>
-        <p:txBody>
-          <a:bodyPr wrap="none" rtlCol="0">
-            <a:spAutoFit/>
-          </a:bodyPr>
-          <a:lstStyle/>
-          <a:p>
-            <a:r>
-              <a:rPr lang="ru-RU" sz="2800" dirty="0" smtClean="0"/>
-              <a:t>Приправим доклад напоследок щепоткой </a:t>
-            </a:r>
-            <a:r>
-              <a:rPr lang="en-US" sz="2800" dirty="0" smtClean="0"/>
-              <a:t>asio !</a:t>
-            </a:r>
-            <a:endParaRPr lang="ru-RU" sz="2800" dirty="0"/>
+          <p:cNvPr id="2" name="Заголовок 1"/>
+          <p:cNvSpPr>
+            <a:spLocks noGrp="1"/>
+          </p:cNvSpPr>
+          <p:nvPr>
+            <p:ph type="title"/>
+          </p:nvPr>
+        </p:nvSpPr>
+        <p:spPr/>
+        <p:txBody>
+          <a:bodyPr/>
+          <a:lstStyle/>
+          <a:p>
+            <a:r>
+              <a:rPr lang="ru-RU" dirty="0" smtClean="0"/>
+              <a:t>		Посмотрим на пример</a:t>
+            </a:r>
+            <a:endParaRPr lang="ru-RU" dirty="0"/>
           </a:p>
         </p:txBody>
       </p:sp>
       <p:pic>
         <p:nvPicPr>
-          <p:cNvPr id="3" name="Рисунок 2"/>
+          <p:cNvPr id="4" name="Рисунок 3"/>
           <p:cNvPicPr>
             <a:picLocks noChangeAspect="1"/>
           </p:cNvPicPr>
@@ -19441,44 +19449,14 @@
         </p:blipFill>
         <p:spPr>
           <a:xfrm>
-            <a:off x="3544033" y="1566861"/>
-            <a:ext cx="4629150" cy="3267075"/>
+            <a:off x="4060947" y="2459648"/>
+            <a:ext cx="3190875" cy="1428750"/>
           </a:xfrm>
           <a:prstGeom prst="rect">
             <a:avLst/>
           </a:prstGeom>
         </p:spPr>
       </p:pic>
-      <p:pic>
-        <p:nvPicPr>
-          <p:cNvPr id="4" name="Рисунок 3"/>
-          <p:cNvPicPr>
-            <a:picLocks noChangeAspect="1"/>
-          </p:cNvPicPr>
-          <p:nvPr/>
-        </p:nvPicPr>
-        <p:blipFill>
-          <a:blip r:embed="rId3">
-            <a:extLst>
-              <a:ext uri="{28A0092B-C50C-407E-A947-70E740481C1C}">
-                <a14:useLocalDpi xmlns:a14="http://schemas.microsoft.com/office/drawing/2010/main" val="0"/>
-              </a:ext>
-            </a:extLst>
-          </a:blip>
-          <a:stretch>
-            <a:fillRect/>
-          </a:stretch>
-        </p:blipFill>
-        <p:spPr>
-          <a:xfrm>
-            <a:off x="4368678" y="5079756"/>
-            <a:ext cx="3190875" cy="1428750"/>
-          </a:xfrm>
-          <a:prstGeom prst="rect">
-            <a:avLst/>
-          </a:prstGeom>
-        </p:spPr>
-      </p:pic>
       <p:sp>
         <p:nvSpPr>
           <p:cNvPr id="5" name="TextBox 4"/>
@@ -19487,8 +19465,8 @@
         </p:nvSpPr>
         <p:spPr>
           <a:xfrm>
-            <a:off x="10243038" y="6156758"/>
-            <a:ext cx="2110154" cy="369332"/>
+            <a:off x="9988061" y="6101861"/>
+            <a:ext cx="1537600" cy="369332"/>
           </a:xfrm>
           <a:prstGeom prst="rect">
             <a:avLst/>
@@ -19496,18 +19474,18 @@
           <a:noFill/>
         </p:spPr>
         <p:txBody>
-          <a:bodyPr wrap="square" rtlCol="0">
+          <a:bodyPr wrap="none" rtlCol="0">
             <a:spAutoFit/>
           </a:bodyPr>
           <a:lstStyle/>
           <a:p>
             <a:r>
               <a:rPr lang="en-US" dirty="0"/>
-              <a:t>s</a:t>
+              <a:t>p</a:t>
             </a:r>
             <a:r>
               <a:rPr lang="en-US" dirty="0" smtClean="0"/>
-              <a:t>imple_tcp</a:t>
+              <a:t>arallel_async</a:t>
             </a:r>
             <a:endParaRPr lang="ru-RU" dirty="0"/>
           </a:p>
@@ -19516,7 +19494,7 @@
     </p:spTree>
     <p:extLst>
       <p:ext uri="{BB962C8B-B14F-4D97-AF65-F5344CB8AC3E}">
-        <p14:creationId xmlns:p14="http://schemas.microsoft.com/office/powerpoint/2010/main" val="3204555652"/>
+        <p14:creationId xmlns:p14="http://schemas.microsoft.com/office/powerpoint/2010/main" val="3971302631"/>
       </p:ext>
     </p:extLst>
   </p:cSld>
@@ -19552,14 +19530,14 @@
       </p:grpSpPr>
       <p:sp>
         <p:nvSpPr>
-          <p:cNvPr id="4" name="TextBox 3"/>
+          <p:cNvPr id="2" name="TextBox 1"/>
           <p:cNvSpPr txBox="1"/>
           <p:nvPr/>
         </p:nvSpPr>
         <p:spPr>
           <a:xfrm>
-            <a:off x="198589" y="404448"/>
-            <a:ext cx="11993411" cy="830997"/>
+            <a:off x="2382715" y="800099"/>
+            <a:ext cx="7523213" cy="523220"/>
           </a:xfrm>
           <a:prstGeom prst="rect">
             <a:avLst/>
@@ -19573,40 +19551,20 @@
           <a:lstStyle/>
           <a:p>
             <a:r>
-              <a:rPr lang="ru-RU" sz="2400" b="1" dirty="0" smtClean="0"/>
-              <a:t>Благодаря корутинам код становится понятным(но не в случае </a:t>
-            </a:r>
-            <a:r>
-              <a:rPr lang="en-US" sz="2400" b="1" dirty="0" smtClean="0"/>
-              <a:t>asio </a:t>
-            </a:r>
-            <a:r>
-              <a:rPr lang="en-US" sz="2400" b="1" dirty="0" smtClean="0">
-                <a:sym typeface="Wingdings" panose="05000000000000000000" pitchFamily="2" charset="2"/>
-              </a:rPr>
-              <a:t>) </a:t>
-            </a:r>
-            <a:r>
-              <a:rPr lang="ru-RU" sz="2400" b="1" dirty="0" smtClean="0">
-                <a:sym typeface="Wingdings" panose="05000000000000000000" pitchFamily="2" charset="2"/>
-              </a:rPr>
-              <a:t> и лаконичным.</a:t>
-            </a:r>
-          </a:p>
-          <a:p>
-            <a:r>
-              <a:rPr lang="ru-RU" sz="2400" b="1" dirty="0" smtClean="0">
-                <a:sym typeface="Wingdings" panose="05000000000000000000" pitchFamily="2" charset="2"/>
-              </a:rPr>
-              <a:t>Логика собирается в одном месте и это легко масштабировать!</a:t>
-            </a:r>
-            <a:endParaRPr lang="ru-RU" sz="2400" b="1" dirty="0"/>
+              <a:rPr lang="ru-RU" sz="2800" dirty="0" smtClean="0"/>
+              <a:t>Приправим доклад напоследок щепоткой </a:t>
+            </a:r>
+            <a:r>
+              <a:rPr lang="en-US" sz="2800" dirty="0" smtClean="0"/>
+              <a:t>asio !</a:t>
+            </a:r>
+            <a:endParaRPr lang="ru-RU" sz="2800" dirty="0"/>
           </a:p>
         </p:txBody>
       </p:sp>
       <p:pic>
         <p:nvPicPr>
-          <p:cNvPr id="8" name="Рисунок 7"/>
+          <p:cNvPr id="3" name="Рисунок 2"/>
           <p:cNvPicPr>
             <a:picLocks noChangeAspect="1"/>
           </p:cNvPicPr>
@@ -19626,67 +19584,17 @@
         </p:blipFill>
         <p:spPr>
           <a:xfrm>
-            <a:off x="888023" y="1690045"/>
-            <a:ext cx="10058400" cy="1462065"/>
+            <a:off x="3544033" y="1566861"/>
+            <a:ext cx="4629150" cy="3267075"/>
           </a:xfrm>
           <a:prstGeom prst="rect">
             <a:avLst/>
           </a:prstGeom>
         </p:spPr>
       </p:pic>
-      <p:sp>
-        <p:nvSpPr>
-          <p:cNvPr id="10" name="TextBox 9"/>
-          <p:cNvSpPr txBox="1"/>
-          <p:nvPr/>
-        </p:nvSpPr>
-        <p:spPr>
-          <a:xfrm>
-            <a:off x="571500" y="3606710"/>
-            <a:ext cx="10923888" cy="1569660"/>
-          </a:xfrm>
-          <a:prstGeom prst="rect">
-            <a:avLst/>
-          </a:prstGeom>
-          <a:noFill/>
-        </p:spPr>
-        <p:txBody>
-          <a:bodyPr wrap="none" rtlCol="0">
-            <a:spAutoFit/>
-          </a:bodyPr>
-          <a:lstStyle/>
-          <a:p>
-            <a:r>
-              <a:rPr lang="ru-RU" sz="3200" dirty="0" smtClean="0"/>
-              <a:t>Операция записи является </a:t>
-            </a:r>
-            <a:r>
-              <a:rPr lang="en-US" sz="3200" dirty="0" smtClean="0"/>
-              <a:t>callback’</a:t>
-            </a:r>
-            <a:r>
-              <a:rPr lang="ru-RU" sz="3200" dirty="0" smtClean="0"/>
-              <a:t>ом для операции чтения!</a:t>
-            </a:r>
-          </a:p>
-          <a:p>
-            <a:r>
-              <a:rPr lang="ru-RU" sz="3200" dirty="0" smtClean="0"/>
-              <a:t>Вся логика собрана в одном месте и </a:t>
-            </a:r>
-          </a:p>
-          <a:p>
-            <a:r>
-              <a:rPr lang="ru-RU" sz="3200" dirty="0" smtClean="0"/>
-              <a:t>не размазана по тысячам коллбекам!</a:t>
-            </a:r>
-            <a:endParaRPr lang="ru-RU" sz="3200" dirty="0"/>
-          </a:p>
-        </p:txBody>
-      </p:sp>
       <p:pic>
         <p:nvPicPr>
-          <p:cNvPr id="11" name="Рисунок 10"/>
+          <p:cNvPr id="4" name="Рисунок 3"/>
           <p:cNvPicPr>
             <a:picLocks noChangeAspect="1"/>
           </p:cNvPicPr>
@@ -19706,18 +19614,52 @@
         </p:blipFill>
         <p:spPr>
           <a:xfrm>
-            <a:off x="8978411" y="4142275"/>
-            <a:ext cx="1924050" cy="2371725"/>
+            <a:off x="4368678" y="5079756"/>
+            <a:ext cx="3190875" cy="1428750"/>
           </a:xfrm>
           <a:prstGeom prst="rect">
             <a:avLst/>
           </a:prstGeom>
         </p:spPr>
       </p:pic>
+      <p:sp>
+        <p:nvSpPr>
+          <p:cNvPr id="5" name="TextBox 4"/>
+          <p:cNvSpPr txBox="1"/>
+          <p:nvPr/>
+        </p:nvSpPr>
+        <p:spPr>
+          <a:xfrm>
+            <a:off x="10243038" y="6156758"/>
+            <a:ext cx="2110154" cy="369332"/>
+          </a:xfrm>
+          <a:prstGeom prst="rect">
+            <a:avLst/>
+          </a:prstGeom>
+          <a:noFill/>
+        </p:spPr>
+        <p:txBody>
+          <a:bodyPr wrap="square" rtlCol="0">
+            <a:spAutoFit/>
+          </a:bodyPr>
+          <a:lstStyle/>
+          <a:p>
+            <a:r>
+              <a:rPr lang="en-US" dirty="0"/>
+              <a:t>s</a:t>
+            </a:r>
+            <a:r>
+              <a:rPr lang="en-US" dirty="0" smtClean="0"/>
+              <a:t>imple_tcp</a:t>
+            </a:r>
+            <a:endParaRPr lang="ru-RU" dirty="0"/>
+          </a:p>
+        </p:txBody>
+      </p:sp>
     </p:spTree>
     <p:extLst>
       <p:ext uri="{BB962C8B-B14F-4D97-AF65-F5344CB8AC3E}">
-        <p14:creationId xmlns:p14="http://schemas.microsoft.com/office/powerpoint/2010/main" val="2032212505"/>
+        <p14:creationId xmlns:p14="http://schemas.microsoft.com/office/powerpoint/2010/main" val="3204555652"/>
       </p:ext>
     </p:extLst>
   </p:cSld>
@@ -19753,101 +19695,172 @@
       </p:grpSpPr>
       <p:sp>
         <p:nvSpPr>
-          <p:cNvPr id="2" name="Заголовок 1"/>
-          <p:cNvSpPr>
-            <a:spLocks noGrp="1"/>
-          </p:cNvSpPr>
-          <p:nvPr>
-            <p:ph type="title"/>
-          </p:nvPr>
-        </p:nvSpPr>
-        <p:spPr/>
-        <p:txBody>
-          <a:bodyPr/>
-          <a:lstStyle/>
-          <a:p>
-            <a:r>
-              <a:rPr lang="ru-RU" dirty="0" smtClean="0"/>
-              <a:t>В качестве примера рассмотрим реализацию </a:t>
-            </a:r>
-            <a:r>
-              <a:rPr lang="en-US" dirty="0" smtClean="0"/>
-              <a:t>proxy</a:t>
-            </a:r>
-            <a:r>
-              <a:rPr lang="ru-RU" dirty="0" smtClean="0"/>
-              <a:t> сервера.</a:t>
-            </a:r>
-            <a:endParaRPr lang="ru-RU" dirty="0"/>
-          </a:p>
-        </p:txBody>
-      </p:sp>
-      <p:sp>
-        <p:nvSpPr>
-          <p:cNvPr id="3" name="Объект 2"/>
-          <p:cNvSpPr>
-            <a:spLocks noGrp="1"/>
-          </p:cNvSpPr>
-          <p:nvPr>
-            <p:ph idx="1"/>
-          </p:nvPr>
-        </p:nvSpPr>
-        <p:spPr/>
-        <p:txBody>
-          <a:bodyPr>
-            <a:normAutofit/>
+          <p:cNvPr id="4" name="TextBox 3"/>
+          <p:cNvSpPr txBox="1"/>
+          <p:nvPr/>
+        </p:nvSpPr>
+        <p:spPr>
+          <a:xfrm>
+            <a:off x="198589" y="404448"/>
+            <a:ext cx="11993411" cy="830997"/>
+          </a:xfrm>
+          <a:prstGeom prst="rect">
+            <a:avLst/>
+          </a:prstGeom>
+          <a:noFill/>
+        </p:spPr>
+        <p:txBody>
+          <a:bodyPr wrap="none" rtlCol="0">
+            <a:spAutoFit/>
           </a:bodyPr>
           <a:lstStyle/>
           <a:p>
-            <a:pPr marL="45720" indent="0">
-              <a:buNone/>
-            </a:pPr>
-            <a:r>
-              <a:rPr lang="ru-RU" sz="2800" dirty="0" smtClean="0"/>
-              <a:t> </a:t>
-            </a:r>
-          </a:p>
-          <a:p>
-            <a:pPr marL="45720" indent="0">
-              <a:buNone/>
-            </a:pPr>
-            <a:r>
-              <a:rPr lang="en-US" sz="2800" dirty="0" smtClean="0"/>
-              <a:t>Proxy </a:t>
-            </a:r>
-            <a:r>
-              <a:rPr lang="ru-RU" sz="2800" dirty="0" smtClean="0"/>
-              <a:t>сервер - </a:t>
-            </a:r>
-            <a:r>
-              <a:rPr lang="ru-RU" sz="2400" dirty="0" smtClean="0"/>
-              <a:t>промежуточный </a:t>
-            </a:r>
-            <a:r>
-              <a:rPr lang="ru-RU" sz="2400" dirty="0"/>
-              <a:t>сервер в компьютерных сетях, выполняющий роль посредника между пользователем и целевым сервером, позволяющий клиентам как выполнять косвенные запросы к другим сетевым службам, так и получать ответы</a:t>
-            </a:r>
-            <a:r>
-              <a:rPr lang="ru-RU" sz="2400" dirty="0" smtClean="0"/>
-              <a:t>.</a:t>
-            </a:r>
-          </a:p>
-          <a:p>
-            <a:pPr marL="45720" indent="0">
-              <a:buNone/>
-            </a:pPr>
-            <a:r>
-              <a:rPr lang="ru-RU" sz="2400" dirty="0" smtClean="0"/>
-              <a:t>На его примере можно по-настоящему увидеть все достоинства  корутин, позволяющий писать элегантный и производительный код.</a:t>
-            </a:r>
-            <a:endParaRPr lang="ru-RU" sz="2400" dirty="0"/>
-          </a:p>
-        </p:txBody>
-      </p:sp>
+            <a:r>
+              <a:rPr lang="ru-RU" sz="2400" b="1" dirty="0" smtClean="0"/>
+              <a:t>Благодаря корутинам код становится понятным(но не в случае </a:t>
+            </a:r>
+            <a:r>
+              <a:rPr lang="en-US" sz="2400" b="1" dirty="0" smtClean="0"/>
+              <a:t>asio </a:t>
+            </a:r>
+            <a:r>
+              <a:rPr lang="en-US" sz="2400" b="1" dirty="0" smtClean="0">
+                <a:sym typeface="Wingdings" panose="05000000000000000000" pitchFamily="2" charset="2"/>
+              </a:rPr>
+              <a:t>) </a:t>
+            </a:r>
+            <a:r>
+              <a:rPr lang="ru-RU" sz="2400" b="1" dirty="0" smtClean="0">
+                <a:sym typeface="Wingdings" panose="05000000000000000000" pitchFamily="2" charset="2"/>
+              </a:rPr>
+              <a:t> и лаконичным.</a:t>
+            </a:r>
+          </a:p>
+          <a:p>
+            <a:r>
+              <a:rPr lang="ru-RU" sz="2400" b="1" dirty="0" smtClean="0">
+                <a:sym typeface="Wingdings" panose="05000000000000000000" pitchFamily="2" charset="2"/>
+              </a:rPr>
+              <a:t>Логика собирается в одном месте и это легко масштабировать!</a:t>
+            </a:r>
+            <a:endParaRPr lang="ru-RU" sz="2400" b="1" dirty="0"/>
+          </a:p>
+        </p:txBody>
+      </p:sp>
+      <p:pic>
+        <p:nvPicPr>
+          <p:cNvPr id="8" name="Рисунок 7"/>
+          <p:cNvPicPr>
+            <a:picLocks noChangeAspect="1"/>
+          </p:cNvPicPr>
+          <p:nvPr/>
+        </p:nvPicPr>
+        <p:blipFill>
+          <a:blip r:embed="rId2">
+            <a:extLst>
+              <a:ext uri="{28A0092B-C50C-407E-A947-70E740481C1C}">
+                <a14:useLocalDpi xmlns:a14="http://schemas.microsoft.com/office/drawing/2010/main" val="0"/>
+              </a:ext>
+            </a:extLst>
+          </a:blip>
+          <a:stretch>
+            <a:fillRect/>
+          </a:stretch>
+        </p:blipFill>
+        <p:spPr>
+          <a:xfrm>
+            <a:off x="888023" y="1690045"/>
+            <a:ext cx="10058400" cy="1462065"/>
+          </a:xfrm>
+          <a:prstGeom prst="rect">
+            <a:avLst/>
+          </a:prstGeom>
+        </p:spPr>
+      </p:pic>
+      <p:sp>
+        <p:nvSpPr>
+          <p:cNvPr id="10" name="TextBox 9"/>
+          <p:cNvSpPr txBox="1"/>
+          <p:nvPr/>
+        </p:nvSpPr>
+        <p:spPr>
+          <a:xfrm>
+            <a:off x="571500" y="3606710"/>
+            <a:ext cx="10923888" cy="1569660"/>
+          </a:xfrm>
+          <a:prstGeom prst="rect">
+            <a:avLst/>
+          </a:prstGeom>
+          <a:noFill/>
+        </p:spPr>
+        <p:txBody>
+          <a:bodyPr wrap="none" rtlCol="0">
+            <a:spAutoFit/>
+          </a:bodyPr>
+          <a:lstStyle/>
+          <a:p>
+            <a:r>
+              <a:rPr lang="ru-RU" sz="3200" dirty="0" smtClean="0"/>
+              <a:t>Операция записи является </a:t>
+            </a:r>
+            <a:r>
+              <a:rPr lang="en-US" sz="3200" dirty="0" smtClean="0"/>
+              <a:t>callback’</a:t>
+            </a:r>
+            <a:r>
+              <a:rPr lang="ru-RU" sz="3200" dirty="0" smtClean="0"/>
+              <a:t>ом для операции чтения!</a:t>
+            </a:r>
+          </a:p>
+          <a:p>
+            <a:r>
+              <a:rPr lang="ru-RU" sz="3200" dirty="0" smtClean="0"/>
+              <a:t>Вся логика собрана в одном месте и </a:t>
+            </a:r>
+          </a:p>
+          <a:p>
+            <a:r>
+              <a:rPr lang="ru-RU" sz="3200" dirty="0" smtClean="0"/>
+              <a:t>не размазана по тысячам коллбекам!</a:t>
+            </a:r>
+            <a:endParaRPr lang="ru-RU" sz="3200" dirty="0"/>
+          </a:p>
+        </p:txBody>
+      </p:sp>
+      <p:pic>
+        <p:nvPicPr>
+          <p:cNvPr id="11" name="Рисунок 10"/>
+          <p:cNvPicPr>
+            <a:picLocks noChangeAspect="1"/>
+          </p:cNvPicPr>
+          <p:nvPr/>
+        </p:nvPicPr>
+        <p:blipFill>
+          <a:blip r:embed="rId3">
+            <a:extLst>
+              <a:ext uri="{28A0092B-C50C-407E-A947-70E740481C1C}">
+                <a14:useLocalDpi xmlns:a14="http://schemas.microsoft.com/office/drawing/2010/main" val="0"/>
+              </a:ext>
+            </a:extLst>
+          </a:blip>
+          <a:stretch>
+            <a:fillRect/>
+          </a:stretch>
+        </p:blipFill>
+        <p:spPr>
+          <a:xfrm>
+            <a:off x="8978411" y="4142275"/>
+            <a:ext cx="1924050" cy="2371725"/>
+          </a:xfrm>
+          <a:prstGeom prst="rect">
+            <a:avLst/>
+          </a:prstGeom>
+        </p:spPr>
+      </p:pic>
     </p:spTree>
     <p:extLst>
       <p:ext uri="{BB962C8B-B14F-4D97-AF65-F5344CB8AC3E}">
-        <p14:creationId xmlns:p14="http://schemas.microsoft.com/office/powerpoint/2010/main" val="1348075904"/>
+        <p14:creationId xmlns:p14="http://schemas.microsoft.com/office/powerpoint/2010/main" val="2032212505"/>
       </p:ext>
     </p:extLst>
   </p:cSld>
@@ -19883,6 +19896,37 @@
       </p:grpSpPr>
       <p:sp>
         <p:nvSpPr>
+          <p:cNvPr id="2" name="Заголовок 1"/>
+          <p:cNvSpPr>
+            <a:spLocks noGrp="1"/>
+          </p:cNvSpPr>
+          <p:nvPr>
+            <p:ph type="title"/>
+          </p:nvPr>
+        </p:nvSpPr>
+        <p:spPr/>
+        <p:txBody>
+          <a:bodyPr/>
+          <a:lstStyle/>
+          <a:p>
+            <a:r>
+              <a:rPr lang="ru-RU" dirty="0" smtClean="0"/>
+              <a:t>В качестве примера рассмотрим реализацию </a:t>
+            </a:r>
+            <a:r>
+              <a:rPr lang="en-US" dirty="0" smtClean="0"/>
+              <a:t>proxy</a:t>
+            </a:r>
+            <a:r>
+              <a:rPr lang="ru-RU" dirty="0" smtClean="0"/>
+              <a:t> сервера.</a:t>
+            </a:r>
+            <a:endParaRPr lang="ru-RU" dirty="0"/>
+          </a:p>
+        </p:txBody>
+      </p:sp>
+      <p:sp>
+        <p:nvSpPr>
           <p:cNvPr id="3" name="Объект 2"/>
           <p:cNvSpPr>
             <a:spLocks noGrp="1"/>
@@ -19891,95 +19935,62 @@
             <p:ph idx="1"/>
           </p:nvPr>
         </p:nvSpPr>
-        <p:spPr>
-          <a:xfrm>
-            <a:off x="747346" y="756138"/>
-            <a:ext cx="9872871" cy="2303585"/>
-          </a:xfrm>
-        </p:spPr>
-        <p:txBody>
-          <a:bodyPr/>
-          <a:lstStyle/>
-          <a:p>
-            <a:r>
-              <a:rPr lang="ru-RU" dirty="0" smtClean="0"/>
-              <a:t>Для чистоты эксперимента я привел 2 варианта реализации нашего </a:t>
-            </a:r>
-            <a:r>
-              <a:rPr lang="en-US" dirty="0" smtClean="0"/>
-              <a:t>proxy:</a:t>
-            </a:r>
-          </a:p>
-          <a:p>
-            <a:r>
-              <a:rPr lang="en-US" dirty="0" smtClean="0"/>
-              <a:t>1) </a:t>
-            </a:r>
-            <a:r>
-              <a:rPr lang="ru-RU" dirty="0" smtClean="0"/>
-              <a:t>путем вызова </a:t>
-            </a:r>
-            <a:r>
-              <a:rPr lang="en-US" dirty="0" smtClean="0"/>
-              <a:t>callback’</a:t>
-            </a:r>
-            <a:r>
-              <a:rPr lang="ru-RU" dirty="0" err="1" smtClean="0"/>
-              <a:t>ов</a:t>
-            </a:r>
-            <a:r>
-              <a:rPr lang="ru-RU" dirty="0" smtClean="0"/>
-              <a:t> по готовности асинхронной операции (подключение клиента, чтение и запись по сокету).</a:t>
-            </a:r>
-          </a:p>
-          <a:p>
-            <a:r>
-              <a:rPr lang="ru-RU" dirty="0" smtClean="0"/>
-              <a:t>2) путем использования основной фишки сопрограмм – возможность осуществлять прерывание и продолжение исполнения асинхронной логики.</a:t>
-            </a:r>
-          </a:p>
-          <a:p>
-            <a:endParaRPr lang="ru-RU" dirty="0" smtClean="0"/>
-          </a:p>
-          <a:p>
-            <a:endParaRPr lang="ru-RU" dirty="0"/>
-          </a:p>
-        </p:txBody>
-      </p:sp>
-      <p:pic>
-        <p:nvPicPr>
-          <p:cNvPr id="4" name="Рисунок 3"/>
-          <p:cNvPicPr>
-            <a:picLocks noChangeAspect="1"/>
-          </p:cNvPicPr>
-          <p:nvPr/>
-        </p:nvPicPr>
-        <p:blipFill>
-          <a:blip r:embed="rId2">
-            <a:extLst>
-              <a:ext uri="{28A0092B-C50C-407E-A947-70E740481C1C}">
-                <a14:useLocalDpi xmlns:a14="http://schemas.microsoft.com/office/drawing/2010/main" val="0"/>
-              </a:ext>
-            </a:extLst>
-          </a:blip>
-          <a:stretch>
-            <a:fillRect/>
-          </a:stretch>
-        </p:blipFill>
-        <p:spPr>
-          <a:xfrm>
-            <a:off x="1346752" y="2664070"/>
-            <a:ext cx="8674057" cy="3798278"/>
-          </a:xfrm>
-          <a:prstGeom prst="rect">
-            <a:avLst/>
-          </a:prstGeom>
-        </p:spPr>
-      </p:pic>
+        <p:spPr/>
+        <p:txBody>
+          <a:bodyPr>
+            <a:normAutofit/>
+          </a:bodyPr>
+          <a:lstStyle/>
+          <a:p>
+            <a:pPr marL="45720" indent="0">
+              <a:buNone/>
+            </a:pPr>
+            <a:r>
+              <a:rPr lang="ru-RU" sz="2800" dirty="0" smtClean="0"/>
+              <a:t> </a:t>
+            </a:r>
+          </a:p>
+          <a:p>
+            <a:pPr marL="45720" indent="0">
+              <a:buNone/>
+            </a:pPr>
+            <a:r>
+              <a:rPr lang="en-US" sz="2800" dirty="0" smtClean="0"/>
+              <a:t>Proxy </a:t>
+            </a:r>
+            <a:r>
+              <a:rPr lang="ru-RU" sz="2800" dirty="0" smtClean="0"/>
+              <a:t>сервер - </a:t>
+            </a:r>
+            <a:r>
+              <a:rPr lang="ru-RU" sz="2400" dirty="0" smtClean="0"/>
+              <a:t>промежуточный </a:t>
+            </a:r>
+            <a:r>
+              <a:rPr lang="ru-RU" sz="2400" dirty="0"/>
+              <a:t>сервер в компьютерных сетях, выполняющий роль посредника между пользователем и целевым сервером, позволяющий клиентам как выполнять косвенные запросы к другим сетевым службам, так и получать ответы</a:t>
+            </a:r>
+            <a:r>
+              <a:rPr lang="ru-RU" sz="2400" dirty="0" smtClean="0"/>
+              <a:t>.</a:t>
+            </a:r>
+          </a:p>
+          <a:p>
+            <a:pPr marL="45720" indent="0">
+              <a:buNone/>
+            </a:pPr>
+            <a:r>
+              <a:rPr lang="ru-RU" sz="2400" dirty="0" smtClean="0"/>
+              <a:t>На его примере можно по-настоящему увидеть все достоинства  корутин, позволяющий писать элегантный и производительный код.</a:t>
+            </a:r>
+            <a:endParaRPr lang="ru-RU" sz="2400" dirty="0"/>
+          </a:p>
+        </p:txBody>
+      </p:sp>
     </p:spTree>
     <p:extLst>
       <p:ext uri="{BB962C8B-B14F-4D97-AF65-F5344CB8AC3E}">
-        <p14:creationId xmlns:p14="http://schemas.microsoft.com/office/powerpoint/2010/main" val="291032307"/>
+        <p14:creationId xmlns:p14="http://schemas.microsoft.com/office/powerpoint/2010/main" val="1348075904"/>
       </p:ext>
     </p:extLst>
   </p:cSld>
@@ -20029,24 +20040,16 @@
           <a:lstStyle/>
           <a:p>
             <a:r>
-              <a:rPr lang="ru-RU" dirty="0" smtClean="0">
-                <a:solidFill>
-                  <a:schemeClr val="tx1"/>
-                </a:solidFill>
-              </a:rPr>
-              <a:t>Обсудим интерфейс обычной функции!</a:t>
-            </a:r>
-            <a:endParaRPr lang="ru-RU" dirty="0">
-              <a:solidFill>
-                <a:schemeClr val="tx1"/>
-              </a:solidFill>
-            </a:endParaRPr>
-          </a:p>
-        </p:txBody>
-      </p:sp>
-      <p:sp>
-        <p:nvSpPr>
-          <p:cNvPr id="8" name="Объект 7"/>
+              <a:rPr lang="ru-RU" dirty="0" smtClean="0"/>
+              <a:t>Задачи</a:t>
+            </a:r>
+            <a:endParaRPr lang="ru-RU" dirty="0"/>
+          </a:p>
+        </p:txBody>
+      </p:sp>
+      <p:sp>
+        <p:nvSpPr>
+          <p:cNvPr id="3" name="Объект 2"/>
           <p:cNvSpPr>
             <a:spLocks noGrp="1"/>
           </p:cNvSpPr>
@@ -20054,117 +20057,62 @@
             <p:ph idx="1"/>
           </p:nvPr>
         </p:nvSpPr>
-        <p:spPr>
-          <a:xfrm>
-            <a:off x="580620" y="2160588"/>
-            <a:ext cx="4114802" cy="3880773"/>
-          </a:xfrm>
-        </p:spPr>
-        <p:txBody>
-          <a:bodyPr>
-            <a:normAutofit/>
-          </a:bodyPr>
-          <a:lstStyle/>
-          <a:p>
-            <a:r>
-              <a:rPr lang="en-US" sz="3200" dirty="0" smtClean="0"/>
-              <a:t>-</a:t>
-            </a:r>
-            <a:r>
-              <a:rPr lang="ru-RU" sz="3200" dirty="0" smtClean="0"/>
-              <a:t>Вернуть результат</a:t>
-            </a:r>
-          </a:p>
-          <a:p>
-            <a:r>
-              <a:rPr lang="en-US" sz="3200" dirty="0" smtClean="0"/>
-              <a:t>-</a:t>
-            </a:r>
-            <a:r>
-              <a:rPr lang="ru-RU" sz="3200" dirty="0" smtClean="0"/>
-              <a:t>Вызвать</a:t>
-            </a:r>
-            <a:endParaRPr lang="ru-RU" sz="3200" dirty="0"/>
-          </a:p>
-        </p:txBody>
-      </p:sp>
-      <p:sp>
-        <p:nvSpPr>
-          <p:cNvPr id="9" name="TextBox 8"/>
-          <p:cNvSpPr txBox="1"/>
-          <p:nvPr/>
-        </p:nvSpPr>
-        <p:spPr>
-          <a:xfrm>
-            <a:off x="475112" y="4285613"/>
-            <a:ext cx="5785012" cy="1077218"/>
-          </a:xfrm>
-          <a:prstGeom prst="rect">
-            <a:avLst/>
-          </a:prstGeom>
-          <a:noFill/>
-        </p:spPr>
-        <p:txBody>
-          <a:bodyPr wrap="square" rtlCol="0">
-            <a:spAutoFit/>
-          </a:bodyPr>
-          <a:lstStyle/>
-          <a:p>
-            <a:r>
-              <a:rPr lang="ru-RU" sz="3200" dirty="0" smtClean="0"/>
-              <a:t>Но можно ли из этого скрафтить что-либо еще?</a:t>
-            </a:r>
-            <a:endParaRPr lang="ru-RU" sz="3200" dirty="0"/>
-          </a:p>
-        </p:txBody>
-      </p:sp>
-      <p:pic>
-        <p:nvPicPr>
-          <p:cNvPr id="3" name="Рисунок 2"/>
-          <p:cNvPicPr>
-            <a:picLocks noChangeAspect="1"/>
-          </p:cNvPicPr>
-          <p:nvPr/>
-        </p:nvPicPr>
-        <p:blipFill>
-          <a:blip r:embed="rId3">
-            <a:extLst>
-              <a:ext uri="{28A0092B-C50C-407E-A947-70E740481C1C}">
-                <a14:useLocalDpi xmlns:a14="http://schemas.microsoft.com/office/drawing/2010/main" val="0"/>
-              </a:ext>
-            </a:extLst>
-          </a:blip>
-          <a:stretch>
-            <a:fillRect/>
-          </a:stretch>
-        </p:blipFill>
-        <p:spPr>
-          <a:xfrm>
-            <a:off x="6558950" y="2160588"/>
-            <a:ext cx="4085714" cy="2542857"/>
-          </a:xfrm>
-          <a:prstGeom prst="rect">
-            <a:avLst/>
-          </a:prstGeom>
-        </p:spPr>
-      </p:pic>
+        <p:spPr/>
+        <p:txBody>
+          <a:bodyPr/>
+          <a:lstStyle/>
+          <a:p>
+            <a:r>
+              <a:rPr lang="ru-RU" dirty="0" smtClean="0"/>
+              <a:t>1) Изучить отличия подпрограмм от сопрограмм</a:t>
+            </a:r>
+          </a:p>
+          <a:p>
+            <a:r>
+              <a:rPr lang="ru-RU" dirty="0" smtClean="0"/>
+              <a:t>2)Изучить внутреннее устройство сопрограмм</a:t>
+            </a:r>
+          </a:p>
+          <a:p>
+            <a:r>
+              <a:rPr lang="ru-RU" dirty="0" smtClean="0"/>
+              <a:t>3) Изучить спектр практических задач с использованием </a:t>
+            </a:r>
+            <a:r>
+              <a:rPr lang="ru-RU" dirty="0" err="1" smtClean="0"/>
+              <a:t>корутин</a:t>
+            </a:r>
+            <a:endParaRPr lang="ru-RU" dirty="0" smtClean="0"/>
+          </a:p>
+          <a:p>
+            <a:r>
+              <a:rPr lang="ru-RU" dirty="0" smtClean="0"/>
+              <a:t>4) Научиться писать асинхронный код с сопрограммами</a:t>
+            </a:r>
+          </a:p>
+          <a:p>
+            <a:r>
+              <a:rPr lang="ru-RU" dirty="0" smtClean="0"/>
+              <a:t>5) Разобрать примеры программ, максимально приближенных к </a:t>
+            </a:r>
+            <a:r>
+              <a:rPr lang="ru-RU" smtClean="0"/>
+              <a:t>реальным задачам</a:t>
+            </a:r>
+            <a:endParaRPr lang="ru-RU" dirty="0" smtClean="0"/>
+          </a:p>
+        </p:txBody>
+      </p:sp>
     </p:spTree>
     <p:extLst>
       <p:ext uri="{BB962C8B-B14F-4D97-AF65-F5344CB8AC3E}">
-        <p14:creationId xmlns:p14="http://schemas.microsoft.com/office/powerpoint/2010/main" val="1647948516"/>
+        <p14:creationId xmlns:p14="http://schemas.microsoft.com/office/powerpoint/2010/main" val="1848534298"/>
       </p:ext>
     </p:extLst>
   </p:cSld>
   <p:clrMapOvr>
     <a:masterClrMapping/>
   </p:clrMapOvr>
-  <p:timing>
-    <p:tnLst>
-      <p:par>
-        <p:cTn id="1" dur="indefinite" restart="never" nodeType="tmRoot"/>
-      </p:par>
-    </p:tnLst>
-  </p:timing>
 </p:sld>
 </file>
 
@@ -20187,227 +20135,103 @@
       </p:grpSpPr>
       <p:sp>
         <p:nvSpPr>
-          <p:cNvPr id="2" name="Заголовок 1"/>
-          <p:cNvSpPr>
-            <a:spLocks noGrp="1"/>
-          </p:cNvSpPr>
-          <p:nvPr>
-            <p:ph type="title"/>
-          </p:nvPr>
-        </p:nvSpPr>
-        <p:spPr/>
+          <p:cNvPr id="3" name="Объект 2"/>
+          <p:cNvSpPr>
+            <a:spLocks noGrp="1"/>
+          </p:cNvSpPr>
+          <p:nvPr>
+            <p:ph idx="1"/>
+          </p:nvPr>
+        </p:nvSpPr>
+        <p:spPr>
+          <a:xfrm>
+            <a:off x="747346" y="756138"/>
+            <a:ext cx="9872871" cy="2303585"/>
+          </a:xfrm>
+        </p:spPr>
         <p:txBody>
           <a:bodyPr/>
           <a:lstStyle/>
           <a:p>
             <a:r>
               <a:rPr lang="ru-RU" dirty="0" smtClean="0"/>
-              <a:t>				   Итак!</a:t>
-            </a:r>
-            <a:endParaRPr lang="ru-RU" dirty="0"/>
-          </a:p>
-        </p:txBody>
-      </p:sp>
-      <p:sp>
-        <p:nvSpPr>
-          <p:cNvPr id="3" name="Объект 2"/>
-          <p:cNvSpPr>
-            <a:spLocks noGrp="1"/>
-          </p:cNvSpPr>
-          <p:nvPr>
-            <p:ph idx="1"/>
-          </p:nvPr>
-        </p:nvSpPr>
-        <p:spPr>
-          <a:xfrm>
-            <a:off x="518746" y="1811216"/>
-            <a:ext cx="11122269" cy="413238"/>
-          </a:xfrm>
-        </p:spPr>
-        <p:txBody>
-          <a:bodyPr/>
-          <a:lstStyle/>
-          <a:p>
+              <a:t>Для чистоты эксперимента я привел 2 варианта реализации нашего </a:t>
+            </a:r>
+            <a:r>
+              <a:rPr lang="en-US" dirty="0" smtClean="0"/>
+              <a:t>proxy:</a:t>
+            </a:r>
+          </a:p>
+          <a:p>
+            <a:r>
+              <a:rPr lang="en-US" dirty="0" smtClean="0"/>
+              <a:t>1) </a:t>
+            </a:r>
             <a:r>
               <a:rPr lang="ru-RU" dirty="0" smtClean="0"/>
-              <a:t>Дубль 1й! (</a:t>
+              <a:t>путем вызова </a:t>
             </a:r>
             <a:r>
               <a:rPr lang="en-US" dirty="0" smtClean="0"/>
               <a:t>callback’</a:t>
             </a:r>
             <a:r>
+              <a:rPr lang="ru-RU" dirty="0" err="1" smtClean="0"/>
+              <a:t>ов</a:t>
+            </a:r>
+            <a:r>
               <a:rPr lang="ru-RU" dirty="0" smtClean="0"/>
-              <a:t>и)</a:t>
-            </a:r>
-            <a:endParaRPr lang="en-US" dirty="0" smtClean="0"/>
-          </a:p>
-        </p:txBody>
-      </p:sp>
-      <p:sp>
-        <p:nvSpPr>
-          <p:cNvPr id="4" name="TextBox 3"/>
-          <p:cNvSpPr txBox="1"/>
+              <a:t> по готовности асинхронной операции (подключение клиента, чтение и запись по сокету).</a:t>
+            </a:r>
+          </a:p>
+          <a:p>
+            <a:r>
+              <a:rPr lang="ru-RU" dirty="0" smtClean="0"/>
+              <a:t>2) путем использования основной фишки сопрограмм – возможность осуществлять прерывание и продолжение исполнения асинхронной логики.</a:t>
+            </a:r>
+          </a:p>
+          <a:p>
+            <a:endParaRPr lang="ru-RU" dirty="0" smtClean="0"/>
+          </a:p>
+          <a:p>
+            <a:endParaRPr lang="ru-RU" dirty="0"/>
+          </a:p>
+        </p:txBody>
+      </p:sp>
+      <p:pic>
+        <p:nvPicPr>
+          <p:cNvPr id="4" name="Рисунок 3"/>
+          <p:cNvPicPr>
+            <a:picLocks noChangeAspect="1"/>
+          </p:cNvPicPr>
           <p:nvPr/>
-        </p:nvSpPr>
-        <p:spPr>
-          <a:xfrm>
-            <a:off x="10291429" y="6145823"/>
-            <a:ext cx="1454181" cy="369332"/>
+        </p:nvPicPr>
+        <p:blipFill>
+          <a:blip r:embed="rId2">
+            <a:extLst>
+              <a:ext uri="{28A0092B-C50C-407E-A947-70E740481C1C}">
+                <a14:useLocalDpi xmlns:a14="http://schemas.microsoft.com/office/drawing/2010/main" val="0"/>
+              </a:ext>
+            </a:extLst>
+          </a:blip>
+          <a:stretch>
+            <a:fillRect/>
+          </a:stretch>
+        </p:blipFill>
+        <p:spPr>
+          <a:xfrm>
+            <a:off x="1346752" y="2664070"/>
+            <a:ext cx="8674057" cy="3798278"/>
           </a:xfrm>
           <a:prstGeom prst="rect">
             <a:avLst/>
           </a:prstGeom>
-          <a:noFill/>
-        </p:spPr>
-        <p:txBody>
-          <a:bodyPr wrap="none" rtlCol="0">
-            <a:spAutoFit/>
-          </a:bodyPr>
-          <a:lstStyle/>
-          <a:p>
-            <a:r>
-              <a:rPr lang="en-US" dirty="0"/>
-              <a:t>c</a:t>
-            </a:r>
-            <a:r>
-              <a:rPr lang="en-US" dirty="0" smtClean="0"/>
-              <a:t>b_proxy.cpp</a:t>
-            </a:r>
-            <a:endParaRPr lang="ru-RU" dirty="0"/>
-          </a:p>
-        </p:txBody>
-      </p:sp>
-      <p:sp>
-        <p:nvSpPr>
-          <p:cNvPr id="5" name="TextBox 4"/>
-          <p:cNvSpPr txBox="1"/>
-          <p:nvPr/>
-        </p:nvSpPr>
-        <p:spPr>
-          <a:xfrm>
-            <a:off x="518746" y="2611316"/>
-            <a:ext cx="9554219" cy="1200329"/>
-          </a:xfrm>
-          <a:prstGeom prst="rect">
-            <a:avLst/>
-          </a:prstGeom>
-          <a:noFill/>
-        </p:spPr>
-        <p:txBody>
-          <a:bodyPr wrap="none" rtlCol="0">
-            <a:spAutoFit/>
-          </a:bodyPr>
-          <a:lstStyle/>
-          <a:p>
-            <a:r>
-              <a:rPr lang="ru-RU" dirty="0"/>
-              <a:t>Минусы данного подхода</a:t>
-            </a:r>
-          </a:p>
-          <a:p>
-            <a:pPr marL="285750" indent="-285750">
-              <a:buFontTx/>
-              <a:buChar char="-"/>
-            </a:pPr>
-            <a:r>
-              <a:rPr lang="ru-RU" dirty="0" smtClean="0"/>
-              <a:t>Кода довольно много для такой тривиальной задачи</a:t>
-            </a:r>
-          </a:p>
-          <a:p>
-            <a:pPr marL="285750" indent="-285750">
-              <a:buFontTx/>
-              <a:buChar char="-"/>
-            </a:pPr>
-            <a:r>
-              <a:rPr lang="ru-RU" dirty="0" smtClean="0"/>
-              <a:t>Весьма сложно понимать ход логической цепочки асинхронных операций</a:t>
-            </a:r>
-          </a:p>
-          <a:p>
-            <a:pPr marL="285750" indent="-285750">
-              <a:buFontTx/>
-              <a:buChar char="-"/>
-            </a:pPr>
-            <a:r>
-              <a:rPr lang="ru-RU" dirty="0" smtClean="0"/>
-              <a:t>Приходится постоянно «прыгать», чтобы отлавливать ошибки и анализировать программу</a:t>
-            </a:r>
-            <a:endParaRPr lang="ru-RU" dirty="0"/>
-          </a:p>
-        </p:txBody>
-      </p:sp>
-      <p:sp>
-        <p:nvSpPr>
-          <p:cNvPr id="6" name="TextBox 5"/>
-          <p:cNvSpPr txBox="1"/>
-          <p:nvPr/>
-        </p:nvSpPr>
-        <p:spPr>
-          <a:xfrm>
-            <a:off x="518746" y="4040217"/>
-            <a:ext cx="5725991" cy="646331"/>
-          </a:xfrm>
-          <a:prstGeom prst="rect">
-            <a:avLst/>
-          </a:prstGeom>
-          <a:noFill/>
-        </p:spPr>
-        <p:txBody>
-          <a:bodyPr wrap="none" rtlCol="0">
-            <a:spAutoFit/>
-          </a:bodyPr>
-          <a:lstStyle/>
-          <a:p>
-            <a:r>
-              <a:rPr lang="ru-RU" dirty="0" smtClean="0"/>
-              <a:t>Плюсы</a:t>
-            </a:r>
-          </a:p>
-          <a:p>
-            <a:r>
-              <a:rPr lang="ru-RU" dirty="0" smtClean="0"/>
-              <a:t>-Несложно писать, однако хочется чего-то поудобнее…</a:t>
-            </a:r>
-            <a:endParaRPr lang="ru-RU" dirty="0"/>
-          </a:p>
-        </p:txBody>
-      </p:sp>
-      <p:sp>
-        <p:nvSpPr>
-          <p:cNvPr id="7" name="TextBox 6"/>
-          <p:cNvSpPr txBox="1"/>
-          <p:nvPr/>
-        </p:nvSpPr>
-        <p:spPr>
-          <a:xfrm>
-            <a:off x="5143500" y="5512777"/>
-            <a:ext cx="3191608" cy="523220"/>
-          </a:xfrm>
-          <a:prstGeom prst="rect">
-            <a:avLst/>
-          </a:prstGeom>
-          <a:noFill/>
-        </p:spPr>
-        <p:txBody>
-          <a:bodyPr wrap="square" rtlCol="0">
-            <a:spAutoFit/>
-          </a:bodyPr>
-          <a:lstStyle/>
-          <a:p>
-            <a:r>
-              <a:rPr lang="ru-RU" sz="2800" dirty="0" smtClean="0"/>
-              <a:t>Выход есть!!</a:t>
-            </a:r>
-            <a:endParaRPr lang="ru-RU" sz="2800" dirty="0"/>
-          </a:p>
-        </p:txBody>
-      </p:sp>
+        </p:spPr>
+      </p:pic>
     </p:spTree>
     <p:extLst>
       <p:ext uri="{BB962C8B-B14F-4D97-AF65-F5344CB8AC3E}">
-        <p14:creationId xmlns:p14="http://schemas.microsoft.com/office/powerpoint/2010/main" val="1373730199"/>
+        <p14:creationId xmlns:p14="http://schemas.microsoft.com/office/powerpoint/2010/main" val="291032307"/>
       </p:ext>
     </p:extLst>
   </p:cSld>
@@ -20443,6 +20267,29 @@
       </p:grpSpPr>
       <p:sp>
         <p:nvSpPr>
+          <p:cNvPr id="2" name="Заголовок 1"/>
+          <p:cNvSpPr>
+            <a:spLocks noGrp="1"/>
+          </p:cNvSpPr>
+          <p:nvPr>
+            <p:ph type="title"/>
+          </p:nvPr>
+        </p:nvSpPr>
+        <p:spPr/>
+        <p:txBody>
+          <a:bodyPr/>
+          <a:lstStyle/>
+          <a:p>
+            <a:r>
+              <a:rPr lang="ru-RU" dirty="0" smtClean="0"/>
+              <a:t>				   Итак!</a:t>
+            </a:r>
+            <a:endParaRPr lang="ru-RU" dirty="0"/>
+          </a:p>
+        </p:txBody>
+      </p:sp>
+      <p:sp>
+        <p:nvSpPr>
           <p:cNvPr id="3" name="Объект 2"/>
           <p:cNvSpPr>
             <a:spLocks noGrp="1"/>
@@ -20453,8 +20300,8 @@
         </p:nvSpPr>
         <p:spPr>
           <a:xfrm>
-            <a:off x="545123" y="817684"/>
-            <a:ext cx="9872871" cy="1019908"/>
+            <a:off x="518746" y="1811216"/>
+            <a:ext cx="11122269" cy="413238"/>
           </a:xfrm>
         </p:spPr>
         <p:txBody>
@@ -20463,9 +20310,17 @@
           <a:p>
             <a:r>
               <a:rPr lang="ru-RU" dirty="0" smtClean="0"/>
-              <a:t>Дубль 2!(сопрограммы)</a:t>
-            </a:r>
-            <a:endParaRPr lang="ru-RU" dirty="0"/>
+              <a:t>Дубль 1й! (</a:t>
+            </a:r>
+            <a:r>
+              <a:rPr lang="en-US" dirty="0" smtClean="0"/>
+              <a:t>callback’</a:t>
+            </a:r>
+            <a:r>
+              <a:rPr lang="ru-RU" dirty="0" smtClean="0"/>
+              <a:t>и)</a:t>
+            </a:r>
+            <a:endParaRPr lang="en-US" dirty="0" smtClean="0"/>
           </a:p>
         </p:txBody>
       </p:sp>
@@ -20477,8 +20332,8 @@
         </p:nvSpPr>
         <p:spPr>
           <a:xfrm>
-            <a:off x="10181492" y="6005146"/>
-            <a:ext cx="1654556" cy="646331"/>
+            <a:off x="10291429" y="6145823"/>
+            <a:ext cx="1454181" cy="369332"/>
           </a:xfrm>
           <a:prstGeom prst="rect">
             <a:avLst/>
@@ -20492,11 +20347,13 @@
           <a:lstStyle/>
           <a:p>
             <a:r>
+              <a:rPr lang="en-US" dirty="0"/>
+              <a:t>c</a:t>
+            </a:r>
+            <a:r>
               <a:rPr lang="en-US" dirty="0" smtClean="0"/>
-              <a:t>Best_proxy.cpp</a:t>
-            </a:r>
-          </a:p>
-          <a:p>
+              <a:t>b_proxy.cpp</a:t>
+            </a:r>
             <a:endParaRPr lang="ru-RU" dirty="0"/>
           </a:p>
         </p:txBody>
@@ -20509,8 +20366,8 @@
         </p:nvSpPr>
         <p:spPr>
           <a:xfrm>
-            <a:off x="791308" y="2391508"/>
-            <a:ext cx="10598094" cy="2031325"/>
+            <a:off x="518746" y="2611316"/>
+            <a:ext cx="9554219" cy="1200329"/>
           </a:xfrm>
           <a:prstGeom prst="rect">
             <a:avLst/>
@@ -20524,8 +20381,8 @@
           <a:lstStyle/>
           <a:p>
             <a:r>
-              <a:rPr lang="ru-RU" dirty="0" smtClean="0"/>
-              <a:t>Плюсы подхода</a:t>
+              <a:rPr lang="ru-RU" dirty="0"/>
+              <a:t>Минусы данного подхода</a:t>
             </a:r>
           </a:p>
           <a:p>
@@ -20535,7 +20392,7 @@
             </a:pPr>
             <a:r>
               <a:rPr lang="ru-RU" dirty="0" smtClean="0"/>
-              <a:t>Крайне легко писать логику программы</a:t>
+              <a:t>Кода довольно много для такой тривиальной задачи</a:t>
             </a:r>
           </a:p>
           <a:p>
@@ -20545,7 +20402,7 @@
             </a:pPr>
             <a:r>
               <a:rPr lang="ru-RU" dirty="0" smtClean="0"/>
-              <a:t>Код  аккуратен и производителен</a:t>
+              <a:t>Весьма сложно понимать ход логической цепочки асинхронных операций</a:t>
             </a:r>
           </a:p>
           <a:p>
@@ -20555,38 +20412,82 @@
             </a:pPr>
             <a:r>
               <a:rPr lang="ru-RU" dirty="0" smtClean="0"/>
-              <a:t>Логика собрана практически в одном месте</a:t>
-            </a:r>
-          </a:p>
-          <a:p>
-            <a:pPr marL="285750" indent="-285750">
-              <a:buFontTx/>
-              <a:buChar char="-"/>
-            </a:pPr>
+              <a:t>Приходится постоянно «прыгать», чтобы отлавливать ошибки и анализировать программу</a:t>
+            </a:r>
+            <a:endParaRPr lang="ru-RU" dirty="0"/>
+          </a:p>
+        </p:txBody>
+      </p:sp>
+      <p:sp>
+        <p:nvSpPr>
+          <p:cNvPr id="6" name="TextBox 5"/>
+          <p:cNvSpPr txBox="1"/>
+          <p:nvPr/>
+        </p:nvSpPr>
+        <p:spPr>
+          <a:xfrm>
+            <a:off x="518746" y="4040217"/>
+            <a:ext cx="5725991" cy="646331"/>
+          </a:xfrm>
+          <a:prstGeom prst="rect">
+            <a:avLst/>
+          </a:prstGeom>
+          <a:noFill/>
+        </p:spPr>
+        <p:txBody>
+          <a:bodyPr wrap="none" rtlCol="0">
+            <a:spAutoFit/>
+          </a:bodyPr>
+          <a:lstStyle/>
+          <a:p>
             <a:r>
               <a:rPr lang="ru-RU" dirty="0" smtClean="0"/>
-              <a:t>Легко понимать и выстраивать логическую цепь исполнения в голове</a:t>
+              <a:t>Плюсы</a:t>
             </a:r>
           </a:p>
           <a:p>
             <a:r>
               <a:rPr lang="ru-RU" dirty="0" smtClean="0"/>
-              <a:t>Минусы</a:t>
-            </a:r>
-          </a:p>
-          <a:p>
-            <a:r>
-              <a:rPr lang="ru-RU" dirty="0" smtClean="0"/>
-              <a:t>-Для создания шедевров этим подходом, необходимо тщательно разобраться в устройстве сопрограмм</a:t>
+              <a:t>-Несложно писать, однако хочется чего-то поудобнее…</a:t>
             </a:r>
             <a:endParaRPr lang="ru-RU" dirty="0"/>
+          </a:p>
+        </p:txBody>
+      </p:sp>
+      <p:sp>
+        <p:nvSpPr>
+          <p:cNvPr id="7" name="TextBox 6"/>
+          <p:cNvSpPr txBox="1"/>
+          <p:nvPr/>
+        </p:nvSpPr>
+        <p:spPr>
+          <a:xfrm>
+            <a:off x="5143500" y="5512777"/>
+            <a:ext cx="3191608" cy="523220"/>
+          </a:xfrm>
+          <a:prstGeom prst="rect">
+            <a:avLst/>
+          </a:prstGeom>
+          <a:noFill/>
+        </p:spPr>
+        <p:txBody>
+          <a:bodyPr wrap="square" rtlCol="0">
+            <a:spAutoFit/>
+          </a:bodyPr>
+          <a:lstStyle/>
+          <a:p>
+            <a:r>
+              <a:rPr lang="ru-RU" sz="2800" dirty="0" smtClean="0"/>
+              <a:t>Выход есть!!</a:t>
+            </a:r>
+            <a:endParaRPr lang="ru-RU" sz="2800" dirty="0"/>
           </a:p>
         </p:txBody>
       </p:sp>
     </p:spTree>
     <p:extLst>
       <p:ext uri="{BB962C8B-B14F-4D97-AF65-F5344CB8AC3E}">
-        <p14:creationId xmlns:p14="http://schemas.microsoft.com/office/powerpoint/2010/main" val="1802910467"/>
+        <p14:creationId xmlns:p14="http://schemas.microsoft.com/office/powerpoint/2010/main" val="1373730199"/>
       </p:ext>
     </p:extLst>
   </p:cSld>
@@ -20622,6 +20523,185 @@
       </p:grpSpPr>
       <p:sp>
         <p:nvSpPr>
+          <p:cNvPr id="3" name="Объект 2"/>
+          <p:cNvSpPr>
+            <a:spLocks noGrp="1"/>
+          </p:cNvSpPr>
+          <p:nvPr>
+            <p:ph idx="1"/>
+          </p:nvPr>
+        </p:nvSpPr>
+        <p:spPr>
+          <a:xfrm>
+            <a:off x="545123" y="817684"/>
+            <a:ext cx="9872871" cy="1019908"/>
+          </a:xfrm>
+        </p:spPr>
+        <p:txBody>
+          <a:bodyPr/>
+          <a:lstStyle/>
+          <a:p>
+            <a:r>
+              <a:rPr lang="ru-RU" dirty="0" smtClean="0"/>
+              <a:t>Дубль 2!(сопрограммы)</a:t>
+            </a:r>
+            <a:endParaRPr lang="ru-RU" dirty="0"/>
+          </a:p>
+        </p:txBody>
+      </p:sp>
+      <p:sp>
+        <p:nvSpPr>
+          <p:cNvPr id="4" name="TextBox 3"/>
+          <p:cNvSpPr txBox="1"/>
+          <p:nvPr/>
+        </p:nvSpPr>
+        <p:spPr>
+          <a:xfrm>
+            <a:off x="10181492" y="6005146"/>
+            <a:ext cx="1654556" cy="646331"/>
+          </a:xfrm>
+          <a:prstGeom prst="rect">
+            <a:avLst/>
+          </a:prstGeom>
+          <a:noFill/>
+        </p:spPr>
+        <p:txBody>
+          <a:bodyPr wrap="none" rtlCol="0">
+            <a:spAutoFit/>
+          </a:bodyPr>
+          <a:lstStyle/>
+          <a:p>
+            <a:r>
+              <a:rPr lang="en-US" dirty="0" smtClean="0"/>
+              <a:t>Best_proxy.cpp</a:t>
+            </a:r>
+          </a:p>
+          <a:p>
+            <a:endParaRPr lang="ru-RU" dirty="0"/>
+          </a:p>
+        </p:txBody>
+      </p:sp>
+      <p:sp>
+        <p:nvSpPr>
+          <p:cNvPr id="5" name="TextBox 4"/>
+          <p:cNvSpPr txBox="1"/>
+          <p:nvPr/>
+        </p:nvSpPr>
+        <p:spPr>
+          <a:xfrm>
+            <a:off x="791308" y="2391508"/>
+            <a:ext cx="10598094" cy="2031325"/>
+          </a:xfrm>
+          <a:prstGeom prst="rect">
+            <a:avLst/>
+          </a:prstGeom>
+          <a:noFill/>
+        </p:spPr>
+        <p:txBody>
+          <a:bodyPr wrap="none" rtlCol="0">
+            <a:spAutoFit/>
+          </a:bodyPr>
+          <a:lstStyle/>
+          <a:p>
+            <a:r>
+              <a:rPr lang="ru-RU" dirty="0" smtClean="0"/>
+              <a:t>Плюсы подхода</a:t>
+            </a:r>
+          </a:p>
+          <a:p>
+            <a:pPr marL="285750" indent="-285750">
+              <a:buFontTx/>
+              <a:buChar char="-"/>
+            </a:pPr>
+            <a:r>
+              <a:rPr lang="ru-RU" dirty="0" smtClean="0"/>
+              <a:t>Крайне легко писать логику программы</a:t>
+            </a:r>
+          </a:p>
+          <a:p>
+            <a:pPr marL="285750" indent="-285750">
+              <a:buFontTx/>
+              <a:buChar char="-"/>
+            </a:pPr>
+            <a:r>
+              <a:rPr lang="ru-RU" dirty="0" smtClean="0"/>
+              <a:t>Код  аккуратен и производителен</a:t>
+            </a:r>
+          </a:p>
+          <a:p>
+            <a:pPr marL="285750" indent="-285750">
+              <a:buFontTx/>
+              <a:buChar char="-"/>
+            </a:pPr>
+            <a:r>
+              <a:rPr lang="ru-RU" dirty="0" smtClean="0"/>
+              <a:t>Логика собрана практически в одном месте</a:t>
+            </a:r>
+          </a:p>
+          <a:p>
+            <a:pPr marL="285750" indent="-285750">
+              <a:buFontTx/>
+              <a:buChar char="-"/>
+            </a:pPr>
+            <a:r>
+              <a:rPr lang="ru-RU" dirty="0" smtClean="0"/>
+              <a:t>Легко понимать и выстраивать логическую цепь исполнения в голове</a:t>
+            </a:r>
+          </a:p>
+          <a:p>
+            <a:r>
+              <a:rPr lang="ru-RU" dirty="0" smtClean="0"/>
+              <a:t>Минусы</a:t>
+            </a:r>
+          </a:p>
+          <a:p>
+            <a:r>
+              <a:rPr lang="ru-RU" dirty="0" smtClean="0"/>
+              <a:t>-Для создания шедевров этим подходом, необходимо тщательно разобраться в устройстве сопрограмм</a:t>
+            </a:r>
+            <a:endParaRPr lang="ru-RU" dirty="0"/>
+          </a:p>
+        </p:txBody>
+      </p:sp>
+    </p:spTree>
+    <p:extLst>
+      <p:ext uri="{BB962C8B-B14F-4D97-AF65-F5344CB8AC3E}">
+        <p14:creationId xmlns:p14="http://schemas.microsoft.com/office/powerpoint/2010/main" val="1802910467"/>
+      </p:ext>
+    </p:extLst>
+  </p:cSld>
+  <p:clrMapOvr>
+    <a:masterClrMapping/>
+  </p:clrMapOvr>
+  <p:timing>
+    <p:tnLst>
+      <p:par>
+        <p:cTn id="1" dur="indefinite" restart="never" nodeType="tmRoot"/>
+      </p:par>
+    </p:tnLst>
+  </p:timing>
+</p:sld>
+</file>
+
+<file path=ppt/slides/slide43.xml><?xml version="1.0" encoding="utf-8"?>
+<p:sld xmlns:a="http://schemas.openxmlformats.org/drawingml/2006/main" xmlns:r="http://schemas.openxmlformats.org/officeDocument/2006/relationships" xmlns:p="http://schemas.openxmlformats.org/presentationml/2006/main">
+  <p:cSld>
+    <p:spTree>
+      <p:nvGrpSpPr>
+        <p:cNvPr id="1" name=""/>
+        <p:cNvGrpSpPr/>
+        <p:nvPr/>
+      </p:nvGrpSpPr>
+      <p:grpSpPr>
+        <a:xfrm>
+          <a:off x="0" y="0"/>
+          <a:ext cx="0" cy="0"/>
+          <a:chOff x="0" y="0"/>
+          <a:chExt cx="0" cy="0"/>
+        </a:xfrm>
+      </p:grpSpPr>
+      <p:sp>
+        <p:nvSpPr>
           <p:cNvPr id="4" name="TextBox 3"/>
           <p:cNvSpPr txBox="1"/>
           <p:nvPr/>
@@ -20748,7 +20828,7 @@
 </p:sld>
 </file>
 
-<file path=ppt/slides/slide43.xml><?xml version="1.0" encoding="utf-8"?>
+<file path=ppt/slides/slide44.xml><?xml version="1.0" encoding="utf-8"?>
 <p:sld xmlns:a="http://schemas.openxmlformats.org/drawingml/2006/main" xmlns:r="http://schemas.openxmlformats.org/officeDocument/2006/relationships" xmlns:p="http://schemas.openxmlformats.org/presentationml/2006/main">
   <p:cSld>
     <p:spTree>
@@ -20892,7 +20972,7 @@
 </p:sld>
 </file>
 
-<file path=ppt/slides/slide44.xml><?xml version="1.0" encoding="utf-8"?>
+<file path=ppt/slides/slide45.xml><?xml version="1.0" encoding="utf-8"?>
 <p:sld xmlns:a="http://schemas.openxmlformats.org/drawingml/2006/main" xmlns:r="http://schemas.openxmlformats.org/officeDocument/2006/relationships" xmlns:p="http://schemas.openxmlformats.org/presentationml/2006/main">
   <p:cSld>
     <p:spTree>
@@ -21005,7 +21085,7 @@
 </p:sld>
 </file>
 
-<file path=ppt/slides/slide45.xml><?xml version="1.0" encoding="utf-8"?>
+<file path=ppt/slides/slide46.xml><?xml version="1.0" encoding="utf-8"?>
 <p:sld xmlns:a="http://schemas.openxmlformats.org/drawingml/2006/main" xmlns:r="http://schemas.openxmlformats.org/officeDocument/2006/relationships" xmlns:p="http://schemas.openxmlformats.org/presentationml/2006/main">
   <p:cSld>
     <p:spTree>
@@ -21123,7 +21203,7 @@
 </p:sld>
 </file>
 
-<file path=ppt/slides/slide46.xml><?xml version="1.0" encoding="utf-8"?>
+<file path=ppt/slides/slide47.xml><?xml version="1.0" encoding="utf-8"?>
 <p:sld xmlns:a="http://schemas.openxmlformats.org/drawingml/2006/main" xmlns:r="http://schemas.openxmlformats.org/officeDocument/2006/relationships" xmlns:p="http://schemas.openxmlformats.org/presentationml/2006/main">
   <p:cSld>
     <p:spTree>
@@ -21350,39 +21430,30 @@
             <p:ph type="title"/>
           </p:nvPr>
         </p:nvSpPr>
-        <p:spPr>
-          <a:xfrm>
-            <a:off x="1079900" y="214870"/>
-            <a:ext cx="10058400" cy="947356"/>
-          </a:xfrm>
-        </p:spPr>
+        <p:spPr/>
         <p:txBody>
           <a:bodyPr/>
           <a:lstStyle/>
           <a:p>
-            <a:r>
-              <a:rPr lang="en-US" dirty="0" smtClean="0">
-                <a:solidFill>
-                  <a:schemeClr val="tx1"/>
-                </a:solidFill>
-              </a:rPr>
-              <a:t>	</a:t>
-            </a:r>
             <a:r>
               <a:rPr lang="ru-RU" dirty="0" smtClean="0">
                 <a:solidFill>
                   <a:schemeClr val="tx1"/>
                 </a:solidFill>
               </a:rPr>
-              <a:t>Обсудим интерфейс корутины!</a:t>
-            </a:r>
-            <a:endParaRPr lang="ru-RU" dirty="0"/>
-          </a:p>
-        </p:txBody>
-      </p:sp>
-      <p:sp>
-        <p:nvSpPr>
-          <p:cNvPr id="3" name="Объект 2"/>
+              <a:t>Обсудим интерфейс обычной функции!</a:t>
+            </a:r>
+            <a:endParaRPr lang="ru-RU" dirty="0">
+              <a:solidFill>
+                <a:schemeClr val="tx1"/>
+              </a:solidFill>
+            </a:endParaRPr>
+          </a:p>
+        </p:txBody>
+      </p:sp>
+      <p:sp>
+        <p:nvSpPr>
+          <p:cNvPr id="8" name="Объект 7"/>
           <p:cNvSpPr>
             <a:spLocks noGrp="1"/>
           </p:cNvSpPr>
@@ -21392,8 +21463,8 @@
         </p:nvSpPr>
         <p:spPr>
           <a:xfrm>
-            <a:off x="615788" y="2151796"/>
-            <a:ext cx="4413412" cy="3880773"/>
+            <a:off x="580620" y="2160588"/>
+            <a:ext cx="4114802" cy="3880773"/>
           </a:xfrm>
         </p:spPr>
         <p:txBody>
@@ -21403,50 +21474,37 @@
           <a:lstStyle/>
           <a:p>
             <a:r>
+              <a:rPr lang="en-US" sz="3200" dirty="0" smtClean="0"/>
+              <a:t>-</a:t>
+            </a:r>
+            <a:r>
               <a:rPr lang="ru-RU" sz="3200" dirty="0" smtClean="0"/>
-              <a:t>-Вызвать</a:t>
-            </a:r>
-          </a:p>
-          <a:p>
+              <a:t>Вернуть результат</a:t>
+            </a:r>
+          </a:p>
+          <a:p>
+            <a:r>
+              <a:rPr lang="en-US" sz="3200" dirty="0" smtClean="0"/>
+              <a:t>-</a:t>
+            </a:r>
             <a:r>
               <a:rPr lang="ru-RU" sz="3200" dirty="0" smtClean="0"/>
-              <a:t>-Вернуть результат</a:t>
-            </a:r>
-          </a:p>
-          <a:p>
-            <a:r>
-              <a:rPr lang="ru-RU" sz="3200" dirty="0" smtClean="0"/>
-              <a:t>-Приостановить</a:t>
-            </a:r>
-          </a:p>
-          <a:p>
-            <a:r>
-              <a:rPr lang="ru-RU" sz="3200" dirty="0" smtClean="0"/>
-              <a:t>-Возобновить</a:t>
-            </a:r>
-          </a:p>
-          <a:p>
-            <a:pPr marL="0" indent="0">
-              <a:buNone/>
-            </a:pPr>
-            <a:r>
-              <a:rPr lang="ru-RU" dirty="0" smtClean="0"/>
-              <a:t> (похоже ,что обыкновенная функция –        	частный случай корутины!)</a:t>
-            </a:r>
-            <a:endParaRPr lang="ru-RU" dirty="0"/>
-          </a:p>
-        </p:txBody>
-      </p:sp>
-      <p:sp>
-        <p:nvSpPr>
-          <p:cNvPr id="4" name="TextBox 3"/>
+              <a:t>Вызвать</a:t>
+            </a:r>
+            <a:endParaRPr lang="ru-RU" sz="3200" dirty="0"/>
+          </a:p>
+        </p:txBody>
+      </p:sp>
+      <p:sp>
+        <p:nvSpPr>
+          <p:cNvPr id="9" name="TextBox 8"/>
           <p:cNvSpPr txBox="1"/>
           <p:nvPr/>
         </p:nvSpPr>
         <p:spPr>
-          <a:xfrm rot="1350500">
-            <a:off x="8829993" y="3142200"/>
-            <a:ext cx="3393830" cy="1138773"/>
+          <a:xfrm>
+            <a:off x="475112" y="4285613"/>
+            <a:ext cx="5785012" cy="1077218"/>
           </a:xfrm>
           <a:prstGeom prst="rect">
             <a:avLst/>
@@ -21460,62 +21518,8 @@
           <a:lstStyle/>
           <a:p>
             <a:r>
-              <a:rPr lang="en-US" dirty="0"/>
-              <a:t>	</a:t>
-            </a:r>
-            <a:r>
-              <a:rPr lang="en-US" sz="2400" dirty="0" smtClean="0">
-                <a:solidFill>
-                  <a:srgbClr val="00B050"/>
-                </a:solidFill>
-              </a:rPr>
-              <a:t>co_await</a:t>
-            </a:r>
-          </a:p>
-          <a:p>
-            <a:endParaRPr lang="ru-RU" sz="4400" dirty="0"/>
-          </a:p>
-        </p:txBody>
-      </p:sp>
-      <p:sp>
-        <p:nvSpPr>
-          <p:cNvPr id="9" name="TextBox 8"/>
-          <p:cNvSpPr txBox="1"/>
-          <p:nvPr/>
-        </p:nvSpPr>
-        <p:spPr>
-          <a:xfrm>
-            <a:off x="2822494" y="5545362"/>
-            <a:ext cx="7869783" cy="1077218"/>
-          </a:xfrm>
-          <a:prstGeom prst="rect">
-            <a:avLst/>
-          </a:prstGeom>
-          <a:noFill/>
-        </p:spPr>
-        <p:txBody>
-          <a:bodyPr wrap="none" rtlCol="0">
-            <a:spAutoFit/>
-          </a:bodyPr>
-          <a:lstStyle/>
-          <a:p>
-            <a:r>
               <a:rPr lang="ru-RU" sz="3200" dirty="0" smtClean="0"/>
-              <a:t>Но возникает вопрос :</a:t>
-            </a:r>
-            <a:r>
-              <a:rPr lang="en-US" sz="3200" dirty="0" smtClean="0"/>
-              <a:t> </a:t>
-            </a:r>
-            <a:r>
-              <a:rPr lang="ru-RU" sz="3200" dirty="0" smtClean="0"/>
-              <a:t>что такое «корутина»</a:t>
-            </a:r>
-          </a:p>
-          <a:p>
-            <a:r>
-              <a:rPr lang="ru-RU" sz="3200" dirty="0" smtClean="0"/>
-              <a:t> и как ей пользоваться? </a:t>
+              <a:t>Но можно ли из этого скрафтить что-либо еще?</a:t>
             </a:r>
             <a:endParaRPr lang="ru-RU" sz="3200" dirty="0"/>
           </a:p>
@@ -21523,14 +21527,14 @@
       </p:sp>
       <p:pic>
         <p:nvPicPr>
-          <p:cNvPr id="10" name="Рисунок 9"/>
+          <p:cNvPr id="3" name="Рисунок 2"/>
           <p:cNvPicPr>
             <a:picLocks noChangeAspect="1"/>
           </p:cNvPicPr>
           <p:nvPr/>
         </p:nvPicPr>
         <p:blipFill>
-          <a:blip r:embed="rId2">
+          <a:blip r:embed="rId3">
             <a:extLst>
               <a:ext uri="{28A0092B-C50C-407E-A947-70E740481C1C}">
                 <a14:useLocalDpi xmlns:a14="http://schemas.microsoft.com/office/drawing/2010/main" val="0"/>
@@ -21543,102 +21547,18 @@
         </p:blipFill>
         <p:spPr>
           <a:xfrm>
-            <a:off x="5118544" y="1406116"/>
-            <a:ext cx="4629150" cy="3267075"/>
+            <a:off x="6558950" y="2160588"/>
+            <a:ext cx="4085714" cy="2542857"/>
           </a:xfrm>
           <a:prstGeom prst="rect">
             <a:avLst/>
           </a:prstGeom>
         </p:spPr>
       </p:pic>
-      <p:sp>
-        <p:nvSpPr>
-          <p:cNvPr id="11" name="TextBox 10"/>
-          <p:cNvSpPr txBox="1"/>
-          <p:nvPr/>
-        </p:nvSpPr>
-        <p:spPr>
-          <a:xfrm rot="2913174">
-            <a:off x="9983717" y="1848079"/>
-            <a:ext cx="1417119" cy="461665"/>
-          </a:xfrm>
-          <a:prstGeom prst="rect">
-            <a:avLst/>
-          </a:prstGeom>
-          <a:noFill/>
-        </p:spPr>
-        <p:txBody>
-          <a:bodyPr wrap="none" rtlCol="0">
-            <a:spAutoFit/>
-          </a:bodyPr>
-          <a:lstStyle/>
-          <a:p>
-            <a:r>
-              <a:rPr lang="en-US" sz="2400" dirty="0">
-                <a:solidFill>
-                  <a:srgbClr val="00B0F0"/>
-                </a:solidFill>
-              </a:rPr>
-              <a:t>c</a:t>
-            </a:r>
-            <a:r>
-              <a:rPr lang="en-US" sz="2400" dirty="0" smtClean="0">
-                <a:solidFill>
-                  <a:srgbClr val="00B0F0"/>
-                </a:solidFill>
-              </a:rPr>
-              <a:t>o_return</a:t>
-            </a:r>
-            <a:endParaRPr lang="ru-RU" sz="2400" dirty="0">
-              <a:solidFill>
-                <a:srgbClr val="00B0F0"/>
-              </a:solidFill>
-            </a:endParaRPr>
-          </a:p>
-        </p:txBody>
-      </p:sp>
-      <p:sp>
-        <p:nvSpPr>
-          <p:cNvPr id="12" name="TextBox 11"/>
-          <p:cNvSpPr txBox="1"/>
-          <p:nvPr/>
-        </p:nvSpPr>
-        <p:spPr>
-          <a:xfrm rot="20457398">
-            <a:off x="8691961" y="3960235"/>
-            <a:ext cx="1289924" cy="461665"/>
-          </a:xfrm>
-          <a:prstGeom prst="rect">
-            <a:avLst/>
-          </a:prstGeom>
-          <a:noFill/>
-        </p:spPr>
-        <p:txBody>
-          <a:bodyPr wrap="square" rtlCol="0">
-            <a:spAutoFit/>
-          </a:bodyPr>
-          <a:lstStyle/>
-          <a:p>
-            <a:r>
-              <a:rPr lang="en-US" sz="2400" dirty="0" smtClean="0">
-                <a:solidFill>
-                  <a:schemeClr val="accent2"/>
-                </a:solidFill>
-              </a:rPr>
-              <a:t>co_yield</a:t>
-            </a:r>
-            <a:endParaRPr lang="ru-RU" sz="2400" dirty="0">
-              <a:solidFill>
-                <a:schemeClr val="accent2"/>
-              </a:solidFill>
-            </a:endParaRPr>
-          </a:p>
-        </p:txBody>
-      </p:sp>
     </p:spTree>
     <p:extLst>
       <p:ext uri="{BB962C8B-B14F-4D97-AF65-F5344CB8AC3E}">
-        <p14:creationId xmlns:p14="http://schemas.microsoft.com/office/powerpoint/2010/main" val="260636642"/>
+        <p14:creationId xmlns:p14="http://schemas.microsoft.com/office/powerpoint/2010/main" val="1647948516"/>
       </p:ext>
     </p:extLst>
   </p:cSld>
@@ -21684,48 +21604,101 @@
         </p:nvSpPr>
         <p:spPr>
           <a:xfrm>
-            <a:off x="1178170" y="0"/>
-            <a:ext cx="10058400" cy="1450757"/>
+            <a:off x="1079900" y="214870"/>
+            <a:ext cx="10058400" cy="947356"/>
           </a:xfrm>
         </p:spPr>
         <p:txBody>
           <a:bodyPr/>
           <a:lstStyle/>
           <a:p>
+            <a:r>
+              <a:rPr lang="en-US" dirty="0" smtClean="0">
+                <a:solidFill>
+                  <a:schemeClr val="tx1"/>
+                </a:solidFill>
+              </a:rPr>
+              <a:t>	</a:t>
+            </a:r>
             <a:r>
               <a:rPr lang="ru-RU" dirty="0" smtClean="0">
                 <a:solidFill>
                   <a:schemeClr val="tx1"/>
                 </a:solidFill>
               </a:rPr>
-              <a:t>Корутины в с++20 (</a:t>
-            </a:r>
-            <a:r>
-              <a:rPr lang="en-US" dirty="0" smtClean="0">
-                <a:solidFill>
-                  <a:schemeClr val="tx1"/>
-                </a:solidFill>
-              </a:rPr>
-              <a:t>stackless)</a:t>
-            </a:r>
-            <a:endParaRPr lang="ru-RU" dirty="0">
-              <a:solidFill>
-                <a:schemeClr val="tx1"/>
-              </a:solidFill>
-            </a:endParaRPr>
-          </a:p>
-        </p:txBody>
-      </p:sp>
-      <p:sp>
-        <p:nvSpPr>
-          <p:cNvPr id="6" name="TextBox 5"/>
+              <a:t>Обсудим интерфейс корутины!</a:t>
+            </a:r>
+            <a:endParaRPr lang="ru-RU" dirty="0"/>
+          </a:p>
+        </p:txBody>
+      </p:sp>
+      <p:sp>
+        <p:nvSpPr>
+          <p:cNvPr id="3" name="Объект 2"/>
+          <p:cNvSpPr>
+            <a:spLocks noGrp="1"/>
+          </p:cNvSpPr>
+          <p:nvPr>
+            <p:ph idx="1"/>
+          </p:nvPr>
+        </p:nvSpPr>
+        <p:spPr>
+          <a:xfrm>
+            <a:off x="615788" y="2151796"/>
+            <a:ext cx="4413412" cy="3880773"/>
+          </a:xfrm>
+        </p:spPr>
+        <p:txBody>
+          <a:bodyPr>
+            <a:normAutofit/>
+          </a:bodyPr>
+          <a:lstStyle/>
+          <a:p>
+            <a:r>
+              <a:rPr lang="ru-RU" sz="3200" dirty="0" smtClean="0"/>
+              <a:t>-Вызвать</a:t>
+            </a:r>
+          </a:p>
+          <a:p>
+            <a:r>
+              <a:rPr lang="ru-RU" sz="3200" dirty="0" smtClean="0"/>
+              <a:t>-Вернуть результат</a:t>
+            </a:r>
+          </a:p>
+          <a:p>
+            <a:r>
+              <a:rPr lang="ru-RU" sz="3200" dirty="0" smtClean="0"/>
+              <a:t>-Приостановить</a:t>
+            </a:r>
+          </a:p>
+          <a:p>
+            <a:r>
+              <a:rPr lang="ru-RU" sz="3200" dirty="0" smtClean="0"/>
+              <a:t>-Возобновить</a:t>
+            </a:r>
+          </a:p>
+          <a:p>
+            <a:pPr marL="0" indent="0">
+              <a:buNone/>
+            </a:pPr>
+            <a:r>
+              <a:rPr lang="ru-RU" dirty="0" smtClean="0"/>
+              <a:t> (похоже ,что обыкновенная функция –        	частный случай корутины!)</a:t>
+            </a:r>
+            <a:endParaRPr lang="ru-RU" dirty="0"/>
+          </a:p>
+        </p:txBody>
+      </p:sp>
+      <p:sp>
+        <p:nvSpPr>
+          <p:cNvPr id="4" name="TextBox 3"/>
           <p:cNvSpPr txBox="1"/>
           <p:nvPr/>
         </p:nvSpPr>
         <p:spPr>
-          <a:xfrm>
-            <a:off x="334108" y="1406824"/>
-            <a:ext cx="10965631" cy="4093428"/>
+          <a:xfrm rot="1350500">
+            <a:off x="8829993" y="3142200"/>
+            <a:ext cx="3393830" cy="1138773"/>
           </a:xfrm>
           <a:prstGeom prst="rect">
             <a:avLst/>
@@ -21733,231 +21706,39 @@
           <a:noFill/>
         </p:spPr>
         <p:txBody>
-          <a:bodyPr wrap="none" rtlCol="0">
+          <a:bodyPr wrap="square" rtlCol="0">
             <a:spAutoFit/>
           </a:bodyPr>
           <a:lstStyle/>
           <a:p>
             <a:r>
-              <a:rPr lang="ru-RU" sz="2000" dirty="0" smtClean="0"/>
-              <a:t>Корутина(сопрограмма) – функция , которую можно прервать , чтобы возобновить позже.</a:t>
-            </a:r>
-            <a:r>
-              <a:rPr lang="ru-RU" sz="2000" dirty="0"/>
-              <a:t/>
-            </a:r>
-            <a:br>
-              <a:rPr lang="ru-RU" sz="2000" dirty="0"/>
-            </a:br>
-            <a:r>
-              <a:rPr lang="ru-RU" sz="2000" dirty="0" smtClean="0"/>
-              <a:t>Корутины приостанавливают </a:t>
-            </a:r>
-            <a:r>
-              <a:rPr lang="ru-RU" sz="2000" dirty="0"/>
-              <a:t>выполнение, </a:t>
-            </a:r>
-            <a:r>
-              <a:rPr lang="ru-RU" sz="2000" dirty="0" smtClean="0"/>
-              <a:t>возвращая управление вызывающей </a:t>
-            </a:r>
-            <a:r>
-              <a:rPr lang="ru-RU" sz="2000" dirty="0"/>
-              <a:t>стороне, </a:t>
-            </a:r>
-            <a:endParaRPr lang="ru-RU" sz="2000" dirty="0" smtClean="0"/>
-          </a:p>
-          <a:p>
-            <a:r>
-              <a:rPr lang="ru-RU" sz="2000" dirty="0" smtClean="0"/>
-              <a:t>а </a:t>
-            </a:r>
-            <a:r>
-              <a:rPr lang="ru-RU" sz="2000" dirty="0"/>
-              <a:t>данные, необходимые для возобновления выполнения, </a:t>
-            </a:r>
-            <a:endParaRPr lang="ru-RU" sz="2000" dirty="0" smtClean="0"/>
-          </a:p>
-          <a:p>
-            <a:r>
-              <a:rPr lang="ru-RU" sz="2000" dirty="0" smtClean="0"/>
-              <a:t>хранятся </a:t>
-            </a:r>
-            <a:r>
-              <a:rPr lang="ru-RU" sz="2000" dirty="0"/>
-              <a:t>отдельно от </a:t>
-            </a:r>
-            <a:r>
-              <a:rPr lang="ru-RU" sz="2000" dirty="0" smtClean="0"/>
-              <a:t>стека(в </a:t>
-            </a:r>
-            <a:r>
-              <a:rPr lang="en-US" sz="2000" dirty="0" smtClean="0"/>
-              <a:t>coroutine-frame)</a:t>
-            </a:r>
-            <a:r>
-              <a:rPr lang="ru-RU" sz="2000" dirty="0" smtClean="0"/>
-              <a:t>(о нем немного позже).</a:t>
-            </a:r>
-          </a:p>
-          <a:p>
-            <a:endParaRPr lang="ru-RU" sz="2000" dirty="0" smtClean="0"/>
-          </a:p>
-          <a:p>
-            <a:r>
-              <a:rPr lang="ru-RU" sz="2000" dirty="0" smtClean="0"/>
-              <a:t>Чтобы наделить обычную функцию свойствами корутины, необходимо добавить немного магии!</a:t>
-            </a:r>
-          </a:p>
-          <a:p>
-            <a:r>
-              <a:rPr lang="ru-RU" sz="2000" dirty="0" smtClean="0"/>
-              <a:t>А именно 1 из 3-х ключевых слов : </a:t>
-            </a:r>
-            <a:r>
-              <a:rPr lang="en-US" sz="2000" dirty="0" smtClean="0">
+              <a:rPr lang="en-US" dirty="0"/>
+              <a:t>	</a:t>
+            </a:r>
+            <a:r>
+              <a:rPr lang="en-US" sz="2400" dirty="0" smtClean="0">
                 <a:solidFill>
                   <a:srgbClr val="00B050"/>
                 </a:solidFill>
               </a:rPr>
               <a:t>co_await</a:t>
             </a:r>
-            <a:r>
-              <a:rPr lang="en-US" sz="2000" dirty="0" smtClean="0"/>
-              <a:t>,</a:t>
-            </a:r>
-            <a:r>
-              <a:rPr lang="en-US" sz="2000" dirty="0">
-                <a:solidFill>
-                  <a:srgbClr val="00B0F0"/>
-                </a:solidFill>
-              </a:rPr>
-              <a:t> </a:t>
-            </a:r>
-            <a:r>
-              <a:rPr lang="en-US" sz="2000" dirty="0" smtClean="0">
-                <a:solidFill>
-                  <a:srgbClr val="00B0F0"/>
-                </a:solidFill>
-              </a:rPr>
-              <a:t>co_return </a:t>
-            </a:r>
-            <a:r>
-              <a:rPr lang="ru-RU" sz="2000" dirty="0" smtClean="0"/>
-              <a:t>или </a:t>
-            </a:r>
-            <a:r>
-              <a:rPr lang="en-US" sz="2000" dirty="0" smtClean="0">
-                <a:solidFill>
-                  <a:schemeClr val="accent2"/>
-                </a:solidFill>
-              </a:rPr>
-              <a:t>co_yield</a:t>
-            </a:r>
-            <a:r>
-              <a:rPr lang="ru-RU" sz="2000" dirty="0" smtClean="0"/>
-              <a:t>.</a:t>
-            </a:r>
-            <a:endParaRPr lang="en-US" sz="2000" dirty="0">
-              <a:solidFill>
-                <a:schemeClr val="accent2"/>
-              </a:solidFill>
-            </a:endParaRPr>
-          </a:p>
-          <a:p>
-            <a:endParaRPr lang="ru-RU" sz="2000" dirty="0">
-              <a:solidFill>
-                <a:srgbClr val="00B0F0"/>
-              </a:solidFill>
-            </a:endParaRPr>
-          </a:p>
-          <a:p>
-            <a:r>
-              <a:rPr lang="ru-RU" sz="2000" dirty="0" smtClean="0"/>
-              <a:t>Но стоит обратить внимание на следующие вещи : </a:t>
-            </a:r>
-          </a:p>
-          <a:p>
-            <a:r>
-              <a:rPr lang="ru-RU" sz="2000" dirty="0" smtClean="0"/>
-              <a:t>1)Корутины не могут использовать </a:t>
-            </a:r>
-            <a:r>
-              <a:rPr lang="en-US" sz="2000" dirty="0" smtClean="0"/>
-              <a:t>variadic arguments</a:t>
-            </a:r>
-          </a:p>
-          <a:p>
-            <a:r>
-              <a:rPr lang="en-US" sz="2000" dirty="0" smtClean="0"/>
-              <a:t>2)</a:t>
-            </a:r>
-            <a:r>
-              <a:rPr lang="ru-RU" sz="2000" dirty="0" smtClean="0"/>
-              <a:t>Запрещены всем привычные операторы возврата </a:t>
-            </a:r>
-          </a:p>
-          <a:p>
-            <a:r>
-              <a:rPr lang="ru-RU" sz="2000" dirty="0" smtClean="0"/>
-              <a:t>3)Так же не допускается использование </a:t>
-            </a:r>
-            <a:r>
-              <a:rPr lang="en-US" sz="2000" dirty="0" smtClean="0">
-                <a:solidFill>
-                  <a:srgbClr val="FF0000"/>
-                </a:solidFill>
-              </a:rPr>
-              <a:t>auto</a:t>
-            </a:r>
-            <a:r>
-              <a:rPr lang="en-US" sz="2000" dirty="0" smtClean="0"/>
-              <a:t> &amp;&amp; </a:t>
-            </a:r>
-            <a:r>
-              <a:rPr lang="en-US" sz="2000" dirty="0" smtClean="0">
-                <a:solidFill>
-                  <a:srgbClr val="FF0000"/>
-                </a:solidFill>
-              </a:rPr>
-              <a:t>concept</a:t>
-            </a:r>
-          </a:p>
-          <a:p>
-            <a:r>
-              <a:rPr lang="en-US" sz="2000" dirty="0" smtClean="0"/>
-              <a:t>4)</a:t>
-            </a:r>
-            <a:r>
-              <a:rPr lang="ru-RU" sz="2000" dirty="0" smtClean="0"/>
-              <a:t>Корутинами быть не могут : </a:t>
-            </a:r>
-            <a:r>
-              <a:rPr lang="en-US" sz="2000" dirty="0" smtClean="0"/>
-              <a:t>constexpr func,ctors,dtors </a:t>
-            </a:r>
-            <a:r>
-              <a:rPr lang="ru-RU" sz="2000" dirty="0" smtClean="0"/>
-              <a:t>и </a:t>
-            </a:r>
-            <a:r>
-              <a:rPr lang="en-US" sz="2000" dirty="0" smtClean="0"/>
-              <a:t>main </a:t>
-            </a:r>
-            <a:endParaRPr lang="ru-RU" sz="2000" dirty="0" smtClean="0"/>
-          </a:p>
-        </p:txBody>
-      </p:sp>
-      <p:sp>
-        <p:nvSpPr>
-          <p:cNvPr id="3" name="TextBox 2"/>
+          </a:p>
+          <a:p>
+            <a:endParaRPr lang="ru-RU" sz="4400" dirty="0"/>
+          </a:p>
+        </p:txBody>
+      </p:sp>
+      <p:sp>
+        <p:nvSpPr>
+          <p:cNvPr id="9" name="TextBox 8"/>
           <p:cNvSpPr txBox="1"/>
           <p:nvPr/>
         </p:nvSpPr>
         <p:spPr>
           <a:xfrm>
-            <a:off x="9398977" y="518746"/>
-            <a:ext cx="2022231" cy="369332"/>
+            <a:off x="2822494" y="5545362"/>
+            <a:ext cx="7869783" cy="1077218"/>
           </a:xfrm>
           <a:prstGeom prst="rect">
             <a:avLst/>
@@ -21965,34 +21746,36 @@
           <a:noFill/>
         </p:spPr>
         <p:txBody>
-          <a:bodyPr wrap="square" rtlCol="0">
+          <a:bodyPr wrap="none" rtlCol="0">
             <a:spAutoFit/>
           </a:bodyPr>
           <a:lstStyle/>
           <a:p>
             <a:r>
-              <a:rPr lang="ru-RU" dirty="0" smtClean="0"/>
-              <a:t>(</a:t>
-            </a:r>
-            <a:r>
-              <a:rPr lang="ru-RU" dirty="0" smtClean="0">
-                <a:solidFill>
-                  <a:srgbClr val="0070C0"/>
-                </a:solidFill>
-              </a:rPr>
-              <a:t>немного теории</a:t>
-            </a:r>
-            <a:r>
-              <a:rPr lang="ru-RU" dirty="0" smtClean="0"/>
-              <a:t>)</a:t>
-            </a:r>
-            <a:endParaRPr lang="ru-RU" dirty="0"/>
+              <a:rPr lang="ru-RU" sz="3200" dirty="0" smtClean="0"/>
+              <a:t>Но возникает вопрос :</a:t>
+            </a:r>
+            <a:r>
+              <a:rPr lang="en-US" sz="3200" dirty="0" smtClean="0"/>
+              <a:t> </a:t>
+            </a:r>
+            <a:r>
+              <a:rPr lang="ru-RU" sz="3200" dirty="0" smtClean="0"/>
+              <a:t>что такое «корутина»</a:t>
+            </a:r>
+          </a:p>
+          <a:p>
+            <a:r>
+              <a:rPr lang="ru-RU" sz="3200" dirty="0" smtClean="0"/>
+              <a:t> и как ей пользоваться? </a:t>
+            </a:r>
+            <a:endParaRPr lang="ru-RU" sz="3200" dirty="0"/>
           </a:p>
         </p:txBody>
       </p:sp>
       <p:pic>
         <p:nvPicPr>
-          <p:cNvPr id="5" name="Рисунок 4"/>
+          <p:cNvPr id="10" name="Рисунок 9"/>
           <p:cNvPicPr>
             <a:picLocks noChangeAspect="1"/>
           </p:cNvPicPr>
@@ -22012,18 +21795,102 @@
         </p:blipFill>
         <p:spPr>
           <a:xfrm>
-            <a:off x="8112761" y="3719200"/>
-            <a:ext cx="3123809" cy="1895238"/>
+            <a:off x="5118544" y="1406116"/>
+            <a:ext cx="4629150" cy="3267075"/>
           </a:xfrm>
           <a:prstGeom prst="rect">
             <a:avLst/>
           </a:prstGeom>
         </p:spPr>
       </p:pic>
+      <p:sp>
+        <p:nvSpPr>
+          <p:cNvPr id="11" name="TextBox 10"/>
+          <p:cNvSpPr txBox="1"/>
+          <p:nvPr/>
+        </p:nvSpPr>
+        <p:spPr>
+          <a:xfrm rot="2913174">
+            <a:off x="9983717" y="1848079"/>
+            <a:ext cx="1417119" cy="461665"/>
+          </a:xfrm>
+          <a:prstGeom prst="rect">
+            <a:avLst/>
+          </a:prstGeom>
+          <a:noFill/>
+        </p:spPr>
+        <p:txBody>
+          <a:bodyPr wrap="none" rtlCol="0">
+            <a:spAutoFit/>
+          </a:bodyPr>
+          <a:lstStyle/>
+          <a:p>
+            <a:r>
+              <a:rPr lang="en-US" sz="2400" dirty="0">
+                <a:solidFill>
+                  <a:srgbClr val="00B0F0"/>
+                </a:solidFill>
+              </a:rPr>
+              <a:t>c</a:t>
+            </a:r>
+            <a:r>
+              <a:rPr lang="en-US" sz="2400" dirty="0" smtClean="0">
+                <a:solidFill>
+                  <a:srgbClr val="00B0F0"/>
+                </a:solidFill>
+              </a:rPr>
+              <a:t>o_return</a:t>
+            </a:r>
+            <a:endParaRPr lang="ru-RU" sz="2400" dirty="0">
+              <a:solidFill>
+                <a:srgbClr val="00B0F0"/>
+              </a:solidFill>
+            </a:endParaRPr>
+          </a:p>
+        </p:txBody>
+      </p:sp>
+      <p:sp>
+        <p:nvSpPr>
+          <p:cNvPr id="12" name="TextBox 11"/>
+          <p:cNvSpPr txBox="1"/>
+          <p:nvPr/>
+        </p:nvSpPr>
+        <p:spPr>
+          <a:xfrm rot="20457398">
+            <a:off x="8691961" y="3960235"/>
+            <a:ext cx="1289924" cy="461665"/>
+          </a:xfrm>
+          <a:prstGeom prst="rect">
+            <a:avLst/>
+          </a:prstGeom>
+          <a:noFill/>
+        </p:spPr>
+        <p:txBody>
+          <a:bodyPr wrap="square" rtlCol="0">
+            <a:spAutoFit/>
+          </a:bodyPr>
+          <a:lstStyle/>
+          <a:p>
+            <a:r>
+              <a:rPr lang="en-US" sz="2400" dirty="0" smtClean="0">
+                <a:solidFill>
+                  <a:schemeClr val="accent2"/>
+                </a:solidFill>
+              </a:rPr>
+              <a:t>co_yield</a:t>
+            </a:r>
+            <a:endParaRPr lang="ru-RU" sz="2400" dirty="0">
+              <a:solidFill>
+                <a:schemeClr val="accent2"/>
+              </a:solidFill>
+            </a:endParaRPr>
+          </a:p>
+        </p:txBody>
+      </p:sp>
     </p:spTree>
     <p:extLst>
       <p:ext uri="{BB962C8B-B14F-4D97-AF65-F5344CB8AC3E}">
-        <p14:creationId xmlns:p14="http://schemas.microsoft.com/office/powerpoint/2010/main" val="244825598"/>
+        <p14:creationId xmlns:p14="http://schemas.microsoft.com/office/powerpoint/2010/main" val="260636642"/>
       </p:ext>
     </p:extLst>
   </p:cSld>
@@ -22069,34 +21936,48 @@
         </p:nvSpPr>
         <p:spPr>
           <a:xfrm>
-            <a:off x="1246749" y="545123"/>
-            <a:ext cx="10058400" cy="641985"/>
-          </a:xfrm>
-        </p:spPr>
-        <p:txBody>
-          <a:bodyPr>
-            <a:normAutofit fontScale="90000"/>
-          </a:bodyPr>
-          <a:lstStyle/>
-          <a:p>
-            <a:r>
-              <a:rPr lang="ru-RU" dirty="0" smtClean="0"/>
-              <a:t>  Небольшой экскурс по ко-операторам!</a:t>
-            </a:r>
-            <a:endParaRPr lang="ru-RU" dirty="0"/>
-          </a:p>
-        </p:txBody>
-      </p:sp>
-      <p:sp>
-        <p:nvSpPr>
-          <p:cNvPr id="4" name="TextBox 3"/>
+            <a:off x="1178170" y="0"/>
+            <a:ext cx="10058400" cy="1450757"/>
+          </a:xfrm>
+        </p:spPr>
+        <p:txBody>
+          <a:bodyPr/>
+          <a:lstStyle/>
+          <a:p>
+            <a:r>
+              <a:rPr lang="ru-RU" dirty="0" smtClean="0">
+                <a:solidFill>
+                  <a:schemeClr val="tx1"/>
+                </a:solidFill>
+              </a:rPr>
+              <a:t>Корутины в с++20 (</a:t>
+            </a:r>
+            <a:r>
+              <a:rPr lang="en-US" dirty="0" smtClean="0">
+                <a:solidFill>
+                  <a:schemeClr val="tx1"/>
+                </a:solidFill>
+              </a:rPr>
+              <a:t>stackless)</a:t>
+            </a:r>
+            <a:endParaRPr lang="ru-RU" dirty="0">
+              <a:solidFill>
+                <a:schemeClr val="tx1"/>
+              </a:solidFill>
+            </a:endParaRPr>
+          </a:p>
+        </p:txBody>
+      </p:sp>
+      <p:sp>
+        <p:nvSpPr>
+          <p:cNvPr id="6" name="TextBox 5"/>
           <p:cNvSpPr txBox="1"/>
           <p:nvPr/>
         </p:nvSpPr>
         <p:spPr>
           <a:xfrm>
-            <a:off x="578827" y="2104292"/>
-            <a:ext cx="10887075" cy="6001643"/>
+            <a:off x="334108" y="1406824"/>
+            <a:ext cx="10965631" cy="4093428"/>
           </a:xfrm>
           <a:prstGeom prst="rect">
             <a:avLst/>
@@ -22104,273 +21985,297 @@
           <a:noFill/>
         </p:spPr>
         <p:txBody>
+          <a:bodyPr wrap="none" rtlCol="0">
+            <a:spAutoFit/>
+          </a:bodyPr>
+          <a:lstStyle/>
+          <a:p>
+            <a:r>
+              <a:rPr lang="ru-RU" sz="2000" dirty="0" smtClean="0"/>
+              <a:t>Корутина(сопрограмма) – функция , которую можно прервать , чтобы возобновить позже.</a:t>
+            </a:r>
+            <a:r>
+              <a:rPr lang="ru-RU" sz="2000" dirty="0"/>
+              <a:t/>
+            </a:r>
+            <a:br>
+              <a:rPr lang="ru-RU" sz="2000" dirty="0"/>
+            </a:br>
+            <a:r>
+              <a:rPr lang="ru-RU" sz="2000" dirty="0" smtClean="0"/>
+              <a:t>Корутины приостанавливают </a:t>
+            </a:r>
+            <a:r>
+              <a:rPr lang="ru-RU" sz="2000" dirty="0"/>
+              <a:t>выполнение, </a:t>
+            </a:r>
+            <a:r>
+              <a:rPr lang="ru-RU" sz="2000" dirty="0" smtClean="0"/>
+              <a:t>возвращая управление вызывающей </a:t>
+            </a:r>
+            <a:r>
+              <a:rPr lang="ru-RU" sz="2000" dirty="0"/>
+              <a:t>стороне, </a:t>
+            </a:r>
+            <a:endParaRPr lang="ru-RU" sz="2000" dirty="0" smtClean="0"/>
+          </a:p>
+          <a:p>
+            <a:r>
+              <a:rPr lang="ru-RU" sz="2000" dirty="0" smtClean="0"/>
+              <a:t>а </a:t>
+            </a:r>
+            <a:r>
+              <a:rPr lang="ru-RU" sz="2000" dirty="0"/>
+              <a:t>данные, необходимые для возобновления выполнения, </a:t>
+            </a:r>
+            <a:endParaRPr lang="ru-RU" sz="2000" dirty="0" smtClean="0"/>
+          </a:p>
+          <a:p>
+            <a:r>
+              <a:rPr lang="ru-RU" sz="2000" dirty="0" smtClean="0"/>
+              <a:t>хранятся </a:t>
+            </a:r>
+            <a:r>
+              <a:rPr lang="ru-RU" sz="2000" dirty="0"/>
+              <a:t>отдельно от </a:t>
+            </a:r>
+            <a:r>
+              <a:rPr lang="ru-RU" sz="2000" dirty="0" smtClean="0"/>
+              <a:t>стека(в </a:t>
+            </a:r>
+            <a:r>
+              <a:rPr lang="en-US" sz="2000" dirty="0" smtClean="0"/>
+              <a:t>coroutine-frame)</a:t>
+            </a:r>
+            <a:r>
+              <a:rPr lang="ru-RU" sz="2000" dirty="0" smtClean="0"/>
+              <a:t>(о нем немного позже).</a:t>
+            </a:r>
+          </a:p>
+          <a:p>
+            <a:endParaRPr lang="ru-RU" sz="2000" dirty="0" smtClean="0"/>
+          </a:p>
+          <a:p>
+            <a:r>
+              <a:rPr lang="ru-RU" sz="2000" dirty="0" smtClean="0"/>
+              <a:t>Чтобы наделить обычную функцию свойствами корутины, необходимо добавить немного магии!</a:t>
+            </a:r>
+          </a:p>
+          <a:p>
+            <a:r>
+              <a:rPr lang="ru-RU" sz="2000" dirty="0" smtClean="0"/>
+              <a:t>А именно 1 из 3-х ключевых слов : </a:t>
+            </a:r>
+            <a:r>
+              <a:rPr lang="en-US" sz="2000" dirty="0" smtClean="0">
+                <a:solidFill>
+                  <a:srgbClr val="00B050"/>
+                </a:solidFill>
+              </a:rPr>
+              <a:t>co_await</a:t>
+            </a:r>
+            <a:r>
+              <a:rPr lang="en-US" sz="2000" dirty="0" smtClean="0"/>
+              <a:t>,</a:t>
+            </a:r>
+            <a:r>
+              <a:rPr lang="en-US" sz="2000" dirty="0">
+                <a:solidFill>
+                  <a:srgbClr val="00B0F0"/>
+                </a:solidFill>
+              </a:rPr>
+              <a:t> </a:t>
+            </a:r>
+            <a:r>
+              <a:rPr lang="en-US" sz="2000" dirty="0" smtClean="0">
+                <a:solidFill>
+                  <a:srgbClr val="00B0F0"/>
+                </a:solidFill>
+              </a:rPr>
+              <a:t>co_return </a:t>
+            </a:r>
+            <a:r>
+              <a:rPr lang="ru-RU" sz="2000" dirty="0" smtClean="0"/>
+              <a:t>или </a:t>
+            </a:r>
+            <a:r>
+              <a:rPr lang="en-US" sz="2000" dirty="0" smtClean="0">
+                <a:solidFill>
+                  <a:schemeClr val="accent2"/>
+                </a:solidFill>
+              </a:rPr>
+              <a:t>co_yield</a:t>
+            </a:r>
+            <a:r>
+              <a:rPr lang="ru-RU" sz="2000" dirty="0" smtClean="0"/>
+              <a:t>.</a:t>
+            </a:r>
+            <a:endParaRPr lang="en-US" sz="2000" dirty="0">
+              <a:solidFill>
+                <a:schemeClr val="accent2"/>
+              </a:solidFill>
+            </a:endParaRPr>
+          </a:p>
+          <a:p>
+            <a:endParaRPr lang="ru-RU" sz="2000" dirty="0">
+              <a:solidFill>
+                <a:srgbClr val="00B0F0"/>
+              </a:solidFill>
+            </a:endParaRPr>
+          </a:p>
+          <a:p>
+            <a:r>
+              <a:rPr lang="ru-RU" sz="2000" dirty="0" smtClean="0"/>
+              <a:t>Но стоит обратить внимание на следующие вещи : </a:t>
+            </a:r>
+          </a:p>
+          <a:p>
+            <a:r>
+              <a:rPr lang="ru-RU" sz="2000" dirty="0" smtClean="0"/>
+              <a:t>1)Корутины не могут использовать </a:t>
+            </a:r>
+            <a:r>
+              <a:rPr lang="en-US" sz="2000" dirty="0" smtClean="0"/>
+              <a:t>variadic arguments</a:t>
+            </a:r>
+          </a:p>
+          <a:p>
+            <a:r>
+              <a:rPr lang="en-US" sz="2000" dirty="0" smtClean="0"/>
+              <a:t>2)</a:t>
+            </a:r>
+            <a:r>
+              <a:rPr lang="ru-RU" sz="2000" dirty="0" smtClean="0"/>
+              <a:t>Запрещены всем привычные операторы возврата </a:t>
+            </a:r>
+          </a:p>
+          <a:p>
+            <a:r>
+              <a:rPr lang="ru-RU" sz="2000" dirty="0" smtClean="0"/>
+              <a:t>3)Так же не допускается использование </a:t>
+            </a:r>
+            <a:r>
+              <a:rPr lang="en-US" sz="2000" dirty="0" smtClean="0">
+                <a:solidFill>
+                  <a:srgbClr val="FF0000"/>
+                </a:solidFill>
+              </a:rPr>
+              <a:t>auto</a:t>
+            </a:r>
+            <a:r>
+              <a:rPr lang="en-US" sz="2000" dirty="0" smtClean="0"/>
+              <a:t> &amp;&amp; </a:t>
+            </a:r>
+            <a:r>
+              <a:rPr lang="en-US" sz="2000" dirty="0" smtClean="0">
+                <a:solidFill>
+                  <a:srgbClr val="FF0000"/>
+                </a:solidFill>
+              </a:rPr>
+              <a:t>concept</a:t>
+            </a:r>
+          </a:p>
+          <a:p>
+            <a:r>
+              <a:rPr lang="en-US" sz="2000" dirty="0" smtClean="0"/>
+              <a:t>4)</a:t>
+            </a:r>
+            <a:r>
+              <a:rPr lang="ru-RU" sz="2000" dirty="0" smtClean="0"/>
+              <a:t>Корутинами быть не могут : </a:t>
+            </a:r>
+            <a:r>
+              <a:rPr lang="en-US" sz="2000" dirty="0" smtClean="0"/>
+              <a:t>constexpr func,ctors,dtors </a:t>
+            </a:r>
+            <a:r>
+              <a:rPr lang="ru-RU" sz="2000" dirty="0" smtClean="0"/>
+              <a:t>и </a:t>
+            </a:r>
+            <a:r>
+              <a:rPr lang="en-US" sz="2000" dirty="0" smtClean="0"/>
+              <a:t>main </a:t>
+            </a:r>
+            <a:endParaRPr lang="ru-RU" sz="2000" dirty="0" smtClean="0"/>
+          </a:p>
+        </p:txBody>
+      </p:sp>
+      <p:sp>
+        <p:nvSpPr>
+          <p:cNvPr id="3" name="TextBox 2"/>
+          <p:cNvSpPr txBox="1"/>
+          <p:nvPr/>
+        </p:nvSpPr>
+        <p:spPr>
+          <a:xfrm>
+            <a:off x="9398977" y="518746"/>
+            <a:ext cx="2022231" cy="369332"/>
+          </a:xfrm>
+          <a:prstGeom prst="rect">
+            <a:avLst/>
+          </a:prstGeom>
+          <a:noFill/>
+        </p:spPr>
+        <p:txBody>
           <a:bodyPr wrap="square" rtlCol="0">
             <a:spAutoFit/>
           </a:bodyPr>
           <a:lstStyle/>
           <a:p>
             <a:r>
-              <a:rPr lang="ru-RU" sz="2400" dirty="0" smtClean="0"/>
-              <a:t>Два из 3х операторов не слишком интересны и просты( </a:t>
-            </a:r>
-            <a:r>
-              <a:rPr lang="en-US" sz="2400" dirty="0" smtClean="0"/>
-              <a:t>co_yield &amp; co_return).</a:t>
-            </a:r>
-            <a:r>
-              <a:rPr lang="ru-RU" sz="2400" dirty="0" smtClean="0"/>
-              <a:t>Но вишенку на торте(</a:t>
-            </a:r>
-            <a:r>
-              <a:rPr lang="en-US" sz="2400" dirty="0" smtClean="0"/>
-              <a:t>co_await)</a:t>
-            </a:r>
-            <a:r>
-              <a:rPr lang="ru-RU" sz="2400" dirty="0" smtClean="0"/>
-              <a:t> мы рассмотрим немного позже.</a:t>
-            </a:r>
-          </a:p>
-          <a:p>
-            <a:endParaRPr lang="en-US" sz="2400" dirty="0"/>
-          </a:p>
-          <a:p>
-            <a:r>
-              <a:rPr lang="en-US" sz="2400" dirty="0" smtClean="0">
+              <a:rPr lang="ru-RU" dirty="0" smtClean="0"/>
+              <a:t>(</a:t>
+            </a:r>
+            <a:r>
+              <a:rPr lang="ru-RU" dirty="0" smtClean="0">
                 <a:solidFill>
                   <a:srgbClr val="0070C0"/>
                 </a:solidFill>
               </a:rPr>
-              <a:t>co_yield</a:t>
-            </a:r>
-            <a:r>
-              <a:rPr lang="en-US" sz="2400" dirty="0" smtClean="0"/>
-              <a:t>  </a:t>
-            </a:r>
-            <a:r>
-              <a:rPr lang="en-US" sz="2400" dirty="0" smtClean="0">
-                <a:solidFill>
-                  <a:srgbClr val="FF0000"/>
-                </a:solidFill>
-              </a:rPr>
-              <a:t>&lt;expr&gt; </a:t>
-            </a:r>
-            <a:r>
-              <a:rPr lang="ru-RU" sz="2400" dirty="0" smtClean="0">
-                <a:solidFill>
-                  <a:srgbClr val="FF0000"/>
-                </a:solidFill>
-              </a:rPr>
-              <a:t> </a:t>
-            </a:r>
-            <a:r>
-              <a:rPr lang="ru-RU" sz="2400" dirty="0" smtClean="0">
-                <a:sym typeface="Wingdings" panose="05000000000000000000" pitchFamily="2" charset="2"/>
-              </a:rPr>
-              <a:t></a:t>
-            </a:r>
-            <a:r>
-              <a:rPr lang="en-US" sz="2400" dirty="0" smtClean="0">
-                <a:sym typeface="Wingdings" panose="05000000000000000000" pitchFamily="2" charset="2"/>
-              </a:rPr>
-              <a:t> </a:t>
-            </a:r>
-            <a:r>
-              <a:rPr lang="en-US" sz="2400" dirty="0" smtClean="0">
-                <a:solidFill>
-                  <a:srgbClr val="0070C0"/>
-                </a:solidFill>
-                <a:sym typeface="Wingdings" panose="05000000000000000000" pitchFamily="2" charset="2"/>
-              </a:rPr>
-              <a:t>co_await</a:t>
-            </a:r>
-            <a:r>
-              <a:rPr lang="ru-RU" sz="2400" dirty="0" smtClean="0"/>
-              <a:t> </a:t>
-            </a:r>
-            <a:r>
-              <a:rPr lang="en-US" sz="2400" dirty="0" smtClean="0"/>
-              <a:t>promise.yield_value(</a:t>
-            </a:r>
-            <a:r>
-              <a:rPr lang="en-US" sz="2400" dirty="0" smtClean="0">
-                <a:solidFill>
-                  <a:srgbClr val="FF0000"/>
-                </a:solidFill>
-              </a:rPr>
-              <a:t>&lt;expr&gt;</a:t>
-            </a:r>
-            <a:r>
-              <a:rPr lang="en-US" sz="2400" dirty="0" smtClean="0"/>
+              <a:t>немного теории</a:t>
+            </a:r>
+            <a:r>
+              <a:rPr lang="ru-RU" dirty="0" smtClean="0"/>
               <a:t>)</a:t>
             </a:r>
-          </a:p>
-          <a:p>
-            <a:r>
-              <a:rPr lang="en-US" sz="2400" dirty="0" smtClean="0">
-                <a:solidFill>
-                  <a:srgbClr val="0070C0"/>
-                </a:solidFill>
-              </a:rPr>
-              <a:t>co_return   </a:t>
-            </a:r>
-            <a:r>
-              <a:rPr lang="en-US" sz="2400" dirty="0" smtClean="0">
-                <a:sym typeface="Wingdings" panose="05000000000000000000" pitchFamily="2" charset="2"/>
-              </a:rPr>
-              <a:t></a:t>
-            </a:r>
-            <a:r>
-              <a:rPr lang="en-US" sz="2400" dirty="0" smtClean="0"/>
-              <a:t> promise.return_void()</a:t>
-            </a:r>
-          </a:p>
-          <a:p>
-            <a:r>
-              <a:rPr lang="en-US" sz="2400" dirty="0" smtClean="0">
-                <a:solidFill>
-                  <a:srgbClr val="0070C0"/>
-                </a:solidFill>
-              </a:rPr>
-              <a:t>co_return</a:t>
-            </a:r>
-            <a:r>
-              <a:rPr lang="en-US" sz="2400" dirty="0" smtClean="0"/>
-              <a:t> </a:t>
-            </a:r>
-            <a:r>
-              <a:rPr lang="en-US" sz="2400" dirty="0" smtClean="0">
-                <a:solidFill>
-                  <a:srgbClr val="FF0000"/>
-                </a:solidFill>
-              </a:rPr>
-              <a:t>&lt;expr&gt; </a:t>
-            </a:r>
-            <a:r>
-              <a:rPr lang="en-US" sz="2400" dirty="0" smtClean="0">
-                <a:sym typeface="Wingdings" panose="05000000000000000000" pitchFamily="2" charset="2"/>
-              </a:rPr>
-              <a:t></a:t>
-            </a:r>
-            <a:r>
-              <a:rPr lang="en-US" sz="2400" dirty="0" smtClean="0"/>
-              <a:t>  promise.return_value( </a:t>
-            </a:r>
-            <a:r>
-              <a:rPr lang="en-US" sz="2400" dirty="0" smtClean="0">
-                <a:solidFill>
-                  <a:srgbClr val="FF0000"/>
-                </a:solidFill>
-              </a:rPr>
-              <a:t>&lt;expr&gt; </a:t>
-            </a:r>
-            <a:r>
-              <a:rPr lang="en-US" sz="2400" dirty="0" smtClean="0"/>
-              <a:t>)</a:t>
-            </a:r>
-          </a:p>
-          <a:p>
-            <a:endParaRPr lang="ru-RU" sz="2400" dirty="0" smtClean="0">
-              <a:solidFill>
-                <a:srgbClr val="0070C0"/>
-              </a:solidFill>
-            </a:endParaRPr>
-          </a:p>
-          <a:p>
-            <a:r>
-              <a:rPr lang="ru-RU" sz="2400" dirty="0" smtClean="0"/>
-              <a:t>Но гораздо интереснее третий из них! </a:t>
-            </a:r>
-          </a:p>
-          <a:p>
-            <a:endParaRPr lang="en-US" sz="2400" dirty="0" smtClean="0"/>
-          </a:p>
-          <a:p>
-            <a:r>
-              <a:rPr lang="en-US" sz="2400" dirty="0" smtClean="0">
-                <a:solidFill>
-                  <a:srgbClr val="0070C0"/>
-                </a:solidFill>
-              </a:rPr>
-              <a:t>co_await</a:t>
-            </a:r>
-            <a:r>
-              <a:rPr lang="en-US" sz="2400" dirty="0" smtClean="0"/>
-              <a:t> </a:t>
-            </a:r>
-            <a:r>
-              <a:rPr lang="en-US" sz="2400" dirty="0" smtClean="0">
-                <a:solidFill>
-                  <a:srgbClr val="FF0000"/>
-                </a:solidFill>
-              </a:rPr>
-              <a:t>&lt;expr&gt; </a:t>
-            </a:r>
-            <a:r>
-              <a:rPr lang="ru-RU" sz="2400" dirty="0" smtClean="0"/>
-              <a:t>приостанавливает выполнение корутины и отдает управление </a:t>
-            </a:r>
-            <a:endParaRPr lang="en-US" sz="2400" dirty="0" smtClean="0"/>
-          </a:p>
-          <a:p>
-            <a:r>
-              <a:rPr lang="ru-RU" sz="2400" dirty="0"/>
-              <a:t>с</a:t>
-            </a:r>
-            <a:r>
-              <a:rPr lang="en-US" sz="2400" dirty="0" smtClean="0"/>
-              <a:t>aller’</a:t>
-            </a:r>
-            <a:r>
-              <a:rPr lang="ru-RU" sz="2400" dirty="0" smtClean="0"/>
-              <a:t>у. При этом </a:t>
-            </a:r>
-            <a:r>
-              <a:rPr lang="en-US" sz="2400" dirty="0" smtClean="0">
-                <a:solidFill>
-                  <a:srgbClr val="FF0000"/>
-                </a:solidFill>
-              </a:rPr>
-              <a:t>&lt;expr&gt;</a:t>
-            </a:r>
-            <a:r>
-              <a:rPr lang="ru-RU" sz="2400" dirty="0" smtClean="0">
-                <a:solidFill>
-                  <a:srgbClr val="FF0000"/>
-                </a:solidFill>
-              </a:rPr>
-              <a:t> </a:t>
-            </a:r>
-            <a:r>
-              <a:rPr lang="ru-RU" sz="2400" dirty="0" smtClean="0"/>
-              <a:t>позволяет управлять процессом.</a:t>
-            </a:r>
-            <a:endParaRPr lang="ru-RU" sz="2400" dirty="0"/>
-          </a:p>
-          <a:p>
-            <a:r>
-              <a:rPr lang="en-US" sz="2400" dirty="0" smtClean="0"/>
-              <a:t> </a:t>
-            </a:r>
-            <a:endParaRPr lang="ru-RU" sz="2400" dirty="0" smtClean="0"/>
-          </a:p>
-          <a:p>
-            <a:endParaRPr lang="ru-RU" sz="2400" dirty="0"/>
-          </a:p>
-          <a:p>
-            <a:endParaRPr lang="ru-RU" sz="2400" dirty="0" smtClean="0"/>
-          </a:p>
-          <a:p>
-            <a:endParaRPr lang="ru-RU" sz="2400" dirty="0"/>
-          </a:p>
-          <a:p>
-            <a:endParaRPr lang="ru-RU" sz="2400" dirty="0"/>
-          </a:p>
-        </p:txBody>
-      </p:sp>
+            <a:endParaRPr lang="ru-RU" dirty="0"/>
+          </a:p>
+        </p:txBody>
+      </p:sp>
+      <p:pic>
+        <p:nvPicPr>
+          <p:cNvPr id="5" name="Рисунок 4"/>
+          <p:cNvPicPr>
+            <a:picLocks noChangeAspect="1"/>
+          </p:cNvPicPr>
+          <p:nvPr/>
+        </p:nvPicPr>
+        <p:blipFill>
+          <a:blip r:embed="rId2">
+            <a:extLst>
+              <a:ext uri="{28A0092B-C50C-407E-A947-70E740481C1C}">
+                <a14:useLocalDpi xmlns:a14="http://schemas.microsoft.com/office/drawing/2010/main" val="0"/>
+              </a:ext>
+            </a:extLst>
+          </a:blip>
+          <a:stretch>
+            <a:fillRect/>
+          </a:stretch>
+        </p:blipFill>
+        <p:spPr>
+          <a:xfrm>
+            <a:off x="8112761" y="3719200"/>
+            <a:ext cx="3123809" cy="1895238"/>
+          </a:xfrm>
+          <a:prstGeom prst="rect">
+            <a:avLst/>
+          </a:prstGeom>
+        </p:spPr>
+      </p:pic>
     </p:spTree>
     <p:extLst>
       <p:ext uri="{BB962C8B-B14F-4D97-AF65-F5344CB8AC3E}">
-        <p14:creationId xmlns:p14="http://schemas.microsoft.com/office/powerpoint/2010/main" val="303144568"/>
+        <p14:creationId xmlns:p14="http://schemas.microsoft.com/office/powerpoint/2010/main" val="244825598"/>
       </p:ext>
     </p:extLst>
   </p:cSld>
@@ -22414,58 +22319,36 @@
             <p:ph type="title"/>
           </p:nvPr>
         </p:nvSpPr>
-        <p:spPr/>
-        <p:txBody>
-          <a:bodyPr/>
+        <p:spPr>
+          <a:xfrm>
+            <a:off x="1246749" y="545123"/>
+            <a:ext cx="10058400" cy="641985"/>
+          </a:xfrm>
+        </p:spPr>
+        <p:txBody>
+          <a:bodyPr>
+            <a:normAutofit fontScale="90000"/>
+          </a:bodyPr>
           <a:lstStyle/>
           <a:p>
             <a:r>
               <a:rPr lang="ru-RU" dirty="0" smtClean="0"/>
-              <a:t>Самое время написать нашу первую 				корутину!</a:t>
+              <a:t>  Небольшой экскурс по ко-операторам!</a:t>
             </a:r>
             <a:endParaRPr lang="ru-RU" dirty="0"/>
           </a:p>
         </p:txBody>
       </p:sp>
-      <p:pic>
-        <p:nvPicPr>
-          <p:cNvPr id="4" name="Объект 3"/>
-          <p:cNvPicPr>
-            <a:picLocks noGrp="1" noChangeAspect="1"/>
-          </p:cNvPicPr>
-          <p:nvPr>
-            <p:ph idx="1"/>
-          </p:nvPr>
-        </p:nvPicPr>
-        <p:blipFill>
-          <a:blip r:embed="rId2">
-            <a:extLst>
-              <a:ext uri="{28A0092B-C50C-407E-A947-70E740481C1C}">
-                <a14:useLocalDpi xmlns:a14="http://schemas.microsoft.com/office/drawing/2010/main" val="0"/>
-              </a:ext>
-            </a:extLst>
-          </a:blip>
-          <a:stretch>
-            <a:fillRect/>
-          </a:stretch>
-        </p:blipFill>
-        <p:spPr>
-          <a:xfrm>
-            <a:off x="4135070" y="2817935"/>
-            <a:ext cx="3190875" cy="1428750"/>
-          </a:xfrm>
-        </p:spPr>
-      </p:pic>
-      <p:sp>
-        <p:nvSpPr>
-          <p:cNvPr id="5" name="TextBox 4"/>
+      <p:sp>
+        <p:nvSpPr>
+          <p:cNvPr id="4" name="TextBox 3"/>
           <p:cNvSpPr txBox="1"/>
           <p:nvPr/>
         </p:nvSpPr>
         <p:spPr>
           <a:xfrm>
-            <a:off x="10451856" y="5979502"/>
-            <a:ext cx="2276475" cy="646331"/>
+            <a:off x="578827" y="2104292"/>
+            <a:ext cx="10887075" cy="6001643"/>
           </a:xfrm>
           <a:prstGeom prst="rect">
             <a:avLst/>
@@ -22479,20 +22362,267 @@
           <a:lstStyle/>
           <a:p>
             <a:r>
-              <a:rPr lang="en-US" dirty="0" smtClean="0"/>
-              <a:t>first_coro</a:t>
-            </a:r>
-            <a:endParaRPr lang="en-US" dirty="0"/>
-          </a:p>
-          <a:p>
-            <a:endParaRPr lang="ru-RU" dirty="0"/>
+              <a:rPr lang="ru-RU" sz="2400" dirty="0" smtClean="0"/>
+              <a:t>Два из 3х операторов не слишком интересны и просты( </a:t>
+            </a:r>
+            <a:r>
+              <a:rPr lang="en-US" sz="2400" dirty="0" smtClean="0"/>
+              <a:t>co_yield &amp; co_return).</a:t>
+            </a:r>
+            <a:r>
+              <a:rPr lang="ru-RU" sz="2400" dirty="0" smtClean="0"/>
+              <a:t>Но вишенку на торте(</a:t>
+            </a:r>
+            <a:r>
+              <a:rPr lang="en-US" sz="2400" dirty="0" smtClean="0"/>
+              <a:t>co_await)</a:t>
+            </a:r>
+            <a:r>
+              <a:rPr lang="ru-RU" sz="2400" dirty="0" smtClean="0"/>
+              <a:t> мы рассмотрим немного позже.</a:t>
+            </a:r>
+          </a:p>
+          <a:p>
+            <a:endParaRPr lang="en-US" sz="2400" dirty="0"/>
+          </a:p>
+          <a:p>
+            <a:r>
+              <a:rPr lang="en-US" sz="2400" dirty="0" smtClean="0">
+                <a:solidFill>
+                  <a:srgbClr val="0070C0"/>
+                </a:solidFill>
+              </a:rPr>
+              <a:t>co_yield</a:t>
+            </a:r>
+            <a:r>
+              <a:rPr lang="en-US" sz="2400" dirty="0" smtClean="0"/>
+              <a:t>  </a:t>
+            </a:r>
+            <a:r>
+              <a:rPr lang="en-US" sz="2400" dirty="0" smtClean="0">
+                <a:solidFill>
+                  <a:srgbClr val="FF0000"/>
+                </a:solidFill>
+              </a:rPr>
+              <a:t>&lt;expr&gt; </a:t>
+            </a:r>
+            <a:r>
+              <a:rPr lang="ru-RU" sz="2400" dirty="0" smtClean="0">
+                <a:solidFill>
+                  <a:srgbClr val="FF0000"/>
+                </a:solidFill>
+              </a:rPr>
+              <a:t> </a:t>
+            </a:r>
+            <a:r>
+              <a:rPr lang="ru-RU" sz="2400" dirty="0" smtClean="0">
+                <a:sym typeface="Wingdings" panose="05000000000000000000" pitchFamily="2" charset="2"/>
+              </a:rPr>
+              <a:t></a:t>
+            </a:r>
+            <a:r>
+              <a:rPr lang="en-US" sz="2400" dirty="0" smtClean="0">
+                <a:sym typeface="Wingdings" panose="05000000000000000000" pitchFamily="2" charset="2"/>
+              </a:rPr>
+              <a:t> </a:t>
+            </a:r>
+            <a:r>
+              <a:rPr lang="en-US" sz="2400" dirty="0" smtClean="0">
+                <a:solidFill>
+                  <a:srgbClr val="0070C0"/>
+                </a:solidFill>
+                <a:sym typeface="Wingdings" panose="05000000000000000000" pitchFamily="2" charset="2"/>
+              </a:rPr>
+              <a:t>co_await</a:t>
+            </a:r>
+            <a:r>
+              <a:rPr lang="ru-RU" sz="2400" dirty="0" smtClean="0"/>
+              <a:t> </a:t>
+            </a:r>
+            <a:r>
+              <a:rPr lang="en-US" sz="2400" dirty="0" smtClean="0"/>
+              <a:t>promise.yield_value(</a:t>
+            </a:r>
+            <a:r>
+              <a:rPr lang="en-US" sz="2400" dirty="0" smtClean="0">
+                <a:solidFill>
+                  <a:srgbClr val="FF0000"/>
+                </a:solidFill>
+              </a:rPr>
+              <a:t>&lt;expr&gt;</a:t>
+            </a:r>
+            <a:r>
+              <a:rPr lang="en-US" sz="2400" dirty="0" smtClean="0"/>
+              <a:t>)</a:t>
+            </a:r>
+          </a:p>
+          <a:p>
+            <a:r>
+              <a:rPr lang="en-US" sz="2400" dirty="0" smtClean="0">
+                <a:solidFill>
+                  <a:srgbClr val="0070C0"/>
+                </a:solidFill>
+              </a:rPr>
+              <a:t>co_return   </a:t>
+            </a:r>
+            <a:r>
+              <a:rPr lang="en-US" sz="2400" dirty="0" smtClean="0">
+                <a:sym typeface="Wingdings" panose="05000000000000000000" pitchFamily="2" charset="2"/>
+              </a:rPr>
+              <a:t></a:t>
+            </a:r>
+            <a:r>
+              <a:rPr lang="en-US" sz="2400" dirty="0" smtClean="0"/>
+              <a:t> promise.return_void()</a:t>
+            </a:r>
+          </a:p>
+          <a:p>
+            <a:r>
+              <a:rPr lang="en-US" sz="2400" dirty="0" smtClean="0">
+                <a:solidFill>
+                  <a:srgbClr val="0070C0"/>
+                </a:solidFill>
+              </a:rPr>
+              <a:t>co_return</a:t>
+            </a:r>
+            <a:r>
+              <a:rPr lang="en-US" sz="2400" dirty="0" smtClean="0"/>
+              <a:t> </a:t>
+            </a:r>
+            <a:r>
+              <a:rPr lang="en-US" sz="2400" dirty="0" smtClean="0">
+                <a:solidFill>
+                  <a:srgbClr val="FF0000"/>
+                </a:solidFill>
+              </a:rPr>
+              <a:t>&lt;expr&gt; </a:t>
+            </a:r>
+            <a:r>
+              <a:rPr lang="en-US" sz="2400" dirty="0" smtClean="0">
+                <a:sym typeface="Wingdings" panose="05000000000000000000" pitchFamily="2" charset="2"/>
+              </a:rPr>
+              <a:t></a:t>
+            </a:r>
+            <a:r>
+              <a:rPr lang="en-US" sz="2400" dirty="0" smtClean="0"/>
+              <a:t>  promise.return_value( </a:t>
+            </a:r>
+            <a:r>
+              <a:rPr lang="en-US" sz="2400" dirty="0" smtClean="0">
+                <a:solidFill>
+                  <a:srgbClr val="FF0000"/>
+                </a:solidFill>
+              </a:rPr>
+              <a:t>&lt;expr&gt; </a:t>
+            </a:r>
+            <a:r>
+              <a:rPr lang="en-US" sz="2400" dirty="0" smtClean="0"/>
+              <a:t>)</a:t>
+            </a:r>
+          </a:p>
+          <a:p>
+            <a:endParaRPr lang="ru-RU" sz="2400" dirty="0" smtClean="0">
+              <a:solidFill>
+                <a:srgbClr val="0070C0"/>
+              </a:solidFill>
+            </a:endParaRPr>
+          </a:p>
+          <a:p>
+            <a:r>
+              <a:rPr lang="ru-RU" sz="2400" dirty="0" smtClean="0"/>
+              <a:t>Но гораздо интереснее третий из них! </a:t>
+            </a:r>
+          </a:p>
+          <a:p>
+            <a:endParaRPr lang="en-US" sz="2400" dirty="0" smtClean="0"/>
+          </a:p>
+          <a:p>
+            <a:r>
+              <a:rPr lang="en-US" sz="2400" dirty="0" smtClean="0">
+                <a:solidFill>
+                  <a:srgbClr val="0070C0"/>
+                </a:solidFill>
+              </a:rPr>
+              <a:t>co_await</a:t>
+            </a:r>
+            <a:r>
+              <a:rPr lang="en-US" sz="2400" dirty="0" smtClean="0"/>
+              <a:t> </a:t>
+            </a:r>
+            <a:r>
+              <a:rPr lang="en-US" sz="2400" dirty="0" smtClean="0">
+                <a:solidFill>
+                  <a:srgbClr val="FF0000"/>
+                </a:solidFill>
+              </a:rPr>
+              <a:t>&lt;expr&gt; </a:t>
+            </a:r>
+            <a:r>
+              <a:rPr lang="ru-RU" sz="2400" dirty="0" smtClean="0"/>
+              <a:t>приостанавливает выполнение корутины и отдает управление </a:t>
+            </a:r>
+            <a:endParaRPr lang="en-US" sz="2400" dirty="0" smtClean="0"/>
+          </a:p>
+          <a:p>
+            <a:r>
+              <a:rPr lang="ru-RU" sz="2400" dirty="0"/>
+              <a:t>с</a:t>
+            </a:r>
+            <a:r>
+              <a:rPr lang="en-US" sz="2400" dirty="0" smtClean="0"/>
+              <a:t>aller’</a:t>
+            </a:r>
+            <a:r>
+              <a:rPr lang="ru-RU" sz="2400" dirty="0" smtClean="0"/>
+              <a:t>у. При этом </a:t>
+            </a:r>
+            <a:r>
+              <a:rPr lang="en-US" sz="2400" dirty="0" smtClean="0">
+                <a:solidFill>
+                  <a:srgbClr val="FF0000"/>
+                </a:solidFill>
+              </a:rPr>
+              <a:t>&lt;expr&gt;</a:t>
+            </a:r>
+            <a:r>
+              <a:rPr lang="ru-RU" sz="2400" dirty="0" smtClean="0">
+                <a:solidFill>
+                  <a:srgbClr val="FF0000"/>
+                </a:solidFill>
+              </a:rPr>
+              <a:t> </a:t>
+            </a:r>
+            <a:r>
+              <a:rPr lang="ru-RU" sz="2400" dirty="0" smtClean="0"/>
+              <a:t>позволяет управлять процессом.</a:t>
+            </a:r>
+            <a:endParaRPr lang="ru-RU" sz="2400" dirty="0"/>
+          </a:p>
+          <a:p>
+            <a:r>
+              <a:rPr lang="en-US" sz="2400" dirty="0" smtClean="0"/>
+              <a:t> </a:t>
+            </a:r>
+            <a:endParaRPr lang="ru-RU" sz="2400" dirty="0" smtClean="0"/>
+          </a:p>
+          <a:p>
+            <a:endParaRPr lang="ru-RU" sz="2400" dirty="0"/>
+          </a:p>
+          <a:p>
+            <a:endParaRPr lang="ru-RU" sz="2400" dirty="0" smtClean="0"/>
+          </a:p>
+          <a:p>
+            <a:endParaRPr lang="ru-RU" sz="2400" dirty="0"/>
+          </a:p>
+          <a:p>
+            <a:endParaRPr lang="ru-RU" sz="2400" dirty="0"/>
           </a:p>
         </p:txBody>
       </p:sp>
     </p:spTree>
     <p:extLst>
       <p:ext uri="{BB962C8B-B14F-4D97-AF65-F5344CB8AC3E}">
-        <p14:creationId xmlns:p14="http://schemas.microsoft.com/office/powerpoint/2010/main" val="3123570289"/>
+        <p14:creationId xmlns:p14="http://schemas.microsoft.com/office/powerpoint/2010/main" val="303144568"/>
       </p:ext>
     </p:extLst>
   </p:cSld>
@@ -22543,45 +22673,21 @@
           <a:p>
             <a:r>
               <a:rPr lang="ru-RU" dirty="0" smtClean="0"/>
-              <a:t>На самом деле все не так уж и просто!</a:t>
+              <a:t>Самое время написать нашу первую 				корутину!</a:t>
             </a:r>
             <a:endParaRPr lang="ru-RU" dirty="0"/>
-          </a:p>
-        </p:txBody>
-      </p:sp>
-      <p:sp>
-        <p:nvSpPr>
-          <p:cNvPr id="3" name="Объект 2"/>
-          <p:cNvSpPr>
-            <a:spLocks noGrp="1"/>
-          </p:cNvSpPr>
-          <p:nvPr>
-            <p:ph idx="1"/>
-          </p:nvPr>
-        </p:nvSpPr>
-        <p:spPr/>
-        <p:txBody>
-          <a:bodyPr>
-            <a:normAutofit/>
-          </a:bodyPr>
-          <a:lstStyle/>
-          <a:p>
-            <a:pPr lvl="8"/>
-            <a:r>
-              <a:rPr lang="ru-RU" sz="3200" dirty="0" smtClean="0"/>
-              <a:t>Предлагаю взглянуть под капот!</a:t>
-            </a:r>
-            <a:endParaRPr lang="ru-RU" sz="3200" dirty="0"/>
           </a:p>
         </p:txBody>
       </p:sp>
       <p:pic>
         <p:nvPicPr>
-          <p:cNvPr id="4" name="Рисунок 3"/>
+          <p:cNvPr id="4" name="Объект 3"/>
           <p:cNvPicPr>
-            <a:picLocks noChangeAspect="1"/>
+            <a:picLocks noGrp="1" noChangeAspect="1"/>
           </p:cNvPicPr>
-          <p:nvPr/>
+          <p:nvPr>
+            <p:ph idx="1"/>
+          </p:nvPr>
         </p:nvPicPr>
         <p:blipFill>
           <a:blip r:embed="rId2">
@@ -22597,18 +22703,48 @@
         </p:blipFill>
         <p:spPr>
           <a:xfrm>
-            <a:off x="3637085" y="2981912"/>
-            <a:ext cx="4629150" cy="3267075"/>
+            <a:off x="4135070" y="2817935"/>
+            <a:ext cx="3190875" cy="1428750"/>
+          </a:xfrm>
+        </p:spPr>
+      </p:pic>
+      <p:sp>
+        <p:nvSpPr>
+          <p:cNvPr id="5" name="TextBox 4"/>
+          <p:cNvSpPr txBox="1"/>
+          <p:nvPr/>
+        </p:nvSpPr>
+        <p:spPr>
+          <a:xfrm>
+            <a:off x="10451856" y="5979502"/>
+            <a:ext cx="2276475" cy="646331"/>
           </a:xfrm>
           <a:prstGeom prst="rect">
             <a:avLst/>
           </a:prstGeom>
-        </p:spPr>
-      </p:pic>
+          <a:noFill/>
+        </p:spPr>
+        <p:txBody>
+          <a:bodyPr wrap="square" rtlCol="0">
+            <a:spAutoFit/>
+          </a:bodyPr>
+          <a:lstStyle/>
+          <a:p>
+            <a:r>
+              <a:rPr lang="en-US" dirty="0" smtClean="0"/>
+              <a:t>first_coro</a:t>
+            </a:r>
+            <a:endParaRPr lang="en-US" dirty="0"/>
+          </a:p>
+          <a:p>
+            <a:endParaRPr lang="ru-RU" dirty="0"/>
+          </a:p>
+        </p:txBody>
+      </p:sp>
     </p:spTree>
     <p:extLst>
       <p:ext uri="{BB962C8B-B14F-4D97-AF65-F5344CB8AC3E}">
-        <p14:creationId xmlns:p14="http://schemas.microsoft.com/office/powerpoint/2010/main" val="676999627"/>
+        <p14:creationId xmlns:p14="http://schemas.microsoft.com/office/powerpoint/2010/main" val="3123570289"/>
       </p:ext>
     </p:extLst>
   </p:cSld>
